--- a/lectures/lecture_17/Lecture_17_Generating_And_Using_Multiple_Models.pptx
+++ b/lectures/lecture_17/Lecture_17_Generating_And_Using_Multiple_Models.pptx
@@ -5,18 +5,33 @@
     <p:sldMasterId id="2147483648" r:id="rId1"/>
   </p:sldMasterIdLst>
   <p:notesMasterIdLst>
-    <p:notesMasterId r:id="rId8"/>
+    <p:notesMasterId r:id="rId23"/>
   </p:notesMasterIdLst>
   <p:handoutMasterIdLst>
-    <p:handoutMasterId r:id="rId9"/>
+    <p:handoutMasterId r:id="rId24"/>
   </p:handoutMasterIdLst>
   <p:sldIdLst>
     <p:sldId id="347" r:id="rId2"/>
     <p:sldId id="363" r:id="rId3"/>
     <p:sldId id="366" r:id="rId4"/>
     <p:sldId id="371" r:id="rId5"/>
-    <p:sldId id="372" r:id="rId6"/>
-    <p:sldId id="373" r:id="rId7"/>
+    <p:sldId id="374" r:id="rId6"/>
+    <p:sldId id="389" r:id="rId7"/>
+    <p:sldId id="387" r:id="rId8"/>
+    <p:sldId id="383" r:id="rId9"/>
+    <p:sldId id="384" r:id="rId10"/>
+    <p:sldId id="385" r:id="rId11"/>
+    <p:sldId id="388" r:id="rId12"/>
+    <p:sldId id="386" r:id="rId13"/>
+    <p:sldId id="376" r:id="rId14"/>
+    <p:sldId id="381" r:id="rId15"/>
+    <p:sldId id="391" r:id="rId16"/>
+    <p:sldId id="392" r:id="rId17"/>
+    <p:sldId id="375" r:id="rId18"/>
+    <p:sldId id="373" r:id="rId19"/>
+    <p:sldId id="382" r:id="rId20"/>
+    <p:sldId id="390" r:id="rId21"/>
+    <p:sldId id="372" r:id="rId22"/>
   </p:sldIdLst>
   <p:sldSz cx="9144000" cy="6858000" type="screen4x3"/>
   <p:notesSz cx="6858000" cy="9144000"/>
@@ -154,8 +169,23 @@
             <p14:sldId id="363"/>
             <p14:sldId id="366"/>
             <p14:sldId id="371"/>
+            <p14:sldId id="374"/>
+            <p14:sldId id="389"/>
+            <p14:sldId id="387"/>
+            <p14:sldId id="383"/>
+            <p14:sldId id="384"/>
+            <p14:sldId id="385"/>
+            <p14:sldId id="388"/>
+            <p14:sldId id="386"/>
+            <p14:sldId id="376"/>
+            <p14:sldId id="381"/>
+            <p14:sldId id="391"/>
+            <p14:sldId id="392"/>
+            <p14:sldId id="375"/>
+            <p14:sldId id="373"/>
+            <p14:sldId id="382"/>
+            <p14:sldId id="390"/>
             <p14:sldId id="372"/>
-            <p14:sldId id="373"/>
           </p14:sldIdLst>
         </p14:section>
       </p14:sectionLst>
@@ -985,7 +1015,7 @@
               <a:pPr>
                 <a:defRPr/>
               </a:pPr>
-              <a:t>5</a:t>
+              <a:t>13</a:t>
             </a:fld>
             <a:endParaRPr lang="en-US" altLang="x-none"/>
           </a:p>
@@ -994,7 +1024,193 @@
     </p:spTree>
     <p:extLst>
       <p:ext uri="{BB962C8B-B14F-4D97-AF65-F5344CB8AC3E}">
-        <p14:creationId xmlns:p14="http://schemas.microsoft.com/office/powerpoint/2010/main" val="4219134662"/>
+        <p14:creationId xmlns:p14="http://schemas.microsoft.com/office/powerpoint/2010/main" val="1335470144"/>
+      </p:ext>
+    </p:extLst>
+  </p:cSld>
+  <p:clrMapOvr>
+    <a:masterClrMapping/>
+  </p:clrMapOvr>
+</p:notes>
+</file>
+
+<file path=ppt/notesSlides/notesSlide3.xml><?xml version="1.0" encoding="utf-8"?>
+<p:notes xmlns:a="http://schemas.openxmlformats.org/drawingml/2006/main" xmlns:r="http://schemas.openxmlformats.org/officeDocument/2006/relationships" xmlns:p="http://schemas.openxmlformats.org/presentationml/2006/main">
+  <p:cSld>
+    <p:spTree>
+      <p:nvGrpSpPr>
+        <p:cNvPr id="1" name=""/>
+        <p:cNvGrpSpPr/>
+        <p:nvPr/>
+      </p:nvGrpSpPr>
+      <p:grpSpPr>
+        <a:xfrm>
+          <a:off x="0" y="0"/>
+          <a:ext cx="0" cy="0"/>
+          <a:chOff x="0" y="0"/>
+          <a:chExt cx="0" cy="0"/>
+        </a:xfrm>
+      </p:grpSpPr>
+      <p:sp>
+        <p:nvSpPr>
+          <p:cNvPr id="2" name="Slide Image Placeholder 1"/>
+          <p:cNvSpPr>
+            <a:spLocks noGrp="1" noRot="1" noChangeAspect="1"/>
+          </p:cNvSpPr>
+          <p:nvPr>
+            <p:ph type="sldImg"/>
+          </p:nvPr>
+        </p:nvSpPr>
+        <p:spPr/>
+      </p:sp>
+      <p:sp>
+        <p:nvSpPr>
+          <p:cNvPr id="3" name="Notes Placeholder 2"/>
+          <p:cNvSpPr>
+            <a:spLocks noGrp="1"/>
+          </p:cNvSpPr>
+          <p:nvPr>
+            <p:ph type="body" idx="1"/>
+          </p:nvPr>
+        </p:nvSpPr>
+        <p:spPr/>
+        <p:txBody>
+          <a:bodyPr/>
+          <a:lstStyle/>
+          <a:p>
+            <a:r>
+              <a:rPr lang="en-US" dirty="0"/>
+              <a:t>If we can express a model as simple text, then we can generate simple text to generate models.</a:t>
+            </a:r>
+          </a:p>
+        </p:txBody>
+      </p:sp>
+      <p:sp>
+        <p:nvSpPr>
+          <p:cNvPr id="4" name="Slide Number Placeholder 3"/>
+          <p:cNvSpPr>
+            <a:spLocks noGrp="1"/>
+          </p:cNvSpPr>
+          <p:nvPr>
+            <p:ph type="sldNum" sz="quarter" idx="5"/>
+          </p:nvPr>
+        </p:nvSpPr>
+        <p:spPr/>
+        <p:txBody>
+          <a:bodyPr/>
+          <a:lstStyle/>
+          <a:p>
+            <a:pPr>
+              <a:defRPr/>
+            </a:pPr>
+            <a:fld id="{1E3608CA-DBCA-4E8F-8DAB-6E1AFAF19782}" type="slidenum">
+              <a:rPr lang="en-US" altLang="x-none" smtClean="0"/>
+              <a:pPr>
+                <a:defRPr/>
+              </a:pPr>
+              <a:t>17</a:t>
+            </a:fld>
+            <a:endParaRPr lang="en-US" altLang="x-none"/>
+          </a:p>
+        </p:txBody>
+      </p:sp>
+    </p:spTree>
+    <p:extLst>
+      <p:ext uri="{BB962C8B-B14F-4D97-AF65-F5344CB8AC3E}">
+        <p14:creationId xmlns:p14="http://schemas.microsoft.com/office/powerpoint/2010/main" val="174574899"/>
+      </p:ext>
+    </p:extLst>
+  </p:cSld>
+  <p:clrMapOvr>
+    <a:masterClrMapping/>
+  </p:clrMapOvr>
+</p:notes>
+</file>
+
+<file path=ppt/notesSlides/notesSlide4.xml><?xml version="1.0" encoding="utf-8"?>
+<p:notes xmlns:a="http://schemas.openxmlformats.org/drawingml/2006/main" xmlns:r="http://schemas.openxmlformats.org/officeDocument/2006/relationships" xmlns:p="http://schemas.openxmlformats.org/presentationml/2006/main">
+  <p:cSld>
+    <p:spTree>
+      <p:nvGrpSpPr>
+        <p:cNvPr id="1" name=""/>
+        <p:cNvGrpSpPr/>
+        <p:nvPr/>
+      </p:nvGrpSpPr>
+      <p:grpSpPr>
+        <a:xfrm>
+          <a:off x="0" y="0"/>
+          <a:ext cx="0" cy="0"/>
+          <a:chOff x="0" y="0"/>
+          <a:chExt cx="0" cy="0"/>
+        </a:xfrm>
+      </p:grpSpPr>
+      <p:sp>
+        <p:nvSpPr>
+          <p:cNvPr id="2" name="Slide Image Placeholder 1"/>
+          <p:cNvSpPr>
+            <a:spLocks noGrp="1" noRot="1" noChangeAspect="1"/>
+          </p:cNvSpPr>
+          <p:nvPr>
+            <p:ph type="sldImg"/>
+          </p:nvPr>
+        </p:nvSpPr>
+        <p:spPr/>
+      </p:sp>
+      <p:sp>
+        <p:nvSpPr>
+          <p:cNvPr id="3" name="Notes Placeholder 2"/>
+          <p:cNvSpPr>
+            <a:spLocks noGrp="1"/>
+          </p:cNvSpPr>
+          <p:nvPr>
+            <p:ph type="body" idx="1"/>
+          </p:nvPr>
+        </p:nvSpPr>
+        <p:spPr/>
+        <p:txBody>
+          <a:bodyPr/>
+          <a:lstStyle/>
+          <a:p>
+            <a:r>
+              <a:rPr lang="en-US" dirty="0"/>
+              <a:t>If we can express a model as simple text, then we can generate simple text to generate models.</a:t>
+            </a:r>
+          </a:p>
+        </p:txBody>
+      </p:sp>
+      <p:sp>
+        <p:nvSpPr>
+          <p:cNvPr id="4" name="Slide Number Placeholder 3"/>
+          <p:cNvSpPr>
+            <a:spLocks noGrp="1"/>
+          </p:cNvSpPr>
+          <p:nvPr>
+            <p:ph type="sldNum" sz="quarter" idx="5"/>
+          </p:nvPr>
+        </p:nvSpPr>
+        <p:spPr/>
+        <p:txBody>
+          <a:bodyPr/>
+          <a:lstStyle/>
+          <a:p>
+            <a:pPr>
+              <a:defRPr/>
+            </a:pPr>
+            <a:fld id="{1E3608CA-DBCA-4E8F-8DAB-6E1AFAF19782}" type="slidenum">
+              <a:rPr lang="en-US" altLang="x-none" smtClean="0"/>
+              <a:pPr>
+                <a:defRPr/>
+              </a:pPr>
+              <a:t>21</a:t>
+            </a:fld>
+            <a:endParaRPr lang="en-US" altLang="x-none"/>
+          </a:p>
+        </p:txBody>
+      </p:sp>
+    </p:spTree>
+    <p:extLst>
+      <p:ext uri="{BB962C8B-B14F-4D97-AF65-F5344CB8AC3E}">
+        <p14:creationId xmlns:p14="http://schemas.microsoft.com/office/powerpoint/2010/main" val="1133587451"/>
       </p:ext>
     </p:extLst>
   </p:cSld>
@@ -5033,7 +5249,7 @@
               <a:rPr lang="en-US" altLang="en-US" sz="2800" b="1" u="sng" dirty="0">
                 <a:ea typeface="ＭＳ Ｐゴシック" panose="020B0600070205080204" pitchFamily="34" charset="-128"/>
               </a:rPr>
-              <a:t>Lecture 17: Generating and Using Multiple Models</a:t>
+              <a:t>Lecture 17: Generating Kinetics Models</a:t>
             </a:r>
             <a:br>
               <a:rPr lang="en-US" altLang="en-US" b="1" dirty="0">
@@ -5144,6 +5360,6118 @@
   <p:clrMapOvr>
     <a:masterClrMapping/>
   </p:clrMapOvr>
+</p:sld>
+</file>
+
+<file path=ppt/slides/slide10.xml><?xml version="1.0" encoding="utf-8"?>
+<p:sld xmlns:a="http://schemas.openxmlformats.org/drawingml/2006/main" xmlns:r="http://schemas.openxmlformats.org/officeDocument/2006/relationships" xmlns:p="http://schemas.openxmlformats.org/presentationml/2006/main">
+  <p:cSld>
+    <p:spTree>
+      <p:nvGrpSpPr>
+        <p:cNvPr id="1" name=""/>
+        <p:cNvGrpSpPr/>
+        <p:nvPr/>
+      </p:nvGrpSpPr>
+      <p:grpSpPr>
+        <a:xfrm>
+          <a:off x="0" y="0"/>
+          <a:ext cx="0" cy="0"/>
+          <a:chOff x="0" y="0"/>
+          <a:chExt cx="0" cy="0"/>
+        </a:xfrm>
+      </p:grpSpPr>
+      <p:sp>
+        <p:nvSpPr>
+          <p:cNvPr id="2" name="Title 1">
+            <a:extLst>
+              <a:ext uri="{FF2B5EF4-FFF2-40B4-BE49-F238E27FC236}">
+                <a16:creationId xmlns:a16="http://schemas.microsoft.com/office/drawing/2014/main" id="{13EC8E2F-2F9A-4E4A-B93B-3FFF0E22B209}"/>
+              </a:ext>
+            </a:extLst>
+          </p:cNvPr>
+          <p:cNvSpPr>
+            <a:spLocks noGrp="1"/>
+          </p:cNvSpPr>
+          <p:nvPr>
+            <p:ph type="title"/>
+          </p:nvPr>
+        </p:nvSpPr>
+        <p:spPr/>
+        <p:txBody>
+          <a:bodyPr/>
+          <a:lstStyle/>
+          <a:p>
+            <a:r>
+              <a:rPr lang="en-US" sz="3200" dirty="0"/>
+              <a:t>Model Generation</a:t>
+            </a:r>
+          </a:p>
+        </p:txBody>
+      </p:sp>
+      <p:sp>
+        <p:nvSpPr>
+          <p:cNvPr id="4" name="Slide Number Placeholder 3">
+            <a:extLst>
+              <a:ext uri="{FF2B5EF4-FFF2-40B4-BE49-F238E27FC236}">
+                <a16:creationId xmlns:a16="http://schemas.microsoft.com/office/drawing/2014/main" id="{D0E144A6-FFFB-8E49-B063-85ABD40FB0AE}"/>
+              </a:ext>
+            </a:extLst>
+          </p:cNvPr>
+          <p:cNvSpPr>
+            <a:spLocks noGrp="1"/>
+          </p:cNvSpPr>
+          <p:nvPr>
+            <p:ph type="sldNum" sz="quarter" idx="11"/>
+          </p:nvPr>
+        </p:nvSpPr>
+        <p:spPr/>
+        <p:txBody>
+          <a:bodyPr/>
+          <a:lstStyle/>
+          <a:p>
+            <a:pPr>
+              <a:defRPr/>
+            </a:pPr>
+            <a:fld id="{3EF4E9CC-9D91-476E-91FD-5BEEC1642931}" type="slidenum">
+              <a:rPr lang="en-US" altLang="x-none" smtClean="0"/>
+              <a:pPr>
+                <a:defRPr/>
+              </a:pPr>
+              <a:t>10</a:t>
+            </a:fld>
+            <a:endParaRPr lang="en-US" altLang="x-none"/>
+          </a:p>
+        </p:txBody>
+      </p:sp>
+      <p:sp>
+        <p:nvSpPr>
+          <p:cNvPr id="5" name="Oval 4">
+            <a:extLst>
+              <a:ext uri="{FF2B5EF4-FFF2-40B4-BE49-F238E27FC236}">
+                <a16:creationId xmlns:a16="http://schemas.microsoft.com/office/drawing/2014/main" id="{4B53439D-F5B3-5E4D-890E-635352BD7183}"/>
+              </a:ext>
+            </a:extLst>
+          </p:cNvPr>
+          <p:cNvSpPr/>
+          <p:nvPr/>
+        </p:nvSpPr>
+        <p:spPr>
+          <a:xfrm>
+            <a:off x="1474615" y="1066800"/>
+            <a:ext cx="1600200" cy="838200"/>
+          </a:xfrm>
+          <a:prstGeom prst="ellipse">
+            <a:avLst/>
+          </a:prstGeom>
+        </p:spPr>
+        <p:style>
+          <a:lnRef idx="1">
+            <a:schemeClr val="accent1"/>
+          </a:lnRef>
+          <a:fillRef idx="3">
+            <a:schemeClr val="accent1"/>
+          </a:fillRef>
+          <a:effectRef idx="2">
+            <a:schemeClr val="accent1"/>
+          </a:effectRef>
+          <a:fontRef idx="minor">
+            <a:schemeClr val="lt1"/>
+          </a:fontRef>
+        </p:style>
+        <p:txBody>
+          <a:bodyPr rtlCol="0" anchor="ctr"/>
+          <a:lstStyle/>
+          <a:p>
+            <a:pPr algn="ctr"/>
+            <a:r>
+              <a:rPr lang="en-US" dirty="0"/>
+              <a:t>Antimony Model</a:t>
+            </a:r>
+          </a:p>
+        </p:txBody>
+      </p:sp>
+      <p:sp>
+        <p:nvSpPr>
+          <p:cNvPr id="6" name="Oval 5">
+            <a:extLst>
+              <a:ext uri="{FF2B5EF4-FFF2-40B4-BE49-F238E27FC236}">
+                <a16:creationId xmlns:a16="http://schemas.microsoft.com/office/drawing/2014/main" id="{BFBBBCBB-E98E-7E4E-BC3F-B5228C071B46}"/>
+              </a:ext>
+            </a:extLst>
+          </p:cNvPr>
+          <p:cNvSpPr/>
+          <p:nvPr/>
+        </p:nvSpPr>
+        <p:spPr>
+          <a:xfrm>
+            <a:off x="4114800" y="1066800"/>
+            <a:ext cx="2362200" cy="838200"/>
+          </a:xfrm>
+          <a:prstGeom prst="ellipse">
+            <a:avLst/>
+          </a:prstGeom>
+        </p:spPr>
+        <p:style>
+          <a:lnRef idx="1">
+            <a:schemeClr val="accent1"/>
+          </a:lnRef>
+          <a:fillRef idx="3">
+            <a:schemeClr val="accent1"/>
+          </a:fillRef>
+          <a:effectRef idx="2">
+            <a:schemeClr val="accent1"/>
+          </a:effectRef>
+          <a:fontRef idx="minor">
+            <a:schemeClr val="lt1"/>
+          </a:fontRef>
+        </p:style>
+        <p:txBody>
+          <a:bodyPr rtlCol="0" anchor="ctr"/>
+          <a:lstStyle/>
+          <a:p>
+            <a:pPr algn="ctr"/>
+            <a:r>
+              <a:rPr lang="en-US" dirty="0"/>
+              <a:t>new-middle</a:t>
+            </a:r>
+          </a:p>
+        </p:txBody>
+      </p:sp>
+      <p:sp>
+        <p:nvSpPr>
+          <p:cNvPr id="7" name="Rounded Rectangle 6">
+            <a:extLst>
+              <a:ext uri="{FF2B5EF4-FFF2-40B4-BE49-F238E27FC236}">
+                <a16:creationId xmlns:a16="http://schemas.microsoft.com/office/drawing/2014/main" id="{845CA043-1663-4B45-AAC5-5C17CF207E68}"/>
+              </a:ext>
+            </a:extLst>
+          </p:cNvPr>
+          <p:cNvSpPr/>
+          <p:nvPr/>
+        </p:nvSpPr>
+        <p:spPr>
+          <a:xfrm>
+            <a:off x="1360315" y="2438400"/>
+            <a:ext cx="1828800" cy="685800"/>
+          </a:xfrm>
+          <a:prstGeom prst="roundRect">
+            <a:avLst/>
+          </a:prstGeom>
+        </p:spPr>
+        <p:style>
+          <a:lnRef idx="1">
+            <a:schemeClr val="accent1"/>
+          </a:lnRef>
+          <a:fillRef idx="3">
+            <a:schemeClr val="accent1"/>
+          </a:fillRef>
+          <a:effectRef idx="2">
+            <a:schemeClr val="accent1"/>
+          </a:effectRef>
+          <a:fontRef idx="minor">
+            <a:schemeClr val="lt1"/>
+          </a:fontRef>
+        </p:style>
+        <p:txBody>
+          <a:bodyPr rtlCol="0" anchor="ctr"/>
+          <a:lstStyle/>
+          <a:p>
+            <a:pPr algn="ctr"/>
+            <a:r>
+              <a:rPr lang="en-US" dirty="0"/>
+              <a:t>Simulation</a:t>
+            </a:r>
+          </a:p>
+        </p:txBody>
+      </p:sp>
+      <p:pic>
+        <p:nvPicPr>
+          <p:cNvPr id="8" name="Picture 7">
+            <a:extLst>
+              <a:ext uri="{FF2B5EF4-FFF2-40B4-BE49-F238E27FC236}">
+                <a16:creationId xmlns:a16="http://schemas.microsoft.com/office/drawing/2014/main" id="{7F481D01-F820-9C48-B49C-49984372A70E}"/>
+              </a:ext>
+            </a:extLst>
+          </p:cNvPr>
+          <p:cNvPicPr>
+            <a:picLocks noChangeAspect="1"/>
+          </p:cNvPicPr>
+          <p:nvPr/>
+        </p:nvPicPr>
+        <p:blipFill>
+          <a:blip r:embed="rId2"/>
+          <a:stretch>
+            <a:fillRect/>
+          </a:stretch>
+        </p:blipFill>
+        <p:spPr>
+          <a:xfrm>
+            <a:off x="1093615" y="4830762"/>
+            <a:ext cx="2362200" cy="1676400"/>
+          </a:xfrm>
+          <a:prstGeom prst="rect">
+            <a:avLst/>
+          </a:prstGeom>
+        </p:spPr>
+      </p:pic>
+      <p:sp>
+        <p:nvSpPr>
+          <p:cNvPr id="9" name="Rounded Rectangle 8">
+            <a:extLst>
+              <a:ext uri="{FF2B5EF4-FFF2-40B4-BE49-F238E27FC236}">
+                <a16:creationId xmlns:a16="http://schemas.microsoft.com/office/drawing/2014/main" id="{8E2EA87D-06CD-5348-98DD-8418146DEB55}"/>
+              </a:ext>
+            </a:extLst>
+          </p:cNvPr>
+          <p:cNvSpPr/>
+          <p:nvPr/>
+        </p:nvSpPr>
+        <p:spPr>
+          <a:xfrm>
+            <a:off x="4381500" y="2344615"/>
+            <a:ext cx="1828800" cy="685800"/>
+          </a:xfrm>
+          <a:prstGeom prst="roundRect">
+            <a:avLst/>
+          </a:prstGeom>
+        </p:spPr>
+        <p:style>
+          <a:lnRef idx="1">
+            <a:schemeClr val="accent1"/>
+          </a:lnRef>
+          <a:fillRef idx="3">
+            <a:schemeClr val="accent1"/>
+          </a:fillRef>
+          <a:effectRef idx="2">
+            <a:schemeClr val="accent1"/>
+          </a:effectRef>
+          <a:fontRef idx="minor">
+            <a:schemeClr val="lt1"/>
+          </a:fontRef>
+        </p:style>
+        <p:txBody>
+          <a:bodyPr rtlCol="0" anchor="ctr"/>
+          <a:lstStyle/>
+          <a:p>
+            <a:pPr algn="ctr"/>
+            <a:r>
+              <a:rPr lang="en-US" dirty="0"/>
+              <a:t>Generate Model</a:t>
+            </a:r>
+          </a:p>
+        </p:txBody>
+      </p:sp>
+      <p:sp>
+        <p:nvSpPr>
+          <p:cNvPr id="10" name="Rounded Rectangle 9">
+            <a:extLst>
+              <a:ext uri="{FF2B5EF4-FFF2-40B4-BE49-F238E27FC236}">
+                <a16:creationId xmlns:a16="http://schemas.microsoft.com/office/drawing/2014/main" id="{5FFBB26B-E4AD-1C4A-BBF2-3278EA34EFF8}"/>
+              </a:ext>
+            </a:extLst>
+          </p:cNvPr>
+          <p:cNvSpPr/>
+          <p:nvPr/>
+        </p:nvSpPr>
+        <p:spPr>
+          <a:xfrm>
+            <a:off x="4381500" y="3470030"/>
+            <a:ext cx="1828800" cy="685800"/>
+          </a:xfrm>
+          <a:prstGeom prst="roundRect">
+            <a:avLst/>
+          </a:prstGeom>
+        </p:spPr>
+        <p:style>
+          <a:lnRef idx="1">
+            <a:schemeClr val="accent1"/>
+          </a:lnRef>
+          <a:fillRef idx="3">
+            <a:schemeClr val="accent1"/>
+          </a:fillRef>
+          <a:effectRef idx="2">
+            <a:schemeClr val="accent1"/>
+          </a:effectRef>
+          <a:fontRef idx="minor">
+            <a:schemeClr val="lt1"/>
+          </a:fontRef>
+        </p:style>
+        <p:txBody>
+          <a:bodyPr rtlCol="0" anchor="ctr"/>
+          <a:lstStyle/>
+          <a:p>
+            <a:pPr algn="ctr"/>
+            <a:r>
+              <a:rPr lang="en-US" dirty="0"/>
+              <a:t>Simulation</a:t>
+            </a:r>
+          </a:p>
+        </p:txBody>
+      </p:sp>
+      <p:pic>
+        <p:nvPicPr>
+          <p:cNvPr id="11" name="Picture 10">
+            <a:extLst>
+              <a:ext uri="{FF2B5EF4-FFF2-40B4-BE49-F238E27FC236}">
+                <a16:creationId xmlns:a16="http://schemas.microsoft.com/office/drawing/2014/main" id="{94D77FC3-6A17-DD44-84A5-1E8D2A199EA5}"/>
+              </a:ext>
+            </a:extLst>
+          </p:cNvPr>
+          <p:cNvPicPr>
+            <a:picLocks noChangeAspect="1"/>
+          </p:cNvPicPr>
+          <p:nvPr/>
+        </p:nvPicPr>
+        <p:blipFill>
+          <a:blip r:embed="rId2"/>
+          <a:stretch>
+            <a:fillRect/>
+          </a:stretch>
+        </p:blipFill>
+        <p:spPr>
+          <a:xfrm>
+            <a:off x="4114800" y="4876800"/>
+            <a:ext cx="2362200" cy="1676400"/>
+          </a:xfrm>
+          <a:prstGeom prst="rect">
+            <a:avLst/>
+          </a:prstGeom>
+        </p:spPr>
+      </p:pic>
+      <p:cxnSp>
+        <p:nvCxnSpPr>
+          <p:cNvPr id="13" name="Elbow Connector 12">
+            <a:extLst>
+              <a:ext uri="{FF2B5EF4-FFF2-40B4-BE49-F238E27FC236}">
+                <a16:creationId xmlns:a16="http://schemas.microsoft.com/office/drawing/2014/main" id="{340D17B5-8A70-B64F-9969-987498F1044A}"/>
+              </a:ext>
+            </a:extLst>
+          </p:cNvPr>
+          <p:cNvCxnSpPr/>
+          <p:nvPr/>
+        </p:nvCxnSpPr>
+        <p:spPr>
+          <a:xfrm rot="5400000">
+            <a:off x="2008015" y="2171700"/>
+            <a:ext cx="533400" cy="12700"/>
+          </a:xfrm>
+          <a:prstGeom prst="bentConnector3">
+            <a:avLst/>
+          </a:prstGeom>
+          <a:ln>
+            <a:tailEnd type="triangle"/>
+          </a:ln>
+        </p:spPr>
+        <p:style>
+          <a:lnRef idx="2">
+            <a:schemeClr val="accent1"/>
+          </a:lnRef>
+          <a:fillRef idx="0">
+            <a:schemeClr val="accent1"/>
+          </a:fillRef>
+          <a:effectRef idx="1">
+            <a:schemeClr val="accent1"/>
+          </a:effectRef>
+          <a:fontRef idx="minor">
+            <a:schemeClr val="tx1"/>
+          </a:fontRef>
+        </p:style>
+      </p:cxnSp>
+      <p:cxnSp>
+        <p:nvCxnSpPr>
+          <p:cNvPr id="14" name="Elbow Connector 13">
+            <a:extLst>
+              <a:ext uri="{FF2B5EF4-FFF2-40B4-BE49-F238E27FC236}">
+                <a16:creationId xmlns:a16="http://schemas.microsoft.com/office/drawing/2014/main" id="{113CE6B6-EA8E-2D49-8133-409CDD1997B7}"/>
+              </a:ext>
+            </a:extLst>
+          </p:cNvPr>
+          <p:cNvCxnSpPr>
+            <a:cxnSpLocks/>
+          </p:cNvCxnSpPr>
+          <p:nvPr/>
+        </p:nvCxnSpPr>
+        <p:spPr>
+          <a:xfrm rot="5400000">
+            <a:off x="1421434" y="3977481"/>
+            <a:ext cx="1706562" cy="12700"/>
+          </a:xfrm>
+          <a:prstGeom prst="bentConnector3">
+            <a:avLst/>
+          </a:prstGeom>
+          <a:ln>
+            <a:tailEnd type="triangle"/>
+          </a:ln>
+        </p:spPr>
+        <p:style>
+          <a:lnRef idx="2">
+            <a:schemeClr val="accent1"/>
+          </a:lnRef>
+          <a:fillRef idx="0">
+            <a:schemeClr val="accent1"/>
+          </a:fillRef>
+          <a:effectRef idx="1">
+            <a:schemeClr val="accent1"/>
+          </a:effectRef>
+          <a:fontRef idx="minor">
+            <a:schemeClr val="tx1"/>
+          </a:fontRef>
+        </p:style>
+      </p:cxnSp>
+      <p:cxnSp>
+        <p:nvCxnSpPr>
+          <p:cNvPr id="17" name="Elbow Connector 16">
+            <a:extLst>
+              <a:ext uri="{FF2B5EF4-FFF2-40B4-BE49-F238E27FC236}">
+                <a16:creationId xmlns:a16="http://schemas.microsoft.com/office/drawing/2014/main" id="{5F869251-8836-B441-8D0E-C08FC0BE07A3}"/>
+              </a:ext>
+            </a:extLst>
+          </p:cNvPr>
+          <p:cNvCxnSpPr>
+            <a:cxnSpLocks/>
+          </p:cNvCxnSpPr>
+          <p:nvPr/>
+        </p:nvCxnSpPr>
+        <p:spPr>
+          <a:xfrm rot="5400000">
+            <a:off x="5076093" y="2124807"/>
+            <a:ext cx="439615" cy="12700"/>
+          </a:xfrm>
+          <a:prstGeom prst="bentConnector3">
+            <a:avLst/>
+          </a:prstGeom>
+          <a:ln>
+            <a:tailEnd type="triangle"/>
+          </a:ln>
+        </p:spPr>
+        <p:style>
+          <a:lnRef idx="2">
+            <a:schemeClr val="accent1"/>
+          </a:lnRef>
+          <a:fillRef idx="0">
+            <a:schemeClr val="accent1"/>
+          </a:fillRef>
+          <a:effectRef idx="1">
+            <a:schemeClr val="accent1"/>
+          </a:effectRef>
+          <a:fontRef idx="minor">
+            <a:schemeClr val="tx1"/>
+          </a:fontRef>
+        </p:style>
+      </p:cxnSp>
+      <p:cxnSp>
+        <p:nvCxnSpPr>
+          <p:cNvPr id="20" name="Elbow Connector 19">
+            <a:extLst>
+              <a:ext uri="{FF2B5EF4-FFF2-40B4-BE49-F238E27FC236}">
+                <a16:creationId xmlns:a16="http://schemas.microsoft.com/office/drawing/2014/main" id="{6186B50B-6435-4A43-AF6E-45C79B62F63B}"/>
+              </a:ext>
+            </a:extLst>
+          </p:cNvPr>
+          <p:cNvCxnSpPr>
+            <a:cxnSpLocks/>
+          </p:cNvCxnSpPr>
+          <p:nvPr/>
+        </p:nvCxnSpPr>
+        <p:spPr>
+          <a:xfrm rot="5400000">
+            <a:off x="5076093" y="3250222"/>
+            <a:ext cx="439615" cy="12700"/>
+          </a:xfrm>
+          <a:prstGeom prst="bentConnector3">
+            <a:avLst/>
+          </a:prstGeom>
+          <a:ln>
+            <a:tailEnd type="triangle"/>
+          </a:ln>
+        </p:spPr>
+        <p:style>
+          <a:lnRef idx="2">
+            <a:schemeClr val="accent1"/>
+          </a:lnRef>
+          <a:fillRef idx="0">
+            <a:schemeClr val="accent1"/>
+          </a:fillRef>
+          <a:effectRef idx="1">
+            <a:schemeClr val="accent1"/>
+          </a:effectRef>
+          <a:fontRef idx="minor">
+            <a:schemeClr val="tx1"/>
+          </a:fontRef>
+        </p:style>
+      </p:cxnSp>
+      <p:cxnSp>
+        <p:nvCxnSpPr>
+          <p:cNvPr id="23" name="Elbow Connector 22">
+            <a:extLst>
+              <a:ext uri="{FF2B5EF4-FFF2-40B4-BE49-F238E27FC236}">
+                <a16:creationId xmlns:a16="http://schemas.microsoft.com/office/drawing/2014/main" id="{124C9E52-15F3-0641-884A-54D4E11160AD}"/>
+              </a:ext>
+            </a:extLst>
+          </p:cNvPr>
+          <p:cNvCxnSpPr>
+            <a:cxnSpLocks/>
+          </p:cNvCxnSpPr>
+          <p:nvPr/>
+        </p:nvCxnSpPr>
+        <p:spPr>
+          <a:xfrm rot="5400000">
+            <a:off x="4935415" y="4516315"/>
+            <a:ext cx="720970" cy="12700"/>
+          </a:xfrm>
+          <a:prstGeom prst="bentConnector3">
+            <a:avLst/>
+          </a:prstGeom>
+          <a:ln>
+            <a:tailEnd type="triangle"/>
+          </a:ln>
+        </p:spPr>
+        <p:style>
+          <a:lnRef idx="2">
+            <a:schemeClr val="accent1"/>
+          </a:lnRef>
+          <a:fillRef idx="0">
+            <a:schemeClr val="accent1"/>
+          </a:fillRef>
+          <a:effectRef idx="1">
+            <a:schemeClr val="accent1"/>
+          </a:effectRef>
+          <a:fontRef idx="minor">
+            <a:schemeClr val="tx1"/>
+          </a:fontRef>
+        </p:style>
+      </p:cxnSp>
+      <p:sp>
+        <p:nvSpPr>
+          <p:cNvPr id="3" name="TextBox 2">
+            <a:extLst>
+              <a:ext uri="{FF2B5EF4-FFF2-40B4-BE49-F238E27FC236}">
+                <a16:creationId xmlns:a16="http://schemas.microsoft.com/office/drawing/2014/main" id="{E962B7FD-FF86-714E-BB4B-E83C61F4C7E4}"/>
+              </a:ext>
+            </a:extLst>
+          </p:cNvPr>
+          <p:cNvSpPr txBox="1"/>
+          <p:nvPr/>
+        </p:nvSpPr>
+        <p:spPr>
+          <a:xfrm>
+            <a:off x="304800" y="1301234"/>
+            <a:ext cx="1056700" cy="369332"/>
+          </a:xfrm>
+          <a:prstGeom prst="rect">
+            <a:avLst/>
+          </a:prstGeom>
+          <a:noFill/>
+        </p:spPr>
+        <p:txBody>
+          <a:bodyPr wrap="none" rtlCol="0">
+            <a:spAutoFit/>
+          </a:bodyPr>
+          <a:lstStyle/>
+          <a:p>
+            <a:r>
+              <a:rPr lang="en-US" b="1" dirty="0"/>
+              <a:t>Original</a:t>
+            </a:r>
+          </a:p>
+        </p:txBody>
+      </p:sp>
+      <p:sp>
+        <p:nvSpPr>
+          <p:cNvPr id="21" name="TextBox 20">
+            <a:extLst>
+              <a:ext uri="{FF2B5EF4-FFF2-40B4-BE49-F238E27FC236}">
+                <a16:creationId xmlns:a16="http://schemas.microsoft.com/office/drawing/2014/main" id="{250A2EA7-7DA1-A840-BDB2-E43FB0FD72FF}"/>
+              </a:ext>
+            </a:extLst>
+          </p:cNvPr>
+          <p:cNvSpPr txBox="1"/>
+          <p:nvPr/>
+        </p:nvSpPr>
+        <p:spPr>
+          <a:xfrm>
+            <a:off x="6629400" y="1307068"/>
+            <a:ext cx="1402948" cy="369332"/>
+          </a:xfrm>
+          <a:prstGeom prst="rect">
+            <a:avLst/>
+          </a:prstGeom>
+          <a:noFill/>
+        </p:spPr>
+        <p:txBody>
+          <a:bodyPr wrap="none" rtlCol="0">
+            <a:spAutoFit/>
+          </a:bodyPr>
+          <a:lstStyle/>
+          <a:p>
+            <a:r>
+              <a:rPr lang="en-US" b="1" dirty="0"/>
+              <a:t>Generation</a:t>
+            </a:r>
+          </a:p>
+        </p:txBody>
+      </p:sp>
+      <p:sp>
+        <p:nvSpPr>
+          <p:cNvPr id="12" name="TextBox 11">
+            <a:extLst>
+              <a:ext uri="{FF2B5EF4-FFF2-40B4-BE49-F238E27FC236}">
+                <a16:creationId xmlns:a16="http://schemas.microsoft.com/office/drawing/2014/main" id="{E152F940-AD1F-E741-B07E-A564885034B6}"/>
+              </a:ext>
+            </a:extLst>
+          </p:cNvPr>
+          <p:cNvSpPr txBox="1"/>
+          <p:nvPr/>
+        </p:nvSpPr>
+        <p:spPr>
+          <a:xfrm>
+            <a:off x="6477000" y="2444750"/>
+            <a:ext cx="2283702" cy="369332"/>
+          </a:xfrm>
+          <a:prstGeom prst="rect">
+            <a:avLst/>
+          </a:prstGeom>
+          <a:noFill/>
+        </p:spPr>
+        <p:txBody>
+          <a:bodyPr wrap="none" rtlCol="0">
+            <a:spAutoFit/>
+          </a:bodyPr>
+          <a:lstStyle/>
+          <a:p>
+            <a:r>
+              <a:rPr lang="en-US" dirty="0"/>
+              <a:t>Head + Middle + Tail</a:t>
+            </a:r>
+          </a:p>
+        </p:txBody>
+      </p:sp>
+    </p:spTree>
+    <p:extLst>
+      <p:ext uri="{BB962C8B-B14F-4D97-AF65-F5344CB8AC3E}">
+        <p14:creationId xmlns:p14="http://schemas.microsoft.com/office/powerpoint/2010/main" val="3157669274"/>
+      </p:ext>
+    </p:extLst>
+  </p:cSld>
+  <p:clrMapOvr>
+    <a:masterClrMapping/>
+  </p:clrMapOvr>
+  <p:timing>
+    <p:tnLst>
+      <p:par>
+        <p:cTn id="1" dur="indefinite" restart="never" nodeType="tmRoot">
+          <p:childTnLst>
+            <p:seq concurrent="1" nextAc="seek">
+              <p:cTn id="2" dur="indefinite" nodeType="mainSeq">
+                <p:childTnLst>
+                  <p:par>
+                    <p:cTn id="3" fill="hold">
+                      <p:stCondLst>
+                        <p:cond delay="indefinite"/>
+                      </p:stCondLst>
+                      <p:childTnLst>
+                        <p:par>
+                          <p:cTn id="4" fill="hold">
+                            <p:stCondLst>
+                              <p:cond delay="0"/>
+                            </p:stCondLst>
+                            <p:childTnLst>
+                              <p:par>
+                                <p:cTn id="5" presetID="1" presetClass="entr" presetSubtype="0" fill="hold" grpId="0" nodeType="clickEffect">
+                                  <p:stCondLst>
+                                    <p:cond delay="0"/>
+                                  </p:stCondLst>
+                                  <p:childTnLst>
+                                    <p:set>
+                                      <p:cBhvr>
+                                        <p:cTn id="6" dur="1" fill="hold">
+                                          <p:stCondLst>
+                                            <p:cond delay="0"/>
+                                          </p:stCondLst>
+                                        </p:cTn>
+                                        <p:tgtEl>
+                                          <p:spTgt spid="6"/>
+                                        </p:tgtEl>
+                                        <p:attrNameLst>
+                                          <p:attrName>style.visibility</p:attrName>
+                                        </p:attrNameLst>
+                                      </p:cBhvr>
+                                      <p:to>
+                                        <p:strVal val="visible"/>
+                                      </p:to>
+                                    </p:set>
+                                  </p:childTnLst>
+                                </p:cTn>
+                              </p:par>
+                              <p:par>
+                                <p:cTn id="7" presetID="1" presetClass="entr" presetSubtype="0" fill="hold" grpId="0" nodeType="withEffect">
+                                  <p:stCondLst>
+                                    <p:cond delay="0"/>
+                                  </p:stCondLst>
+                                  <p:childTnLst>
+                                    <p:set>
+                                      <p:cBhvr>
+                                        <p:cTn id="8" dur="1" fill="hold">
+                                          <p:stCondLst>
+                                            <p:cond delay="0"/>
+                                          </p:stCondLst>
+                                        </p:cTn>
+                                        <p:tgtEl>
+                                          <p:spTgt spid="9"/>
+                                        </p:tgtEl>
+                                        <p:attrNameLst>
+                                          <p:attrName>style.visibility</p:attrName>
+                                        </p:attrNameLst>
+                                      </p:cBhvr>
+                                      <p:to>
+                                        <p:strVal val="visible"/>
+                                      </p:to>
+                                    </p:set>
+                                  </p:childTnLst>
+                                </p:cTn>
+                              </p:par>
+                              <p:par>
+                                <p:cTn id="9" presetID="1" presetClass="entr" presetSubtype="0" fill="hold" grpId="0" nodeType="withEffect">
+                                  <p:stCondLst>
+                                    <p:cond delay="0"/>
+                                  </p:stCondLst>
+                                  <p:childTnLst>
+                                    <p:set>
+                                      <p:cBhvr>
+                                        <p:cTn id="10" dur="1" fill="hold">
+                                          <p:stCondLst>
+                                            <p:cond delay="0"/>
+                                          </p:stCondLst>
+                                        </p:cTn>
+                                        <p:tgtEl>
+                                          <p:spTgt spid="10"/>
+                                        </p:tgtEl>
+                                        <p:attrNameLst>
+                                          <p:attrName>style.visibility</p:attrName>
+                                        </p:attrNameLst>
+                                      </p:cBhvr>
+                                      <p:to>
+                                        <p:strVal val="visible"/>
+                                      </p:to>
+                                    </p:set>
+                                  </p:childTnLst>
+                                </p:cTn>
+                              </p:par>
+                              <p:par>
+                                <p:cTn id="11" presetID="1" presetClass="entr" presetSubtype="0" fill="hold" nodeType="withEffect">
+                                  <p:stCondLst>
+                                    <p:cond delay="0"/>
+                                  </p:stCondLst>
+                                  <p:childTnLst>
+                                    <p:set>
+                                      <p:cBhvr>
+                                        <p:cTn id="12" dur="1" fill="hold">
+                                          <p:stCondLst>
+                                            <p:cond delay="0"/>
+                                          </p:stCondLst>
+                                        </p:cTn>
+                                        <p:tgtEl>
+                                          <p:spTgt spid="17"/>
+                                        </p:tgtEl>
+                                        <p:attrNameLst>
+                                          <p:attrName>style.visibility</p:attrName>
+                                        </p:attrNameLst>
+                                      </p:cBhvr>
+                                      <p:to>
+                                        <p:strVal val="visible"/>
+                                      </p:to>
+                                    </p:set>
+                                  </p:childTnLst>
+                                </p:cTn>
+                              </p:par>
+                              <p:par>
+                                <p:cTn id="13" presetID="1" presetClass="entr" presetSubtype="0" fill="hold" nodeType="withEffect">
+                                  <p:stCondLst>
+                                    <p:cond delay="0"/>
+                                  </p:stCondLst>
+                                  <p:childTnLst>
+                                    <p:set>
+                                      <p:cBhvr>
+                                        <p:cTn id="14" dur="1" fill="hold">
+                                          <p:stCondLst>
+                                            <p:cond delay="0"/>
+                                          </p:stCondLst>
+                                        </p:cTn>
+                                        <p:tgtEl>
+                                          <p:spTgt spid="20"/>
+                                        </p:tgtEl>
+                                        <p:attrNameLst>
+                                          <p:attrName>style.visibility</p:attrName>
+                                        </p:attrNameLst>
+                                      </p:cBhvr>
+                                      <p:to>
+                                        <p:strVal val="visible"/>
+                                      </p:to>
+                                    </p:set>
+                                  </p:childTnLst>
+                                </p:cTn>
+                              </p:par>
+                              <p:par>
+                                <p:cTn id="15" presetID="1" presetClass="entr" presetSubtype="0" fill="hold" nodeType="withEffect">
+                                  <p:stCondLst>
+                                    <p:cond delay="0"/>
+                                  </p:stCondLst>
+                                  <p:childTnLst>
+                                    <p:set>
+                                      <p:cBhvr>
+                                        <p:cTn id="16" dur="1" fill="hold">
+                                          <p:stCondLst>
+                                            <p:cond delay="0"/>
+                                          </p:stCondLst>
+                                        </p:cTn>
+                                        <p:tgtEl>
+                                          <p:spTgt spid="23"/>
+                                        </p:tgtEl>
+                                        <p:attrNameLst>
+                                          <p:attrName>style.visibility</p:attrName>
+                                        </p:attrNameLst>
+                                      </p:cBhvr>
+                                      <p:to>
+                                        <p:strVal val="visible"/>
+                                      </p:to>
+                                    </p:set>
+                                  </p:childTnLst>
+                                </p:cTn>
+                              </p:par>
+                              <p:par>
+                                <p:cTn id="17" presetID="1" presetClass="entr" presetSubtype="0" fill="hold" nodeType="withEffect">
+                                  <p:stCondLst>
+                                    <p:cond delay="0"/>
+                                  </p:stCondLst>
+                                  <p:childTnLst>
+                                    <p:set>
+                                      <p:cBhvr>
+                                        <p:cTn id="18" dur="1" fill="hold">
+                                          <p:stCondLst>
+                                            <p:cond delay="0"/>
+                                          </p:stCondLst>
+                                        </p:cTn>
+                                        <p:tgtEl>
+                                          <p:spTgt spid="11"/>
+                                        </p:tgtEl>
+                                        <p:attrNameLst>
+                                          <p:attrName>style.visibility</p:attrName>
+                                        </p:attrNameLst>
+                                      </p:cBhvr>
+                                      <p:to>
+                                        <p:strVal val="visible"/>
+                                      </p:to>
+                                    </p:set>
+                                  </p:childTnLst>
+                                </p:cTn>
+                              </p:par>
+                              <p:par>
+                                <p:cTn id="19" presetID="1" presetClass="entr" presetSubtype="0" fill="hold" grpId="0" nodeType="withEffect">
+                                  <p:stCondLst>
+                                    <p:cond delay="0"/>
+                                  </p:stCondLst>
+                                  <p:childTnLst>
+                                    <p:set>
+                                      <p:cBhvr>
+                                        <p:cTn id="20" dur="1" fill="hold">
+                                          <p:stCondLst>
+                                            <p:cond delay="0"/>
+                                          </p:stCondLst>
+                                        </p:cTn>
+                                        <p:tgtEl>
+                                          <p:spTgt spid="21"/>
+                                        </p:tgtEl>
+                                        <p:attrNameLst>
+                                          <p:attrName>style.visibility</p:attrName>
+                                        </p:attrNameLst>
+                                      </p:cBhvr>
+                                      <p:to>
+                                        <p:strVal val="visible"/>
+                                      </p:to>
+                                    </p:set>
+                                  </p:childTnLst>
+                                </p:cTn>
+                              </p:par>
+                              <p:par>
+                                <p:cTn id="21" presetID="1" presetClass="entr" presetSubtype="0" fill="hold" grpId="0" nodeType="withEffect">
+                                  <p:stCondLst>
+                                    <p:cond delay="0"/>
+                                  </p:stCondLst>
+                                  <p:childTnLst>
+                                    <p:set>
+                                      <p:cBhvr>
+                                        <p:cTn id="22" dur="1" fill="hold">
+                                          <p:stCondLst>
+                                            <p:cond delay="0"/>
+                                          </p:stCondLst>
+                                        </p:cTn>
+                                        <p:tgtEl>
+                                          <p:spTgt spid="12"/>
+                                        </p:tgtEl>
+                                        <p:attrNameLst>
+                                          <p:attrName>style.visibility</p:attrName>
+                                        </p:attrNameLst>
+                                      </p:cBhvr>
+                                      <p:to>
+                                        <p:strVal val="visible"/>
+                                      </p:to>
+                                    </p:set>
+                                  </p:childTnLst>
+                                </p:cTn>
+                              </p:par>
+                            </p:childTnLst>
+                          </p:cTn>
+                        </p:par>
+                      </p:childTnLst>
+                    </p:cTn>
+                  </p:par>
+                </p:childTnLst>
+              </p:cTn>
+              <p:prevCondLst>
+                <p:cond evt="onPrev" delay="0">
+                  <p:tgtEl>
+                    <p:sldTgt/>
+                  </p:tgtEl>
+                </p:cond>
+              </p:prevCondLst>
+              <p:nextCondLst>
+                <p:cond evt="onNext" delay="0">
+                  <p:tgtEl>
+                    <p:sldTgt/>
+                  </p:tgtEl>
+                </p:cond>
+              </p:nextCondLst>
+            </p:seq>
+          </p:childTnLst>
+        </p:cTn>
+      </p:par>
+    </p:tnLst>
+    <p:bldLst>
+      <p:bldP spid="6" grpId="0" animBg="1"/>
+      <p:bldP spid="9" grpId="0" animBg="1"/>
+      <p:bldP spid="10" grpId="0" animBg="1"/>
+      <p:bldP spid="21" grpId="0"/>
+      <p:bldP spid="12" grpId="0"/>
+    </p:bldLst>
+  </p:timing>
+</p:sld>
+</file>
+
+<file path=ppt/slides/slide11.xml><?xml version="1.0" encoding="utf-8"?>
+<p:sld xmlns:a="http://schemas.openxmlformats.org/drawingml/2006/main" xmlns:r="http://schemas.openxmlformats.org/officeDocument/2006/relationships" xmlns:p="http://schemas.openxmlformats.org/presentationml/2006/main">
+  <p:cSld>
+    <p:spTree>
+      <p:nvGrpSpPr>
+        <p:cNvPr id="1" name=""/>
+        <p:cNvGrpSpPr/>
+        <p:nvPr/>
+      </p:nvGrpSpPr>
+      <p:grpSpPr>
+        <a:xfrm>
+          <a:off x="0" y="0"/>
+          <a:ext cx="0" cy="0"/>
+          <a:chOff x="0" y="0"/>
+          <a:chExt cx="0" cy="0"/>
+        </a:xfrm>
+      </p:grpSpPr>
+      <p:sp>
+        <p:nvSpPr>
+          <p:cNvPr id="2" name="Title 1">
+            <a:extLst>
+              <a:ext uri="{FF2B5EF4-FFF2-40B4-BE49-F238E27FC236}">
+                <a16:creationId xmlns:a16="http://schemas.microsoft.com/office/drawing/2014/main" id="{80EB9311-A0C8-F544-AED5-BCCEF7243965}"/>
+              </a:ext>
+            </a:extLst>
+          </p:cNvPr>
+          <p:cNvSpPr>
+            <a:spLocks noGrp="1"/>
+          </p:cNvSpPr>
+          <p:nvPr>
+            <p:ph type="title"/>
+          </p:nvPr>
+        </p:nvSpPr>
+        <p:spPr/>
+        <p:txBody>
+          <a:bodyPr/>
+          <a:lstStyle/>
+          <a:p>
+            <a:r>
+              <a:rPr lang="en-US" dirty="0"/>
+              <a:t>But “middle” is still complicated</a:t>
+            </a:r>
+          </a:p>
+        </p:txBody>
+      </p:sp>
+      <p:sp>
+        <p:nvSpPr>
+          <p:cNvPr id="4" name="Slide Number Placeholder 3">
+            <a:extLst>
+              <a:ext uri="{FF2B5EF4-FFF2-40B4-BE49-F238E27FC236}">
+                <a16:creationId xmlns:a16="http://schemas.microsoft.com/office/drawing/2014/main" id="{5E65AB48-4E45-834B-ACD4-E1A3964F3D03}"/>
+              </a:ext>
+            </a:extLst>
+          </p:cNvPr>
+          <p:cNvSpPr>
+            <a:spLocks noGrp="1"/>
+          </p:cNvSpPr>
+          <p:nvPr>
+            <p:ph type="sldNum" sz="quarter" idx="11"/>
+          </p:nvPr>
+        </p:nvSpPr>
+        <p:spPr/>
+        <p:txBody>
+          <a:bodyPr/>
+          <a:lstStyle/>
+          <a:p>
+            <a:pPr>
+              <a:defRPr/>
+            </a:pPr>
+            <a:fld id="{3EF4E9CC-9D91-476E-91FD-5BEEC1642931}" type="slidenum">
+              <a:rPr lang="en-US" altLang="x-none" smtClean="0"/>
+              <a:pPr>
+                <a:defRPr/>
+              </a:pPr>
+              <a:t>11</a:t>
+            </a:fld>
+            <a:endParaRPr lang="en-US" altLang="x-none"/>
+          </a:p>
+        </p:txBody>
+      </p:sp>
+      <p:pic>
+        <p:nvPicPr>
+          <p:cNvPr id="5" name="Picture 4">
+            <a:extLst>
+              <a:ext uri="{FF2B5EF4-FFF2-40B4-BE49-F238E27FC236}">
+                <a16:creationId xmlns:a16="http://schemas.microsoft.com/office/drawing/2014/main" id="{BF0F4AAD-F0F6-E54D-A255-7D13731CE9BE}"/>
+              </a:ext>
+            </a:extLst>
+          </p:cNvPr>
+          <p:cNvPicPr>
+            <a:picLocks noChangeAspect="1"/>
+          </p:cNvPicPr>
+          <p:nvPr/>
+        </p:nvPicPr>
+        <p:blipFill>
+          <a:blip r:embed="rId2"/>
+          <a:stretch>
+            <a:fillRect/>
+          </a:stretch>
+        </p:blipFill>
+        <p:spPr>
+          <a:xfrm>
+            <a:off x="889649" y="3102063"/>
+            <a:ext cx="2819400" cy="3210813"/>
+          </a:xfrm>
+          <a:prstGeom prst="rect">
+            <a:avLst/>
+          </a:prstGeom>
+        </p:spPr>
+      </p:pic>
+      <p:pic>
+        <p:nvPicPr>
+          <p:cNvPr id="6" name="Picture 5">
+            <a:extLst>
+              <a:ext uri="{FF2B5EF4-FFF2-40B4-BE49-F238E27FC236}">
+                <a16:creationId xmlns:a16="http://schemas.microsoft.com/office/drawing/2014/main" id="{C352FE5B-2A30-3648-B443-D6A892FC2665}"/>
+              </a:ext>
+            </a:extLst>
+          </p:cNvPr>
+          <p:cNvPicPr>
+            <a:picLocks noChangeAspect="1"/>
+          </p:cNvPicPr>
+          <p:nvPr/>
+        </p:nvPicPr>
+        <p:blipFill>
+          <a:blip r:embed="rId3"/>
+          <a:stretch>
+            <a:fillRect/>
+          </a:stretch>
+        </p:blipFill>
+        <p:spPr>
+          <a:xfrm>
+            <a:off x="342900" y="1356065"/>
+            <a:ext cx="8458200" cy="1456733"/>
+          </a:xfrm>
+          <a:prstGeom prst="rect">
+            <a:avLst/>
+          </a:prstGeom>
+        </p:spPr>
+      </p:pic>
+      <p:grpSp>
+        <p:nvGrpSpPr>
+          <p:cNvPr id="12" name="Group 11">
+            <a:extLst>
+              <a:ext uri="{FF2B5EF4-FFF2-40B4-BE49-F238E27FC236}">
+                <a16:creationId xmlns:a16="http://schemas.microsoft.com/office/drawing/2014/main" id="{FB3B99E2-617B-A54B-9E13-44BA93F49C6C}"/>
+              </a:ext>
+            </a:extLst>
+          </p:cNvPr>
+          <p:cNvGrpSpPr/>
+          <p:nvPr/>
+        </p:nvGrpSpPr>
+        <p:grpSpPr>
+          <a:xfrm>
+            <a:off x="3739664" y="3256612"/>
+            <a:ext cx="2895600" cy="2901714"/>
+            <a:chOff x="3733800" y="1676399"/>
+            <a:chExt cx="3886200" cy="4425715"/>
+          </a:xfrm>
+        </p:grpSpPr>
+        <p:pic>
+          <p:nvPicPr>
+            <p:cNvPr id="8" name="Picture 7">
+              <a:extLst>
+                <a:ext uri="{FF2B5EF4-FFF2-40B4-BE49-F238E27FC236}">
+                  <a16:creationId xmlns:a16="http://schemas.microsoft.com/office/drawing/2014/main" id="{BD0CF6A3-63C6-BA4B-AA9B-402A238587D7}"/>
+                </a:ext>
+              </a:extLst>
+            </p:cNvPr>
+            <p:cNvPicPr>
+              <a:picLocks noChangeAspect="1"/>
+            </p:cNvPicPr>
+            <p:nvPr/>
+          </p:nvPicPr>
+          <p:blipFill>
+            <a:blip r:embed="rId2"/>
+            <a:stretch>
+              <a:fillRect/>
+            </a:stretch>
+          </p:blipFill>
+          <p:spPr>
+            <a:xfrm>
+              <a:off x="3733800" y="1676399"/>
+              <a:ext cx="3886200" cy="4425715"/>
+            </a:xfrm>
+            <a:prstGeom prst="rect">
+              <a:avLst/>
+            </a:prstGeom>
+          </p:spPr>
+        </p:pic>
+        <p:sp>
+          <p:nvSpPr>
+            <p:cNvPr id="9" name="Oval 8">
+              <a:extLst>
+                <a:ext uri="{FF2B5EF4-FFF2-40B4-BE49-F238E27FC236}">
+                  <a16:creationId xmlns:a16="http://schemas.microsoft.com/office/drawing/2014/main" id="{4478CF93-4A3D-3C4C-AE57-4EA18CDC70FB}"/>
+                </a:ext>
+              </a:extLst>
+            </p:cNvPr>
+            <p:cNvSpPr/>
+            <p:nvPr/>
+          </p:nvSpPr>
+          <p:spPr>
+            <a:xfrm>
+              <a:off x="4267200" y="4572000"/>
+              <a:ext cx="76200" cy="76200"/>
+            </a:xfrm>
+            <a:prstGeom prst="ellipse">
+              <a:avLst/>
+            </a:prstGeom>
+          </p:spPr>
+          <p:style>
+            <a:lnRef idx="1">
+              <a:schemeClr val="accent1"/>
+            </a:lnRef>
+            <a:fillRef idx="3">
+              <a:schemeClr val="accent1"/>
+            </a:fillRef>
+            <a:effectRef idx="2">
+              <a:schemeClr val="accent1"/>
+            </a:effectRef>
+            <a:fontRef idx="minor">
+              <a:schemeClr val="lt1"/>
+            </a:fontRef>
+          </p:style>
+          <p:txBody>
+            <a:bodyPr rtlCol="0" anchor="ctr"/>
+            <a:lstStyle/>
+            <a:p>
+              <a:pPr algn="ctr"/>
+              <a:endParaRPr lang="en-US"/>
+            </a:p>
+          </p:txBody>
+        </p:sp>
+        <p:sp>
+          <p:nvSpPr>
+            <p:cNvPr id="10" name="Oval 9">
+              <a:extLst>
+                <a:ext uri="{FF2B5EF4-FFF2-40B4-BE49-F238E27FC236}">
+                  <a16:creationId xmlns:a16="http://schemas.microsoft.com/office/drawing/2014/main" id="{4B954A51-7B9E-374A-93B8-8EB601BE1F25}"/>
+                </a:ext>
+              </a:extLst>
+            </p:cNvPr>
+            <p:cNvSpPr/>
+            <p:nvPr/>
+          </p:nvSpPr>
+          <p:spPr>
+            <a:xfrm>
+              <a:off x="4876800" y="2209800"/>
+              <a:ext cx="76200" cy="76200"/>
+            </a:xfrm>
+            <a:prstGeom prst="ellipse">
+              <a:avLst/>
+            </a:prstGeom>
+          </p:spPr>
+          <p:style>
+            <a:lnRef idx="1">
+              <a:schemeClr val="accent1"/>
+            </a:lnRef>
+            <a:fillRef idx="3">
+              <a:schemeClr val="accent1"/>
+            </a:fillRef>
+            <a:effectRef idx="2">
+              <a:schemeClr val="accent1"/>
+            </a:effectRef>
+            <a:fontRef idx="minor">
+              <a:schemeClr val="lt1"/>
+            </a:fontRef>
+          </p:style>
+          <p:txBody>
+            <a:bodyPr rtlCol="0" anchor="ctr"/>
+            <a:lstStyle/>
+            <a:p>
+              <a:pPr algn="ctr"/>
+              <a:endParaRPr lang="en-US"/>
+            </a:p>
+          </p:txBody>
+        </p:sp>
+        <p:cxnSp>
+          <p:nvCxnSpPr>
+            <p:cNvPr id="11" name="Elbow Connector 10">
+              <a:extLst>
+                <a:ext uri="{FF2B5EF4-FFF2-40B4-BE49-F238E27FC236}">
+                  <a16:creationId xmlns:a16="http://schemas.microsoft.com/office/drawing/2014/main" id="{AE1EA990-511D-8B42-B98C-31076943CF61}"/>
+                </a:ext>
+              </a:extLst>
+            </p:cNvPr>
+            <p:cNvCxnSpPr>
+              <a:stCxn id="9" idx="3"/>
+              <a:endCxn id="10" idx="1"/>
+            </p:cNvCxnSpPr>
+            <p:nvPr/>
+          </p:nvCxnSpPr>
+          <p:spPr>
+            <a:xfrm rot="5400000" flipH="1" flipV="1">
+              <a:off x="3375118" y="3124200"/>
+              <a:ext cx="2416082" cy="609600"/>
+            </a:xfrm>
+            <a:prstGeom prst="bentConnector5">
+              <a:avLst>
+                <a:gd name="adj1" fmla="val 556"/>
+                <a:gd name="adj2" fmla="val -71316"/>
+                <a:gd name="adj3" fmla="val 109462"/>
+              </a:avLst>
+            </a:prstGeom>
+            <a:ln w="38100">
+              <a:solidFill>
+                <a:srgbClr val="00B050"/>
+              </a:solidFill>
+              <a:prstDash val="dash"/>
+              <a:tailEnd type="triangle"/>
+            </a:ln>
+          </p:spPr>
+          <p:style>
+            <a:lnRef idx="2">
+              <a:schemeClr val="accent1"/>
+            </a:lnRef>
+            <a:fillRef idx="0">
+              <a:schemeClr val="accent1"/>
+            </a:fillRef>
+            <a:effectRef idx="1">
+              <a:schemeClr val="accent1"/>
+            </a:effectRef>
+            <a:fontRef idx="minor">
+              <a:schemeClr val="tx1"/>
+            </a:fontRef>
+          </p:style>
+        </p:cxnSp>
+      </p:grpSp>
+      <p:sp>
+        <p:nvSpPr>
+          <p:cNvPr id="13" name="TextBox 12">
+            <a:extLst>
+              <a:ext uri="{FF2B5EF4-FFF2-40B4-BE49-F238E27FC236}">
+                <a16:creationId xmlns:a16="http://schemas.microsoft.com/office/drawing/2014/main" id="{7DA7D651-8037-3B46-B0AC-7D5394062B84}"/>
+              </a:ext>
+            </a:extLst>
+          </p:cNvPr>
+          <p:cNvSpPr txBox="1"/>
+          <p:nvPr/>
+        </p:nvSpPr>
+        <p:spPr>
+          <a:xfrm>
+            <a:off x="6400800" y="3429000"/>
+            <a:ext cx="2438400" cy="2031325"/>
+          </a:xfrm>
+          <a:prstGeom prst="rect">
+            <a:avLst/>
+          </a:prstGeom>
+          <a:noFill/>
+        </p:spPr>
+        <p:txBody>
+          <a:bodyPr wrap="square" rtlCol="0">
+            <a:spAutoFit/>
+          </a:bodyPr>
+          <a:lstStyle/>
+          <a:p>
+            <a:r>
+              <a:rPr lang="en-US" dirty="0"/>
+              <a:t>Ideal: Make model update as easy as drawing a line, but have a </a:t>
+            </a:r>
+            <a:r>
+              <a:rPr lang="en-US" i="1" dirty="0"/>
+              <a:t>text</a:t>
+            </a:r>
+            <a:r>
+              <a:rPr lang="en-US" dirty="0"/>
+              <a:t> representation so it can be done programmatically.</a:t>
+            </a:r>
+          </a:p>
+        </p:txBody>
+      </p:sp>
+    </p:spTree>
+    <p:extLst>
+      <p:ext uri="{BB962C8B-B14F-4D97-AF65-F5344CB8AC3E}">
+        <p14:creationId xmlns:p14="http://schemas.microsoft.com/office/powerpoint/2010/main" val="3404641222"/>
+      </p:ext>
+    </p:extLst>
+  </p:cSld>
+  <p:clrMapOvr>
+    <a:masterClrMapping/>
+  </p:clrMapOvr>
+  <p:timing>
+    <p:tnLst>
+      <p:par>
+        <p:cTn id="1" dur="indefinite" restart="never" nodeType="tmRoot">
+          <p:childTnLst>
+            <p:seq concurrent="1" nextAc="seek">
+              <p:cTn id="2" dur="indefinite" nodeType="mainSeq">
+                <p:childTnLst>
+                  <p:par>
+                    <p:cTn id="3" fill="hold">
+                      <p:stCondLst>
+                        <p:cond delay="indefinite"/>
+                      </p:stCondLst>
+                      <p:childTnLst>
+                        <p:par>
+                          <p:cTn id="4" fill="hold">
+                            <p:stCondLst>
+                              <p:cond delay="0"/>
+                            </p:stCondLst>
+                            <p:childTnLst>
+                              <p:par>
+                                <p:cTn id="5" presetID="1" presetClass="entr" presetSubtype="0" fill="hold" nodeType="clickEffect">
+                                  <p:stCondLst>
+                                    <p:cond delay="0"/>
+                                  </p:stCondLst>
+                                  <p:childTnLst>
+                                    <p:set>
+                                      <p:cBhvr>
+                                        <p:cTn id="6" dur="1" fill="hold">
+                                          <p:stCondLst>
+                                            <p:cond delay="0"/>
+                                          </p:stCondLst>
+                                        </p:cTn>
+                                        <p:tgtEl>
+                                          <p:spTgt spid="12"/>
+                                        </p:tgtEl>
+                                        <p:attrNameLst>
+                                          <p:attrName>style.visibility</p:attrName>
+                                        </p:attrNameLst>
+                                      </p:cBhvr>
+                                      <p:to>
+                                        <p:strVal val="visible"/>
+                                      </p:to>
+                                    </p:set>
+                                  </p:childTnLst>
+                                </p:cTn>
+                              </p:par>
+                              <p:par>
+                                <p:cTn id="7" presetID="1" presetClass="entr" presetSubtype="0" fill="hold" grpId="0" nodeType="withEffect">
+                                  <p:stCondLst>
+                                    <p:cond delay="0"/>
+                                  </p:stCondLst>
+                                  <p:childTnLst>
+                                    <p:set>
+                                      <p:cBhvr>
+                                        <p:cTn id="8" dur="1" fill="hold">
+                                          <p:stCondLst>
+                                            <p:cond delay="0"/>
+                                          </p:stCondLst>
+                                        </p:cTn>
+                                        <p:tgtEl>
+                                          <p:spTgt spid="13"/>
+                                        </p:tgtEl>
+                                        <p:attrNameLst>
+                                          <p:attrName>style.visibility</p:attrName>
+                                        </p:attrNameLst>
+                                      </p:cBhvr>
+                                      <p:to>
+                                        <p:strVal val="visible"/>
+                                      </p:to>
+                                    </p:set>
+                                  </p:childTnLst>
+                                </p:cTn>
+                              </p:par>
+                            </p:childTnLst>
+                          </p:cTn>
+                        </p:par>
+                      </p:childTnLst>
+                    </p:cTn>
+                  </p:par>
+                </p:childTnLst>
+              </p:cTn>
+              <p:prevCondLst>
+                <p:cond evt="onPrev" delay="0">
+                  <p:tgtEl>
+                    <p:sldTgt/>
+                  </p:tgtEl>
+                </p:cond>
+              </p:prevCondLst>
+              <p:nextCondLst>
+                <p:cond evt="onNext" delay="0">
+                  <p:tgtEl>
+                    <p:sldTgt/>
+                  </p:tgtEl>
+                </p:cond>
+              </p:nextCondLst>
+            </p:seq>
+          </p:childTnLst>
+        </p:cTn>
+      </p:par>
+    </p:tnLst>
+    <p:bldLst>
+      <p:bldP spid="13" grpId="0"/>
+    </p:bldLst>
+  </p:timing>
+</p:sld>
+</file>
+
+<file path=ppt/slides/slide12.xml><?xml version="1.0" encoding="utf-8"?>
+<p:sld xmlns:a="http://schemas.openxmlformats.org/drawingml/2006/main" xmlns:r="http://schemas.openxmlformats.org/officeDocument/2006/relationships" xmlns:p="http://schemas.openxmlformats.org/presentationml/2006/main">
+  <p:cSld>
+    <p:spTree>
+      <p:nvGrpSpPr>
+        <p:cNvPr id="1" name=""/>
+        <p:cNvGrpSpPr/>
+        <p:nvPr/>
+      </p:nvGrpSpPr>
+      <p:grpSpPr>
+        <a:xfrm>
+          <a:off x="0" y="0"/>
+          <a:ext cx="0" cy="0"/>
+          <a:chOff x="0" y="0"/>
+          <a:chExt cx="0" cy="0"/>
+        </a:xfrm>
+      </p:grpSpPr>
+      <p:sp>
+        <p:nvSpPr>
+          <p:cNvPr id="4" name="Title 3">
+            <a:extLst>
+              <a:ext uri="{FF2B5EF4-FFF2-40B4-BE49-F238E27FC236}">
+                <a16:creationId xmlns:a16="http://schemas.microsoft.com/office/drawing/2014/main" id="{4635DE2E-204E-0F4D-9AD3-5836BE81CBDE}"/>
+              </a:ext>
+            </a:extLst>
+          </p:cNvPr>
+          <p:cNvSpPr>
+            <a:spLocks noGrp="1"/>
+          </p:cNvSpPr>
+          <p:nvPr>
+            <p:ph type="title"/>
+          </p:nvPr>
+        </p:nvSpPr>
+        <p:spPr/>
+        <p:txBody>
+          <a:bodyPr/>
+          <a:lstStyle/>
+          <a:p>
+            <a:r>
+              <a:rPr lang="en-US" dirty="0"/>
+              <a:t>What’s in Middle?</a:t>
+            </a:r>
+          </a:p>
+        </p:txBody>
+      </p:sp>
+      <p:sp>
+        <p:nvSpPr>
+          <p:cNvPr id="5" name="Content Placeholder 4">
+            <a:extLst>
+              <a:ext uri="{FF2B5EF4-FFF2-40B4-BE49-F238E27FC236}">
+                <a16:creationId xmlns:a16="http://schemas.microsoft.com/office/drawing/2014/main" id="{555B5B11-A12F-8F49-B610-1266BF4AE100}"/>
+              </a:ext>
+            </a:extLst>
+          </p:cNvPr>
+          <p:cNvSpPr>
+            <a:spLocks noGrp="1"/>
+          </p:cNvSpPr>
+          <p:nvPr>
+            <p:ph idx="1"/>
+          </p:nvPr>
+        </p:nvSpPr>
+        <p:spPr>
+          <a:xfrm>
+            <a:off x="838200" y="3352800"/>
+            <a:ext cx="8229600" cy="1905000"/>
+          </a:xfrm>
+        </p:spPr>
+        <p:txBody>
+          <a:bodyPr/>
+          <a:lstStyle/>
+          <a:p>
+            <a:r>
+              <a:rPr lang="en-US" dirty="0"/>
+              <a:t>Reaction expression</a:t>
+            </a:r>
+          </a:p>
+          <a:p>
+            <a:pPr lvl="1"/>
+            <a:r>
+              <a:rPr lang="en-US" dirty="0"/>
+              <a:t>Trivial once you know the gene number</a:t>
+            </a:r>
+          </a:p>
+          <a:p>
+            <a:r>
+              <a:rPr lang="en-US" dirty="0"/>
+              <a:t>Algebraic expressions for kinetics</a:t>
+            </a:r>
+          </a:p>
+          <a:p>
+            <a:pPr lvl="1"/>
+            <a:r>
+              <a:rPr lang="en-US" dirty="0"/>
+              <a:t>Complicated</a:t>
+            </a:r>
+          </a:p>
+          <a:p>
+            <a:r>
+              <a:rPr lang="en-US" dirty="0"/>
+              <a:t> Initializations of new constants</a:t>
+            </a:r>
+          </a:p>
+          <a:p>
+            <a:pPr lvl="1"/>
+            <a:r>
+              <a:rPr lang="en-US" dirty="0"/>
+              <a:t>Depends on the kinetics expressions</a:t>
+            </a:r>
+          </a:p>
+        </p:txBody>
+      </p:sp>
+      <p:sp>
+        <p:nvSpPr>
+          <p:cNvPr id="3" name="Slide Number Placeholder 2">
+            <a:extLst>
+              <a:ext uri="{FF2B5EF4-FFF2-40B4-BE49-F238E27FC236}">
+                <a16:creationId xmlns:a16="http://schemas.microsoft.com/office/drawing/2014/main" id="{DBF5DCDE-59F2-CD4B-9C73-95FDCEFAAA19}"/>
+              </a:ext>
+            </a:extLst>
+          </p:cNvPr>
+          <p:cNvSpPr>
+            <a:spLocks noGrp="1"/>
+          </p:cNvSpPr>
+          <p:nvPr>
+            <p:ph type="sldNum" sz="quarter" idx="11"/>
+          </p:nvPr>
+        </p:nvSpPr>
+        <p:spPr/>
+        <p:txBody>
+          <a:bodyPr/>
+          <a:lstStyle/>
+          <a:p>
+            <a:pPr>
+              <a:defRPr/>
+            </a:pPr>
+            <a:fld id="{2E4304A7-0FB2-4094-BC1E-DB17183AD0C1}" type="slidenum">
+              <a:rPr lang="en-US" altLang="x-none" smtClean="0"/>
+              <a:pPr>
+                <a:defRPr/>
+              </a:pPr>
+              <a:t>12</a:t>
+            </a:fld>
+            <a:endParaRPr lang="en-US" altLang="x-none"/>
+          </a:p>
+        </p:txBody>
+      </p:sp>
+      <p:pic>
+        <p:nvPicPr>
+          <p:cNvPr id="6" name="Picture 5">
+            <a:extLst>
+              <a:ext uri="{FF2B5EF4-FFF2-40B4-BE49-F238E27FC236}">
+                <a16:creationId xmlns:a16="http://schemas.microsoft.com/office/drawing/2014/main" id="{6C3D0F91-0D6D-7D40-A143-8F9403489D7C}"/>
+              </a:ext>
+            </a:extLst>
+          </p:cNvPr>
+          <p:cNvPicPr>
+            <a:picLocks noChangeAspect="1"/>
+          </p:cNvPicPr>
+          <p:nvPr/>
+        </p:nvPicPr>
+        <p:blipFill>
+          <a:blip r:embed="rId2"/>
+          <a:stretch>
+            <a:fillRect/>
+          </a:stretch>
+        </p:blipFill>
+        <p:spPr>
+          <a:xfrm>
+            <a:off x="381000" y="990600"/>
+            <a:ext cx="11060964" cy="1905000"/>
+          </a:xfrm>
+          <a:prstGeom prst="rect">
+            <a:avLst/>
+          </a:prstGeom>
+        </p:spPr>
+      </p:pic>
+    </p:spTree>
+    <p:extLst>
+      <p:ext uri="{BB962C8B-B14F-4D97-AF65-F5344CB8AC3E}">
+        <p14:creationId xmlns:p14="http://schemas.microsoft.com/office/powerpoint/2010/main" val="3700467608"/>
+      </p:ext>
+    </p:extLst>
+  </p:cSld>
+  <p:clrMapOvr>
+    <a:masterClrMapping/>
+  </p:clrMapOvr>
+  <p:timing>
+    <p:tnLst>
+      <p:par>
+        <p:cTn id="1" dur="indefinite" restart="never" nodeType="tmRoot">
+          <p:childTnLst>
+            <p:seq concurrent="1" nextAc="seek">
+              <p:cTn id="2" dur="indefinite" nodeType="mainSeq">
+                <p:childTnLst>
+                  <p:par>
+                    <p:cTn id="3" fill="hold">
+                      <p:stCondLst>
+                        <p:cond delay="indefinite"/>
+                      </p:stCondLst>
+                      <p:childTnLst>
+                        <p:par>
+                          <p:cTn id="4" fill="hold">
+                            <p:stCondLst>
+                              <p:cond delay="0"/>
+                            </p:stCondLst>
+                            <p:childTnLst>
+                              <p:par>
+                                <p:cTn id="5" presetID="1" presetClass="entr" presetSubtype="0" fill="hold" nodeType="clickEffect">
+                                  <p:stCondLst>
+                                    <p:cond delay="0"/>
+                                  </p:stCondLst>
+                                  <p:childTnLst>
+                                    <p:set>
+                                      <p:cBhvr>
+                                        <p:cTn id="6" dur="1" fill="hold">
+                                          <p:stCondLst>
+                                            <p:cond delay="0"/>
+                                          </p:stCondLst>
+                                        </p:cTn>
+                                        <p:tgtEl>
+                                          <p:spTgt spid="5">
+                                            <p:txEl>
+                                              <p:pRg st="2" end="2"/>
+                                            </p:txEl>
+                                          </p:spTgt>
+                                        </p:tgtEl>
+                                        <p:attrNameLst>
+                                          <p:attrName>style.visibility</p:attrName>
+                                        </p:attrNameLst>
+                                      </p:cBhvr>
+                                      <p:to>
+                                        <p:strVal val="visible"/>
+                                      </p:to>
+                                    </p:set>
+                                  </p:childTnLst>
+                                </p:cTn>
+                              </p:par>
+                              <p:par>
+                                <p:cTn id="7" presetID="1" presetClass="entr" presetSubtype="0" fill="hold" nodeType="withEffect">
+                                  <p:stCondLst>
+                                    <p:cond delay="0"/>
+                                  </p:stCondLst>
+                                  <p:childTnLst>
+                                    <p:set>
+                                      <p:cBhvr>
+                                        <p:cTn id="8" dur="1" fill="hold">
+                                          <p:stCondLst>
+                                            <p:cond delay="0"/>
+                                          </p:stCondLst>
+                                        </p:cTn>
+                                        <p:tgtEl>
+                                          <p:spTgt spid="5">
+                                            <p:txEl>
+                                              <p:pRg st="3" end="3"/>
+                                            </p:txEl>
+                                          </p:spTgt>
+                                        </p:tgtEl>
+                                        <p:attrNameLst>
+                                          <p:attrName>style.visibility</p:attrName>
+                                        </p:attrNameLst>
+                                      </p:cBhvr>
+                                      <p:to>
+                                        <p:strVal val="visible"/>
+                                      </p:to>
+                                    </p:set>
+                                  </p:childTnLst>
+                                </p:cTn>
+                              </p:par>
+                              <p:par>
+                                <p:cTn id="9" presetID="1" presetClass="entr" presetSubtype="0" fill="hold" nodeType="withEffect">
+                                  <p:stCondLst>
+                                    <p:cond delay="0"/>
+                                  </p:stCondLst>
+                                  <p:childTnLst>
+                                    <p:set>
+                                      <p:cBhvr>
+                                        <p:cTn id="10" dur="1" fill="hold">
+                                          <p:stCondLst>
+                                            <p:cond delay="0"/>
+                                          </p:stCondLst>
+                                        </p:cTn>
+                                        <p:tgtEl>
+                                          <p:spTgt spid="5">
+                                            <p:txEl>
+                                              <p:pRg st="0" end="0"/>
+                                            </p:txEl>
+                                          </p:spTgt>
+                                        </p:tgtEl>
+                                        <p:attrNameLst>
+                                          <p:attrName>style.visibility</p:attrName>
+                                        </p:attrNameLst>
+                                      </p:cBhvr>
+                                      <p:to>
+                                        <p:strVal val="visible"/>
+                                      </p:to>
+                                    </p:set>
+                                  </p:childTnLst>
+                                </p:cTn>
+                              </p:par>
+                              <p:par>
+                                <p:cTn id="11" presetID="1" presetClass="entr" presetSubtype="0" fill="hold" nodeType="withEffect">
+                                  <p:stCondLst>
+                                    <p:cond delay="0"/>
+                                  </p:stCondLst>
+                                  <p:childTnLst>
+                                    <p:set>
+                                      <p:cBhvr>
+                                        <p:cTn id="12" dur="1" fill="hold">
+                                          <p:stCondLst>
+                                            <p:cond delay="0"/>
+                                          </p:stCondLst>
+                                        </p:cTn>
+                                        <p:tgtEl>
+                                          <p:spTgt spid="5">
+                                            <p:txEl>
+                                              <p:pRg st="1" end="1"/>
+                                            </p:txEl>
+                                          </p:spTgt>
+                                        </p:tgtEl>
+                                        <p:attrNameLst>
+                                          <p:attrName>style.visibility</p:attrName>
+                                        </p:attrNameLst>
+                                      </p:cBhvr>
+                                      <p:to>
+                                        <p:strVal val="visible"/>
+                                      </p:to>
+                                    </p:set>
+                                  </p:childTnLst>
+                                </p:cTn>
+                              </p:par>
+                              <p:par>
+                                <p:cTn id="13" presetID="1" presetClass="entr" presetSubtype="0" fill="hold" nodeType="withEffect">
+                                  <p:stCondLst>
+                                    <p:cond delay="0"/>
+                                  </p:stCondLst>
+                                  <p:childTnLst>
+                                    <p:set>
+                                      <p:cBhvr>
+                                        <p:cTn id="14" dur="1" fill="hold">
+                                          <p:stCondLst>
+                                            <p:cond delay="0"/>
+                                          </p:stCondLst>
+                                        </p:cTn>
+                                        <p:tgtEl>
+                                          <p:spTgt spid="5">
+                                            <p:txEl>
+                                              <p:pRg st="4" end="4"/>
+                                            </p:txEl>
+                                          </p:spTgt>
+                                        </p:tgtEl>
+                                        <p:attrNameLst>
+                                          <p:attrName>style.visibility</p:attrName>
+                                        </p:attrNameLst>
+                                      </p:cBhvr>
+                                      <p:to>
+                                        <p:strVal val="visible"/>
+                                      </p:to>
+                                    </p:set>
+                                  </p:childTnLst>
+                                </p:cTn>
+                              </p:par>
+                              <p:par>
+                                <p:cTn id="15" presetID="1" presetClass="entr" presetSubtype="0" fill="hold" nodeType="withEffect">
+                                  <p:stCondLst>
+                                    <p:cond delay="0"/>
+                                  </p:stCondLst>
+                                  <p:childTnLst>
+                                    <p:set>
+                                      <p:cBhvr>
+                                        <p:cTn id="16" dur="1" fill="hold">
+                                          <p:stCondLst>
+                                            <p:cond delay="0"/>
+                                          </p:stCondLst>
+                                        </p:cTn>
+                                        <p:tgtEl>
+                                          <p:spTgt spid="5">
+                                            <p:txEl>
+                                              <p:pRg st="5" end="5"/>
+                                            </p:txEl>
+                                          </p:spTgt>
+                                        </p:tgtEl>
+                                        <p:attrNameLst>
+                                          <p:attrName>style.visibility</p:attrName>
+                                        </p:attrNameLst>
+                                      </p:cBhvr>
+                                      <p:to>
+                                        <p:strVal val="visible"/>
+                                      </p:to>
+                                    </p:set>
+                                  </p:childTnLst>
+                                </p:cTn>
+                              </p:par>
+                            </p:childTnLst>
+                          </p:cTn>
+                        </p:par>
+                      </p:childTnLst>
+                    </p:cTn>
+                  </p:par>
+                </p:childTnLst>
+              </p:cTn>
+              <p:prevCondLst>
+                <p:cond evt="onPrev" delay="0">
+                  <p:tgtEl>
+                    <p:sldTgt/>
+                  </p:tgtEl>
+                </p:cond>
+              </p:prevCondLst>
+              <p:nextCondLst>
+                <p:cond evt="onNext" delay="0">
+                  <p:tgtEl>
+                    <p:sldTgt/>
+                  </p:tgtEl>
+                </p:cond>
+              </p:nextCondLst>
+            </p:seq>
+          </p:childTnLst>
+        </p:cTn>
+      </p:par>
+    </p:tnLst>
+  </p:timing>
+</p:sld>
+</file>
+
+<file path=ppt/slides/slide13.xml><?xml version="1.0" encoding="utf-8"?>
+<p:sld xmlns:a="http://schemas.openxmlformats.org/drawingml/2006/main" xmlns:r="http://schemas.openxmlformats.org/officeDocument/2006/relationships" xmlns:p="http://schemas.openxmlformats.org/presentationml/2006/main">
+  <p:cSld>
+    <p:spTree>
+      <p:nvGrpSpPr>
+        <p:cNvPr id="1" name=""/>
+        <p:cNvGrpSpPr/>
+        <p:nvPr/>
+      </p:nvGrpSpPr>
+      <p:grpSpPr>
+        <a:xfrm>
+          <a:off x="0" y="0"/>
+          <a:ext cx="0" cy="0"/>
+          <a:chOff x="0" y="0"/>
+          <a:chExt cx="0" cy="0"/>
+        </a:xfrm>
+      </p:grpSpPr>
+      <p:sp>
+        <p:nvSpPr>
+          <p:cNvPr id="2" name="Title 1">
+            <a:extLst>
+              <a:ext uri="{FF2B5EF4-FFF2-40B4-BE49-F238E27FC236}">
+                <a16:creationId xmlns:a16="http://schemas.microsoft.com/office/drawing/2014/main" id="{012828C5-8DEB-5A4F-B301-B31F3158476E}"/>
+              </a:ext>
+            </a:extLst>
+          </p:cNvPr>
+          <p:cNvSpPr>
+            <a:spLocks noGrp="1"/>
+          </p:cNvSpPr>
+          <p:nvPr>
+            <p:ph type="title"/>
+          </p:nvPr>
+        </p:nvSpPr>
+        <p:spPr/>
+        <p:txBody>
+          <a:bodyPr/>
+          <a:lstStyle/>
+          <a:p>
+            <a:r>
+              <a:rPr lang="en-US" dirty="0"/>
+              <a:t>Example: P1 Activates Gene 7</a:t>
+            </a:r>
+          </a:p>
+        </p:txBody>
+      </p:sp>
+      <p:sp>
+        <p:nvSpPr>
+          <p:cNvPr id="4" name="Slide Number Placeholder 3">
+            <a:extLst>
+              <a:ext uri="{FF2B5EF4-FFF2-40B4-BE49-F238E27FC236}">
+                <a16:creationId xmlns:a16="http://schemas.microsoft.com/office/drawing/2014/main" id="{FB05CAF6-111A-3849-85FF-664AEA87E8E6}"/>
+              </a:ext>
+            </a:extLst>
+          </p:cNvPr>
+          <p:cNvSpPr>
+            <a:spLocks noGrp="1"/>
+          </p:cNvSpPr>
+          <p:nvPr>
+            <p:ph type="sldNum" sz="quarter" idx="11"/>
+          </p:nvPr>
+        </p:nvSpPr>
+        <p:spPr/>
+        <p:txBody>
+          <a:bodyPr/>
+          <a:lstStyle/>
+          <a:p>
+            <a:pPr>
+              <a:defRPr/>
+            </a:pPr>
+            <a:fld id="{3EF4E9CC-9D91-476E-91FD-5BEEC1642931}" type="slidenum">
+              <a:rPr lang="en-US" altLang="x-none" smtClean="0"/>
+              <a:pPr>
+                <a:defRPr/>
+              </a:pPr>
+              <a:t>13</a:t>
+            </a:fld>
+            <a:endParaRPr lang="en-US" altLang="x-none"/>
+          </a:p>
+        </p:txBody>
+      </p:sp>
+      <p:grpSp>
+        <p:nvGrpSpPr>
+          <p:cNvPr id="17" name="Group 16">
+            <a:extLst>
+              <a:ext uri="{FF2B5EF4-FFF2-40B4-BE49-F238E27FC236}">
+                <a16:creationId xmlns:a16="http://schemas.microsoft.com/office/drawing/2014/main" id="{EB6D60CB-E621-BB4C-B61F-5DAC8E928586}"/>
+              </a:ext>
+            </a:extLst>
+          </p:cNvPr>
+          <p:cNvGrpSpPr/>
+          <p:nvPr/>
+        </p:nvGrpSpPr>
+        <p:grpSpPr>
+          <a:xfrm>
+            <a:off x="381000" y="1676399"/>
+            <a:ext cx="2971800" cy="3352801"/>
+            <a:chOff x="381000" y="1676399"/>
+            <a:chExt cx="3886200" cy="4425715"/>
+          </a:xfrm>
+        </p:grpSpPr>
+        <p:pic>
+          <p:nvPicPr>
+            <p:cNvPr id="11" name="Picture 10">
+              <a:extLst>
+                <a:ext uri="{FF2B5EF4-FFF2-40B4-BE49-F238E27FC236}">
+                  <a16:creationId xmlns:a16="http://schemas.microsoft.com/office/drawing/2014/main" id="{60AFBD35-DDFC-414E-B27B-EFA9C4320345}"/>
+                </a:ext>
+              </a:extLst>
+            </p:cNvPr>
+            <p:cNvPicPr>
+              <a:picLocks noChangeAspect="1"/>
+            </p:cNvPicPr>
+            <p:nvPr/>
+          </p:nvPicPr>
+          <p:blipFill>
+            <a:blip r:embed="rId3"/>
+            <a:stretch>
+              <a:fillRect/>
+            </a:stretch>
+          </p:blipFill>
+          <p:spPr>
+            <a:xfrm>
+              <a:off x="381000" y="1676399"/>
+              <a:ext cx="3886200" cy="4425715"/>
+            </a:xfrm>
+            <a:prstGeom prst="rect">
+              <a:avLst/>
+            </a:prstGeom>
+          </p:spPr>
+        </p:pic>
+        <p:sp>
+          <p:nvSpPr>
+            <p:cNvPr id="3" name="Oval 2">
+              <a:extLst>
+                <a:ext uri="{FF2B5EF4-FFF2-40B4-BE49-F238E27FC236}">
+                  <a16:creationId xmlns:a16="http://schemas.microsoft.com/office/drawing/2014/main" id="{A76617EC-6C2B-DC49-A7E8-7EEA8FFCD3F6}"/>
+                </a:ext>
+              </a:extLst>
+            </p:cNvPr>
+            <p:cNvSpPr/>
+            <p:nvPr/>
+          </p:nvSpPr>
+          <p:spPr>
+            <a:xfrm>
+              <a:off x="914400" y="4572000"/>
+              <a:ext cx="76200" cy="76200"/>
+            </a:xfrm>
+            <a:prstGeom prst="ellipse">
+              <a:avLst/>
+            </a:prstGeom>
+          </p:spPr>
+          <p:style>
+            <a:lnRef idx="1">
+              <a:schemeClr val="accent1"/>
+            </a:lnRef>
+            <a:fillRef idx="3">
+              <a:schemeClr val="accent1"/>
+            </a:fillRef>
+            <a:effectRef idx="2">
+              <a:schemeClr val="accent1"/>
+            </a:effectRef>
+            <a:fontRef idx="minor">
+              <a:schemeClr val="lt1"/>
+            </a:fontRef>
+          </p:style>
+          <p:txBody>
+            <a:bodyPr rtlCol="0" anchor="ctr"/>
+            <a:lstStyle/>
+            <a:p>
+              <a:pPr algn="ctr"/>
+              <a:endParaRPr lang="en-US"/>
+            </a:p>
+          </p:txBody>
+        </p:sp>
+        <p:sp>
+          <p:nvSpPr>
+            <p:cNvPr id="7" name="Oval 6">
+              <a:extLst>
+                <a:ext uri="{FF2B5EF4-FFF2-40B4-BE49-F238E27FC236}">
+                  <a16:creationId xmlns:a16="http://schemas.microsoft.com/office/drawing/2014/main" id="{997CC124-D107-464E-9DFE-DFAC9CC7B2B3}"/>
+                </a:ext>
+              </a:extLst>
+            </p:cNvPr>
+            <p:cNvSpPr/>
+            <p:nvPr/>
+          </p:nvSpPr>
+          <p:spPr>
+            <a:xfrm>
+              <a:off x="1524000" y="2209800"/>
+              <a:ext cx="76200" cy="76200"/>
+            </a:xfrm>
+            <a:prstGeom prst="ellipse">
+              <a:avLst/>
+            </a:prstGeom>
+          </p:spPr>
+          <p:style>
+            <a:lnRef idx="1">
+              <a:schemeClr val="accent1"/>
+            </a:lnRef>
+            <a:fillRef idx="3">
+              <a:schemeClr val="accent1"/>
+            </a:fillRef>
+            <a:effectRef idx="2">
+              <a:schemeClr val="accent1"/>
+            </a:effectRef>
+            <a:fontRef idx="minor">
+              <a:schemeClr val="lt1"/>
+            </a:fontRef>
+          </p:style>
+          <p:txBody>
+            <a:bodyPr rtlCol="0" anchor="ctr"/>
+            <a:lstStyle/>
+            <a:p>
+              <a:pPr algn="ctr"/>
+              <a:endParaRPr lang="en-US"/>
+            </a:p>
+          </p:txBody>
+        </p:sp>
+        <p:cxnSp>
+          <p:nvCxnSpPr>
+            <p:cNvPr id="6" name="Elbow Connector 5">
+              <a:extLst>
+                <a:ext uri="{FF2B5EF4-FFF2-40B4-BE49-F238E27FC236}">
+                  <a16:creationId xmlns:a16="http://schemas.microsoft.com/office/drawing/2014/main" id="{2BCDA357-EB01-6A40-BD72-8F416872F949}"/>
+                </a:ext>
+              </a:extLst>
+            </p:cNvPr>
+            <p:cNvCxnSpPr>
+              <a:stCxn id="3" idx="3"/>
+              <a:endCxn id="7" idx="1"/>
+            </p:cNvCxnSpPr>
+            <p:nvPr/>
+          </p:nvCxnSpPr>
+          <p:spPr>
+            <a:xfrm rot="5400000" flipH="1" flipV="1">
+              <a:off x="22318" y="3124200"/>
+              <a:ext cx="2416082" cy="609600"/>
+            </a:xfrm>
+            <a:prstGeom prst="bentConnector5">
+              <a:avLst>
+                <a:gd name="adj1" fmla="val 556"/>
+                <a:gd name="adj2" fmla="val -71316"/>
+                <a:gd name="adj3" fmla="val 109462"/>
+              </a:avLst>
+            </a:prstGeom>
+            <a:ln w="38100">
+              <a:solidFill>
+                <a:srgbClr val="00B050"/>
+              </a:solidFill>
+              <a:prstDash val="dash"/>
+              <a:tailEnd type="triangle"/>
+            </a:ln>
+          </p:spPr>
+          <p:style>
+            <a:lnRef idx="2">
+              <a:schemeClr val="accent1"/>
+            </a:lnRef>
+            <a:fillRef idx="0">
+              <a:schemeClr val="accent1"/>
+            </a:fillRef>
+            <a:effectRef idx="1">
+              <a:schemeClr val="accent1"/>
+            </a:effectRef>
+            <a:fontRef idx="minor">
+              <a:schemeClr val="tx1"/>
+            </a:fontRef>
+          </p:style>
+        </p:cxnSp>
+      </p:grpSp>
+      <p:sp>
+        <p:nvSpPr>
+          <p:cNvPr id="12" name="Rectangle 11">
+            <a:extLst>
+              <a:ext uri="{FF2B5EF4-FFF2-40B4-BE49-F238E27FC236}">
+                <a16:creationId xmlns:a16="http://schemas.microsoft.com/office/drawing/2014/main" id="{035DA3CB-0EA0-1340-8F9A-A28E446FB08E}"/>
+              </a:ext>
+            </a:extLst>
+          </p:cNvPr>
+          <p:cNvSpPr/>
+          <p:nvPr/>
+        </p:nvSpPr>
+        <p:spPr>
+          <a:xfrm>
+            <a:off x="1981200" y="1152785"/>
+            <a:ext cx="7010400" cy="338554"/>
+          </a:xfrm>
+          <a:prstGeom prst="rect">
+            <a:avLst/>
+          </a:prstGeom>
+        </p:spPr>
+        <p:txBody>
+          <a:bodyPr wrap="square">
+            <a:spAutoFit/>
+          </a:bodyPr>
+          <a:lstStyle/>
+          <a:p>
+            <a:r>
+              <a:rPr lang="en-US" sz="1600" dirty="0">
+                <a:latin typeface="Courier New" panose="02070309020205020404" pitchFamily="49" charset="0"/>
+                <a:cs typeface="Courier New" panose="02070309020205020404" pitchFamily="49" charset="0"/>
+              </a:rPr>
+              <a:t>L7 + </a:t>
+            </a:r>
+            <a:r>
+              <a:rPr lang="en-US" sz="1600" dirty="0">
+                <a:solidFill>
+                  <a:srgbClr val="FF0000"/>
+                </a:solidFill>
+                <a:latin typeface="Courier New" panose="02070309020205020404" pitchFamily="49" charset="0"/>
+                <a:cs typeface="Courier New" panose="02070309020205020404" pitchFamily="49" charset="0"/>
+              </a:rPr>
+              <a:t>Vm7*(K1_7*P1^H7/(1 + K1_7*P1^H7)) </a:t>
+            </a:r>
+            <a:r>
+              <a:rPr lang="en-US" sz="1600" dirty="0">
+                <a:latin typeface="Courier New" panose="02070309020205020404" pitchFamily="49" charset="0"/>
+                <a:cs typeface="Courier New" panose="02070309020205020404" pitchFamily="49" charset="0"/>
+              </a:rPr>
+              <a:t>- d_mRNA7*mRNA7</a:t>
+            </a:r>
+            <a:endParaRPr lang="en-US" sz="1600" dirty="0"/>
+          </a:p>
+        </p:txBody>
+      </p:sp>
+      <p:sp>
+        <p:nvSpPr>
+          <p:cNvPr id="13" name="TextBox 12">
+            <a:extLst>
+              <a:ext uri="{FF2B5EF4-FFF2-40B4-BE49-F238E27FC236}">
+                <a16:creationId xmlns:a16="http://schemas.microsoft.com/office/drawing/2014/main" id="{A2C32A6C-75A9-444A-9D46-33774F4F158A}"/>
+              </a:ext>
+            </a:extLst>
+          </p:cNvPr>
+          <p:cNvSpPr txBox="1"/>
+          <p:nvPr/>
+        </p:nvSpPr>
+        <p:spPr>
+          <a:xfrm>
+            <a:off x="2895600" y="1519305"/>
+            <a:ext cx="4426212" cy="1200329"/>
+          </a:xfrm>
+          <a:prstGeom prst="rect">
+            <a:avLst/>
+          </a:prstGeom>
+          <a:solidFill>
+            <a:schemeClr val="bg1">
+              <a:lumMod val="95000"/>
+            </a:schemeClr>
+          </a:solidFill>
+        </p:spPr>
+        <p:txBody>
+          <a:bodyPr wrap="none" rtlCol="0">
+            <a:spAutoFit/>
+          </a:bodyPr>
+          <a:lstStyle/>
+          <a:p>
+            <a:r>
+              <a:rPr lang="en-US" sz="2400" dirty="0"/>
+              <a:t>P1 activates Gene 7</a:t>
+            </a:r>
+          </a:p>
+          <a:p>
+            <a:pPr marL="285750" indent="-285750">
+              <a:buFont typeface="Arial" panose="020B0604020202020204" pitchFamily="34" charset="0"/>
+              <a:buChar char="•"/>
+            </a:pPr>
+            <a:r>
+              <a:rPr lang="en-US" sz="2400" dirty="0"/>
+              <a:t>Algebraic expression (</a:t>
+            </a:r>
+            <a:r>
+              <a:rPr lang="en-US" sz="2400" dirty="0">
+                <a:solidFill>
+                  <a:srgbClr val="FF0000"/>
+                </a:solidFill>
+              </a:rPr>
+              <a:t>red</a:t>
+            </a:r>
+            <a:r>
+              <a:rPr lang="en-US" sz="2400" dirty="0"/>
+              <a:t>)</a:t>
+            </a:r>
+          </a:p>
+          <a:p>
+            <a:pPr marL="285750" indent="-285750">
+              <a:buFont typeface="Arial" panose="020B0604020202020204" pitchFamily="34" charset="0"/>
+              <a:buChar char="•"/>
+            </a:pPr>
+            <a:r>
+              <a:rPr lang="en-US" sz="2400" dirty="0"/>
+              <a:t>Constants: </a:t>
+            </a:r>
+            <a:r>
+              <a:rPr lang="en-US" sz="2400" dirty="0">
+                <a:latin typeface="Courier New" panose="02070309020205020404" pitchFamily="49" charset="0"/>
+                <a:cs typeface="Courier New" panose="02070309020205020404" pitchFamily="49" charset="0"/>
+              </a:rPr>
+              <a:t>Vm7, K1_7, H7</a:t>
+            </a:r>
+          </a:p>
+        </p:txBody>
+      </p:sp>
+      <p:sp>
+        <p:nvSpPr>
+          <p:cNvPr id="16" name="Rectangle 15">
+            <a:extLst>
+              <a:ext uri="{FF2B5EF4-FFF2-40B4-BE49-F238E27FC236}">
+                <a16:creationId xmlns:a16="http://schemas.microsoft.com/office/drawing/2014/main" id="{D18787C0-E0B0-FF48-800F-C1346DC6926C}"/>
+              </a:ext>
+            </a:extLst>
+          </p:cNvPr>
+          <p:cNvSpPr/>
+          <p:nvPr/>
+        </p:nvSpPr>
+        <p:spPr>
+          <a:xfrm>
+            <a:off x="1752600" y="5663625"/>
+            <a:ext cx="7010400" cy="584775"/>
+          </a:xfrm>
+          <a:prstGeom prst="rect">
+            <a:avLst/>
+          </a:prstGeom>
+        </p:spPr>
+        <p:txBody>
+          <a:bodyPr wrap="square">
+            <a:spAutoFit/>
+          </a:bodyPr>
+          <a:lstStyle/>
+          <a:p>
+            <a:r>
+              <a:rPr lang="en-US" sz="1600" dirty="0">
+                <a:latin typeface="Courier New" panose="02070309020205020404" pitchFamily="49" charset="0"/>
+                <a:cs typeface="Courier New" panose="02070309020205020404" pitchFamily="49" charset="0"/>
+              </a:rPr>
+              <a:t>L7 + </a:t>
+            </a:r>
+            <a:r>
+              <a:rPr lang="en-US" sz="1600" dirty="0">
+                <a:solidFill>
+                  <a:srgbClr val="FF0000"/>
+                </a:solidFill>
+                <a:latin typeface="Courier New" panose="02070309020205020404" pitchFamily="49" charset="0"/>
+                <a:cs typeface="Courier New" panose="02070309020205020404" pitchFamily="49" charset="0"/>
+              </a:rPr>
+              <a:t>Vm7*(K1_7*P1^H7/(1 + K1_7*P1^H7 + K2_7*P7^H7 + K3_7*P1^H7 *P7^H7)) </a:t>
+            </a:r>
+            <a:r>
+              <a:rPr lang="en-US" sz="1600" dirty="0">
+                <a:latin typeface="Courier New" panose="02070309020205020404" pitchFamily="49" charset="0"/>
+                <a:cs typeface="Courier New" panose="02070309020205020404" pitchFamily="49" charset="0"/>
+              </a:rPr>
+              <a:t>- d_mRNA7*mRNA7</a:t>
+            </a:r>
+            <a:endParaRPr lang="en-US" sz="1600" dirty="0"/>
+          </a:p>
+        </p:txBody>
+      </p:sp>
+      <p:sp>
+        <p:nvSpPr>
+          <p:cNvPr id="18" name="TextBox 17">
+            <a:extLst>
+              <a:ext uri="{FF2B5EF4-FFF2-40B4-BE49-F238E27FC236}">
+                <a16:creationId xmlns:a16="http://schemas.microsoft.com/office/drawing/2014/main" id="{50EB9E3D-7364-A141-B9F4-0F26FCF7B919}"/>
+              </a:ext>
+            </a:extLst>
+          </p:cNvPr>
+          <p:cNvSpPr txBox="1"/>
+          <p:nvPr/>
+        </p:nvSpPr>
+        <p:spPr>
+          <a:xfrm>
+            <a:off x="3220667" y="3810000"/>
+            <a:ext cx="5466133" cy="1846659"/>
+          </a:xfrm>
+          <a:prstGeom prst="rect">
+            <a:avLst/>
+          </a:prstGeom>
+          <a:solidFill>
+            <a:schemeClr val="bg1">
+              <a:lumMod val="95000"/>
+            </a:schemeClr>
+          </a:solidFill>
+        </p:spPr>
+        <p:txBody>
+          <a:bodyPr wrap="square" rtlCol="0">
+            <a:spAutoFit/>
+          </a:bodyPr>
+          <a:lstStyle/>
+          <a:p>
+            <a:r>
+              <a:rPr lang="en-US" sz="2400" dirty="0">
+                <a:cs typeface="Courier New" panose="02070309020205020404" pitchFamily="49" charset="0"/>
+              </a:rPr>
+              <a:t>Add P7 represses Gene 7</a:t>
+            </a:r>
+          </a:p>
+          <a:p>
+            <a:pPr marL="742950" lvl="1" indent="-285750">
+              <a:buFont typeface="Arial" panose="020B0604020202020204" pitchFamily="34" charset="0"/>
+              <a:buChar char="•"/>
+            </a:pPr>
+            <a:r>
+              <a:rPr lang="en-US" sz="2400" dirty="0">
+                <a:cs typeface="Courier New" panose="02070309020205020404" pitchFamily="49" charset="0"/>
+              </a:rPr>
+              <a:t>Updates algebraic expression (terms with P7)</a:t>
+            </a:r>
+          </a:p>
+          <a:p>
+            <a:pPr marL="742950" lvl="1" indent="-285750">
+              <a:buFont typeface="Arial" panose="020B0604020202020204" pitchFamily="34" charset="0"/>
+              <a:buChar char="•"/>
+            </a:pPr>
+            <a:r>
+              <a:rPr lang="en-US" sz="2400" dirty="0">
+                <a:cs typeface="Courier New" panose="02070309020205020404" pitchFamily="49" charset="0"/>
+              </a:rPr>
+              <a:t>Adds a constant: </a:t>
+            </a:r>
+            <a:r>
+              <a:rPr lang="en-US" sz="2400" dirty="0">
+                <a:latin typeface="Courier New" panose="02070309020205020404" pitchFamily="49" charset="0"/>
+                <a:cs typeface="Courier New" panose="02070309020205020404" pitchFamily="49" charset="0"/>
+              </a:rPr>
+              <a:t>K2_7</a:t>
+            </a:r>
+          </a:p>
+          <a:p>
+            <a:endParaRPr lang="en-US" dirty="0"/>
+          </a:p>
+        </p:txBody>
+      </p:sp>
+    </p:spTree>
+    <p:extLst>
+      <p:ext uri="{BB962C8B-B14F-4D97-AF65-F5344CB8AC3E}">
+        <p14:creationId xmlns:p14="http://schemas.microsoft.com/office/powerpoint/2010/main" val="1820088435"/>
+      </p:ext>
+    </p:extLst>
+  </p:cSld>
+  <p:clrMapOvr>
+    <a:masterClrMapping/>
+  </p:clrMapOvr>
+  <p:timing>
+    <p:tnLst>
+      <p:par>
+        <p:cTn id="1" dur="indefinite" restart="never" nodeType="tmRoot">
+          <p:childTnLst>
+            <p:seq concurrent="1" nextAc="seek">
+              <p:cTn id="2" dur="indefinite" nodeType="mainSeq">
+                <p:childTnLst>
+                  <p:par>
+                    <p:cTn id="3" fill="hold">
+                      <p:stCondLst>
+                        <p:cond delay="indefinite"/>
+                      </p:stCondLst>
+                      <p:childTnLst>
+                        <p:par>
+                          <p:cTn id="4" fill="hold">
+                            <p:stCondLst>
+                              <p:cond delay="0"/>
+                            </p:stCondLst>
+                            <p:childTnLst>
+                              <p:par>
+                                <p:cTn id="5" presetID="1" presetClass="entr" presetSubtype="0" fill="hold" grpId="0" nodeType="clickEffect">
+                                  <p:stCondLst>
+                                    <p:cond delay="0"/>
+                                  </p:stCondLst>
+                                  <p:childTnLst>
+                                    <p:set>
+                                      <p:cBhvr>
+                                        <p:cTn id="6" dur="1" fill="hold">
+                                          <p:stCondLst>
+                                            <p:cond delay="0"/>
+                                          </p:stCondLst>
+                                        </p:cTn>
+                                        <p:tgtEl>
+                                          <p:spTgt spid="12"/>
+                                        </p:tgtEl>
+                                        <p:attrNameLst>
+                                          <p:attrName>style.visibility</p:attrName>
+                                        </p:attrNameLst>
+                                      </p:cBhvr>
+                                      <p:to>
+                                        <p:strVal val="visible"/>
+                                      </p:to>
+                                    </p:set>
+                                  </p:childTnLst>
+                                </p:cTn>
+                              </p:par>
+                            </p:childTnLst>
+                          </p:cTn>
+                        </p:par>
+                      </p:childTnLst>
+                    </p:cTn>
+                  </p:par>
+                  <p:par>
+                    <p:cTn id="7" fill="hold">
+                      <p:stCondLst>
+                        <p:cond delay="indefinite"/>
+                      </p:stCondLst>
+                      <p:childTnLst>
+                        <p:par>
+                          <p:cTn id="8" fill="hold">
+                            <p:stCondLst>
+                              <p:cond delay="0"/>
+                            </p:stCondLst>
+                            <p:childTnLst>
+                              <p:par>
+                                <p:cTn id="9" presetID="1" presetClass="entr" presetSubtype="0" fill="hold" grpId="0" nodeType="clickEffect">
+                                  <p:stCondLst>
+                                    <p:cond delay="0"/>
+                                  </p:stCondLst>
+                                  <p:childTnLst>
+                                    <p:set>
+                                      <p:cBhvr>
+                                        <p:cTn id="10" dur="1" fill="hold">
+                                          <p:stCondLst>
+                                            <p:cond delay="0"/>
+                                          </p:stCondLst>
+                                        </p:cTn>
+                                        <p:tgtEl>
+                                          <p:spTgt spid="13"/>
+                                        </p:tgtEl>
+                                        <p:attrNameLst>
+                                          <p:attrName>style.visibility</p:attrName>
+                                        </p:attrNameLst>
+                                      </p:cBhvr>
+                                      <p:to>
+                                        <p:strVal val="visible"/>
+                                      </p:to>
+                                    </p:set>
+                                  </p:childTnLst>
+                                </p:cTn>
+                              </p:par>
+                            </p:childTnLst>
+                          </p:cTn>
+                        </p:par>
+                      </p:childTnLst>
+                    </p:cTn>
+                  </p:par>
+                  <p:par>
+                    <p:cTn id="11" fill="hold">
+                      <p:stCondLst>
+                        <p:cond delay="indefinite"/>
+                      </p:stCondLst>
+                      <p:childTnLst>
+                        <p:par>
+                          <p:cTn id="12" fill="hold">
+                            <p:stCondLst>
+                              <p:cond delay="0"/>
+                            </p:stCondLst>
+                            <p:childTnLst>
+                              <p:par>
+                                <p:cTn id="13" presetID="1" presetClass="entr" presetSubtype="0" fill="hold" grpId="0" nodeType="clickEffect">
+                                  <p:stCondLst>
+                                    <p:cond delay="0"/>
+                                  </p:stCondLst>
+                                  <p:childTnLst>
+                                    <p:set>
+                                      <p:cBhvr>
+                                        <p:cTn id="14" dur="1" fill="hold">
+                                          <p:stCondLst>
+                                            <p:cond delay="0"/>
+                                          </p:stCondLst>
+                                        </p:cTn>
+                                        <p:tgtEl>
+                                          <p:spTgt spid="16"/>
+                                        </p:tgtEl>
+                                        <p:attrNameLst>
+                                          <p:attrName>style.visibility</p:attrName>
+                                        </p:attrNameLst>
+                                      </p:cBhvr>
+                                      <p:to>
+                                        <p:strVal val="visible"/>
+                                      </p:to>
+                                    </p:set>
+                                  </p:childTnLst>
+                                </p:cTn>
+                              </p:par>
+                              <p:par>
+                                <p:cTn id="15" presetID="1" presetClass="entr" presetSubtype="0" fill="hold" grpId="0" nodeType="withEffect">
+                                  <p:stCondLst>
+                                    <p:cond delay="0"/>
+                                  </p:stCondLst>
+                                  <p:childTnLst>
+                                    <p:set>
+                                      <p:cBhvr>
+                                        <p:cTn id="16" dur="1" fill="hold">
+                                          <p:stCondLst>
+                                            <p:cond delay="0"/>
+                                          </p:stCondLst>
+                                        </p:cTn>
+                                        <p:tgtEl>
+                                          <p:spTgt spid="18"/>
+                                        </p:tgtEl>
+                                        <p:attrNameLst>
+                                          <p:attrName>style.visibility</p:attrName>
+                                        </p:attrNameLst>
+                                      </p:cBhvr>
+                                      <p:to>
+                                        <p:strVal val="visible"/>
+                                      </p:to>
+                                    </p:set>
+                                  </p:childTnLst>
+                                </p:cTn>
+                              </p:par>
+                            </p:childTnLst>
+                          </p:cTn>
+                        </p:par>
+                      </p:childTnLst>
+                    </p:cTn>
+                  </p:par>
+                </p:childTnLst>
+              </p:cTn>
+              <p:prevCondLst>
+                <p:cond evt="onPrev" delay="0">
+                  <p:tgtEl>
+                    <p:sldTgt/>
+                  </p:tgtEl>
+                </p:cond>
+              </p:prevCondLst>
+              <p:nextCondLst>
+                <p:cond evt="onNext" delay="0">
+                  <p:tgtEl>
+                    <p:sldTgt/>
+                  </p:tgtEl>
+                </p:cond>
+              </p:nextCondLst>
+            </p:seq>
+          </p:childTnLst>
+        </p:cTn>
+      </p:par>
+    </p:tnLst>
+    <p:bldLst>
+      <p:bldP spid="12" grpId="0"/>
+      <p:bldP spid="13" grpId="0" animBg="1"/>
+      <p:bldP spid="16" grpId="0"/>
+      <p:bldP spid="18" grpId="0" animBg="1"/>
+    </p:bldLst>
+  </p:timing>
+</p:sld>
+</file>
+
+<file path=ppt/slides/slide14.xml><?xml version="1.0" encoding="utf-8"?>
+<p:sld xmlns:a="http://schemas.openxmlformats.org/drawingml/2006/main" xmlns:r="http://schemas.openxmlformats.org/officeDocument/2006/relationships" xmlns:p="http://schemas.openxmlformats.org/presentationml/2006/main">
+  <p:cSld>
+    <p:spTree>
+      <p:nvGrpSpPr>
+        <p:cNvPr id="1" name=""/>
+        <p:cNvGrpSpPr/>
+        <p:nvPr/>
+      </p:nvGrpSpPr>
+      <p:grpSpPr>
+        <a:xfrm>
+          <a:off x="0" y="0"/>
+          <a:ext cx="0" cy="0"/>
+          <a:chOff x="0" y="0"/>
+          <a:chExt cx="0" cy="0"/>
+        </a:xfrm>
+      </p:grpSpPr>
+      <p:sp>
+        <p:nvSpPr>
+          <p:cNvPr id="2" name="Title 1">
+            <a:extLst>
+              <a:ext uri="{FF2B5EF4-FFF2-40B4-BE49-F238E27FC236}">
+                <a16:creationId xmlns:a16="http://schemas.microsoft.com/office/drawing/2014/main" id="{D4EDF1DB-1BE4-7D41-9073-0C95F739EE00}"/>
+              </a:ext>
+            </a:extLst>
+          </p:cNvPr>
+          <p:cNvSpPr>
+            <a:spLocks noGrp="1"/>
+          </p:cNvSpPr>
+          <p:nvPr>
+            <p:ph type="title"/>
+          </p:nvPr>
+        </p:nvSpPr>
+        <p:spPr>
+          <a:xfrm>
+            <a:off x="457200" y="381000"/>
+            <a:ext cx="8229600" cy="669924"/>
+          </a:xfrm>
+        </p:spPr>
+        <p:txBody>
+          <a:bodyPr/>
+          <a:lstStyle/>
+          <a:p>
+            <a:r>
+              <a:rPr lang="en-US" dirty="0"/>
+              <a:t>Essential Information to Write mRNA Kinetics</a:t>
+            </a:r>
+          </a:p>
+        </p:txBody>
+      </p:sp>
+      <p:sp>
+        <p:nvSpPr>
+          <p:cNvPr id="4" name="Content Placeholder 3">
+            <a:extLst>
+              <a:ext uri="{FF2B5EF4-FFF2-40B4-BE49-F238E27FC236}">
+                <a16:creationId xmlns:a16="http://schemas.microsoft.com/office/drawing/2014/main" id="{49BED8C9-259A-7948-B058-C7E1FD3A3BFB}"/>
+              </a:ext>
+            </a:extLst>
+          </p:cNvPr>
+          <p:cNvSpPr>
+            <a:spLocks noGrp="1"/>
+          </p:cNvSpPr>
+          <p:nvPr>
+            <p:ph idx="1"/>
+          </p:nvPr>
+        </p:nvSpPr>
+        <p:spPr>
+          <a:xfrm>
+            <a:off x="457200" y="2133600"/>
+            <a:ext cx="8229600" cy="2133600"/>
+          </a:xfrm>
+        </p:spPr>
+        <p:txBody>
+          <a:bodyPr/>
+          <a:lstStyle/>
+          <a:p>
+            <a:pPr marL="0" indent="0">
+              <a:buNone/>
+            </a:pPr>
+            <a:r>
+              <a:rPr lang="en-US" b="1" dirty="0"/>
+              <a:t>Kinetics Determining Information (KDI) for a gene</a:t>
+            </a:r>
+          </a:p>
+          <a:p>
+            <a:pPr marL="514350" indent="-514350">
+              <a:buFont typeface="+mj-lt"/>
+              <a:buAutoNum type="arabicPeriod"/>
+            </a:pPr>
+            <a:r>
+              <a:rPr lang="en-US" dirty="0"/>
+              <a:t>Which proteins are TFs?</a:t>
+            </a:r>
+          </a:p>
+          <a:p>
+            <a:pPr marL="514350" indent="-514350">
+              <a:buFont typeface="+mj-lt"/>
+              <a:buAutoNum type="arabicPeriod"/>
+            </a:pPr>
+            <a:r>
+              <a:rPr lang="en-US" dirty="0"/>
+              <a:t>Whether a protein activates or inhibits</a:t>
+            </a:r>
+          </a:p>
+          <a:p>
+            <a:pPr marL="514350" indent="-514350">
+              <a:buFont typeface="+mj-lt"/>
+              <a:buAutoNum type="arabicPeriod"/>
+            </a:pPr>
+            <a:r>
+              <a:rPr lang="en-US" dirty="0"/>
+              <a:t>How effects of TFs are “integrated”: AND, OR</a:t>
+            </a:r>
+          </a:p>
+        </p:txBody>
+      </p:sp>
+      <p:sp>
+        <p:nvSpPr>
+          <p:cNvPr id="3" name="Slide Number Placeholder 2">
+            <a:extLst>
+              <a:ext uri="{FF2B5EF4-FFF2-40B4-BE49-F238E27FC236}">
+                <a16:creationId xmlns:a16="http://schemas.microsoft.com/office/drawing/2014/main" id="{5379E3FF-7D6B-C343-B104-D2025802D6ED}"/>
+              </a:ext>
+            </a:extLst>
+          </p:cNvPr>
+          <p:cNvSpPr>
+            <a:spLocks noGrp="1"/>
+          </p:cNvSpPr>
+          <p:nvPr>
+            <p:ph type="sldNum" sz="quarter" idx="11"/>
+          </p:nvPr>
+        </p:nvSpPr>
+        <p:spPr/>
+        <p:txBody>
+          <a:bodyPr/>
+          <a:lstStyle/>
+          <a:p>
+            <a:pPr>
+              <a:defRPr/>
+            </a:pPr>
+            <a:fld id="{2E4304A7-0FB2-4094-BC1E-DB17183AD0C1}" type="slidenum">
+              <a:rPr lang="en-US" altLang="x-none" smtClean="0"/>
+              <a:pPr>
+                <a:defRPr/>
+              </a:pPr>
+              <a:t>14</a:t>
+            </a:fld>
+            <a:endParaRPr lang="en-US" altLang="x-none"/>
+          </a:p>
+        </p:txBody>
+      </p:sp>
+      <p:sp>
+        <p:nvSpPr>
+          <p:cNvPr id="5" name="Rectangle 4">
+            <a:extLst>
+              <a:ext uri="{FF2B5EF4-FFF2-40B4-BE49-F238E27FC236}">
+                <a16:creationId xmlns:a16="http://schemas.microsoft.com/office/drawing/2014/main" id="{BFA0C25A-F2D8-5B48-87DE-C8999D2D5A70}"/>
+              </a:ext>
+            </a:extLst>
+          </p:cNvPr>
+          <p:cNvSpPr/>
+          <p:nvPr/>
+        </p:nvSpPr>
+        <p:spPr>
+          <a:xfrm>
+            <a:off x="914400" y="1653432"/>
+            <a:ext cx="7010400" cy="338554"/>
+          </a:xfrm>
+          <a:prstGeom prst="rect">
+            <a:avLst/>
+          </a:prstGeom>
+        </p:spPr>
+        <p:txBody>
+          <a:bodyPr wrap="square">
+            <a:spAutoFit/>
+          </a:bodyPr>
+          <a:lstStyle/>
+          <a:p>
+            <a:r>
+              <a:rPr lang="en-US" sz="1600" dirty="0">
+                <a:latin typeface="Courier New" panose="02070309020205020404" pitchFamily="49" charset="0"/>
+                <a:cs typeface="Courier New" panose="02070309020205020404" pitchFamily="49" charset="0"/>
+              </a:rPr>
+              <a:t>L7 + </a:t>
+            </a:r>
+            <a:r>
+              <a:rPr lang="en-US" sz="1600" dirty="0">
+                <a:solidFill>
+                  <a:srgbClr val="FF0000"/>
+                </a:solidFill>
+                <a:latin typeface="Courier New" panose="02070309020205020404" pitchFamily="49" charset="0"/>
+                <a:cs typeface="Courier New" panose="02070309020205020404" pitchFamily="49" charset="0"/>
+              </a:rPr>
+              <a:t>Vm7*(K1_7*P1^H7/(1 + K1_7*P1^H7)) </a:t>
+            </a:r>
+            <a:r>
+              <a:rPr lang="en-US" sz="1600" dirty="0">
+                <a:latin typeface="Courier New" panose="02070309020205020404" pitchFamily="49" charset="0"/>
+                <a:cs typeface="Courier New" panose="02070309020205020404" pitchFamily="49" charset="0"/>
+              </a:rPr>
+              <a:t>- d_mRNA7*mRNA7</a:t>
+            </a:r>
+            <a:endParaRPr lang="en-US" sz="1600" dirty="0"/>
+          </a:p>
+        </p:txBody>
+      </p:sp>
+      <p:sp>
+        <p:nvSpPr>
+          <p:cNvPr id="6" name="TextBox 5">
+            <a:extLst>
+              <a:ext uri="{FF2B5EF4-FFF2-40B4-BE49-F238E27FC236}">
+                <a16:creationId xmlns:a16="http://schemas.microsoft.com/office/drawing/2014/main" id="{C10EBD63-72A0-914A-8B1C-BB32EF69A489}"/>
+              </a:ext>
+            </a:extLst>
+          </p:cNvPr>
+          <p:cNvSpPr txBox="1"/>
+          <p:nvPr/>
+        </p:nvSpPr>
+        <p:spPr>
+          <a:xfrm>
+            <a:off x="304800" y="4948535"/>
+            <a:ext cx="8411277" cy="461665"/>
+          </a:xfrm>
+          <a:prstGeom prst="rect">
+            <a:avLst/>
+          </a:prstGeom>
+          <a:solidFill>
+            <a:schemeClr val="bg1">
+              <a:lumMod val="95000"/>
+            </a:schemeClr>
+          </a:solidFill>
+        </p:spPr>
+        <p:txBody>
+          <a:bodyPr wrap="none" rtlCol="0">
+            <a:spAutoFit/>
+          </a:bodyPr>
+          <a:lstStyle/>
+          <a:p>
+            <a:r>
+              <a:rPr lang="en-US" sz="2400" b="1" dirty="0"/>
+              <a:t>Claim</a:t>
+            </a:r>
+            <a:r>
+              <a:rPr lang="en-US" sz="2400" dirty="0"/>
+              <a:t>: If you know the KDI, you can write the gene kinetics  </a:t>
+            </a:r>
+          </a:p>
+        </p:txBody>
+      </p:sp>
+    </p:spTree>
+    <p:extLst>
+      <p:ext uri="{BB962C8B-B14F-4D97-AF65-F5344CB8AC3E}">
+        <p14:creationId xmlns:p14="http://schemas.microsoft.com/office/powerpoint/2010/main" val="1843076994"/>
+      </p:ext>
+    </p:extLst>
+  </p:cSld>
+  <p:clrMapOvr>
+    <a:masterClrMapping/>
+  </p:clrMapOvr>
+  <p:timing>
+    <p:tnLst>
+      <p:par>
+        <p:cTn id="1" dur="indefinite" restart="never" nodeType="tmRoot">
+          <p:childTnLst>
+            <p:seq concurrent="1" nextAc="seek">
+              <p:cTn id="2" dur="indefinite" nodeType="mainSeq">
+                <p:childTnLst>
+                  <p:par>
+                    <p:cTn id="3" fill="hold">
+                      <p:stCondLst>
+                        <p:cond delay="indefinite"/>
+                      </p:stCondLst>
+                      <p:childTnLst>
+                        <p:par>
+                          <p:cTn id="4" fill="hold">
+                            <p:stCondLst>
+                              <p:cond delay="0"/>
+                            </p:stCondLst>
+                            <p:childTnLst>
+                              <p:par>
+                                <p:cTn id="5" presetID="1" presetClass="entr" presetSubtype="0" fill="hold" grpId="0" nodeType="clickEffect">
+                                  <p:stCondLst>
+                                    <p:cond delay="0"/>
+                                  </p:stCondLst>
+                                  <p:childTnLst>
+                                    <p:set>
+                                      <p:cBhvr>
+                                        <p:cTn id="6" dur="1" fill="hold">
+                                          <p:stCondLst>
+                                            <p:cond delay="0"/>
+                                          </p:stCondLst>
+                                        </p:cTn>
+                                        <p:tgtEl>
+                                          <p:spTgt spid="5"/>
+                                        </p:tgtEl>
+                                        <p:attrNameLst>
+                                          <p:attrName>style.visibility</p:attrName>
+                                        </p:attrNameLst>
+                                      </p:cBhvr>
+                                      <p:to>
+                                        <p:strVal val="visible"/>
+                                      </p:to>
+                                    </p:set>
+                                  </p:childTnLst>
+                                </p:cTn>
+                              </p:par>
+                            </p:childTnLst>
+                          </p:cTn>
+                        </p:par>
+                      </p:childTnLst>
+                    </p:cTn>
+                  </p:par>
+                </p:childTnLst>
+              </p:cTn>
+              <p:prevCondLst>
+                <p:cond evt="onPrev" delay="0">
+                  <p:tgtEl>
+                    <p:sldTgt/>
+                  </p:tgtEl>
+                </p:cond>
+              </p:prevCondLst>
+              <p:nextCondLst>
+                <p:cond evt="onNext" delay="0">
+                  <p:tgtEl>
+                    <p:sldTgt/>
+                  </p:tgtEl>
+                </p:cond>
+              </p:nextCondLst>
+            </p:seq>
+          </p:childTnLst>
+        </p:cTn>
+      </p:par>
+    </p:tnLst>
+    <p:bldLst>
+      <p:bldP spid="5" grpId="0"/>
+    </p:bldLst>
+  </p:timing>
+</p:sld>
+</file>
+
+<file path=ppt/slides/slide15.xml><?xml version="1.0" encoding="utf-8"?>
+<p:sld xmlns:a="http://schemas.openxmlformats.org/drawingml/2006/main" xmlns:r="http://schemas.openxmlformats.org/officeDocument/2006/relationships" xmlns:p="http://schemas.openxmlformats.org/presentationml/2006/main">
+  <p:cSld>
+    <p:spTree>
+      <p:nvGrpSpPr>
+        <p:cNvPr id="1" name=""/>
+        <p:cNvGrpSpPr/>
+        <p:nvPr/>
+      </p:nvGrpSpPr>
+      <p:grpSpPr>
+        <a:xfrm>
+          <a:off x="0" y="0"/>
+          <a:ext cx="0" cy="0"/>
+          <a:chOff x="0" y="0"/>
+          <a:chExt cx="0" cy="0"/>
+        </a:xfrm>
+      </p:grpSpPr>
+      <p:sp>
+        <p:nvSpPr>
+          <p:cNvPr id="2" name="Title 1">
+            <a:extLst>
+              <a:ext uri="{FF2B5EF4-FFF2-40B4-BE49-F238E27FC236}">
+                <a16:creationId xmlns:a16="http://schemas.microsoft.com/office/drawing/2014/main" id="{098C3E4F-DD0C-DC42-A135-77D095B22EE4}"/>
+              </a:ext>
+            </a:extLst>
+          </p:cNvPr>
+          <p:cNvSpPr>
+            <a:spLocks noGrp="1"/>
+          </p:cNvSpPr>
+          <p:nvPr>
+            <p:ph type="title"/>
+          </p:nvPr>
+        </p:nvSpPr>
+        <p:spPr/>
+        <p:txBody>
+          <a:bodyPr/>
+          <a:lstStyle/>
+          <a:p>
+            <a:r>
+              <a:rPr lang="en-US" sz="2800" dirty="0"/>
+              <a:t>Exercise</a:t>
+            </a:r>
+          </a:p>
+        </p:txBody>
+      </p:sp>
+      <p:sp>
+        <p:nvSpPr>
+          <p:cNvPr id="3" name="Content Placeholder 2">
+            <a:extLst>
+              <a:ext uri="{FF2B5EF4-FFF2-40B4-BE49-F238E27FC236}">
+                <a16:creationId xmlns:a16="http://schemas.microsoft.com/office/drawing/2014/main" id="{3B89DF9B-8996-9C42-AB81-09AFDB7F368A}"/>
+              </a:ext>
+            </a:extLst>
+          </p:cNvPr>
+          <p:cNvSpPr>
+            <a:spLocks noGrp="1"/>
+          </p:cNvSpPr>
+          <p:nvPr>
+            <p:ph idx="1"/>
+          </p:nvPr>
+        </p:nvSpPr>
+        <p:spPr>
+          <a:xfrm>
+            <a:off x="457200" y="1752599"/>
+            <a:ext cx="8839200" cy="3810001"/>
+          </a:xfrm>
+        </p:spPr>
+        <p:txBody>
+          <a:bodyPr/>
+          <a:lstStyle/>
+          <a:p>
+            <a:pPr marL="0" indent="0">
+              <a:buNone/>
+            </a:pPr>
+            <a:r>
+              <a:rPr lang="en-US" b="1" dirty="0"/>
+              <a:t>Write the kinetics expressions for the following and list the constants that must be added as a result.</a:t>
+            </a:r>
+          </a:p>
+          <a:p>
+            <a:r>
+              <a:rPr lang="en-US" dirty="0"/>
+              <a:t>Gene 7 activates Gene 8</a:t>
+            </a:r>
+          </a:p>
+          <a:p>
+            <a:pPr marL="0" indent="0">
+              <a:buNone/>
+            </a:pPr>
+            <a:endParaRPr lang="en-US" dirty="0"/>
+          </a:p>
+          <a:p>
+            <a:pPr marL="0" indent="0">
+              <a:buNone/>
+            </a:pPr>
+            <a:endParaRPr lang="en-US" dirty="0"/>
+          </a:p>
+          <a:p>
+            <a:r>
+              <a:rPr lang="en-US" dirty="0"/>
+              <a:t>Gene 7 or Gene 4 activate Gene 8</a:t>
+            </a:r>
+          </a:p>
+        </p:txBody>
+      </p:sp>
+      <p:sp>
+        <p:nvSpPr>
+          <p:cNvPr id="4" name="Slide Number Placeholder 3">
+            <a:extLst>
+              <a:ext uri="{FF2B5EF4-FFF2-40B4-BE49-F238E27FC236}">
+                <a16:creationId xmlns:a16="http://schemas.microsoft.com/office/drawing/2014/main" id="{F6703B8B-4276-9644-99F4-E793B17D3D0F}"/>
+              </a:ext>
+            </a:extLst>
+          </p:cNvPr>
+          <p:cNvSpPr>
+            <a:spLocks noGrp="1"/>
+          </p:cNvSpPr>
+          <p:nvPr>
+            <p:ph type="sldNum" sz="quarter" idx="11"/>
+          </p:nvPr>
+        </p:nvSpPr>
+        <p:spPr/>
+        <p:txBody>
+          <a:bodyPr/>
+          <a:lstStyle/>
+          <a:p>
+            <a:pPr>
+              <a:defRPr/>
+            </a:pPr>
+            <a:fld id="{3EF4E9CC-9D91-476E-91FD-5BEEC1642931}" type="slidenum">
+              <a:rPr lang="en-US" altLang="x-none" smtClean="0"/>
+              <a:pPr>
+                <a:defRPr/>
+              </a:pPr>
+              <a:t>15</a:t>
+            </a:fld>
+            <a:endParaRPr lang="en-US" altLang="x-none"/>
+          </a:p>
+        </p:txBody>
+      </p:sp>
+      <p:sp>
+        <p:nvSpPr>
+          <p:cNvPr id="5" name="Rectangle 4">
+            <a:extLst>
+              <a:ext uri="{FF2B5EF4-FFF2-40B4-BE49-F238E27FC236}">
+                <a16:creationId xmlns:a16="http://schemas.microsoft.com/office/drawing/2014/main" id="{8B44B467-6F69-1347-8027-641C600A7E26}"/>
+              </a:ext>
+            </a:extLst>
+          </p:cNvPr>
+          <p:cNvSpPr/>
+          <p:nvPr/>
+        </p:nvSpPr>
+        <p:spPr>
+          <a:xfrm>
+            <a:off x="533401" y="3242846"/>
+            <a:ext cx="8305799" cy="338554"/>
+          </a:xfrm>
+          <a:prstGeom prst="rect">
+            <a:avLst/>
+          </a:prstGeom>
+        </p:spPr>
+        <p:txBody>
+          <a:bodyPr wrap="square">
+            <a:spAutoFit/>
+          </a:bodyPr>
+          <a:lstStyle/>
+          <a:p>
+            <a:r>
+              <a:rPr lang="en-US" sz="1600" dirty="0">
+                <a:latin typeface="Courier New" panose="02070309020205020404" pitchFamily="49" charset="0"/>
+                <a:cs typeface="Courier New" panose="02070309020205020404" pitchFamily="49" charset="0"/>
+              </a:rPr>
+              <a:t>L8 + Vm8*(K1_8*P7^H8 /(1 + K1_8*P7^H8)) d_mRNA8*mRNA8</a:t>
+            </a:r>
+            <a:endParaRPr lang="en-US" sz="1600" dirty="0"/>
+          </a:p>
+        </p:txBody>
+      </p:sp>
+      <p:sp>
+        <p:nvSpPr>
+          <p:cNvPr id="6" name="Rectangle 5">
+            <a:extLst>
+              <a:ext uri="{FF2B5EF4-FFF2-40B4-BE49-F238E27FC236}">
+                <a16:creationId xmlns:a16="http://schemas.microsoft.com/office/drawing/2014/main" id="{51B2E40F-1F67-5F4C-AA79-40FCED9675ED}"/>
+              </a:ext>
+            </a:extLst>
+          </p:cNvPr>
+          <p:cNvSpPr/>
+          <p:nvPr/>
+        </p:nvSpPr>
+        <p:spPr>
+          <a:xfrm>
+            <a:off x="457200" y="3669267"/>
+            <a:ext cx="7010400" cy="369332"/>
+          </a:xfrm>
+          <a:prstGeom prst="rect">
+            <a:avLst/>
+          </a:prstGeom>
+        </p:spPr>
+        <p:txBody>
+          <a:bodyPr wrap="square">
+            <a:spAutoFit/>
+          </a:bodyPr>
+          <a:lstStyle/>
+          <a:p>
+            <a:r>
+              <a:rPr lang="en-US" dirty="0">
+                <a:latin typeface="+mn-lt"/>
+              </a:rPr>
+              <a:t>New constants: </a:t>
+            </a:r>
+            <a:r>
+              <a:rPr lang="en-US" dirty="0">
+                <a:latin typeface="Courier New" panose="02070309020205020404" pitchFamily="49" charset="0"/>
+                <a:cs typeface="Courier New" panose="02070309020205020404" pitchFamily="49" charset="0"/>
+              </a:rPr>
+              <a:t>Vm8, K1_8, H8</a:t>
+            </a:r>
+          </a:p>
+        </p:txBody>
+      </p:sp>
+      <p:sp>
+        <p:nvSpPr>
+          <p:cNvPr id="7" name="Rectangle 6">
+            <a:extLst>
+              <a:ext uri="{FF2B5EF4-FFF2-40B4-BE49-F238E27FC236}">
+                <a16:creationId xmlns:a16="http://schemas.microsoft.com/office/drawing/2014/main" id="{64725C68-B5F5-304B-8821-60AC41CF287B}"/>
+              </a:ext>
+            </a:extLst>
+          </p:cNvPr>
+          <p:cNvSpPr/>
+          <p:nvPr/>
+        </p:nvSpPr>
+        <p:spPr>
+          <a:xfrm>
+            <a:off x="381000" y="971490"/>
+            <a:ext cx="8305800" cy="461665"/>
+          </a:xfrm>
+          <a:prstGeom prst="rect">
+            <a:avLst/>
+          </a:prstGeom>
+        </p:spPr>
+        <p:txBody>
+          <a:bodyPr wrap="square">
+            <a:spAutoFit/>
+          </a:bodyPr>
+          <a:lstStyle/>
+          <a:p>
+            <a:r>
+              <a:rPr lang="en-US" sz="2400" dirty="0">
+                <a:latin typeface="+mn-lt"/>
+                <a:cs typeface="Courier New" panose="02070309020205020404" pitchFamily="49" charset="0"/>
+              </a:rPr>
+              <a:t>Kinetics for Gene 8 in initial model</a:t>
+            </a:r>
+            <a:r>
+              <a:rPr lang="en-US" sz="2400" dirty="0">
+                <a:latin typeface="Courier New" panose="02070309020205020404" pitchFamily="49" charset="0"/>
+                <a:cs typeface="Courier New" panose="02070309020205020404" pitchFamily="49" charset="0"/>
+              </a:rPr>
+              <a:t>: L8 - d_mRNA8*mRNA8</a:t>
+            </a:r>
+            <a:endParaRPr lang="en-US" sz="2400" dirty="0"/>
+          </a:p>
+        </p:txBody>
+      </p:sp>
+      <p:sp>
+        <p:nvSpPr>
+          <p:cNvPr id="8" name="Rectangle 7">
+            <a:extLst>
+              <a:ext uri="{FF2B5EF4-FFF2-40B4-BE49-F238E27FC236}">
+                <a16:creationId xmlns:a16="http://schemas.microsoft.com/office/drawing/2014/main" id="{5FA0B945-47B1-B849-AB24-58A18A336946}"/>
+              </a:ext>
+            </a:extLst>
+          </p:cNvPr>
+          <p:cNvSpPr/>
+          <p:nvPr/>
+        </p:nvSpPr>
+        <p:spPr>
+          <a:xfrm>
+            <a:off x="304800" y="4800600"/>
+            <a:ext cx="8534400" cy="584775"/>
+          </a:xfrm>
+          <a:prstGeom prst="rect">
+            <a:avLst/>
+          </a:prstGeom>
+        </p:spPr>
+        <p:txBody>
+          <a:bodyPr wrap="square">
+            <a:spAutoFit/>
+          </a:bodyPr>
+          <a:lstStyle/>
+          <a:p>
+            <a:r>
+              <a:rPr lang="en-US" sz="1600" dirty="0">
+                <a:latin typeface="Courier New" panose="02070309020205020404" pitchFamily="49" charset="0"/>
+                <a:cs typeface="Courier New" panose="02070309020205020404" pitchFamily="49" charset="0"/>
+              </a:rPr>
+              <a:t>L8 + Vm8*(K1_8*P7^H8 + K2_8*P4^H8 + K3_8*P7^H8*P4^H8)</a:t>
+            </a:r>
+          </a:p>
+          <a:p>
+            <a:r>
+              <a:rPr lang="en-US" sz="1600" dirty="0">
+                <a:latin typeface="Courier New" panose="02070309020205020404" pitchFamily="49" charset="0"/>
+                <a:cs typeface="Courier New" panose="02070309020205020404" pitchFamily="49" charset="0"/>
+              </a:rPr>
+              <a:t> /(1 + K1_8*P7^H8 + K2_8*P4^H8 + K3_8*P7^H8*P4^H8))- d_mRNA8*mRNA8</a:t>
+            </a:r>
+            <a:endParaRPr lang="en-US" sz="1600" dirty="0"/>
+          </a:p>
+        </p:txBody>
+      </p:sp>
+      <p:sp>
+        <p:nvSpPr>
+          <p:cNvPr id="9" name="Rectangle 8">
+            <a:extLst>
+              <a:ext uri="{FF2B5EF4-FFF2-40B4-BE49-F238E27FC236}">
+                <a16:creationId xmlns:a16="http://schemas.microsoft.com/office/drawing/2014/main" id="{14CC3B66-58F1-0C4D-8A0B-F2983772CE32}"/>
+              </a:ext>
+            </a:extLst>
+          </p:cNvPr>
+          <p:cNvSpPr/>
+          <p:nvPr/>
+        </p:nvSpPr>
+        <p:spPr>
+          <a:xfrm>
+            <a:off x="381000" y="5421868"/>
+            <a:ext cx="7010400" cy="369332"/>
+          </a:xfrm>
+          <a:prstGeom prst="rect">
+            <a:avLst/>
+          </a:prstGeom>
+        </p:spPr>
+        <p:txBody>
+          <a:bodyPr wrap="square">
+            <a:spAutoFit/>
+          </a:bodyPr>
+          <a:lstStyle/>
+          <a:p>
+            <a:r>
+              <a:rPr lang="en-US" dirty="0">
+                <a:latin typeface="+mn-lt"/>
+              </a:rPr>
+              <a:t>New constants: </a:t>
+            </a:r>
+            <a:r>
+              <a:rPr lang="en-US" dirty="0">
+                <a:latin typeface="Courier New" panose="02070309020205020404" pitchFamily="49" charset="0"/>
+                <a:cs typeface="Courier New" panose="02070309020205020404" pitchFamily="49" charset="0"/>
+              </a:rPr>
+              <a:t>K2_8, K3_8</a:t>
+            </a:r>
+          </a:p>
+        </p:txBody>
+      </p:sp>
+    </p:spTree>
+    <p:extLst>
+      <p:ext uri="{BB962C8B-B14F-4D97-AF65-F5344CB8AC3E}">
+        <p14:creationId xmlns:p14="http://schemas.microsoft.com/office/powerpoint/2010/main" val="1576111482"/>
+      </p:ext>
+    </p:extLst>
+  </p:cSld>
+  <p:clrMapOvr>
+    <a:masterClrMapping/>
+  </p:clrMapOvr>
+  <p:timing>
+    <p:tnLst>
+      <p:par>
+        <p:cTn id="1" dur="indefinite" restart="never" nodeType="tmRoot">
+          <p:childTnLst>
+            <p:seq concurrent="1" nextAc="seek">
+              <p:cTn id="2" dur="indefinite" nodeType="mainSeq">
+                <p:childTnLst>
+                  <p:par>
+                    <p:cTn id="3" fill="hold">
+                      <p:stCondLst>
+                        <p:cond delay="indefinite"/>
+                      </p:stCondLst>
+                      <p:childTnLst>
+                        <p:par>
+                          <p:cTn id="4" fill="hold">
+                            <p:stCondLst>
+                              <p:cond delay="0"/>
+                            </p:stCondLst>
+                            <p:childTnLst>
+                              <p:par>
+                                <p:cTn id="5" presetID="1" presetClass="entr" presetSubtype="0" fill="hold" grpId="0" nodeType="clickEffect">
+                                  <p:stCondLst>
+                                    <p:cond delay="0"/>
+                                  </p:stCondLst>
+                                  <p:childTnLst>
+                                    <p:set>
+                                      <p:cBhvr>
+                                        <p:cTn id="6" dur="1" fill="hold">
+                                          <p:stCondLst>
+                                            <p:cond delay="0"/>
+                                          </p:stCondLst>
+                                        </p:cTn>
+                                        <p:tgtEl>
+                                          <p:spTgt spid="5"/>
+                                        </p:tgtEl>
+                                        <p:attrNameLst>
+                                          <p:attrName>style.visibility</p:attrName>
+                                        </p:attrNameLst>
+                                      </p:cBhvr>
+                                      <p:to>
+                                        <p:strVal val="visible"/>
+                                      </p:to>
+                                    </p:set>
+                                  </p:childTnLst>
+                                </p:cTn>
+                              </p:par>
+                            </p:childTnLst>
+                          </p:cTn>
+                        </p:par>
+                      </p:childTnLst>
+                    </p:cTn>
+                  </p:par>
+                  <p:par>
+                    <p:cTn id="7" fill="hold">
+                      <p:stCondLst>
+                        <p:cond delay="indefinite"/>
+                      </p:stCondLst>
+                      <p:childTnLst>
+                        <p:par>
+                          <p:cTn id="8" fill="hold">
+                            <p:stCondLst>
+                              <p:cond delay="0"/>
+                            </p:stCondLst>
+                            <p:childTnLst>
+                              <p:par>
+                                <p:cTn id="9" presetID="1" presetClass="entr" presetSubtype="0" fill="hold" grpId="0" nodeType="clickEffect">
+                                  <p:stCondLst>
+                                    <p:cond delay="0"/>
+                                  </p:stCondLst>
+                                  <p:childTnLst>
+                                    <p:set>
+                                      <p:cBhvr>
+                                        <p:cTn id="10" dur="1" fill="hold">
+                                          <p:stCondLst>
+                                            <p:cond delay="0"/>
+                                          </p:stCondLst>
+                                        </p:cTn>
+                                        <p:tgtEl>
+                                          <p:spTgt spid="6"/>
+                                        </p:tgtEl>
+                                        <p:attrNameLst>
+                                          <p:attrName>style.visibility</p:attrName>
+                                        </p:attrNameLst>
+                                      </p:cBhvr>
+                                      <p:to>
+                                        <p:strVal val="visible"/>
+                                      </p:to>
+                                    </p:set>
+                                  </p:childTnLst>
+                                </p:cTn>
+                              </p:par>
+                            </p:childTnLst>
+                          </p:cTn>
+                        </p:par>
+                      </p:childTnLst>
+                    </p:cTn>
+                  </p:par>
+                  <p:par>
+                    <p:cTn id="11" fill="hold">
+                      <p:stCondLst>
+                        <p:cond delay="indefinite"/>
+                      </p:stCondLst>
+                      <p:childTnLst>
+                        <p:par>
+                          <p:cTn id="12" fill="hold">
+                            <p:stCondLst>
+                              <p:cond delay="0"/>
+                            </p:stCondLst>
+                            <p:childTnLst>
+                              <p:par>
+                                <p:cTn id="13" presetID="1" presetClass="entr" presetSubtype="0" fill="hold" grpId="0" nodeType="clickEffect">
+                                  <p:stCondLst>
+                                    <p:cond delay="0"/>
+                                  </p:stCondLst>
+                                  <p:childTnLst>
+                                    <p:set>
+                                      <p:cBhvr>
+                                        <p:cTn id="14" dur="1" fill="hold">
+                                          <p:stCondLst>
+                                            <p:cond delay="0"/>
+                                          </p:stCondLst>
+                                        </p:cTn>
+                                        <p:tgtEl>
+                                          <p:spTgt spid="8"/>
+                                        </p:tgtEl>
+                                        <p:attrNameLst>
+                                          <p:attrName>style.visibility</p:attrName>
+                                        </p:attrNameLst>
+                                      </p:cBhvr>
+                                      <p:to>
+                                        <p:strVal val="visible"/>
+                                      </p:to>
+                                    </p:set>
+                                  </p:childTnLst>
+                                </p:cTn>
+                              </p:par>
+                            </p:childTnLst>
+                          </p:cTn>
+                        </p:par>
+                      </p:childTnLst>
+                    </p:cTn>
+                  </p:par>
+                  <p:par>
+                    <p:cTn id="15" fill="hold">
+                      <p:stCondLst>
+                        <p:cond delay="indefinite"/>
+                      </p:stCondLst>
+                      <p:childTnLst>
+                        <p:par>
+                          <p:cTn id="16" fill="hold">
+                            <p:stCondLst>
+                              <p:cond delay="0"/>
+                            </p:stCondLst>
+                            <p:childTnLst>
+                              <p:par>
+                                <p:cTn id="17" presetID="1" presetClass="entr" presetSubtype="0" fill="hold" grpId="0" nodeType="clickEffect">
+                                  <p:stCondLst>
+                                    <p:cond delay="0"/>
+                                  </p:stCondLst>
+                                  <p:childTnLst>
+                                    <p:set>
+                                      <p:cBhvr>
+                                        <p:cTn id="18" dur="1" fill="hold">
+                                          <p:stCondLst>
+                                            <p:cond delay="0"/>
+                                          </p:stCondLst>
+                                        </p:cTn>
+                                        <p:tgtEl>
+                                          <p:spTgt spid="9"/>
+                                        </p:tgtEl>
+                                        <p:attrNameLst>
+                                          <p:attrName>style.visibility</p:attrName>
+                                        </p:attrNameLst>
+                                      </p:cBhvr>
+                                      <p:to>
+                                        <p:strVal val="visible"/>
+                                      </p:to>
+                                    </p:set>
+                                  </p:childTnLst>
+                                </p:cTn>
+                              </p:par>
+                            </p:childTnLst>
+                          </p:cTn>
+                        </p:par>
+                      </p:childTnLst>
+                    </p:cTn>
+                  </p:par>
+                </p:childTnLst>
+              </p:cTn>
+              <p:prevCondLst>
+                <p:cond evt="onPrev" delay="0">
+                  <p:tgtEl>
+                    <p:sldTgt/>
+                  </p:tgtEl>
+                </p:cond>
+              </p:prevCondLst>
+              <p:nextCondLst>
+                <p:cond evt="onNext" delay="0">
+                  <p:tgtEl>
+                    <p:sldTgt/>
+                  </p:tgtEl>
+                </p:cond>
+              </p:nextCondLst>
+            </p:seq>
+          </p:childTnLst>
+        </p:cTn>
+      </p:par>
+    </p:tnLst>
+    <p:bldLst>
+      <p:bldP spid="5" grpId="0"/>
+      <p:bldP spid="6" grpId="0"/>
+      <p:bldP spid="8" grpId="0"/>
+      <p:bldP spid="9" grpId="0"/>
+    </p:bldLst>
+  </p:timing>
+</p:sld>
+</file>
+
+<file path=ppt/slides/slide16.xml><?xml version="1.0" encoding="utf-8"?>
+<p:sld xmlns:a="http://schemas.openxmlformats.org/drawingml/2006/main" xmlns:r="http://schemas.openxmlformats.org/officeDocument/2006/relationships" xmlns:p="http://schemas.openxmlformats.org/presentationml/2006/main">
+  <p:cSld>
+    <p:spTree>
+      <p:nvGrpSpPr>
+        <p:cNvPr id="1" name=""/>
+        <p:cNvGrpSpPr/>
+        <p:nvPr/>
+      </p:nvGrpSpPr>
+      <p:grpSpPr>
+        <a:xfrm>
+          <a:off x="0" y="0"/>
+          <a:ext cx="0" cy="0"/>
+          <a:chOff x="0" y="0"/>
+          <a:chExt cx="0" cy="0"/>
+        </a:xfrm>
+      </p:grpSpPr>
+      <p:sp>
+        <p:nvSpPr>
+          <p:cNvPr id="2" name="Title 1">
+            <a:extLst>
+              <a:ext uri="{FF2B5EF4-FFF2-40B4-BE49-F238E27FC236}">
+                <a16:creationId xmlns:a16="http://schemas.microsoft.com/office/drawing/2014/main" id="{098C3E4F-DD0C-DC42-A135-77D095B22EE4}"/>
+              </a:ext>
+            </a:extLst>
+          </p:cNvPr>
+          <p:cNvSpPr>
+            <a:spLocks noGrp="1"/>
+          </p:cNvSpPr>
+          <p:nvPr>
+            <p:ph type="title"/>
+          </p:nvPr>
+        </p:nvSpPr>
+        <p:spPr>
+          <a:xfrm>
+            <a:off x="228600" y="381000"/>
+            <a:ext cx="2819400" cy="669924"/>
+          </a:xfrm>
+        </p:spPr>
+        <p:txBody>
+          <a:bodyPr/>
+          <a:lstStyle/>
+          <a:p>
+            <a:r>
+              <a:rPr lang="en-US" sz="2800" dirty="0"/>
+              <a:t>Representing KDI</a:t>
+            </a:r>
+          </a:p>
+        </p:txBody>
+      </p:sp>
+      <p:sp>
+        <p:nvSpPr>
+          <p:cNvPr id="3" name="Content Placeholder 2">
+            <a:extLst>
+              <a:ext uri="{FF2B5EF4-FFF2-40B4-BE49-F238E27FC236}">
+                <a16:creationId xmlns:a16="http://schemas.microsoft.com/office/drawing/2014/main" id="{3B89DF9B-8996-9C42-AB81-09AFDB7F368A}"/>
+              </a:ext>
+            </a:extLst>
+          </p:cNvPr>
+          <p:cNvSpPr>
+            <a:spLocks noGrp="1"/>
+          </p:cNvSpPr>
+          <p:nvPr>
+            <p:ph idx="1"/>
+          </p:nvPr>
+        </p:nvSpPr>
+        <p:spPr>
+          <a:xfrm>
+            <a:off x="381000" y="2209800"/>
+            <a:ext cx="8839200" cy="3107128"/>
+          </a:xfrm>
+        </p:spPr>
+        <p:txBody>
+          <a:bodyPr/>
+          <a:lstStyle/>
+          <a:p>
+            <a:r>
+              <a:rPr lang="en-US" dirty="0"/>
+              <a:t>Gene 7 activates Gene 8: 8X+7</a:t>
+            </a:r>
+          </a:p>
+          <a:p>
+            <a:pPr marL="0" indent="0">
+              <a:buNone/>
+            </a:pPr>
+            <a:endParaRPr lang="en-US" dirty="0"/>
+          </a:p>
+          <a:p>
+            <a:r>
+              <a:rPr lang="en-US" dirty="0"/>
+              <a:t>Gene 7 or Gene 4 activate Gene 8: 8O+7,+8</a:t>
+            </a:r>
+          </a:p>
+        </p:txBody>
+      </p:sp>
+      <p:sp>
+        <p:nvSpPr>
+          <p:cNvPr id="4" name="Slide Number Placeholder 3">
+            <a:extLst>
+              <a:ext uri="{FF2B5EF4-FFF2-40B4-BE49-F238E27FC236}">
+                <a16:creationId xmlns:a16="http://schemas.microsoft.com/office/drawing/2014/main" id="{F6703B8B-4276-9644-99F4-E793B17D3D0F}"/>
+              </a:ext>
+            </a:extLst>
+          </p:cNvPr>
+          <p:cNvSpPr>
+            <a:spLocks noGrp="1"/>
+          </p:cNvSpPr>
+          <p:nvPr>
+            <p:ph type="sldNum" sz="quarter" idx="11"/>
+          </p:nvPr>
+        </p:nvSpPr>
+        <p:spPr/>
+        <p:txBody>
+          <a:bodyPr/>
+          <a:lstStyle/>
+          <a:p>
+            <a:pPr>
+              <a:defRPr/>
+            </a:pPr>
+            <a:fld id="{3EF4E9CC-9D91-476E-91FD-5BEEC1642931}" type="slidenum">
+              <a:rPr lang="en-US" altLang="x-none" smtClean="0"/>
+              <a:pPr>
+                <a:defRPr/>
+              </a:pPr>
+              <a:t>16</a:t>
+            </a:fld>
+            <a:endParaRPr lang="en-US" altLang="x-none"/>
+          </a:p>
+        </p:txBody>
+      </p:sp>
+      <p:sp>
+        <p:nvSpPr>
+          <p:cNvPr id="5" name="Rectangle 4">
+            <a:extLst>
+              <a:ext uri="{FF2B5EF4-FFF2-40B4-BE49-F238E27FC236}">
+                <a16:creationId xmlns:a16="http://schemas.microsoft.com/office/drawing/2014/main" id="{8B44B467-6F69-1347-8027-641C600A7E26}"/>
+              </a:ext>
+            </a:extLst>
+          </p:cNvPr>
+          <p:cNvSpPr/>
+          <p:nvPr/>
+        </p:nvSpPr>
+        <p:spPr>
+          <a:xfrm>
+            <a:off x="533401" y="2684436"/>
+            <a:ext cx="6857999" cy="338554"/>
+          </a:xfrm>
+          <a:prstGeom prst="rect">
+            <a:avLst/>
+          </a:prstGeom>
+        </p:spPr>
+        <p:txBody>
+          <a:bodyPr wrap="square">
+            <a:spAutoFit/>
+          </a:bodyPr>
+          <a:lstStyle/>
+          <a:p>
+            <a:r>
+              <a:rPr lang="en-US" sz="1600" dirty="0">
+                <a:latin typeface="Courier New" panose="02070309020205020404" pitchFamily="49" charset="0"/>
+                <a:cs typeface="Courier New" panose="02070309020205020404" pitchFamily="49" charset="0"/>
+              </a:rPr>
+              <a:t>L8 + Vm8*(K1_8*P7^H8 /(1 + K1_8*P7^H8)) d_mRNA8*mRNA8</a:t>
+            </a:r>
+            <a:endParaRPr lang="en-US" sz="1600" dirty="0"/>
+          </a:p>
+        </p:txBody>
+      </p:sp>
+      <p:sp>
+        <p:nvSpPr>
+          <p:cNvPr id="8" name="Rectangle 7">
+            <a:extLst>
+              <a:ext uri="{FF2B5EF4-FFF2-40B4-BE49-F238E27FC236}">
+                <a16:creationId xmlns:a16="http://schemas.microsoft.com/office/drawing/2014/main" id="{5FA0B945-47B1-B849-AB24-58A18A336946}"/>
+              </a:ext>
+            </a:extLst>
+          </p:cNvPr>
+          <p:cNvSpPr/>
+          <p:nvPr/>
+        </p:nvSpPr>
+        <p:spPr>
+          <a:xfrm>
+            <a:off x="228600" y="3741553"/>
+            <a:ext cx="8534400" cy="584775"/>
+          </a:xfrm>
+          <a:prstGeom prst="rect">
+            <a:avLst/>
+          </a:prstGeom>
+        </p:spPr>
+        <p:txBody>
+          <a:bodyPr wrap="square">
+            <a:spAutoFit/>
+          </a:bodyPr>
+          <a:lstStyle/>
+          <a:p>
+            <a:r>
+              <a:rPr lang="en-US" sz="1600" dirty="0">
+                <a:latin typeface="Courier New" panose="02070309020205020404" pitchFamily="49" charset="0"/>
+                <a:cs typeface="Courier New" panose="02070309020205020404" pitchFamily="49" charset="0"/>
+              </a:rPr>
+              <a:t>L8 + Vm8*(K1_8*P7^H8 + K2_8*P4^H8 + K3_8*P7^H8*P4^H8)</a:t>
+            </a:r>
+          </a:p>
+          <a:p>
+            <a:r>
+              <a:rPr lang="en-US" sz="1600" dirty="0">
+                <a:latin typeface="Courier New" panose="02070309020205020404" pitchFamily="49" charset="0"/>
+                <a:cs typeface="Courier New" panose="02070309020205020404" pitchFamily="49" charset="0"/>
+              </a:rPr>
+              <a:t> /(1 + K1_8*P7^H8 + K2_8*P4^H8 + K3_8*P7^H8*P4^H8))- d_mRNA8*mRNA8</a:t>
+            </a:r>
+            <a:endParaRPr lang="en-US" sz="1600" dirty="0"/>
+          </a:p>
+        </p:txBody>
+      </p:sp>
+      <p:sp>
+        <p:nvSpPr>
+          <p:cNvPr id="10" name="Content Placeholder 9">
+            <a:extLst>
+              <a:ext uri="{FF2B5EF4-FFF2-40B4-BE49-F238E27FC236}">
+                <a16:creationId xmlns:a16="http://schemas.microsoft.com/office/drawing/2014/main" id="{ECFEF704-DB39-0040-98F3-F180498CAFC0}"/>
+              </a:ext>
+            </a:extLst>
+          </p:cNvPr>
+          <p:cNvSpPr txBox="1">
+            <a:spLocks/>
+          </p:cNvSpPr>
+          <p:nvPr/>
+        </p:nvSpPr>
+        <p:spPr>
+          <a:xfrm>
+            <a:off x="3200400" y="373062"/>
+            <a:ext cx="5334000" cy="1531938"/>
+          </a:xfrm>
+          <a:prstGeom prst="rect">
+            <a:avLst/>
+          </a:prstGeom>
+          <a:solidFill>
+            <a:schemeClr val="bg1">
+              <a:lumMod val="95000"/>
+            </a:schemeClr>
+          </a:solidFill>
+        </p:spPr>
+        <p:txBody>
+          <a:bodyPr/>
+          <a:lstStyle>
+            <a:lvl1pPr marL="342900" indent="-342900" algn="l" defTabSz="457200" rtl="0" eaLnBrk="0" fontAlgn="base" hangingPunct="0">
+              <a:spcBef>
+                <a:spcPct val="20000"/>
+              </a:spcBef>
+              <a:spcAft>
+                <a:spcPct val="0"/>
+              </a:spcAft>
+              <a:buFont typeface="Arial" panose="020B0604020202020204" pitchFamily="34" charset="0"/>
+              <a:buChar char="•"/>
+              <a:defRPr sz="2800" kern="1200">
+                <a:solidFill>
+                  <a:schemeClr val="tx1"/>
+                </a:solidFill>
+                <a:latin typeface="+mn-lt"/>
+                <a:ea typeface="ＭＳ Ｐゴシック" pitchFamily="-112" charset="-128"/>
+                <a:cs typeface="ＭＳ Ｐゴシック" pitchFamily="-112" charset="-128"/>
+              </a:defRPr>
+            </a:lvl1pPr>
+            <a:lvl2pPr marL="742950" indent="-285750" algn="l" defTabSz="457200" rtl="0" eaLnBrk="0" fontAlgn="base" hangingPunct="0">
+              <a:spcBef>
+                <a:spcPct val="20000"/>
+              </a:spcBef>
+              <a:spcAft>
+                <a:spcPct val="0"/>
+              </a:spcAft>
+              <a:buFont typeface="Arial" panose="020B0604020202020204" pitchFamily="34" charset="0"/>
+              <a:buChar char="–"/>
+              <a:defRPr sz="2400" kern="1200">
+                <a:solidFill>
+                  <a:schemeClr val="tx1"/>
+                </a:solidFill>
+                <a:latin typeface="+mn-lt"/>
+                <a:ea typeface="ＭＳ Ｐゴシック" pitchFamily="-112" charset="-128"/>
+                <a:cs typeface="+mn-cs"/>
+              </a:defRPr>
+            </a:lvl2pPr>
+            <a:lvl3pPr marL="1143000" indent="-228600" algn="l" defTabSz="457200" rtl="0" eaLnBrk="0" fontAlgn="base" hangingPunct="0">
+              <a:spcBef>
+                <a:spcPct val="20000"/>
+              </a:spcBef>
+              <a:spcAft>
+                <a:spcPct val="0"/>
+              </a:spcAft>
+              <a:buFont typeface="Arial" panose="020B0604020202020204" pitchFamily="34" charset="0"/>
+              <a:buChar char="•"/>
+              <a:defRPr sz="2000" kern="1200">
+                <a:solidFill>
+                  <a:schemeClr val="tx1"/>
+                </a:solidFill>
+                <a:latin typeface="+mn-lt"/>
+                <a:ea typeface="ＭＳ Ｐゴシック" pitchFamily="-112" charset="-128"/>
+                <a:cs typeface="+mn-cs"/>
+              </a:defRPr>
+            </a:lvl3pPr>
+            <a:lvl4pPr marL="1600200" indent="-228600" algn="l" defTabSz="457200" rtl="0" eaLnBrk="0" fontAlgn="base" hangingPunct="0">
+              <a:spcBef>
+                <a:spcPct val="20000"/>
+              </a:spcBef>
+              <a:spcAft>
+                <a:spcPct val="0"/>
+              </a:spcAft>
+              <a:buFont typeface="Arial" panose="020B0604020202020204" pitchFamily="34" charset="0"/>
+              <a:buChar char="–"/>
+              <a:defRPr sz="1800" kern="1200">
+                <a:solidFill>
+                  <a:schemeClr val="tx1"/>
+                </a:solidFill>
+                <a:latin typeface="+mn-lt"/>
+                <a:ea typeface="ＭＳ Ｐゴシック" pitchFamily="-112" charset="-128"/>
+                <a:cs typeface="+mn-cs"/>
+              </a:defRPr>
+            </a:lvl4pPr>
+            <a:lvl5pPr marL="2057400" indent="-228600" algn="l" defTabSz="457200" rtl="0" eaLnBrk="0" fontAlgn="base" hangingPunct="0">
+              <a:spcBef>
+                <a:spcPct val="20000"/>
+              </a:spcBef>
+              <a:spcAft>
+                <a:spcPct val="0"/>
+              </a:spcAft>
+              <a:buFont typeface="Arial" panose="020B0604020202020204" pitchFamily="34" charset="0"/>
+              <a:buChar char="»"/>
+              <a:defRPr sz="1800" kern="1200">
+                <a:solidFill>
+                  <a:schemeClr val="tx1"/>
+                </a:solidFill>
+                <a:latin typeface="+mn-lt"/>
+                <a:ea typeface="ＭＳ Ｐゴシック" pitchFamily="-112" charset="-128"/>
+                <a:cs typeface="+mn-cs"/>
+              </a:defRPr>
+            </a:lvl5pPr>
+            <a:lvl6pPr marL="2514600" indent="-228600" algn="l" defTabSz="457200" rtl="0" eaLnBrk="1" latinLnBrk="0" hangingPunct="1">
+              <a:spcBef>
+                <a:spcPct val="20000"/>
+              </a:spcBef>
+              <a:buFont typeface="Arial"/>
+              <a:buChar char="•"/>
+              <a:defRPr sz="2000" kern="1200">
+                <a:solidFill>
+                  <a:schemeClr val="tx1"/>
+                </a:solidFill>
+                <a:latin typeface="+mn-lt"/>
+                <a:ea typeface="+mn-ea"/>
+                <a:cs typeface="+mn-cs"/>
+              </a:defRPr>
+            </a:lvl6pPr>
+            <a:lvl7pPr marL="2971800" indent="-228600" algn="l" defTabSz="457200" rtl="0" eaLnBrk="1" latinLnBrk="0" hangingPunct="1">
+              <a:spcBef>
+                <a:spcPct val="20000"/>
+              </a:spcBef>
+              <a:buFont typeface="Arial"/>
+              <a:buChar char="•"/>
+              <a:defRPr sz="2000" kern="1200">
+                <a:solidFill>
+                  <a:schemeClr val="tx1"/>
+                </a:solidFill>
+                <a:latin typeface="+mn-lt"/>
+                <a:ea typeface="+mn-ea"/>
+                <a:cs typeface="+mn-cs"/>
+              </a:defRPr>
+            </a:lvl7pPr>
+            <a:lvl8pPr marL="3429000" indent="-228600" algn="l" defTabSz="457200" rtl="0" eaLnBrk="1" latinLnBrk="0" hangingPunct="1">
+              <a:spcBef>
+                <a:spcPct val="20000"/>
+              </a:spcBef>
+              <a:buFont typeface="Arial"/>
+              <a:buChar char="•"/>
+              <a:defRPr sz="2000" kern="1200">
+                <a:solidFill>
+                  <a:schemeClr val="tx1"/>
+                </a:solidFill>
+                <a:latin typeface="+mn-lt"/>
+                <a:ea typeface="+mn-ea"/>
+                <a:cs typeface="+mn-cs"/>
+              </a:defRPr>
+            </a:lvl8pPr>
+            <a:lvl9pPr marL="3886200" indent="-228600" algn="l" defTabSz="457200" rtl="0" eaLnBrk="1" latinLnBrk="0" hangingPunct="1">
+              <a:spcBef>
+                <a:spcPct val="20000"/>
+              </a:spcBef>
+              <a:buFont typeface="Arial"/>
+              <a:buChar char="•"/>
+              <a:defRPr sz="2000" kern="1200">
+                <a:solidFill>
+                  <a:schemeClr val="tx1"/>
+                </a:solidFill>
+                <a:latin typeface="+mn-lt"/>
+                <a:ea typeface="+mn-ea"/>
+                <a:cs typeface="+mn-cs"/>
+              </a:defRPr>
+            </a:lvl9pPr>
+          </a:lstStyle>
+          <a:p>
+            <a:pPr marL="0" indent="0">
+              <a:buFont typeface="Arial" panose="020B0604020202020204" pitchFamily="34" charset="0"/>
+              <a:buNone/>
+            </a:pPr>
+            <a:r>
+              <a:rPr lang="en-US" sz="2000" b="1" dirty="0"/>
+              <a:t>KDI</a:t>
+            </a:r>
+          </a:p>
+          <a:p>
+            <a:pPr marL="514350" indent="-514350">
+              <a:buFont typeface="+mj-lt"/>
+              <a:buAutoNum type="arabicPeriod"/>
+            </a:pPr>
+            <a:r>
+              <a:rPr lang="en-US" sz="2000" dirty="0"/>
+              <a:t>Which proteins are TFs?</a:t>
+            </a:r>
+          </a:p>
+          <a:p>
+            <a:pPr marL="514350" indent="-514350">
+              <a:buFont typeface="+mj-lt"/>
+              <a:buAutoNum type="arabicPeriod"/>
+            </a:pPr>
+            <a:r>
+              <a:rPr lang="en-US" sz="2000" dirty="0"/>
+              <a:t>Whether a protein activates or inhibits</a:t>
+            </a:r>
+          </a:p>
+          <a:p>
+            <a:pPr marL="514350" indent="-514350">
+              <a:buFont typeface="+mj-lt"/>
+              <a:buAutoNum type="arabicPeriod"/>
+            </a:pPr>
+            <a:r>
+              <a:rPr lang="en-US" sz="2000" dirty="0"/>
+              <a:t>How effects of TFs are “integrated”: AND, OR</a:t>
+            </a:r>
+          </a:p>
+          <a:p>
+            <a:pPr lvl="1"/>
+            <a:endParaRPr lang="en-US" sz="1800" i="1" dirty="0"/>
+          </a:p>
+        </p:txBody>
+      </p:sp>
+      <p:sp>
+        <p:nvSpPr>
+          <p:cNvPr id="11" name="Content Placeholder 9">
+            <a:extLst>
+              <a:ext uri="{FF2B5EF4-FFF2-40B4-BE49-F238E27FC236}">
+                <a16:creationId xmlns:a16="http://schemas.microsoft.com/office/drawing/2014/main" id="{BEABAA17-DC8F-9148-BBEB-812D51229388}"/>
+              </a:ext>
+            </a:extLst>
+          </p:cNvPr>
+          <p:cNvSpPr txBox="1">
+            <a:spLocks/>
+          </p:cNvSpPr>
+          <p:nvPr/>
+        </p:nvSpPr>
+        <p:spPr>
+          <a:xfrm>
+            <a:off x="1600200" y="4487862"/>
+            <a:ext cx="5334000" cy="1531938"/>
+          </a:xfrm>
+          <a:prstGeom prst="rect">
+            <a:avLst/>
+          </a:prstGeom>
+          <a:solidFill>
+            <a:schemeClr val="bg1">
+              <a:lumMod val="95000"/>
+            </a:schemeClr>
+          </a:solidFill>
+        </p:spPr>
+        <p:txBody>
+          <a:bodyPr/>
+          <a:lstStyle>
+            <a:lvl1pPr marL="342900" indent="-342900" algn="l" defTabSz="457200" rtl="0" eaLnBrk="0" fontAlgn="base" hangingPunct="0">
+              <a:spcBef>
+                <a:spcPct val="20000"/>
+              </a:spcBef>
+              <a:spcAft>
+                <a:spcPct val="0"/>
+              </a:spcAft>
+              <a:buFont typeface="Arial" panose="020B0604020202020204" pitchFamily="34" charset="0"/>
+              <a:buChar char="•"/>
+              <a:defRPr sz="2800" kern="1200">
+                <a:solidFill>
+                  <a:schemeClr val="tx1"/>
+                </a:solidFill>
+                <a:latin typeface="+mn-lt"/>
+                <a:ea typeface="ＭＳ Ｐゴシック" pitchFamily="-112" charset="-128"/>
+                <a:cs typeface="ＭＳ Ｐゴシック" pitchFamily="-112" charset="-128"/>
+              </a:defRPr>
+            </a:lvl1pPr>
+            <a:lvl2pPr marL="742950" indent="-285750" algn="l" defTabSz="457200" rtl="0" eaLnBrk="0" fontAlgn="base" hangingPunct="0">
+              <a:spcBef>
+                <a:spcPct val="20000"/>
+              </a:spcBef>
+              <a:spcAft>
+                <a:spcPct val="0"/>
+              </a:spcAft>
+              <a:buFont typeface="Arial" panose="020B0604020202020204" pitchFamily="34" charset="0"/>
+              <a:buChar char="–"/>
+              <a:defRPr sz="2400" kern="1200">
+                <a:solidFill>
+                  <a:schemeClr val="tx1"/>
+                </a:solidFill>
+                <a:latin typeface="+mn-lt"/>
+                <a:ea typeface="ＭＳ Ｐゴシック" pitchFamily="-112" charset="-128"/>
+                <a:cs typeface="+mn-cs"/>
+              </a:defRPr>
+            </a:lvl2pPr>
+            <a:lvl3pPr marL="1143000" indent="-228600" algn="l" defTabSz="457200" rtl="0" eaLnBrk="0" fontAlgn="base" hangingPunct="0">
+              <a:spcBef>
+                <a:spcPct val="20000"/>
+              </a:spcBef>
+              <a:spcAft>
+                <a:spcPct val="0"/>
+              </a:spcAft>
+              <a:buFont typeface="Arial" panose="020B0604020202020204" pitchFamily="34" charset="0"/>
+              <a:buChar char="•"/>
+              <a:defRPr sz="2000" kern="1200">
+                <a:solidFill>
+                  <a:schemeClr val="tx1"/>
+                </a:solidFill>
+                <a:latin typeface="+mn-lt"/>
+                <a:ea typeface="ＭＳ Ｐゴシック" pitchFamily="-112" charset="-128"/>
+                <a:cs typeface="+mn-cs"/>
+              </a:defRPr>
+            </a:lvl3pPr>
+            <a:lvl4pPr marL="1600200" indent="-228600" algn="l" defTabSz="457200" rtl="0" eaLnBrk="0" fontAlgn="base" hangingPunct="0">
+              <a:spcBef>
+                <a:spcPct val="20000"/>
+              </a:spcBef>
+              <a:spcAft>
+                <a:spcPct val="0"/>
+              </a:spcAft>
+              <a:buFont typeface="Arial" panose="020B0604020202020204" pitchFamily="34" charset="0"/>
+              <a:buChar char="–"/>
+              <a:defRPr sz="1800" kern="1200">
+                <a:solidFill>
+                  <a:schemeClr val="tx1"/>
+                </a:solidFill>
+                <a:latin typeface="+mn-lt"/>
+                <a:ea typeface="ＭＳ Ｐゴシック" pitchFamily="-112" charset="-128"/>
+                <a:cs typeface="+mn-cs"/>
+              </a:defRPr>
+            </a:lvl4pPr>
+            <a:lvl5pPr marL="2057400" indent="-228600" algn="l" defTabSz="457200" rtl="0" eaLnBrk="0" fontAlgn="base" hangingPunct="0">
+              <a:spcBef>
+                <a:spcPct val="20000"/>
+              </a:spcBef>
+              <a:spcAft>
+                <a:spcPct val="0"/>
+              </a:spcAft>
+              <a:buFont typeface="Arial" panose="020B0604020202020204" pitchFamily="34" charset="0"/>
+              <a:buChar char="»"/>
+              <a:defRPr sz="1800" kern="1200">
+                <a:solidFill>
+                  <a:schemeClr val="tx1"/>
+                </a:solidFill>
+                <a:latin typeface="+mn-lt"/>
+                <a:ea typeface="ＭＳ Ｐゴシック" pitchFamily="-112" charset="-128"/>
+                <a:cs typeface="+mn-cs"/>
+              </a:defRPr>
+            </a:lvl5pPr>
+            <a:lvl6pPr marL="2514600" indent="-228600" algn="l" defTabSz="457200" rtl="0" eaLnBrk="1" latinLnBrk="0" hangingPunct="1">
+              <a:spcBef>
+                <a:spcPct val="20000"/>
+              </a:spcBef>
+              <a:buFont typeface="Arial"/>
+              <a:buChar char="•"/>
+              <a:defRPr sz="2000" kern="1200">
+                <a:solidFill>
+                  <a:schemeClr val="tx1"/>
+                </a:solidFill>
+                <a:latin typeface="+mn-lt"/>
+                <a:ea typeface="+mn-ea"/>
+                <a:cs typeface="+mn-cs"/>
+              </a:defRPr>
+            </a:lvl6pPr>
+            <a:lvl7pPr marL="2971800" indent="-228600" algn="l" defTabSz="457200" rtl="0" eaLnBrk="1" latinLnBrk="0" hangingPunct="1">
+              <a:spcBef>
+                <a:spcPct val="20000"/>
+              </a:spcBef>
+              <a:buFont typeface="Arial"/>
+              <a:buChar char="•"/>
+              <a:defRPr sz="2000" kern="1200">
+                <a:solidFill>
+                  <a:schemeClr val="tx1"/>
+                </a:solidFill>
+                <a:latin typeface="+mn-lt"/>
+                <a:ea typeface="+mn-ea"/>
+                <a:cs typeface="+mn-cs"/>
+              </a:defRPr>
+            </a:lvl7pPr>
+            <a:lvl8pPr marL="3429000" indent="-228600" algn="l" defTabSz="457200" rtl="0" eaLnBrk="1" latinLnBrk="0" hangingPunct="1">
+              <a:spcBef>
+                <a:spcPct val="20000"/>
+              </a:spcBef>
+              <a:buFont typeface="Arial"/>
+              <a:buChar char="•"/>
+              <a:defRPr sz="2000" kern="1200">
+                <a:solidFill>
+                  <a:schemeClr val="tx1"/>
+                </a:solidFill>
+                <a:latin typeface="+mn-lt"/>
+                <a:ea typeface="+mn-ea"/>
+                <a:cs typeface="+mn-cs"/>
+              </a:defRPr>
+            </a:lvl8pPr>
+            <a:lvl9pPr marL="3886200" indent="-228600" algn="l" defTabSz="457200" rtl="0" eaLnBrk="1" latinLnBrk="0" hangingPunct="1">
+              <a:spcBef>
+                <a:spcPct val="20000"/>
+              </a:spcBef>
+              <a:buFont typeface="Arial"/>
+              <a:buChar char="•"/>
+              <a:defRPr sz="2000" kern="1200">
+                <a:solidFill>
+                  <a:schemeClr val="tx1"/>
+                </a:solidFill>
+                <a:latin typeface="+mn-lt"/>
+                <a:ea typeface="+mn-ea"/>
+                <a:cs typeface="+mn-cs"/>
+              </a:defRPr>
+            </a:lvl9pPr>
+          </a:lstStyle>
+          <a:p>
+            <a:pPr marL="0" indent="0">
+              <a:buFont typeface="Arial" panose="020B0604020202020204" pitchFamily="34" charset="0"/>
+              <a:buNone/>
+            </a:pPr>
+            <a:r>
+              <a:rPr lang="en-US" sz="2000" b="1" dirty="0"/>
+              <a:t>Text representation: {</a:t>
+            </a:r>
+            <a:r>
+              <a:rPr lang="en-US" sz="2000" b="1" dirty="0" err="1"/>
+              <a:t>Gn</a:t>
+            </a:r>
+            <a:r>
+              <a:rPr lang="en-US" sz="2000" b="1" dirty="0"/>
+              <a:t>}{X,A,O}{+,-}{Pi}{+,-}{</a:t>
+            </a:r>
+            <a:r>
+              <a:rPr lang="en-US" sz="2000" b="1" dirty="0" err="1"/>
+              <a:t>Pj</a:t>
+            </a:r>
+            <a:r>
+              <a:rPr lang="en-US" sz="2000" b="1" dirty="0"/>
+              <a:t>}</a:t>
+            </a:r>
+          </a:p>
+          <a:p>
+            <a:r>
+              <a:rPr lang="en-US" sz="2200" dirty="0" err="1"/>
+              <a:t>Gn</a:t>
+            </a:r>
+            <a:r>
+              <a:rPr lang="en-US" sz="2200" dirty="0"/>
+              <a:t>: gene for which kinetics are described</a:t>
+            </a:r>
+          </a:p>
+          <a:p>
+            <a:r>
+              <a:rPr lang="en-US" sz="2200" dirty="0"/>
+              <a:t>X,A,O: Integration of signals. A=and, O=or</a:t>
+            </a:r>
+          </a:p>
+          <a:p>
+            <a:r>
+              <a:rPr lang="en-US" sz="2200" dirty="0"/>
+              <a:t>Pi, </a:t>
+            </a:r>
+            <a:r>
+              <a:rPr lang="en-US" sz="2200" dirty="0" err="1"/>
+              <a:t>Pj</a:t>
+            </a:r>
+            <a:r>
+              <a:rPr lang="en-US" sz="2200" dirty="0"/>
+              <a:t>: Protein numbers</a:t>
+            </a:r>
+          </a:p>
+          <a:p>
+            <a:r>
+              <a:rPr lang="en-US" sz="2200" dirty="0"/>
+              <a:t>+, -: activation, inhibition </a:t>
+            </a:r>
+          </a:p>
+        </p:txBody>
+      </p:sp>
+    </p:spTree>
+    <p:extLst>
+      <p:ext uri="{BB962C8B-B14F-4D97-AF65-F5344CB8AC3E}">
+        <p14:creationId xmlns:p14="http://schemas.microsoft.com/office/powerpoint/2010/main" val="3362557871"/>
+      </p:ext>
+    </p:extLst>
+  </p:cSld>
+  <p:clrMapOvr>
+    <a:masterClrMapping/>
+  </p:clrMapOvr>
+  <p:timing>
+    <p:tnLst>
+      <p:par>
+        <p:cTn id="1" dur="indefinite" restart="never" nodeType="tmRoot">
+          <p:childTnLst>
+            <p:seq concurrent="1" nextAc="seek">
+              <p:cTn id="2" dur="indefinite" nodeType="mainSeq">
+                <p:childTnLst>
+                  <p:par>
+                    <p:cTn id="3" fill="hold">
+                      <p:stCondLst>
+                        <p:cond delay="indefinite"/>
+                      </p:stCondLst>
+                      <p:childTnLst>
+                        <p:par>
+                          <p:cTn id="4" fill="hold">
+                            <p:stCondLst>
+                              <p:cond delay="0"/>
+                            </p:stCondLst>
+                            <p:childTnLst>
+                              <p:par>
+                                <p:cTn id="5" presetID="1" presetClass="entr" presetSubtype="0" fill="hold" grpId="0" nodeType="clickEffect">
+                                  <p:stCondLst>
+                                    <p:cond delay="0"/>
+                                  </p:stCondLst>
+                                  <p:childTnLst>
+                                    <p:set>
+                                      <p:cBhvr>
+                                        <p:cTn id="6" dur="1" fill="hold">
+                                          <p:stCondLst>
+                                            <p:cond delay="0"/>
+                                          </p:stCondLst>
+                                        </p:cTn>
+                                        <p:tgtEl>
+                                          <p:spTgt spid="5"/>
+                                        </p:tgtEl>
+                                        <p:attrNameLst>
+                                          <p:attrName>style.visibility</p:attrName>
+                                        </p:attrNameLst>
+                                      </p:cBhvr>
+                                      <p:to>
+                                        <p:strVal val="visible"/>
+                                      </p:to>
+                                    </p:set>
+                                  </p:childTnLst>
+                                </p:cTn>
+                              </p:par>
+                            </p:childTnLst>
+                          </p:cTn>
+                        </p:par>
+                      </p:childTnLst>
+                    </p:cTn>
+                  </p:par>
+                  <p:par>
+                    <p:cTn id="7" fill="hold">
+                      <p:stCondLst>
+                        <p:cond delay="indefinite"/>
+                      </p:stCondLst>
+                      <p:childTnLst>
+                        <p:par>
+                          <p:cTn id="8" fill="hold">
+                            <p:stCondLst>
+                              <p:cond delay="0"/>
+                            </p:stCondLst>
+                            <p:childTnLst>
+                              <p:par>
+                                <p:cTn id="9" presetID="1" presetClass="entr" presetSubtype="0" fill="hold" grpId="0" nodeType="clickEffect">
+                                  <p:stCondLst>
+                                    <p:cond delay="0"/>
+                                  </p:stCondLst>
+                                  <p:childTnLst>
+                                    <p:set>
+                                      <p:cBhvr>
+                                        <p:cTn id="10" dur="1" fill="hold">
+                                          <p:stCondLst>
+                                            <p:cond delay="0"/>
+                                          </p:stCondLst>
+                                        </p:cTn>
+                                        <p:tgtEl>
+                                          <p:spTgt spid="8"/>
+                                        </p:tgtEl>
+                                        <p:attrNameLst>
+                                          <p:attrName>style.visibility</p:attrName>
+                                        </p:attrNameLst>
+                                      </p:cBhvr>
+                                      <p:to>
+                                        <p:strVal val="visible"/>
+                                      </p:to>
+                                    </p:set>
+                                  </p:childTnLst>
+                                </p:cTn>
+                              </p:par>
+                            </p:childTnLst>
+                          </p:cTn>
+                        </p:par>
+                      </p:childTnLst>
+                    </p:cTn>
+                  </p:par>
+                </p:childTnLst>
+              </p:cTn>
+              <p:prevCondLst>
+                <p:cond evt="onPrev" delay="0">
+                  <p:tgtEl>
+                    <p:sldTgt/>
+                  </p:tgtEl>
+                </p:cond>
+              </p:prevCondLst>
+              <p:nextCondLst>
+                <p:cond evt="onNext" delay="0">
+                  <p:tgtEl>
+                    <p:sldTgt/>
+                  </p:tgtEl>
+                </p:cond>
+              </p:nextCondLst>
+            </p:seq>
+          </p:childTnLst>
+        </p:cTn>
+      </p:par>
+    </p:tnLst>
+    <p:bldLst>
+      <p:bldP spid="5" grpId="0"/>
+      <p:bldP spid="8" grpId="0"/>
+    </p:bldLst>
+  </p:timing>
+</p:sld>
+</file>
+
+<file path=ppt/slides/slide17.xml><?xml version="1.0" encoding="utf-8"?>
+<p:sld xmlns:a="http://schemas.openxmlformats.org/drawingml/2006/main" xmlns:r="http://schemas.openxmlformats.org/officeDocument/2006/relationships" xmlns:p="http://schemas.openxmlformats.org/presentationml/2006/main">
+  <p:cSld>
+    <p:spTree>
+      <p:nvGrpSpPr>
+        <p:cNvPr id="1" name=""/>
+        <p:cNvGrpSpPr/>
+        <p:nvPr/>
+      </p:nvGrpSpPr>
+      <p:grpSpPr>
+        <a:xfrm>
+          <a:off x="0" y="0"/>
+          <a:ext cx="0" cy="0"/>
+          <a:chOff x="0" y="0"/>
+          <a:chExt cx="0" cy="0"/>
+        </a:xfrm>
+      </p:grpSpPr>
+      <p:pic>
+        <p:nvPicPr>
+          <p:cNvPr id="11" name="Picture 10">
+            <a:extLst>
+              <a:ext uri="{FF2B5EF4-FFF2-40B4-BE49-F238E27FC236}">
+                <a16:creationId xmlns:a16="http://schemas.microsoft.com/office/drawing/2014/main" id="{60AFBD35-DDFC-414E-B27B-EFA9C4320345}"/>
+              </a:ext>
+            </a:extLst>
+          </p:cNvPr>
+          <p:cNvPicPr>
+            <a:picLocks noChangeAspect="1"/>
+          </p:cNvPicPr>
+          <p:nvPr/>
+        </p:nvPicPr>
+        <p:blipFill>
+          <a:blip r:embed="rId3"/>
+          <a:stretch>
+            <a:fillRect/>
+          </a:stretch>
+        </p:blipFill>
+        <p:spPr>
+          <a:xfrm>
+            <a:off x="381000" y="1676399"/>
+            <a:ext cx="3886200" cy="4425715"/>
+          </a:xfrm>
+          <a:prstGeom prst="rect">
+            <a:avLst/>
+          </a:prstGeom>
+        </p:spPr>
+      </p:pic>
+      <p:sp>
+        <p:nvSpPr>
+          <p:cNvPr id="2" name="Title 1">
+            <a:extLst>
+              <a:ext uri="{FF2B5EF4-FFF2-40B4-BE49-F238E27FC236}">
+                <a16:creationId xmlns:a16="http://schemas.microsoft.com/office/drawing/2014/main" id="{012828C5-8DEB-5A4F-B301-B31F3158476E}"/>
+              </a:ext>
+            </a:extLst>
+          </p:cNvPr>
+          <p:cNvSpPr>
+            <a:spLocks noGrp="1"/>
+          </p:cNvSpPr>
+          <p:nvPr>
+            <p:ph type="title"/>
+          </p:nvPr>
+        </p:nvSpPr>
+        <p:spPr>
+          <a:xfrm>
+            <a:off x="228600" y="381000"/>
+            <a:ext cx="7924800" cy="669924"/>
+          </a:xfrm>
+        </p:spPr>
+        <p:txBody>
+          <a:bodyPr/>
+          <a:lstStyle/>
+          <a:p>
+            <a:r>
+              <a:rPr lang="en-US" dirty="0"/>
+              <a:t>Expressing KDI as Text</a:t>
+            </a:r>
+          </a:p>
+        </p:txBody>
+      </p:sp>
+      <p:sp>
+        <p:nvSpPr>
+          <p:cNvPr id="4" name="Slide Number Placeholder 3">
+            <a:extLst>
+              <a:ext uri="{FF2B5EF4-FFF2-40B4-BE49-F238E27FC236}">
+                <a16:creationId xmlns:a16="http://schemas.microsoft.com/office/drawing/2014/main" id="{FB05CAF6-111A-3849-85FF-664AEA87E8E6}"/>
+              </a:ext>
+            </a:extLst>
+          </p:cNvPr>
+          <p:cNvSpPr>
+            <a:spLocks noGrp="1"/>
+          </p:cNvSpPr>
+          <p:nvPr>
+            <p:ph type="sldNum" sz="quarter" idx="11"/>
+          </p:nvPr>
+        </p:nvSpPr>
+        <p:spPr/>
+        <p:txBody>
+          <a:bodyPr/>
+          <a:lstStyle/>
+          <a:p>
+            <a:pPr>
+              <a:defRPr/>
+            </a:pPr>
+            <a:fld id="{3EF4E9CC-9D91-476E-91FD-5BEEC1642931}" type="slidenum">
+              <a:rPr lang="en-US" altLang="x-none" smtClean="0"/>
+              <a:pPr>
+                <a:defRPr/>
+              </a:pPr>
+              <a:t>17</a:t>
+            </a:fld>
+            <a:endParaRPr lang="en-US" altLang="x-none"/>
+          </a:p>
+        </p:txBody>
+      </p:sp>
+      <p:sp>
+        <p:nvSpPr>
+          <p:cNvPr id="10" name="Content Placeholder 9">
+            <a:extLst>
+              <a:ext uri="{FF2B5EF4-FFF2-40B4-BE49-F238E27FC236}">
+                <a16:creationId xmlns:a16="http://schemas.microsoft.com/office/drawing/2014/main" id="{1AE3F48E-011F-F54E-BF41-53DB41EFC285}"/>
+              </a:ext>
+            </a:extLst>
+          </p:cNvPr>
+          <p:cNvSpPr>
+            <a:spLocks noGrp="1"/>
+          </p:cNvSpPr>
+          <p:nvPr>
+            <p:ph idx="1"/>
+          </p:nvPr>
+        </p:nvSpPr>
+        <p:spPr>
+          <a:xfrm>
+            <a:off x="3429000" y="1516062"/>
+            <a:ext cx="5334000" cy="1531938"/>
+          </a:xfrm>
+          <a:solidFill>
+            <a:schemeClr val="bg1">
+              <a:lumMod val="95000"/>
+            </a:schemeClr>
+          </a:solidFill>
+        </p:spPr>
+        <p:txBody>
+          <a:bodyPr/>
+          <a:lstStyle/>
+          <a:p>
+            <a:pPr marL="0" indent="0">
+              <a:buNone/>
+            </a:pPr>
+            <a:r>
+              <a:rPr lang="en-US" sz="2000" b="1" dirty="0"/>
+              <a:t>KDI</a:t>
+            </a:r>
+          </a:p>
+          <a:p>
+            <a:pPr marL="514350" indent="-514350">
+              <a:buFont typeface="+mj-lt"/>
+              <a:buAutoNum type="arabicPeriod"/>
+            </a:pPr>
+            <a:r>
+              <a:rPr lang="en-US" sz="2000" dirty="0"/>
+              <a:t>Which proteins are TFs?</a:t>
+            </a:r>
+          </a:p>
+          <a:p>
+            <a:pPr marL="514350" indent="-514350">
+              <a:buFont typeface="+mj-lt"/>
+              <a:buAutoNum type="arabicPeriod"/>
+            </a:pPr>
+            <a:r>
+              <a:rPr lang="en-US" sz="2000" dirty="0"/>
+              <a:t>Whether a protein activates or inhibits</a:t>
+            </a:r>
+          </a:p>
+          <a:p>
+            <a:pPr marL="514350" indent="-514350">
+              <a:buFont typeface="+mj-lt"/>
+              <a:buAutoNum type="arabicPeriod"/>
+            </a:pPr>
+            <a:r>
+              <a:rPr lang="en-US" sz="2000" dirty="0"/>
+              <a:t>How effects of TFs are “integrated”: AND, OR</a:t>
+            </a:r>
+          </a:p>
+          <a:p>
+            <a:pPr lvl="1"/>
+            <a:endParaRPr lang="en-US" sz="1800" i="1" dirty="0"/>
+          </a:p>
+        </p:txBody>
+      </p:sp>
+      <p:sp>
+        <p:nvSpPr>
+          <p:cNvPr id="12" name="TextBox 11">
+            <a:extLst>
+              <a:ext uri="{FF2B5EF4-FFF2-40B4-BE49-F238E27FC236}">
+                <a16:creationId xmlns:a16="http://schemas.microsoft.com/office/drawing/2014/main" id="{FEC30AB4-41A7-A64B-AF5B-730B134972A7}"/>
+              </a:ext>
+            </a:extLst>
+          </p:cNvPr>
+          <p:cNvSpPr txBox="1"/>
+          <p:nvPr/>
+        </p:nvSpPr>
+        <p:spPr>
+          <a:xfrm>
+            <a:off x="5181600" y="4385608"/>
+            <a:ext cx="1152880" cy="1938992"/>
+          </a:xfrm>
+          <a:prstGeom prst="rect">
+            <a:avLst/>
+          </a:prstGeom>
+          <a:solidFill>
+            <a:schemeClr val="bg1">
+              <a:lumMod val="95000"/>
+            </a:schemeClr>
+          </a:solidFill>
+        </p:spPr>
+        <p:txBody>
+          <a:bodyPr wrap="none" rtlCol="0">
+            <a:spAutoFit/>
+          </a:bodyPr>
+          <a:lstStyle/>
+          <a:p>
+            <a:r>
+              <a:rPr lang="en-US" sz="2000" dirty="0"/>
+              <a:t>1A+0,+4</a:t>
+            </a:r>
+          </a:p>
+          <a:p>
+            <a:r>
+              <a:rPr lang="en-US" sz="2000" dirty="0"/>
+              <a:t>2X+4</a:t>
+            </a:r>
+          </a:p>
+          <a:p>
+            <a:r>
+              <a:rPr lang="en-US" sz="2000" dirty="0"/>
+              <a:t>3X+6</a:t>
+            </a:r>
+          </a:p>
+          <a:p>
+            <a:r>
+              <a:rPr lang="en-US" sz="2000" dirty="0"/>
+              <a:t>4X-2</a:t>
+            </a:r>
+          </a:p>
+          <a:p>
+            <a:r>
+              <a:rPr lang="en-US" sz="2000" dirty="0"/>
+              <a:t>6A+7,-1</a:t>
+            </a:r>
+          </a:p>
+          <a:p>
+            <a:r>
+              <a:rPr lang="en-US" sz="2000" dirty="0"/>
+              <a:t>8X-1</a:t>
+            </a:r>
+          </a:p>
+        </p:txBody>
+      </p:sp>
+      <mc:AlternateContent xmlns:mc="http://schemas.openxmlformats.org/markup-compatibility/2006">
+        <mc:Choice xmlns:a14="http://schemas.microsoft.com/office/drawing/2010/main" Requires="a14">
+          <p:sp>
+            <p:nvSpPr>
+              <p:cNvPr id="13" name="Rectangle 12">
+                <a:extLst>
+                  <a:ext uri="{FF2B5EF4-FFF2-40B4-BE49-F238E27FC236}">
+                    <a16:creationId xmlns:a16="http://schemas.microsoft.com/office/drawing/2014/main" id="{CC1616B0-E8E8-2C43-B8DC-F33F31208708}"/>
+                  </a:ext>
+                </a:extLst>
+              </p:cNvPr>
+              <p:cNvSpPr/>
+              <p:nvPr/>
+            </p:nvSpPr>
+            <p:spPr>
+              <a:xfrm>
+                <a:off x="4191000" y="5105400"/>
+                <a:ext cx="710451" cy="707886"/>
+              </a:xfrm>
+              <a:prstGeom prst="rect">
+                <a:avLst/>
+              </a:prstGeom>
+            </p:spPr>
+            <p:txBody>
+              <a:bodyPr wrap="none">
+                <a:spAutoFit/>
+              </a:bodyPr>
+              <a:lstStyle/>
+              <a:p>
+                <a14:m>
+                  <m:oMathPara xmlns:m="http://schemas.openxmlformats.org/officeDocument/2006/math">
+                    <m:oMathParaPr>
+                      <m:jc m:val="centerGroup"/>
+                    </m:oMathParaPr>
+                    <m:oMath xmlns:m="http://schemas.openxmlformats.org/officeDocument/2006/math">
+                      <m:r>
+                        <a:rPr lang="en-US" sz="4000" i="1">
+                          <a:latin typeface="Cambria Math" panose="02040503050406030204" pitchFamily="18" charset="0"/>
+                        </a:rPr>
+                        <m:t>≡</m:t>
+                      </m:r>
+                    </m:oMath>
+                  </m:oMathPara>
+                </a14:m>
+                <a:endParaRPr lang="en-US" sz="4000" dirty="0"/>
+              </a:p>
+            </p:txBody>
+          </p:sp>
+        </mc:Choice>
+        <mc:Fallback>
+          <p:sp>
+            <p:nvSpPr>
+              <p:cNvPr id="13" name="Rectangle 12">
+                <a:extLst>
+                  <a:ext uri="{FF2B5EF4-FFF2-40B4-BE49-F238E27FC236}">
+                    <a16:creationId xmlns:a16="http://schemas.microsoft.com/office/drawing/2014/main" id="{CC1616B0-E8E8-2C43-B8DC-F33F31208708}"/>
+                  </a:ext>
+                </a:extLst>
+              </p:cNvPr>
+              <p:cNvSpPr>
+                <a:spLocks noRot="1" noChangeAspect="1" noMove="1" noResize="1" noEditPoints="1" noAdjustHandles="1" noChangeArrowheads="1" noChangeShapeType="1" noTextEdit="1"/>
+              </p:cNvSpPr>
+              <p:nvPr/>
+            </p:nvSpPr>
+            <p:spPr>
+              <a:xfrm>
+                <a:off x="4191000" y="5105400"/>
+                <a:ext cx="710451" cy="707886"/>
+              </a:xfrm>
+              <a:prstGeom prst="rect">
+                <a:avLst/>
+              </a:prstGeom>
+              <a:blipFill>
+                <a:blip r:embed="rId4"/>
+                <a:stretch>
+                  <a:fillRect/>
+                </a:stretch>
+              </a:blipFill>
+            </p:spPr>
+            <p:txBody>
+              <a:bodyPr/>
+              <a:lstStyle/>
+              <a:p>
+                <a:r>
+                  <a:rPr lang="en-US">
+                    <a:noFill/>
+                  </a:rPr>
+                  <a:t> </a:t>
+                </a:r>
+              </a:p>
+            </p:txBody>
+          </p:sp>
+        </mc:Fallback>
+      </mc:AlternateContent>
+      <p:sp>
+        <p:nvSpPr>
+          <p:cNvPr id="3" name="TextBox 2">
+            <a:extLst>
+              <a:ext uri="{FF2B5EF4-FFF2-40B4-BE49-F238E27FC236}">
+                <a16:creationId xmlns:a16="http://schemas.microsoft.com/office/drawing/2014/main" id="{A2902453-3BA7-5348-9534-DCBB60F73432}"/>
+              </a:ext>
+            </a:extLst>
+          </p:cNvPr>
+          <p:cNvSpPr txBox="1"/>
+          <p:nvPr/>
+        </p:nvSpPr>
+        <p:spPr>
+          <a:xfrm>
+            <a:off x="1371600" y="3883223"/>
+            <a:ext cx="889987" cy="307777"/>
+          </a:xfrm>
+          <a:prstGeom prst="rect">
+            <a:avLst/>
+          </a:prstGeom>
+          <a:noFill/>
+        </p:spPr>
+        <p:txBody>
+          <a:bodyPr wrap="none" rtlCol="0">
+            <a:spAutoFit/>
+          </a:bodyPr>
+          <a:lstStyle/>
+          <a:p>
+            <a:r>
+              <a:rPr lang="en-US" sz="1400" dirty="0"/>
+              <a:t>(Gene 0)</a:t>
+            </a:r>
+          </a:p>
+        </p:txBody>
+      </p:sp>
+    </p:spTree>
+    <p:extLst>
+      <p:ext uri="{BB962C8B-B14F-4D97-AF65-F5344CB8AC3E}">
+        <p14:creationId xmlns:p14="http://schemas.microsoft.com/office/powerpoint/2010/main" val="3505880361"/>
+      </p:ext>
+    </p:extLst>
+  </p:cSld>
+  <p:clrMapOvr>
+    <a:masterClrMapping/>
+  </p:clrMapOvr>
+</p:sld>
+</file>
+
+<file path=ppt/slides/slide18.xml><?xml version="1.0" encoding="utf-8"?>
+<p:sld xmlns:a="http://schemas.openxmlformats.org/drawingml/2006/main" xmlns:r="http://schemas.openxmlformats.org/officeDocument/2006/relationships" xmlns:p="http://schemas.openxmlformats.org/presentationml/2006/main">
+  <p:cSld>
+    <p:spTree>
+      <p:nvGrpSpPr>
+        <p:cNvPr id="1" name=""/>
+        <p:cNvGrpSpPr/>
+        <p:nvPr/>
+      </p:nvGrpSpPr>
+      <p:grpSpPr>
+        <a:xfrm>
+          <a:off x="0" y="0"/>
+          <a:ext cx="0" cy="0"/>
+          <a:chOff x="0" y="0"/>
+          <a:chExt cx="0" cy="0"/>
+        </a:xfrm>
+      </p:grpSpPr>
+      <p:sp>
+        <p:nvSpPr>
+          <p:cNvPr id="2" name="Title 1">
+            <a:extLst>
+              <a:ext uri="{FF2B5EF4-FFF2-40B4-BE49-F238E27FC236}">
+                <a16:creationId xmlns:a16="http://schemas.microsoft.com/office/drawing/2014/main" id="{91081C24-FD64-9449-B339-8455B8DC5114}"/>
+              </a:ext>
+            </a:extLst>
+          </p:cNvPr>
+          <p:cNvSpPr>
+            <a:spLocks noGrp="1"/>
+          </p:cNvSpPr>
+          <p:nvPr>
+            <p:ph type="title"/>
+          </p:nvPr>
+        </p:nvSpPr>
+        <p:spPr/>
+        <p:txBody>
+          <a:bodyPr/>
+          <a:lstStyle/>
+          <a:p>
+            <a:r>
+              <a:rPr lang="en-US" dirty="0"/>
+              <a:t>Generating Model From KDI Text</a:t>
+            </a:r>
+          </a:p>
+        </p:txBody>
+      </p:sp>
+      <p:sp>
+        <p:nvSpPr>
+          <p:cNvPr id="3" name="Content Placeholder 2">
+            <a:extLst>
+              <a:ext uri="{FF2B5EF4-FFF2-40B4-BE49-F238E27FC236}">
+                <a16:creationId xmlns:a16="http://schemas.microsoft.com/office/drawing/2014/main" id="{6F68D2D8-633D-5C4B-9862-9DC74A9404A7}"/>
+              </a:ext>
+            </a:extLst>
+          </p:cNvPr>
+          <p:cNvSpPr>
+            <a:spLocks noGrp="1"/>
+          </p:cNvSpPr>
+          <p:nvPr>
+            <p:ph idx="1"/>
+          </p:nvPr>
+        </p:nvSpPr>
+        <p:spPr/>
+        <p:txBody>
+          <a:bodyPr/>
+          <a:lstStyle/>
+          <a:p>
+            <a:r>
+              <a:rPr lang="en-US" dirty="0"/>
+              <a:t>Isolate static and dynamic parts of the antimony source (as before)</a:t>
+            </a:r>
+          </a:p>
+          <a:p>
+            <a:r>
+              <a:rPr lang="en-US" dirty="0"/>
+              <a:t>Write codes to generate the dynamic part</a:t>
+            </a:r>
+          </a:p>
+        </p:txBody>
+      </p:sp>
+      <p:sp>
+        <p:nvSpPr>
+          <p:cNvPr id="4" name="Slide Number Placeholder 3">
+            <a:extLst>
+              <a:ext uri="{FF2B5EF4-FFF2-40B4-BE49-F238E27FC236}">
+                <a16:creationId xmlns:a16="http://schemas.microsoft.com/office/drawing/2014/main" id="{8082F16F-D09D-5D48-9EEA-8C378D39E09A}"/>
+              </a:ext>
+            </a:extLst>
+          </p:cNvPr>
+          <p:cNvSpPr>
+            <a:spLocks noGrp="1"/>
+          </p:cNvSpPr>
+          <p:nvPr>
+            <p:ph type="sldNum" sz="quarter" idx="11"/>
+          </p:nvPr>
+        </p:nvSpPr>
+        <p:spPr/>
+        <p:txBody>
+          <a:bodyPr/>
+          <a:lstStyle/>
+          <a:p>
+            <a:pPr>
+              <a:defRPr/>
+            </a:pPr>
+            <a:fld id="{3EF4E9CC-9D91-476E-91FD-5BEEC1642931}" type="slidenum">
+              <a:rPr lang="en-US" altLang="x-none" smtClean="0"/>
+              <a:pPr>
+                <a:defRPr/>
+              </a:pPr>
+              <a:t>18</a:t>
+            </a:fld>
+            <a:endParaRPr lang="en-US" altLang="x-none"/>
+          </a:p>
+        </p:txBody>
+      </p:sp>
+    </p:spTree>
+    <p:extLst>
+      <p:ext uri="{BB962C8B-B14F-4D97-AF65-F5344CB8AC3E}">
+        <p14:creationId xmlns:p14="http://schemas.microsoft.com/office/powerpoint/2010/main" val="2580091094"/>
+      </p:ext>
+    </p:extLst>
+  </p:cSld>
+  <p:clrMapOvr>
+    <a:masterClrMapping/>
+  </p:clrMapOvr>
+</p:sld>
+</file>
+
+<file path=ppt/slides/slide19.xml><?xml version="1.0" encoding="utf-8"?>
+<p:sld xmlns:a="http://schemas.openxmlformats.org/drawingml/2006/main" xmlns:r="http://schemas.openxmlformats.org/officeDocument/2006/relationships" xmlns:p="http://schemas.openxmlformats.org/presentationml/2006/main">
+  <p:cSld>
+    <p:spTree>
+      <p:nvGrpSpPr>
+        <p:cNvPr id="1" name=""/>
+        <p:cNvGrpSpPr/>
+        <p:nvPr/>
+      </p:nvGrpSpPr>
+      <p:grpSpPr>
+        <a:xfrm>
+          <a:off x="0" y="0"/>
+          <a:ext cx="0" cy="0"/>
+          <a:chOff x="0" y="0"/>
+          <a:chExt cx="0" cy="0"/>
+        </a:xfrm>
+      </p:grpSpPr>
+      <p:sp>
+        <p:nvSpPr>
+          <p:cNvPr id="2" name="Title 1">
+            <a:extLst>
+              <a:ext uri="{FF2B5EF4-FFF2-40B4-BE49-F238E27FC236}">
+                <a16:creationId xmlns:a16="http://schemas.microsoft.com/office/drawing/2014/main" id="{13EC8E2F-2F9A-4E4A-B93B-3FFF0E22B209}"/>
+              </a:ext>
+            </a:extLst>
+          </p:cNvPr>
+          <p:cNvSpPr>
+            <a:spLocks noGrp="1"/>
+          </p:cNvSpPr>
+          <p:nvPr>
+            <p:ph type="title"/>
+          </p:nvPr>
+        </p:nvSpPr>
+        <p:spPr/>
+        <p:txBody>
+          <a:bodyPr/>
+          <a:lstStyle/>
+          <a:p>
+            <a:r>
+              <a:rPr lang="en-US" sz="3200" dirty="0"/>
+              <a:t>Testing: Detect Errors in Model Generation</a:t>
+            </a:r>
+          </a:p>
+        </p:txBody>
+      </p:sp>
+      <p:sp>
+        <p:nvSpPr>
+          <p:cNvPr id="4" name="Slide Number Placeholder 3">
+            <a:extLst>
+              <a:ext uri="{FF2B5EF4-FFF2-40B4-BE49-F238E27FC236}">
+                <a16:creationId xmlns:a16="http://schemas.microsoft.com/office/drawing/2014/main" id="{D0E144A6-FFFB-8E49-B063-85ABD40FB0AE}"/>
+              </a:ext>
+            </a:extLst>
+          </p:cNvPr>
+          <p:cNvSpPr>
+            <a:spLocks noGrp="1"/>
+          </p:cNvSpPr>
+          <p:nvPr>
+            <p:ph type="sldNum" sz="quarter" idx="11"/>
+          </p:nvPr>
+        </p:nvSpPr>
+        <p:spPr/>
+        <p:txBody>
+          <a:bodyPr/>
+          <a:lstStyle/>
+          <a:p>
+            <a:pPr>
+              <a:defRPr/>
+            </a:pPr>
+            <a:fld id="{3EF4E9CC-9D91-476E-91FD-5BEEC1642931}" type="slidenum">
+              <a:rPr lang="en-US" altLang="x-none" smtClean="0"/>
+              <a:pPr>
+                <a:defRPr/>
+              </a:pPr>
+              <a:t>19</a:t>
+            </a:fld>
+            <a:endParaRPr lang="en-US" altLang="x-none"/>
+          </a:p>
+        </p:txBody>
+      </p:sp>
+      <p:sp>
+        <p:nvSpPr>
+          <p:cNvPr id="5" name="Oval 4">
+            <a:extLst>
+              <a:ext uri="{FF2B5EF4-FFF2-40B4-BE49-F238E27FC236}">
+                <a16:creationId xmlns:a16="http://schemas.microsoft.com/office/drawing/2014/main" id="{4B53439D-F5B3-5E4D-890E-635352BD7183}"/>
+              </a:ext>
+            </a:extLst>
+          </p:cNvPr>
+          <p:cNvSpPr/>
+          <p:nvPr/>
+        </p:nvSpPr>
+        <p:spPr>
+          <a:xfrm>
+            <a:off x="1828800" y="1066800"/>
+            <a:ext cx="1600200" cy="838200"/>
+          </a:xfrm>
+          <a:prstGeom prst="ellipse">
+            <a:avLst/>
+          </a:prstGeom>
+        </p:spPr>
+        <p:style>
+          <a:lnRef idx="1">
+            <a:schemeClr val="accent1"/>
+          </a:lnRef>
+          <a:fillRef idx="3">
+            <a:schemeClr val="accent1"/>
+          </a:fillRef>
+          <a:effectRef idx="2">
+            <a:schemeClr val="accent1"/>
+          </a:effectRef>
+          <a:fontRef idx="minor">
+            <a:schemeClr val="lt1"/>
+          </a:fontRef>
+        </p:style>
+        <p:txBody>
+          <a:bodyPr rtlCol="0" anchor="ctr"/>
+          <a:lstStyle/>
+          <a:p>
+            <a:pPr algn="ctr"/>
+            <a:r>
+              <a:rPr lang="en-US" dirty="0"/>
+              <a:t>Antimony Model</a:t>
+            </a:r>
+          </a:p>
+        </p:txBody>
+      </p:sp>
+      <p:sp>
+        <p:nvSpPr>
+          <p:cNvPr id="6" name="Oval 5">
+            <a:extLst>
+              <a:ext uri="{FF2B5EF4-FFF2-40B4-BE49-F238E27FC236}">
+                <a16:creationId xmlns:a16="http://schemas.microsoft.com/office/drawing/2014/main" id="{BFBBBCBB-E98E-7E4E-BC3F-B5228C071B46}"/>
+              </a:ext>
+            </a:extLst>
+          </p:cNvPr>
+          <p:cNvSpPr/>
+          <p:nvPr/>
+        </p:nvSpPr>
+        <p:spPr>
+          <a:xfrm>
+            <a:off x="5105400" y="1066800"/>
+            <a:ext cx="2362200" cy="838200"/>
+          </a:xfrm>
+          <a:prstGeom prst="ellipse">
+            <a:avLst/>
+          </a:prstGeom>
+        </p:spPr>
+        <p:style>
+          <a:lnRef idx="1">
+            <a:schemeClr val="accent1"/>
+          </a:lnRef>
+          <a:fillRef idx="3">
+            <a:schemeClr val="accent1"/>
+          </a:fillRef>
+          <a:effectRef idx="2">
+            <a:schemeClr val="accent1"/>
+          </a:effectRef>
+          <a:fontRef idx="minor">
+            <a:schemeClr val="lt1"/>
+          </a:fontRef>
+        </p:style>
+        <p:txBody>
+          <a:bodyPr rtlCol="0" anchor="ctr"/>
+          <a:lstStyle/>
+          <a:p>
+            <a:pPr algn="ctr"/>
+            <a:r>
+              <a:rPr lang="en-US" dirty="0"/>
+              <a:t>Compressed Representation</a:t>
+            </a:r>
+          </a:p>
+        </p:txBody>
+      </p:sp>
+      <p:sp>
+        <p:nvSpPr>
+          <p:cNvPr id="7" name="Rounded Rectangle 6">
+            <a:extLst>
+              <a:ext uri="{FF2B5EF4-FFF2-40B4-BE49-F238E27FC236}">
+                <a16:creationId xmlns:a16="http://schemas.microsoft.com/office/drawing/2014/main" id="{845CA043-1663-4B45-AAC5-5C17CF207E68}"/>
+              </a:ext>
+            </a:extLst>
+          </p:cNvPr>
+          <p:cNvSpPr/>
+          <p:nvPr/>
+        </p:nvSpPr>
+        <p:spPr>
+          <a:xfrm>
+            <a:off x="1714500" y="2438400"/>
+            <a:ext cx="1828800" cy="685800"/>
+          </a:xfrm>
+          <a:prstGeom prst="roundRect">
+            <a:avLst/>
+          </a:prstGeom>
+        </p:spPr>
+        <p:style>
+          <a:lnRef idx="1">
+            <a:schemeClr val="accent1"/>
+          </a:lnRef>
+          <a:fillRef idx="3">
+            <a:schemeClr val="accent1"/>
+          </a:fillRef>
+          <a:effectRef idx="2">
+            <a:schemeClr val="accent1"/>
+          </a:effectRef>
+          <a:fontRef idx="minor">
+            <a:schemeClr val="lt1"/>
+          </a:fontRef>
+        </p:style>
+        <p:txBody>
+          <a:bodyPr rtlCol="0" anchor="ctr"/>
+          <a:lstStyle/>
+          <a:p>
+            <a:pPr algn="ctr"/>
+            <a:r>
+              <a:rPr lang="en-US" dirty="0"/>
+              <a:t>Simulation</a:t>
+            </a:r>
+          </a:p>
+        </p:txBody>
+      </p:sp>
+      <p:pic>
+        <p:nvPicPr>
+          <p:cNvPr id="8" name="Picture 7">
+            <a:extLst>
+              <a:ext uri="{FF2B5EF4-FFF2-40B4-BE49-F238E27FC236}">
+                <a16:creationId xmlns:a16="http://schemas.microsoft.com/office/drawing/2014/main" id="{7F481D01-F820-9C48-B49C-49984372A70E}"/>
+              </a:ext>
+            </a:extLst>
+          </p:cNvPr>
+          <p:cNvPicPr>
+            <a:picLocks noChangeAspect="1"/>
+          </p:cNvPicPr>
+          <p:nvPr/>
+        </p:nvPicPr>
+        <p:blipFill>
+          <a:blip r:embed="rId2"/>
+          <a:stretch>
+            <a:fillRect/>
+          </a:stretch>
+        </p:blipFill>
+        <p:spPr>
+          <a:xfrm>
+            <a:off x="1447800" y="4830762"/>
+            <a:ext cx="2362200" cy="1676400"/>
+          </a:xfrm>
+          <a:prstGeom prst="rect">
+            <a:avLst/>
+          </a:prstGeom>
+        </p:spPr>
+      </p:pic>
+      <p:sp>
+        <p:nvSpPr>
+          <p:cNvPr id="9" name="Rounded Rectangle 8">
+            <a:extLst>
+              <a:ext uri="{FF2B5EF4-FFF2-40B4-BE49-F238E27FC236}">
+                <a16:creationId xmlns:a16="http://schemas.microsoft.com/office/drawing/2014/main" id="{8E2EA87D-06CD-5348-98DD-8418146DEB55}"/>
+              </a:ext>
+            </a:extLst>
+          </p:cNvPr>
+          <p:cNvSpPr/>
+          <p:nvPr/>
+        </p:nvSpPr>
+        <p:spPr>
+          <a:xfrm>
+            <a:off x="5372100" y="2344615"/>
+            <a:ext cx="1828800" cy="685800"/>
+          </a:xfrm>
+          <a:prstGeom prst="roundRect">
+            <a:avLst/>
+          </a:prstGeom>
+        </p:spPr>
+        <p:style>
+          <a:lnRef idx="1">
+            <a:schemeClr val="accent1"/>
+          </a:lnRef>
+          <a:fillRef idx="3">
+            <a:schemeClr val="accent1"/>
+          </a:fillRef>
+          <a:effectRef idx="2">
+            <a:schemeClr val="accent1"/>
+          </a:effectRef>
+          <a:fontRef idx="minor">
+            <a:schemeClr val="lt1"/>
+          </a:fontRef>
+        </p:style>
+        <p:txBody>
+          <a:bodyPr rtlCol="0" anchor="ctr"/>
+          <a:lstStyle/>
+          <a:p>
+            <a:pPr algn="ctr"/>
+            <a:r>
+              <a:rPr lang="en-US" dirty="0"/>
+              <a:t>Model Generation</a:t>
+            </a:r>
+          </a:p>
+        </p:txBody>
+      </p:sp>
+      <p:sp>
+        <p:nvSpPr>
+          <p:cNvPr id="10" name="Rounded Rectangle 9">
+            <a:extLst>
+              <a:ext uri="{FF2B5EF4-FFF2-40B4-BE49-F238E27FC236}">
+                <a16:creationId xmlns:a16="http://schemas.microsoft.com/office/drawing/2014/main" id="{5FFBB26B-E4AD-1C4A-BBF2-3278EA34EFF8}"/>
+              </a:ext>
+            </a:extLst>
+          </p:cNvPr>
+          <p:cNvSpPr/>
+          <p:nvPr/>
+        </p:nvSpPr>
+        <p:spPr>
+          <a:xfrm>
+            <a:off x="5372100" y="3470030"/>
+            <a:ext cx="1828800" cy="685800"/>
+          </a:xfrm>
+          <a:prstGeom prst="roundRect">
+            <a:avLst/>
+          </a:prstGeom>
+        </p:spPr>
+        <p:style>
+          <a:lnRef idx="1">
+            <a:schemeClr val="accent1"/>
+          </a:lnRef>
+          <a:fillRef idx="3">
+            <a:schemeClr val="accent1"/>
+          </a:fillRef>
+          <a:effectRef idx="2">
+            <a:schemeClr val="accent1"/>
+          </a:effectRef>
+          <a:fontRef idx="minor">
+            <a:schemeClr val="lt1"/>
+          </a:fontRef>
+        </p:style>
+        <p:txBody>
+          <a:bodyPr rtlCol="0" anchor="ctr"/>
+          <a:lstStyle/>
+          <a:p>
+            <a:pPr algn="ctr"/>
+            <a:r>
+              <a:rPr lang="en-US" dirty="0"/>
+              <a:t>Simulation</a:t>
+            </a:r>
+          </a:p>
+        </p:txBody>
+      </p:sp>
+      <p:pic>
+        <p:nvPicPr>
+          <p:cNvPr id="11" name="Picture 10">
+            <a:extLst>
+              <a:ext uri="{FF2B5EF4-FFF2-40B4-BE49-F238E27FC236}">
+                <a16:creationId xmlns:a16="http://schemas.microsoft.com/office/drawing/2014/main" id="{94D77FC3-6A17-DD44-84A5-1E8D2A199EA5}"/>
+              </a:ext>
+            </a:extLst>
+          </p:cNvPr>
+          <p:cNvPicPr>
+            <a:picLocks noChangeAspect="1"/>
+          </p:cNvPicPr>
+          <p:nvPr/>
+        </p:nvPicPr>
+        <p:blipFill>
+          <a:blip r:embed="rId2"/>
+          <a:stretch>
+            <a:fillRect/>
+          </a:stretch>
+        </p:blipFill>
+        <p:spPr>
+          <a:xfrm>
+            <a:off x="5105400" y="4876800"/>
+            <a:ext cx="2362200" cy="1676400"/>
+          </a:xfrm>
+          <a:prstGeom prst="rect">
+            <a:avLst/>
+          </a:prstGeom>
+        </p:spPr>
+      </p:pic>
+      <p:cxnSp>
+        <p:nvCxnSpPr>
+          <p:cNvPr id="13" name="Elbow Connector 12">
+            <a:extLst>
+              <a:ext uri="{FF2B5EF4-FFF2-40B4-BE49-F238E27FC236}">
+                <a16:creationId xmlns:a16="http://schemas.microsoft.com/office/drawing/2014/main" id="{340D17B5-8A70-B64F-9969-987498F1044A}"/>
+              </a:ext>
+            </a:extLst>
+          </p:cNvPr>
+          <p:cNvCxnSpPr/>
+          <p:nvPr/>
+        </p:nvCxnSpPr>
+        <p:spPr>
+          <a:xfrm rot="5400000">
+            <a:off x="2362200" y="2171700"/>
+            <a:ext cx="533400" cy="12700"/>
+          </a:xfrm>
+          <a:prstGeom prst="bentConnector3">
+            <a:avLst/>
+          </a:prstGeom>
+          <a:ln>
+            <a:tailEnd type="triangle"/>
+          </a:ln>
+        </p:spPr>
+        <p:style>
+          <a:lnRef idx="2">
+            <a:schemeClr val="accent1"/>
+          </a:lnRef>
+          <a:fillRef idx="0">
+            <a:schemeClr val="accent1"/>
+          </a:fillRef>
+          <a:effectRef idx="1">
+            <a:schemeClr val="accent1"/>
+          </a:effectRef>
+          <a:fontRef idx="minor">
+            <a:schemeClr val="tx1"/>
+          </a:fontRef>
+        </p:style>
+      </p:cxnSp>
+      <p:cxnSp>
+        <p:nvCxnSpPr>
+          <p:cNvPr id="14" name="Elbow Connector 13">
+            <a:extLst>
+              <a:ext uri="{FF2B5EF4-FFF2-40B4-BE49-F238E27FC236}">
+                <a16:creationId xmlns:a16="http://schemas.microsoft.com/office/drawing/2014/main" id="{113CE6B6-EA8E-2D49-8133-409CDD1997B7}"/>
+              </a:ext>
+            </a:extLst>
+          </p:cNvPr>
+          <p:cNvCxnSpPr>
+            <a:cxnSpLocks/>
+          </p:cNvCxnSpPr>
+          <p:nvPr/>
+        </p:nvCxnSpPr>
+        <p:spPr>
+          <a:xfrm rot="5400000">
+            <a:off x="1775619" y="3977481"/>
+            <a:ext cx="1706562" cy="12700"/>
+          </a:xfrm>
+          <a:prstGeom prst="bentConnector3">
+            <a:avLst/>
+          </a:prstGeom>
+          <a:ln>
+            <a:tailEnd type="triangle"/>
+          </a:ln>
+        </p:spPr>
+        <p:style>
+          <a:lnRef idx="2">
+            <a:schemeClr val="accent1"/>
+          </a:lnRef>
+          <a:fillRef idx="0">
+            <a:schemeClr val="accent1"/>
+          </a:fillRef>
+          <a:effectRef idx="1">
+            <a:schemeClr val="accent1"/>
+          </a:effectRef>
+          <a:fontRef idx="minor">
+            <a:schemeClr val="tx1"/>
+          </a:fontRef>
+        </p:style>
+      </p:cxnSp>
+      <p:cxnSp>
+        <p:nvCxnSpPr>
+          <p:cNvPr id="17" name="Elbow Connector 16">
+            <a:extLst>
+              <a:ext uri="{FF2B5EF4-FFF2-40B4-BE49-F238E27FC236}">
+                <a16:creationId xmlns:a16="http://schemas.microsoft.com/office/drawing/2014/main" id="{5F869251-8836-B441-8D0E-C08FC0BE07A3}"/>
+              </a:ext>
+            </a:extLst>
+          </p:cNvPr>
+          <p:cNvCxnSpPr>
+            <a:cxnSpLocks/>
+          </p:cNvCxnSpPr>
+          <p:nvPr/>
+        </p:nvCxnSpPr>
+        <p:spPr>
+          <a:xfrm rot="5400000">
+            <a:off x="6066693" y="2124807"/>
+            <a:ext cx="439615" cy="12700"/>
+          </a:xfrm>
+          <a:prstGeom prst="bentConnector3">
+            <a:avLst/>
+          </a:prstGeom>
+          <a:ln>
+            <a:tailEnd type="triangle"/>
+          </a:ln>
+        </p:spPr>
+        <p:style>
+          <a:lnRef idx="2">
+            <a:schemeClr val="accent1"/>
+          </a:lnRef>
+          <a:fillRef idx="0">
+            <a:schemeClr val="accent1"/>
+          </a:fillRef>
+          <a:effectRef idx="1">
+            <a:schemeClr val="accent1"/>
+          </a:effectRef>
+          <a:fontRef idx="minor">
+            <a:schemeClr val="tx1"/>
+          </a:fontRef>
+        </p:style>
+      </p:cxnSp>
+      <p:cxnSp>
+        <p:nvCxnSpPr>
+          <p:cNvPr id="20" name="Elbow Connector 19">
+            <a:extLst>
+              <a:ext uri="{FF2B5EF4-FFF2-40B4-BE49-F238E27FC236}">
+                <a16:creationId xmlns:a16="http://schemas.microsoft.com/office/drawing/2014/main" id="{6186B50B-6435-4A43-AF6E-45C79B62F63B}"/>
+              </a:ext>
+            </a:extLst>
+          </p:cNvPr>
+          <p:cNvCxnSpPr>
+            <a:cxnSpLocks/>
+          </p:cNvCxnSpPr>
+          <p:nvPr/>
+        </p:nvCxnSpPr>
+        <p:spPr>
+          <a:xfrm rot="5400000">
+            <a:off x="6066693" y="3250222"/>
+            <a:ext cx="439615" cy="12700"/>
+          </a:xfrm>
+          <a:prstGeom prst="bentConnector3">
+            <a:avLst/>
+          </a:prstGeom>
+          <a:ln>
+            <a:tailEnd type="triangle"/>
+          </a:ln>
+        </p:spPr>
+        <p:style>
+          <a:lnRef idx="2">
+            <a:schemeClr val="accent1"/>
+          </a:lnRef>
+          <a:fillRef idx="0">
+            <a:schemeClr val="accent1"/>
+          </a:fillRef>
+          <a:effectRef idx="1">
+            <a:schemeClr val="accent1"/>
+          </a:effectRef>
+          <a:fontRef idx="minor">
+            <a:schemeClr val="tx1"/>
+          </a:fontRef>
+        </p:style>
+      </p:cxnSp>
+      <p:cxnSp>
+        <p:nvCxnSpPr>
+          <p:cNvPr id="23" name="Elbow Connector 22">
+            <a:extLst>
+              <a:ext uri="{FF2B5EF4-FFF2-40B4-BE49-F238E27FC236}">
+                <a16:creationId xmlns:a16="http://schemas.microsoft.com/office/drawing/2014/main" id="{124C9E52-15F3-0641-884A-54D4E11160AD}"/>
+              </a:ext>
+            </a:extLst>
+          </p:cNvPr>
+          <p:cNvCxnSpPr>
+            <a:cxnSpLocks/>
+          </p:cNvCxnSpPr>
+          <p:nvPr/>
+        </p:nvCxnSpPr>
+        <p:spPr>
+          <a:xfrm rot="5400000">
+            <a:off x="5926015" y="4516315"/>
+            <a:ext cx="720970" cy="12700"/>
+          </a:xfrm>
+          <a:prstGeom prst="bentConnector3">
+            <a:avLst/>
+          </a:prstGeom>
+          <a:ln>
+            <a:tailEnd type="triangle"/>
+          </a:ln>
+        </p:spPr>
+        <p:style>
+          <a:lnRef idx="2">
+            <a:schemeClr val="accent1"/>
+          </a:lnRef>
+          <a:fillRef idx="0">
+            <a:schemeClr val="accent1"/>
+          </a:fillRef>
+          <a:effectRef idx="1">
+            <a:schemeClr val="accent1"/>
+          </a:effectRef>
+          <a:fontRef idx="minor">
+            <a:schemeClr val="tx1"/>
+          </a:fontRef>
+        </p:style>
+      </p:cxnSp>
+      <p:grpSp>
+        <p:nvGrpSpPr>
+          <p:cNvPr id="28" name="Group 27">
+            <a:extLst>
+              <a:ext uri="{FF2B5EF4-FFF2-40B4-BE49-F238E27FC236}">
+                <a16:creationId xmlns:a16="http://schemas.microsoft.com/office/drawing/2014/main" id="{77B2FDEA-2B8B-6240-8E5B-187C6E803575}"/>
+              </a:ext>
+            </a:extLst>
+          </p:cNvPr>
+          <p:cNvGrpSpPr/>
+          <p:nvPr/>
+        </p:nvGrpSpPr>
+        <p:grpSpPr>
+          <a:xfrm>
+            <a:off x="4114800" y="4886980"/>
+            <a:ext cx="710451" cy="980420"/>
+            <a:chOff x="4114800" y="4886980"/>
+            <a:chExt cx="710451" cy="980420"/>
+          </a:xfrm>
+        </p:grpSpPr>
+        <mc:AlternateContent xmlns:mc="http://schemas.openxmlformats.org/markup-compatibility/2006">
+          <mc:Choice xmlns:a14="http://schemas.microsoft.com/office/drawing/2010/main" Requires="a14">
+            <p:sp>
+              <p:nvSpPr>
+                <p:cNvPr id="26" name="Rectangle 25">
+                  <a:extLst>
+                    <a:ext uri="{FF2B5EF4-FFF2-40B4-BE49-F238E27FC236}">
+                      <a16:creationId xmlns:a16="http://schemas.microsoft.com/office/drawing/2014/main" id="{AC505D99-9867-684F-AAFC-34A1A1F14B5C}"/>
+                    </a:ext>
+                  </a:extLst>
+                </p:cNvPr>
+                <p:cNvSpPr/>
+                <p:nvPr/>
+              </p:nvSpPr>
+              <p:spPr>
+                <a:xfrm>
+                  <a:off x="4114800" y="5159514"/>
+                  <a:ext cx="710451" cy="707886"/>
+                </a:xfrm>
+                <a:prstGeom prst="rect">
+                  <a:avLst/>
+                </a:prstGeom>
+              </p:spPr>
+              <p:txBody>
+                <a:bodyPr wrap="none">
+                  <a:spAutoFit/>
+                </a:bodyPr>
+                <a:lstStyle/>
+                <a:p>
+                  <a14:m>
+                    <m:oMathPara xmlns:m="http://schemas.openxmlformats.org/officeDocument/2006/math">
+                      <m:oMathParaPr>
+                        <m:jc m:val="centerGroup"/>
+                      </m:oMathParaPr>
+                      <m:oMath xmlns:m="http://schemas.openxmlformats.org/officeDocument/2006/math">
+                        <m:r>
+                          <a:rPr lang="en-US" sz="4000" i="1">
+                            <a:latin typeface="Cambria Math" panose="02040503050406030204" pitchFamily="18" charset="0"/>
+                          </a:rPr>
+                          <m:t>≡</m:t>
+                        </m:r>
+                      </m:oMath>
+                    </m:oMathPara>
+                  </a14:m>
+                  <a:endParaRPr lang="en-US" sz="4000" dirty="0"/>
+                </a:p>
+              </p:txBody>
+            </p:sp>
+          </mc:Choice>
+          <mc:Fallback>
+            <p:sp>
+              <p:nvSpPr>
+                <p:cNvPr id="26" name="Rectangle 25">
+                  <a:extLst>
+                    <a:ext uri="{FF2B5EF4-FFF2-40B4-BE49-F238E27FC236}">
+                      <a16:creationId xmlns:a16="http://schemas.microsoft.com/office/drawing/2014/main" id="{AC505D99-9867-684F-AAFC-34A1A1F14B5C}"/>
+                    </a:ext>
+                  </a:extLst>
+                </p:cNvPr>
+                <p:cNvSpPr>
+                  <a:spLocks noRot="1" noChangeAspect="1" noMove="1" noResize="1" noEditPoints="1" noAdjustHandles="1" noChangeArrowheads="1" noChangeShapeType="1" noTextEdit="1"/>
+                </p:cNvSpPr>
+                <p:nvPr/>
+              </p:nvSpPr>
+              <p:spPr>
+                <a:xfrm>
+                  <a:off x="4114800" y="5159514"/>
+                  <a:ext cx="710451" cy="707886"/>
+                </a:xfrm>
+                <a:prstGeom prst="rect">
+                  <a:avLst/>
+                </a:prstGeom>
+                <a:blipFill>
+                  <a:blip r:embed="rId3"/>
+                  <a:stretch>
+                    <a:fillRect/>
+                  </a:stretch>
+                </a:blipFill>
+              </p:spPr>
+              <p:txBody>
+                <a:bodyPr/>
+                <a:lstStyle/>
+                <a:p>
+                  <a:r>
+                    <a:rPr lang="en-US">
+                      <a:noFill/>
+                    </a:rPr>
+                    <a:t> </a:t>
+                  </a:r>
+                </a:p>
+              </p:txBody>
+            </p:sp>
+          </mc:Fallback>
+        </mc:AlternateContent>
+        <p:sp>
+          <p:nvSpPr>
+            <p:cNvPr id="27" name="TextBox 26">
+              <a:extLst>
+                <a:ext uri="{FF2B5EF4-FFF2-40B4-BE49-F238E27FC236}">
+                  <a16:creationId xmlns:a16="http://schemas.microsoft.com/office/drawing/2014/main" id="{39DFCCDE-78F9-5446-93F2-D14EACFC47D5}"/>
+                </a:ext>
+              </a:extLst>
+            </p:cNvPr>
+            <p:cNvSpPr txBox="1"/>
+            <p:nvPr/>
+          </p:nvSpPr>
+          <p:spPr>
+            <a:xfrm>
+              <a:off x="4267200" y="4886980"/>
+              <a:ext cx="385042" cy="523220"/>
+            </a:xfrm>
+            <a:prstGeom prst="rect">
+              <a:avLst/>
+            </a:prstGeom>
+            <a:noFill/>
+          </p:spPr>
+          <p:txBody>
+            <a:bodyPr wrap="none" rtlCol="0">
+              <a:spAutoFit/>
+            </a:bodyPr>
+            <a:lstStyle/>
+            <a:p>
+              <a:r>
+                <a:rPr lang="en-US" sz="2800" dirty="0"/>
+                <a:t>?</a:t>
+              </a:r>
+            </a:p>
+          </p:txBody>
+        </p:sp>
+      </p:grpSp>
+    </p:spTree>
+    <p:extLst>
+      <p:ext uri="{BB962C8B-B14F-4D97-AF65-F5344CB8AC3E}">
+        <p14:creationId xmlns:p14="http://schemas.microsoft.com/office/powerpoint/2010/main" val="2491783507"/>
+      </p:ext>
+    </p:extLst>
+  </p:cSld>
+  <p:clrMapOvr>
+    <a:masterClrMapping/>
+  </p:clrMapOvr>
+  <p:timing>
+    <p:tnLst>
+      <p:par>
+        <p:cTn id="1" dur="indefinite" restart="never" nodeType="tmRoot">
+          <p:childTnLst>
+            <p:seq concurrent="1" nextAc="seek">
+              <p:cTn id="2" dur="indefinite" nodeType="mainSeq">
+                <p:childTnLst>
+                  <p:par>
+                    <p:cTn id="3" fill="hold">
+                      <p:stCondLst>
+                        <p:cond delay="indefinite"/>
+                      </p:stCondLst>
+                      <p:childTnLst>
+                        <p:par>
+                          <p:cTn id="4" fill="hold">
+                            <p:stCondLst>
+                              <p:cond delay="0"/>
+                            </p:stCondLst>
+                            <p:childTnLst>
+                              <p:par>
+                                <p:cTn id="5" presetID="1" presetClass="entr" presetSubtype="0" fill="hold" grpId="0" nodeType="clickEffect">
+                                  <p:stCondLst>
+                                    <p:cond delay="0"/>
+                                  </p:stCondLst>
+                                  <p:childTnLst>
+                                    <p:set>
+                                      <p:cBhvr>
+                                        <p:cTn id="6" dur="1" fill="hold">
+                                          <p:stCondLst>
+                                            <p:cond delay="0"/>
+                                          </p:stCondLst>
+                                        </p:cTn>
+                                        <p:tgtEl>
+                                          <p:spTgt spid="5"/>
+                                        </p:tgtEl>
+                                        <p:attrNameLst>
+                                          <p:attrName>style.visibility</p:attrName>
+                                        </p:attrNameLst>
+                                      </p:cBhvr>
+                                      <p:to>
+                                        <p:strVal val="visible"/>
+                                      </p:to>
+                                    </p:set>
+                                  </p:childTnLst>
+                                </p:cTn>
+                              </p:par>
+                              <p:par>
+                                <p:cTn id="7" presetID="1" presetClass="entr" presetSubtype="0" fill="hold" grpId="0" nodeType="withEffect">
+                                  <p:stCondLst>
+                                    <p:cond delay="0"/>
+                                  </p:stCondLst>
+                                  <p:childTnLst>
+                                    <p:set>
+                                      <p:cBhvr>
+                                        <p:cTn id="8" dur="1" fill="hold">
+                                          <p:stCondLst>
+                                            <p:cond delay="0"/>
+                                          </p:stCondLst>
+                                        </p:cTn>
+                                        <p:tgtEl>
+                                          <p:spTgt spid="7"/>
+                                        </p:tgtEl>
+                                        <p:attrNameLst>
+                                          <p:attrName>style.visibility</p:attrName>
+                                        </p:attrNameLst>
+                                      </p:cBhvr>
+                                      <p:to>
+                                        <p:strVal val="visible"/>
+                                      </p:to>
+                                    </p:set>
+                                  </p:childTnLst>
+                                </p:cTn>
+                              </p:par>
+                              <p:par>
+                                <p:cTn id="9" presetID="1" presetClass="entr" presetSubtype="0" fill="hold" nodeType="withEffect">
+                                  <p:stCondLst>
+                                    <p:cond delay="0"/>
+                                  </p:stCondLst>
+                                  <p:childTnLst>
+                                    <p:set>
+                                      <p:cBhvr>
+                                        <p:cTn id="10" dur="1" fill="hold">
+                                          <p:stCondLst>
+                                            <p:cond delay="0"/>
+                                          </p:stCondLst>
+                                        </p:cTn>
+                                        <p:tgtEl>
+                                          <p:spTgt spid="8"/>
+                                        </p:tgtEl>
+                                        <p:attrNameLst>
+                                          <p:attrName>style.visibility</p:attrName>
+                                        </p:attrNameLst>
+                                      </p:cBhvr>
+                                      <p:to>
+                                        <p:strVal val="visible"/>
+                                      </p:to>
+                                    </p:set>
+                                  </p:childTnLst>
+                                </p:cTn>
+                              </p:par>
+                              <p:par>
+                                <p:cTn id="11" presetID="1" presetClass="entr" presetSubtype="0" fill="hold" nodeType="withEffect">
+                                  <p:stCondLst>
+                                    <p:cond delay="0"/>
+                                  </p:stCondLst>
+                                  <p:childTnLst>
+                                    <p:set>
+                                      <p:cBhvr>
+                                        <p:cTn id="12" dur="1" fill="hold">
+                                          <p:stCondLst>
+                                            <p:cond delay="0"/>
+                                          </p:stCondLst>
+                                        </p:cTn>
+                                        <p:tgtEl>
+                                          <p:spTgt spid="13"/>
+                                        </p:tgtEl>
+                                        <p:attrNameLst>
+                                          <p:attrName>style.visibility</p:attrName>
+                                        </p:attrNameLst>
+                                      </p:cBhvr>
+                                      <p:to>
+                                        <p:strVal val="visible"/>
+                                      </p:to>
+                                    </p:set>
+                                  </p:childTnLst>
+                                </p:cTn>
+                              </p:par>
+                              <p:par>
+                                <p:cTn id="13" presetID="1" presetClass="entr" presetSubtype="0" fill="hold" nodeType="withEffect">
+                                  <p:stCondLst>
+                                    <p:cond delay="0"/>
+                                  </p:stCondLst>
+                                  <p:childTnLst>
+                                    <p:set>
+                                      <p:cBhvr>
+                                        <p:cTn id="14" dur="1" fill="hold">
+                                          <p:stCondLst>
+                                            <p:cond delay="0"/>
+                                          </p:stCondLst>
+                                        </p:cTn>
+                                        <p:tgtEl>
+                                          <p:spTgt spid="14"/>
+                                        </p:tgtEl>
+                                        <p:attrNameLst>
+                                          <p:attrName>style.visibility</p:attrName>
+                                        </p:attrNameLst>
+                                      </p:cBhvr>
+                                      <p:to>
+                                        <p:strVal val="visible"/>
+                                      </p:to>
+                                    </p:set>
+                                  </p:childTnLst>
+                                </p:cTn>
+                              </p:par>
+                            </p:childTnLst>
+                          </p:cTn>
+                        </p:par>
+                      </p:childTnLst>
+                    </p:cTn>
+                  </p:par>
+                  <p:par>
+                    <p:cTn id="15" fill="hold">
+                      <p:stCondLst>
+                        <p:cond delay="indefinite"/>
+                      </p:stCondLst>
+                      <p:childTnLst>
+                        <p:par>
+                          <p:cTn id="16" fill="hold">
+                            <p:stCondLst>
+                              <p:cond delay="0"/>
+                            </p:stCondLst>
+                            <p:childTnLst>
+                              <p:par>
+                                <p:cTn id="17" presetID="1" presetClass="entr" presetSubtype="0" fill="hold" grpId="0" nodeType="clickEffect">
+                                  <p:stCondLst>
+                                    <p:cond delay="0"/>
+                                  </p:stCondLst>
+                                  <p:childTnLst>
+                                    <p:set>
+                                      <p:cBhvr>
+                                        <p:cTn id="18" dur="1" fill="hold">
+                                          <p:stCondLst>
+                                            <p:cond delay="0"/>
+                                          </p:stCondLst>
+                                        </p:cTn>
+                                        <p:tgtEl>
+                                          <p:spTgt spid="6"/>
+                                        </p:tgtEl>
+                                        <p:attrNameLst>
+                                          <p:attrName>style.visibility</p:attrName>
+                                        </p:attrNameLst>
+                                      </p:cBhvr>
+                                      <p:to>
+                                        <p:strVal val="visible"/>
+                                      </p:to>
+                                    </p:set>
+                                  </p:childTnLst>
+                                </p:cTn>
+                              </p:par>
+                              <p:par>
+                                <p:cTn id="19" presetID="1" presetClass="entr" presetSubtype="0" fill="hold" grpId="0" nodeType="withEffect">
+                                  <p:stCondLst>
+                                    <p:cond delay="0"/>
+                                  </p:stCondLst>
+                                  <p:childTnLst>
+                                    <p:set>
+                                      <p:cBhvr>
+                                        <p:cTn id="20" dur="1" fill="hold">
+                                          <p:stCondLst>
+                                            <p:cond delay="0"/>
+                                          </p:stCondLst>
+                                        </p:cTn>
+                                        <p:tgtEl>
+                                          <p:spTgt spid="9"/>
+                                        </p:tgtEl>
+                                        <p:attrNameLst>
+                                          <p:attrName>style.visibility</p:attrName>
+                                        </p:attrNameLst>
+                                      </p:cBhvr>
+                                      <p:to>
+                                        <p:strVal val="visible"/>
+                                      </p:to>
+                                    </p:set>
+                                  </p:childTnLst>
+                                </p:cTn>
+                              </p:par>
+                              <p:par>
+                                <p:cTn id="21" presetID="1" presetClass="entr" presetSubtype="0" fill="hold" grpId="0" nodeType="withEffect">
+                                  <p:stCondLst>
+                                    <p:cond delay="0"/>
+                                  </p:stCondLst>
+                                  <p:childTnLst>
+                                    <p:set>
+                                      <p:cBhvr>
+                                        <p:cTn id="22" dur="1" fill="hold">
+                                          <p:stCondLst>
+                                            <p:cond delay="0"/>
+                                          </p:stCondLst>
+                                        </p:cTn>
+                                        <p:tgtEl>
+                                          <p:spTgt spid="10"/>
+                                        </p:tgtEl>
+                                        <p:attrNameLst>
+                                          <p:attrName>style.visibility</p:attrName>
+                                        </p:attrNameLst>
+                                      </p:cBhvr>
+                                      <p:to>
+                                        <p:strVal val="visible"/>
+                                      </p:to>
+                                    </p:set>
+                                  </p:childTnLst>
+                                </p:cTn>
+                              </p:par>
+                              <p:par>
+                                <p:cTn id="23" presetID="1" presetClass="entr" presetSubtype="0" fill="hold" nodeType="withEffect">
+                                  <p:stCondLst>
+                                    <p:cond delay="0"/>
+                                  </p:stCondLst>
+                                  <p:childTnLst>
+                                    <p:set>
+                                      <p:cBhvr>
+                                        <p:cTn id="24" dur="1" fill="hold">
+                                          <p:stCondLst>
+                                            <p:cond delay="0"/>
+                                          </p:stCondLst>
+                                        </p:cTn>
+                                        <p:tgtEl>
+                                          <p:spTgt spid="17"/>
+                                        </p:tgtEl>
+                                        <p:attrNameLst>
+                                          <p:attrName>style.visibility</p:attrName>
+                                        </p:attrNameLst>
+                                      </p:cBhvr>
+                                      <p:to>
+                                        <p:strVal val="visible"/>
+                                      </p:to>
+                                    </p:set>
+                                  </p:childTnLst>
+                                </p:cTn>
+                              </p:par>
+                              <p:par>
+                                <p:cTn id="25" presetID="1" presetClass="entr" presetSubtype="0" fill="hold" nodeType="withEffect">
+                                  <p:stCondLst>
+                                    <p:cond delay="0"/>
+                                  </p:stCondLst>
+                                  <p:childTnLst>
+                                    <p:set>
+                                      <p:cBhvr>
+                                        <p:cTn id="26" dur="1" fill="hold">
+                                          <p:stCondLst>
+                                            <p:cond delay="0"/>
+                                          </p:stCondLst>
+                                        </p:cTn>
+                                        <p:tgtEl>
+                                          <p:spTgt spid="20"/>
+                                        </p:tgtEl>
+                                        <p:attrNameLst>
+                                          <p:attrName>style.visibility</p:attrName>
+                                        </p:attrNameLst>
+                                      </p:cBhvr>
+                                      <p:to>
+                                        <p:strVal val="visible"/>
+                                      </p:to>
+                                    </p:set>
+                                  </p:childTnLst>
+                                </p:cTn>
+                              </p:par>
+                              <p:par>
+                                <p:cTn id="27" presetID="1" presetClass="entr" presetSubtype="0" fill="hold" nodeType="withEffect">
+                                  <p:stCondLst>
+                                    <p:cond delay="0"/>
+                                  </p:stCondLst>
+                                  <p:childTnLst>
+                                    <p:set>
+                                      <p:cBhvr>
+                                        <p:cTn id="28" dur="1" fill="hold">
+                                          <p:stCondLst>
+                                            <p:cond delay="0"/>
+                                          </p:stCondLst>
+                                        </p:cTn>
+                                        <p:tgtEl>
+                                          <p:spTgt spid="23"/>
+                                        </p:tgtEl>
+                                        <p:attrNameLst>
+                                          <p:attrName>style.visibility</p:attrName>
+                                        </p:attrNameLst>
+                                      </p:cBhvr>
+                                      <p:to>
+                                        <p:strVal val="visible"/>
+                                      </p:to>
+                                    </p:set>
+                                  </p:childTnLst>
+                                </p:cTn>
+                              </p:par>
+                              <p:par>
+                                <p:cTn id="29" presetID="1" presetClass="entr" presetSubtype="0" fill="hold" nodeType="withEffect">
+                                  <p:stCondLst>
+                                    <p:cond delay="0"/>
+                                  </p:stCondLst>
+                                  <p:childTnLst>
+                                    <p:set>
+                                      <p:cBhvr>
+                                        <p:cTn id="30" dur="1" fill="hold">
+                                          <p:stCondLst>
+                                            <p:cond delay="0"/>
+                                          </p:stCondLst>
+                                        </p:cTn>
+                                        <p:tgtEl>
+                                          <p:spTgt spid="11"/>
+                                        </p:tgtEl>
+                                        <p:attrNameLst>
+                                          <p:attrName>style.visibility</p:attrName>
+                                        </p:attrNameLst>
+                                      </p:cBhvr>
+                                      <p:to>
+                                        <p:strVal val="visible"/>
+                                      </p:to>
+                                    </p:set>
+                                  </p:childTnLst>
+                                </p:cTn>
+                              </p:par>
+                            </p:childTnLst>
+                          </p:cTn>
+                        </p:par>
+                      </p:childTnLst>
+                    </p:cTn>
+                  </p:par>
+                  <p:par>
+                    <p:cTn id="31" fill="hold">
+                      <p:stCondLst>
+                        <p:cond delay="indefinite"/>
+                      </p:stCondLst>
+                      <p:childTnLst>
+                        <p:par>
+                          <p:cTn id="32" fill="hold">
+                            <p:stCondLst>
+                              <p:cond delay="0"/>
+                            </p:stCondLst>
+                            <p:childTnLst>
+                              <p:par>
+                                <p:cTn id="33" presetID="1" presetClass="entr" presetSubtype="0" fill="hold" nodeType="clickEffect">
+                                  <p:stCondLst>
+                                    <p:cond delay="0"/>
+                                  </p:stCondLst>
+                                  <p:childTnLst>
+                                    <p:set>
+                                      <p:cBhvr>
+                                        <p:cTn id="34" dur="1" fill="hold">
+                                          <p:stCondLst>
+                                            <p:cond delay="0"/>
+                                          </p:stCondLst>
+                                        </p:cTn>
+                                        <p:tgtEl>
+                                          <p:spTgt spid="28"/>
+                                        </p:tgtEl>
+                                        <p:attrNameLst>
+                                          <p:attrName>style.visibility</p:attrName>
+                                        </p:attrNameLst>
+                                      </p:cBhvr>
+                                      <p:to>
+                                        <p:strVal val="visible"/>
+                                      </p:to>
+                                    </p:set>
+                                  </p:childTnLst>
+                                </p:cTn>
+                              </p:par>
+                            </p:childTnLst>
+                          </p:cTn>
+                        </p:par>
+                      </p:childTnLst>
+                    </p:cTn>
+                  </p:par>
+                </p:childTnLst>
+              </p:cTn>
+              <p:prevCondLst>
+                <p:cond evt="onPrev" delay="0">
+                  <p:tgtEl>
+                    <p:sldTgt/>
+                  </p:tgtEl>
+                </p:cond>
+              </p:prevCondLst>
+              <p:nextCondLst>
+                <p:cond evt="onNext" delay="0">
+                  <p:tgtEl>
+                    <p:sldTgt/>
+                  </p:tgtEl>
+                </p:cond>
+              </p:nextCondLst>
+            </p:seq>
+          </p:childTnLst>
+        </p:cTn>
+      </p:par>
+    </p:tnLst>
+    <p:bldLst>
+      <p:bldP spid="5" grpId="0" animBg="1"/>
+      <p:bldP spid="6" grpId="0" animBg="1"/>
+      <p:bldP spid="7" grpId="0" animBg="1"/>
+      <p:bldP spid="9" grpId="0" animBg="1"/>
+      <p:bldP spid="10" grpId="0" animBg="1"/>
+    </p:bldLst>
+  </p:timing>
 </p:sld>
 </file>
 
@@ -5290,6 +11618,298 @@
     <p:extLst>
       <p:ext uri="{BB962C8B-B14F-4D97-AF65-F5344CB8AC3E}">
         <p14:creationId xmlns:p14="http://schemas.microsoft.com/office/powerpoint/2010/main" val="3468761550"/>
+      </p:ext>
+    </p:extLst>
+  </p:cSld>
+  <p:clrMapOvr>
+    <a:masterClrMapping/>
+  </p:clrMapOvr>
+</p:sld>
+</file>
+
+<file path=ppt/slides/slide20.xml><?xml version="1.0" encoding="utf-8"?>
+<p:sld xmlns:a="http://schemas.openxmlformats.org/drawingml/2006/main" xmlns:r="http://schemas.openxmlformats.org/officeDocument/2006/relationships" xmlns:p="http://schemas.openxmlformats.org/presentationml/2006/main">
+  <p:cSld>
+    <p:spTree>
+      <p:nvGrpSpPr>
+        <p:cNvPr id="1" name=""/>
+        <p:cNvGrpSpPr/>
+        <p:nvPr/>
+      </p:nvGrpSpPr>
+      <p:grpSpPr>
+        <a:xfrm>
+          <a:off x="0" y="0"/>
+          <a:ext cx="0" cy="0"/>
+          <a:chOff x="0" y="0"/>
+          <a:chExt cx="0" cy="0"/>
+        </a:xfrm>
+      </p:grpSpPr>
+      <p:sp>
+        <p:nvSpPr>
+          <p:cNvPr id="2" name="Title 1">
+            <a:extLst>
+              <a:ext uri="{FF2B5EF4-FFF2-40B4-BE49-F238E27FC236}">
+                <a16:creationId xmlns:a16="http://schemas.microsoft.com/office/drawing/2014/main" id="{D5423173-6AE3-D641-8DFF-2C140B8354EE}"/>
+              </a:ext>
+            </a:extLst>
+          </p:cNvPr>
+          <p:cNvSpPr>
+            <a:spLocks noGrp="1"/>
+          </p:cNvSpPr>
+          <p:nvPr>
+            <p:ph type="title"/>
+          </p:nvPr>
+        </p:nvSpPr>
+        <p:spPr/>
+        <p:txBody>
+          <a:bodyPr/>
+          <a:lstStyle/>
+          <a:p>
+            <a:r>
+              <a:rPr lang="en-US" dirty="0"/>
+              <a:t>Backup</a:t>
+            </a:r>
+          </a:p>
+        </p:txBody>
+      </p:sp>
+      <p:sp>
+        <p:nvSpPr>
+          <p:cNvPr id="3" name="Slide Number Placeholder 2">
+            <a:extLst>
+              <a:ext uri="{FF2B5EF4-FFF2-40B4-BE49-F238E27FC236}">
+                <a16:creationId xmlns:a16="http://schemas.microsoft.com/office/drawing/2014/main" id="{330FB17B-F97A-C440-9D08-CFDBC82CFBFB}"/>
+              </a:ext>
+            </a:extLst>
+          </p:cNvPr>
+          <p:cNvSpPr>
+            <a:spLocks noGrp="1"/>
+          </p:cNvSpPr>
+          <p:nvPr>
+            <p:ph type="sldNum" sz="quarter" idx="11"/>
+          </p:nvPr>
+        </p:nvSpPr>
+        <p:spPr/>
+        <p:txBody>
+          <a:bodyPr/>
+          <a:lstStyle/>
+          <a:p>
+            <a:pPr>
+              <a:defRPr/>
+            </a:pPr>
+            <a:fld id="{2E4304A7-0FB2-4094-BC1E-DB17183AD0C1}" type="slidenum">
+              <a:rPr lang="en-US" altLang="x-none" smtClean="0"/>
+              <a:pPr>
+                <a:defRPr/>
+              </a:pPr>
+              <a:t>20</a:t>
+            </a:fld>
+            <a:endParaRPr lang="en-US" altLang="x-none"/>
+          </a:p>
+        </p:txBody>
+      </p:sp>
+    </p:spTree>
+    <p:extLst>
+      <p:ext uri="{BB962C8B-B14F-4D97-AF65-F5344CB8AC3E}">
+        <p14:creationId xmlns:p14="http://schemas.microsoft.com/office/powerpoint/2010/main" val="2490888547"/>
+      </p:ext>
+    </p:extLst>
+  </p:cSld>
+  <p:clrMapOvr>
+    <a:masterClrMapping/>
+  </p:clrMapOvr>
+</p:sld>
+</file>
+
+<file path=ppt/slides/slide21.xml><?xml version="1.0" encoding="utf-8"?>
+<p:sld xmlns:a="http://schemas.openxmlformats.org/drawingml/2006/main" xmlns:r="http://schemas.openxmlformats.org/officeDocument/2006/relationships" xmlns:p="http://schemas.openxmlformats.org/presentationml/2006/main">
+  <p:cSld>
+    <p:spTree>
+      <p:nvGrpSpPr>
+        <p:cNvPr id="1" name=""/>
+        <p:cNvGrpSpPr/>
+        <p:nvPr/>
+      </p:nvGrpSpPr>
+      <p:grpSpPr>
+        <a:xfrm>
+          <a:off x="0" y="0"/>
+          <a:ext cx="0" cy="0"/>
+          <a:chOff x="0" y="0"/>
+          <a:chExt cx="0" cy="0"/>
+        </a:xfrm>
+      </p:grpSpPr>
+      <p:pic>
+        <p:nvPicPr>
+          <p:cNvPr id="11" name="Picture 10">
+            <a:extLst>
+              <a:ext uri="{FF2B5EF4-FFF2-40B4-BE49-F238E27FC236}">
+                <a16:creationId xmlns:a16="http://schemas.microsoft.com/office/drawing/2014/main" id="{60AFBD35-DDFC-414E-B27B-EFA9C4320345}"/>
+              </a:ext>
+            </a:extLst>
+          </p:cNvPr>
+          <p:cNvPicPr>
+            <a:picLocks noChangeAspect="1"/>
+          </p:cNvPicPr>
+          <p:nvPr/>
+        </p:nvPicPr>
+        <p:blipFill>
+          <a:blip r:embed="rId3"/>
+          <a:stretch>
+            <a:fillRect/>
+          </a:stretch>
+        </p:blipFill>
+        <p:spPr>
+          <a:xfrm>
+            <a:off x="381000" y="1676399"/>
+            <a:ext cx="3886200" cy="4425715"/>
+          </a:xfrm>
+          <a:prstGeom prst="rect">
+            <a:avLst/>
+          </a:prstGeom>
+        </p:spPr>
+      </p:pic>
+      <p:sp>
+        <p:nvSpPr>
+          <p:cNvPr id="2" name="Title 1">
+            <a:extLst>
+              <a:ext uri="{FF2B5EF4-FFF2-40B4-BE49-F238E27FC236}">
+                <a16:creationId xmlns:a16="http://schemas.microsoft.com/office/drawing/2014/main" id="{012828C5-8DEB-5A4F-B301-B31F3158476E}"/>
+              </a:ext>
+            </a:extLst>
+          </p:cNvPr>
+          <p:cNvSpPr>
+            <a:spLocks noGrp="1"/>
+          </p:cNvSpPr>
+          <p:nvPr>
+            <p:ph type="title"/>
+          </p:nvPr>
+        </p:nvSpPr>
+        <p:spPr>
+          <a:xfrm>
+            <a:off x="228600" y="381000"/>
+            <a:ext cx="7924800" cy="669924"/>
+          </a:xfrm>
+        </p:spPr>
+        <p:txBody>
+          <a:bodyPr/>
+          <a:lstStyle/>
+          <a:p>
+            <a:r>
+              <a:rPr lang="en-US" dirty="0"/>
+              <a:t>What’s The Key Information In The Model:</a:t>
+            </a:r>
+            <a:br>
+              <a:rPr lang="en-US" dirty="0"/>
+            </a:br>
+            <a:r>
+              <a:rPr lang="en-US" i="1" dirty="0"/>
+              <a:t>The Lines tell it all.</a:t>
+            </a:r>
+          </a:p>
+        </p:txBody>
+      </p:sp>
+      <p:sp>
+        <p:nvSpPr>
+          <p:cNvPr id="4" name="Slide Number Placeholder 3">
+            <a:extLst>
+              <a:ext uri="{FF2B5EF4-FFF2-40B4-BE49-F238E27FC236}">
+                <a16:creationId xmlns:a16="http://schemas.microsoft.com/office/drawing/2014/main" id="{FB05CAF6-111A-3849-85FF-664AEA87E8E6}"/>
+              </a:ext>
+            </a:extLst>
+          </p:cNvPr>
+          <p:cNvSpPr>
+            <a:spLocks noGrp="1"/>
+          </p:cNvSpPr>
+          <p:nvPr>
+            <p:ph type="sldNum" sz="quarter" idx="11"/>
+          </p:nvPr>
+        </p:nvSpPr>
+        <p:spPr/>
+        <p:txBody>
+          <a:bodyPr/>
+          <a:lstStyle/>
+          <a:p>
+            <a:pPr>
+              <a:defRPr/>
+            </a:pPr>
+            <a:fld id="{3EF4E9CC-9D91-476E-91FD-5BEEC1642931}" type="slidenum">
+              <a:rPr lang="en-US" altLang="x-none" smtClean="0"/>
+              <a:pPr>
+                <a:defRPr/>
+              </a:pPr>
+              <a:t>21</a:t>
+            </a:fld>
+            <a:endParaRPr lang="en-US" altLang="x-none"/>
+          </a:p>
+        </p:txBody>
+      </p:sp>
+      <p:sp>
+        <p:nvSpPr>
+          <p:cNvPr id="10" name="Content Placeholder 9">
+            <a:extLst>
+              <a:ext uri="{FF2B5EF4-FFF2-40B4-BE49-F238E27FC236}">
+                <a16:creationId xmlns:a16="http://schemas.microsoft.com/office/drawing/2014/main" id="{1AE3F48E-011F-F54E-BF41-53DB41EFC285}"/>
+              </a:ext>
+            </a:extLst>
+          </p:cNvPr>
+          <p:cNvSpPr>
+            <a:spLocks noGrp="1"/>
+          </p:cNvSpPr>
+          <p:nvPr>
+            <p:ph idx="1"/>
+          </p:nvPr>
+        </p:nvSpPr>
+        <p:spPr>
+          <a:xfrm>
+            <a:off x="3505200" y="2278062"/>
+            <a:ext cx="5257800" cy="1608138"/>
+          </a:xfrm>
+          <a:noFill/>
+        </p:spPr>
+        <p:txBody>
+          <a:bodyPr/>
+          <a:lstStyle/>
+          <a:p>
+            <a:pPr marL="0" indent="0">
+              <a:buNone/>
+            </a:pPr>
+            <a:r>
+              <a:rPr lang="en-US" sz="2400" dirty="0"/>
+              <a:t>Given a line, we know:</a:t>
+            </a:r>
+          </a:p>
+          <a:p>
+            <a:r>
+              <a:rPr lang="en-US" sz="2400" dirty="0"/>
+              <a:t>Which reaction is impacted</a:t>
+            </a:r>
+          </a:p>
+          <a:p>
+            <a:r>
+              <a:rPr lang="en-US" sz="2400" dirty="0"/>
+              <a:t>The form of the kinetics expression</a:t>
+            </a:r>
+          </a:p>
+          <a:p>
+            <a:r>
+              <a:rPr lang="en-US" sz="2400" dirty="0"/>
+              <a:t>The constants that must be added</a:t>
+            </a:r>
+          </a:p>
+          <a:p>
+            <a:pPr marL="0" indent="0">
+              <a:buNone/>
+            </a:pPr>
+            <a:endParaRPr lang="en-US" sz="2400" dirty="0"/>
+          </a:p>
+          <a:p>
+            <a:endParaRPr lang="en-US" sz="2400" dirty="0"/>
+          </a:p>
+        </p:txBody>
+      </p:sp>
+    </p:spTree>
+    <p:extLst>
+      <p:ext uri="{BB962C8B-B14F-4D97-AF65-F5344CB8AC3E}">
+        <p14:creationId xmlns:p14="http://schemas.microsoft.com/office/powerpoint/2010/main" val="3074980563"/>
       </p:ext>
     </p:extLst>
   </p:cSld>
@@ -5367,13 +11987,14 @@
           <a:p>
             <a:r>
               <a:rPr lang="en-US" dirty="0"/>
-              <a:t>Generating models for the modeling game</a:t>
-            </a:r>
-          </a:p>
-          <a:p>
+              <a:t>Improving model management by generating models from a more convenient representation</a:t>
+            </a:r>
+          </a:p>
+          <a:p>
+            <a:pPr lvl="1"/>
             <a:r>
               <a:rPr lang="en-US" dirty="0"/>
-              <a:t>Model ensembles</a:t>
+              <a:t>Application to the modeling game</a:t>
             </a:r>
           </a:p>
         </p:txBody>
@@ -5965,42 +12586,12 @@
           <a:chExt cx="0" cy="0"/>
         </a:xfrm>
       </p:grpSpPr>
-      <p:pic>
-        <p:nvPicPr>
-          <p:cNvPr id="11" name="Picture 10">
-            <a:extLst>
-              <a:ext uri="{FF2B5EF4-FFF2-40B4-BE49-F238E27FC236}">
-                <a16:creationId xmlns:a16="http://schemas.microsoft.com/office/drawing/2014/main" id="{60AFBD35-DDFC-414E-B27B-EFA9C4320345}"/>
-              </a:ext>
-            </a:extLst>
-          </p:cNvPr>
-          <p:cNvPicPr>
-            <a:picLocks noChangeAspect="1"/>
-          </p:cNvPicPr>
-          <p:nvPr/>
-        </p:nvPicPr>
-        <p:blipFill>
-          <a:blip r:embed="rId3"/>
-          <a:stretch>
-            <a:fillRect/>
-          </a:stretch>
-        </p:blipFill>
-        <p:spPr>
-          <a:xfrm>
-            <a:off x="381000" y="1676399"/>
-            <a:ext cx="3886200" cy="4425715"/>
-          </a:xfrm>
-          <a:prstGeom prst="rect">
-            <a:avLst/>
-          </a:prstGeom>
-        </p:spPr>
-      </p:pic>
       <p:sp>
         <p:nvSpPr>
           <p:cNvPr id="2" name="Title 1">
             <a:extLst>
               <a:ext uri="{FF2B5EF4-FFF2-40B4-BE49-F238E27FC236}">
-                <a16:creationId xmlns:a16="http://schemas.microsoft.com/office/drawing/2014/main" id="{012828C5-8DEB-5A4F-B301-B31F3158476E}"/>
+                <a16:creationId xmlns:a16="http://schemas.microsoft.com/office/drawing/2014/main" id="{5D8C5A18-ED42-774E-8BC5-211762D8764C}"/>
               </a:ext>
             </a:extLst>
           </p:cNvPr>
@@ -6011,19 +12602,14 @@
             <p:ph type="title"/>
           </p:nvPr>
         </p:nvSpPr>
-        <p:spPr>
-          <a:xfrm>
-            <a:off x="228600" y="381000"/>
-            <a:ext cx="7924800" cy="669924"/>
-          </a:xfrm>
-        </p:spPr>
+        <p:spPr/>
         <p:txBody>
           <a:bodyPr/>
           <a:lstStyle/>
           <a:p>
             <a:r>
               <a:rPr lang="en-US" dirty="0"/>
-              <a:t>Can We Express A Model In Simple Text?</a:t>
+              <a:t>Modeling Workflow</a:t>
             </a:r>
           </a:p>
         </p:txBody>
@@ -6033,7 +12619,7 @@
           <p:cNvPr id="4" name="Slide Number Placeholder 3">
             <a:extLst>
               <a:ext uri="{FF2B5EF4-FFF2-40B4-BE49-F238E27FC236}">
-                <a16:creationId xmlns:a16="http://schemas.microsoft.com/office/drawing/2014/main" id="{FB05CAF6-111A-3849-85FF-664AEA87E8E6}"/>
+                <a16:creationId xmlns:a16="http://schemas.microsoft.com/office/drawing/2014/main" id="{5653AFA4-E957-AC44-A111-81C87E4E017F}"/>
               </a:ext>
             </a:extLst>
           </p:cNvPr>
@@ -6065,103 +12651,674 @@
       </p:sp>
       <p:sp>
         <p:nvSpPr>
-          <p:cNvPr id="10" name="Content Placeholder 9">
+          <p:cNvPr id="5" name="Rectangle 4">
             <a:extLst>
               <a:ext uri="{FF2B5EF4-FFF2-40B4-BE49-F238E27FC236}">
-                <a16:creationId xmlns:a16="http://schemas.microsoft.com/office/drawing/2014/main" id="{1AE3F48E-011F-F54E-BF41-53DB41EFC285}"/>
+                <a16:creationId xmlns:a16="http://schemas.microsoft.com/office/drawing/2014/main" id="{0D43376A-5FB6-0C4D-9CEA-265902E9296C}"/>
               </a:ext>
             </a:extLst>
           </p:cNvPr>
-          <p:cNvSpPr>
-            <a:spLocks noGrp="1"/>
-          </p:cNvSpPr>
-          <p:nvPr>
-            <p:ph idx="1"/>
-          </p:nvPr>
+          <p:cNvSpPr/>
+          <p:nvPr/>
         </p:nvSpPr>
         <p:spPr>
           <a:xfrm>
-            <a:off x="3810000" y="1516062"/>
-            <a:ext cx="4724400" cy="2362200"/>
-          </a:xfrm>
-          <a:solidFill>
-            <a:schemeClr val="bg1">
-              <a:lumMod val="95000"/>
-            </a:schemeClr>
-          </a:solidFill>
+            <a:off x="609599" y="5034093"/>
+            <a:ext cx="1295400" cy="914400"/>
+          </a:xfrm>
+          <a:prstGeom prst="rect">
+            <a:avLst/>
+          </a:prstGeom>
         </p:spPr>
-        <p:txBody>
-          <a:bodyPr/>
+        <p:style>
+          <a:lnRef idx="1">
+            <a:schemeClr val="accent1"/>
+          </a:lnRef>
+          <a:fillRef idx="3">
+            <a:schemeClr val="accent1"/>
+          </a:fillRef>
+          <a:effectRef idx="2">
+            <a:schemeClr val="accent1"/>
+          </a:effectRef>
+          <a:fontRef idx="minor">
+            <a:schemeClr val="lt1"/>
+          </a:fontRef>
+        </p:style>
+        <p:txBody>
+          <a:bodyPr rtlCol="0" anchor="ctr"/>
           <a:lstStyle/>
           <a:p>
-            <a:pPr marL="0" indent="0">
-              <a:buNone/>
-            </a:pPr>
-            <a:r>
-              <a:rPr lang="en-US" sz="2400" dirty="0"/>
-              <a:t>A model consists of a set of interactions of proteins on genes as expressed in the kinetics of mRNA production</a:t>
-            </a:r>
-          </a:p>
-          <a:p>
-            <a:pPr lvl="1"/>
-            <a:r>
-              <a:rPr lang="en-US" sz="2000" b="1" dirty="0" err="1">
-                <a:latin typeface="Courier New" panose="02070309020205020404" pitchFamily="49" charset="0"/>
+            <a:pPr algn="ctr"/>
+            <a:r>
+              <a:rPr lang="en-US" dirty="0"/>
+              <a:t>Update model</a:t>
+            </a:r>
+          </a:p>
+        </p:txBody>
+      </p:sp>
+      <p:sp>
+        <p:nvSpPr>
+          <p:cNvPr id="7" name="Rectangle 6">
+            <a:extLst>
+              <a:ext uri="{FF2B5EF4-FFF2-40B4-BE49-F238E27FC236}">
+                <a16:creationId xmlns:a16="http://schemas.microsoft.com/office/drawing/2014/main" id="{44E702AC-5DB9-FC49-BD52-4CB79EF1E9E3}"/>
+              </a:ext>
+            </a:extLst>
+          </p:cNvPr>
+          <p:cNvSpPr/>
+          <p:nvPr/>
+        </p:nvSpPr>
+        <p:spPr>
+          <a:xfrm>
+            <a:off x="609600" y="2230873"/>
+            <a:ext cx="2580068" cy="533400"/>
+          </a:xfrm>
+          <a:prstGeom prst="rect">
+            <a:avLst/>
+          </a:prstGeom>
+        </p:spPr>
+        <p:style>
+          <a:lnRef idx="1">
+            <a:schemeClr val="accent1"/>
+          </a:lnRef>
+          <a:fillRef idx="3">
+            <a:schemeClr val="accent1"/>
+          </a:fillRef>
+          <a:effectRef idx="2">
+            <a:schemeClr val="accent1"/>
+          </a:effectRef>
+          <a:fontRef idx="minor">
+            <a:schemeClr val="lt1"/>
+          </a:fontRef>
+        </p:style>
+        <p:txBody>
+          <a:bodyPr rtlCol="0" anchor="ctr"/>
+          <a:lstStyle/>
+          <a:p>
+            <a:pPr algn="ctr"/>
+            <a:r>
+              <a:rPr lang="en-US" dirty="0"/>
+              <a:t>Run Model</a:t>
+            </a:r>
+            <a:endParaRPr lang="en-US" dirty="0">
+              <a:latin typeface="Courier New" panose="02070309020205020404" pitchFamily="49" charset="0"/>
+              <a:cs typeface="Courier New" panose="02070309020205020404" pitchFamily="49" charset="0"/>
+            </a:endParaRPr>
+          </a:p>
+        </p:txBody>
+      </p:sp>
+      <p:sp>
+        <p:nvSpPr>
+          <p:cNvPr id="10" name="Rectangle 9">
+            <a:extLst>
+              <a:ext uri="{FF2B5EF4-FFF2-40B4-BE49-F238E27FC236}">
+                <a16:creationId xmlns:a16="http://schemas.microsoft.com/office/drawing/2014/main" id="{76D4B011-D56F-B24C-A024-4DE5A23DFDDD}"/>
+              </a:ext>
+            </a:extLst>
+          </p:cNvPr>
+          <p:cNvSpPr/>
+          <p:nvPr/>
+        </p:nvSpPr>
+        <p:spPr>
+          <a:xfrm>
+            <a:off x="609599" y="3429000"/>
+            <a:ext cx="2580068" cy="533400"/>
+          </a:xfrm>
+          <a:prstGeom prst="rect">
+            <a:avLst/>
+          </a:prstGeom>
+        </p:spPr>
+        <p:style>
+          <a:lnRef idx="1">
+            <a:schemeClr val="accent1"/>
+          </a:lnRef>
+          <a:fillRef idx="3">
+            <a:schemeClr val="accent1"/>
+          </a:fillRef>
+          <a:effectRef idx="2">
+            <a:schemeClr val="accent1"/>
+          </a:effectRef>
+          <a:fontRef idx="minor">
+            <a:schemeClr val="lt1"/>
+          </a:fontRef>
+        </p:style>
+        <p:txBody>
+          <a:bodyPr rtlCol="0" anchor="ctr"/>
+          <a:lstStyle/>
+          <a:p>
+            <a:pPr algn="ctr"/>
+            <a:r>
+              <a:rPr lang="en-US" dirty="0">
                 <a:cs typeface="Courier New" panose="02070309020205020404" pitchFamily="49" charset="0"/>
               </a:rPr>
-              <a:t>mAn</a:t>
-            </a:r>
-            <a:r>
-              <a:rPr lang="en-US" sz="2000" dirty="0"/>
-              <a:t>: Protein </a:t>
-            </a:r>
-            <a:r>
-              <a:rPr lang="en-US" sz="2000" i="1" dirty="0"/>
-              <a:t>m</a:t>
-            </a:r>
-            <a:r>
-              <a:rPr lang="en-US" sz="2000" dirty="0"/>
-              <a:t> activates Gene </a:t>
-            </a:r>
-            <a:r>
-              <a:rPr lang="en-US" sz="2000" i="1" dirty="0"/>
-              <a:t>n</a:t>
-            </a:r>
-          </a:p>
-          <a:p>
-            <a:pPr lvl="1"/>
-            <a:r>
-              <a:rPr lang="en-US" sz="2000" b="1" dirty="0" err="1">
-                <a:latin typeface="Courier New" panose="02070309020205020404" pitchFamily="49" charset="0"/>
-                <a:cs typeface="Courier New" panose="02070309020205020404" pitchFamily="49" charset="0"/>
-              </a:rPr>
-              <a:t>mHn</a:t>
-            </a:r>
-            <a:r>
-              <a:rPr lang="en-US" sz="2000" dirty="0"/>
-              <a:t>: Protein </a:t>
-            </a:r>
-            <a:r>
-              <a:rPr lang="en-US" sz="2000" i="1" dirty="0"/>
-              <a:t>m</a:t>
-            </a:r>
-            <a:r>
-              <a:rPr lang="en-US" sz="2000" dirty="0"/>
-              <a:t> inhibits Gene </a:t>
-            </a:r>
-            <a:r>
-              <a:rPr lang="en-US" sz="2000" i="1" dirty="0"/>
-              <a:t>n</a:t>
-            </a:r>
-          </a:p>
-        </p:txBody>
-      </p:sp>
-      <p:sp>
-        <p:nvSpPr>
-          <p:cNvPr id="12" name="TextBox 11">
+              <a:t>Analyze results</a:t>
+            </a:r>
+          </a:p>
+        </p:txBody>
+      </p:sp>
+      <p:cxnSp>
+        <p:nvCxnSpPr>
+          <p:cNvPr id="12" name="Elbow Connector 11">
             <a:extLst>
               <a:ext uri="{FF2B5EF4-FFF2-40B4-BE49-F238E27FC236}">
-                <a16:creationId xmlns:a16="http://schemas.microsoft.com/office/drawing/2014/main" id="{FEC30AB4-41A7-A64B-AF5B-730B134972A7}"/>
+                <a16:creationId xmlns:a16="http://schemas.microsoft.com/office/drawing/2014/main" id="{8BCDD008-DA63-3142-800F-FED27A3DABA8}"/>
+              </a:ext>
+            </a:extLst>
+          </p:cNvPr>
+          <p:cNvCxnSpPr>
+            <a:cxnSpLocks/>
+            <a:stCxn id="5" idx="1"/>
+            <a:endCxn id="7" idx="0"/>
+          </p:cNvCxnSpPr>
+          <p:nvPr/>
+        </p:nvCxnSpPr>
+        <p:spPr>
+          <a:xfrm rot="10800000" flipH="1">
+            <a:off x="609598" y="2230873"/>
+            <a:ext cx="1290035" cy="3260420"/>
+          </a:xfrm>
+          <a:prstGeom prst="bentConnector4">
+            <a:avLst>
+              <a:gd name="adj1" fmla="val -17720"/>
+              <a:gd name="adj2" fmla="val 107011"/>
+            </a:avLst>
+          </a:prstGeom>
+          <a:ln>
+            <a:tailEnd type="triangle"/>
+          </a:ln>
+        </p:spPr>
+        <p:style>
+          <a:lnRef idx="2">
+            <a:schemeClr val="accent1"/>
+          </a:lnRef>
+          <a:fillRef idx="0">
+            <a:schemeClr val="accent1"/>
+          </a:fillRef>
+          <a:effectRef idx="1">
+            <a:schemeClr val="accent1"/>
+          </a:effectRef>
+          <a:fontRef idx="minor">
+            <a:schemeClr val="tx1"/>
+          </a:fontRef>
+        </p:style>
+      </p:cxnSp>
+      <p:cxnSp>
+        <p:nvCxnSpPr>
+          <p:cNvPr id="14" name="Elbow Connector 13">
+            <a:extLst>
+              <a:ext uri="{FF2B5EF4-FFF2-40B4-BE49-F238E27FC236}">
+                <a16:creationId xmlns:a16="http://schemas.microsoft.com/office/drawing/2014/main" id="{24E82763-C008-EF4C-82EE-899792CF15A8}"/>
+              </a:ext>
+            </a:extLst>
+          </p:cNvPr>
+          <p:cNvCxnSpPr>
+            <a:cxnSpLocks/>
+            <a:stCxn id="7" idx="2"/>
+            <a:endCxn id="10" idx="0"/>
+          </p:cNvCxnSpPr>
+          <p:nvPr/>
+        </p:nvCxnSpPr>
+        <p:spPr>
+          <a:xfrm rot="5400000">
+            <a:off x="1567271" y="3096636"/>
+            <a:ext cx="664727" cy="1"/>
+          </a:xfrm>
+          <a:prstGeom prst="bentConnector3">
+            <a:avLst/>
+          </a:prstGeom>
+          <a:ln>
+            <a:tailEnd type="triangle"/>
+          </a:ln>
+        </p:spPr>
+        <p:style>
+          <a:lnRef idx="2">
+            <a:schemeClr val="accent1"/>
+          </a:lnRef>
+          <a:fillRef idx="0">
+            <a:schemeClr val="accent1"/>
+          </a:fillRef>
+          <a:effectRef idx="1">
+            <a:schemeClr val="accent1"/>
+          </a:effectRef>
+          <a:fontRef idx="minor">
+            <a:schemeClr val="tx1"/>
+          </a:fontRef>
+        </p:style>
+      </p:cxnSp>
+      <p:cxnSp>
+        <p:nvCxnSpPr>
+          <p:cNvPr id="18" name="Elbow Connector 17">
+            <a:extLst>
+              <a:ext uri="{FF2B5EF4-FFF2-40B4-BE49-F238E27FC236}">
+                <a16:creationId xmlns:a16="http://schemas.microsoft.com/office/drawing/2014/main" id="{0795DDFA-B678-3744-9CE4-A7E4A0C2710C}"/>
+              </a:ext>
+            </a:extLst>
+          </p:cNvPr>
+          <p:cNvCxnSpPr>
+            <a:cxnSpLocks/>
+            <a:stCxn id="10" idx="2"/>
+            <a:endCxn id="5" idx="0"/>
+          </p:cNvCxnSpPr>
+          <p:nvPr/>
+        </p:nvCxnSpPr>
+        <p:spPr>
+          <a:xfrm rot="5400000">
+            <a:off x="1042620" y="4177079"/>
+            <a:ext cx="1071693" cy="642334"/>
+          </a:xfrm>
+          <a:prstGeom prst="bentConnector3">
+            <a:avLst>
+              <a:gd name="adj1" fmla="val 50000"/>
+            </a:avLst>
+          </a:prstGeom>
+          <a:ln>
+            <a:tailEnd type="triangle"/>
+          </a:ln>
+        </p:spPr>
+        <p:style>
+          <a:lnRef idx="2">
+            <a:schemeClr val="accent1"/>
+          </a:lnRef>
+          <a:fillRef idx="0">
+            <a:schemeClr val="accent1"/>
+          </a:fillRef>
+          <a:effectRef idx="1">
+            <a:schemeClr val="accent1"/>
+          </a:effectRef>
+          <a:fontRef idx="minor">
+            <a:schemeClr val="tx1"/>
+          </a:fontRef>
+        </p:style>
+      </p:cxnSp>
+      <p:sp>
+        <p:nvSpPr>
+          <p:cNvPr id="21" name="Rectangle 20">
+            <a:extLst>
+              <a:ext uri="{FF2B5EF4-FFF2-40B4-BE49-F238E27FC236}">
+                <a16:creationId xmlns:a16="http://schemas.microsoft.com/office/drawing/2014/main" id="{CE1EE1F7-FF6C-354A-BE74-858B8FFCAA80}"/>
+              </a:ext>
+            </a:extLst>
+          </p:cNvPr>
+          <p:cNvSpPr/>
+          <p:nvPr/>
+        </p:nvSpPr>
+        <p:spPr>
+          <a:xfrm>
+            <a:off x="7431740" y="1299746"/>
+            <a:ext cx="1295401" cy="533400"/>
+          </a:xfrm>
+          <a:prstGeom prst="rect">
+            <a:avLst/>
+          </a:prstGeom>
+        </p:spPr>
+        <p:style>
+          <a:lnRef idx="1">
+            <a:schemeClr val="accent1"/>
+          </a:lnRef>
+          <a:fillRef idx="3">
+            <a:schemeClr val="accent1"/>
+          </a:fillRef>
+          <a:effectRef idx="2">
+            <a:schemeClr val="accent1"/>
+          </a:effectRef>
+          <a:fontRef idx="minor">
+            <a:schemeClr val="lt1"/>
+          </a:fontRef>
+        </p:style>
+        <p:txBody>
+          <a:bodyPr rtlCol="0" anchor="ctr"/>
+          <a:lstStyle/>
+          <a:p>
+            <a:pPr algn="ctr"/>
+            <a:r>
+              <a:rPr lang="en-US" dirty="0"/>
+              <a:t>Done</a:t>
+            </a:r>
+            <a:endParaRPr lang="en-US" dirty="0">
+              <a:latin typeface="Courier New" panose="02070309020205020404" pitchFamily="49" charset="0"/>
+              <a:cs typeface="Courier New" panose="02070309020205020404" pitchFamily="49" charset="0"/>
+            </a:endParaRPr>
+          </a:p>
+        </p:txBody>
+      </p:sp>
+      <p:cxnSp>
+        <p:nvCxnSpPr>
+          <p:cNvPr id="23" name="Elbow Connector 22">
+            <a:extLst>
+              <a:ext uri="{FF2B5EF4-FFF2-40B4-BE49-F238E27FC236}">
+                <a16:creationId xmlns:a16="http://schemas.microsoft.com/office/drawing/2014/main" id="{39509B30-EBAA-674E-9005-EBDB6FF9AF52}"/>
+              </a:ext>
+            </a:extLst>
+          </p:cNvPr>
+          <p:cNvCxnSpPr>
+            <a:cxnSpLocks/>
+            <a:stCxn id="10" idx="3"/>
+            <a:endCxn id="21" idx="1"/>
+          </p:cNvCxnSpPr>
+          <p:nvPr/>
+        </p:nvCxnSpPr>
+        <p:spPr>
+          <a:xfrm flipV="1">
+            <a:off x="3189667" y="1566446"/>
+            <a:ext cx="4242073" cy="2129254"/>
+          </a:xfrm>
+          <a:prstGeom prst="bentConnector3">
+            <a:avLst/>
+          </a:prstGeom>
+          <a:ln>
+            <a:tailEnd type="triangle"/>
+          </a:ln>
+        </p:spPr>
+        <p:style>
+          <a:lnRef idx="2">
+            <a:schemeClr val="accent1"/>
+          </a:lnRef>
+          <a:fillRef idx="0">
+            <a:schemeClr val="accent1"/>
+          </a:fillRef>
+          <a:effectRef idx="1">
+            <a:schemeClr val="accent1"/>
+          </a:effectRef>
+          <a:fontRef idx="minor">
+            <a:schemeClr val="tx1"/>
+          </a:fontRef>
+        </p:style>
+      </p:cxnSp>
+      <p:pic>
+        <p:nvPicPr>
+          <p:cNvPr id="24" name="Picture 23">
+            <a:extLst>
+              <a:ext uri="{FF2B5EF4-FFF2-40B4-BE49-F238E27FC236}">
+                <a16:creationId xmlns:a16="http://schemas.microsoft.com/office/drawing/2014/main" id="{B57AED5A-CDE6-DD48-85F1-08680A83E0AF}"/>
+              </a:ext>
+            </a:extLst>
+          </p:cNvPr>
+          <p:cNvPicPr>
+            <a:picLocks noChangeAspect="1"/>
+          </p:cNvPicPr>
+          <p:nvPr/>
+        </p:nvPicPr>
+        <p:blipFill>
+          <a:blip r:embed="rId2"/>
+          <a:stretch>
+            <a:fillRect/>
+          </a:stretch>
+        </p:blipFill>
+        <p:spPr>
+          <a:xfrm>
+            <a:off x="3189667" y="3837610"/>
+            <a:ext cx="2413000" cy="1765300"/>
+          </a:xfrm>
+          <a:prstGeom prst="rect">
+            <a:avLst/>
+          </a:prstGeom>
+        </p:spPr>
+      </p:pic>
+      <p:sp>
+        <p:nvSpPr>
+          <p:cNvPr id="47" name="Oval 46">
+            <a:extLst>
+              <a:ext uri="{FF2B5EF4-FFF2-40B4-BE49-F238E27FC236}">
+                <a16:creationId xmlns:a16="http://schemas.microsoft.com/office/drawing/2014/main" id="{6892010A-96C4-7049-B705-ABC0BFC35F0D}"/>
+              </a:ext>
+            </a:extLst>
+          </p:cNvPr>
+          <p:cNvSpPr/>
+          <p:nvPr/>
+        </p:nvSpPr>
+        <p:spPr>
+          <a:xfrm>
+            <a:off x="457200" y="924936"/>
+            <a:ext cx="1371600" cy="533400"/>
+          </a:xfrm>
+          <a:prstGeom prst="ellipse">
+            <a:avLst/>
+          </a:prstGeom>
+        </p:spPr>
+        <p:style>
+          <a:lnRef idx="1">
+            <a:schemeClr val="accent1"/>
+          </a:lnRef>
+          <a:fillRef idx="3">
+            <a:schemeClr val="accent1"/>
+          </a:fillRef>
+          <a:effectRef idx="2">
+            <a:schemeClr val="accent1"/>
+          </a:effectRef>
+          <a:fontRef idx="minor">
+            <a:schemeClr val="lt1"/>
+          </a:fontRef>
+        </p:style>
+        <p:txBody>
+          <a:bodyPr rtlCol="0" anchor="ctr"/>
+          <a:lstStyle/>
+          <a:p>
+            <a:pPr algn="ctr"/>
+            <a:r>
+              <a:rPr lang="en-US" dirty="0"/>
+              <a:t>Model 1</a:t>
+            </a:r>
+          </a:p>
+        </p:txBody>
+      </p:sp>
+      <p:sp>
+        <p:nvSpPr>
+          <p:cNvPr id="48" name="Oval 47">
+            <a:extLst>
+              <a:ext uri="{FF2B5EF4-FFF2-40B4-BE49-F238E27FC236}">
+                <a16:creationId xmlns:a16="http://schemas.microsoft.com/office/drawing/2014/main" id="{3920A5E1-A851-1443-87E0-D74EB9798256}"/>
+              </a:ext>
+            </a:extLst>
+          </p:cNvPr>
+          <p:cNvSpPr/>
+          <p:nvPr/>
+        </p:nvSpPr>
+        <p:spPr>
+          <a:xfrm>
+            <a:off x="2667000" y="892480"/>
+            <a:ext cx="1828800" cy="533400"/>
+          </a:xfrm>
+          <a:prstGeom prst="ellipse">
+            <a:avLst/>
+          </a:prstGeom>
+        </p:spPr>
+        <p:style>
+          <a:lnRef idx="1">
+            <a:schemeClr val="accent1"/>
+          </a:lnRef>
+          <a:fillRef idx="3">
+            <a:schemeClr val="accent1"/>
+          </a:fillRef>
+          <a:effectRef idx="2">
+            <a:schemeClr val="accent1"/>
+          </a:effectRef>
+          <a:fontRef idx="minor">
+            <a:schemeClr val="lt1"/>
+          </a:fontRef>
+        </p:style>
+        <p:txBody>
+          <a:bodyPr rtlCol="0" anchor="ctr"/>
+          <a:lstStyle/>
+          <a:p>
+            <a:pPr algn="ctr"/>
+            <a:r>
+              <a:rPr lang="en-US" dirty="0"/>
+              <a:t>Model 100</a:t>
+            </a:r>
+          </a:p>
+        </p:txBody>
+      </p:sp>
+      <p:sp>
+        <p:nvSpPr>
+          <p:cNvPr id="49" name="Oval 48">
+            <a:extLst>
+              <a:ext uri="{FF2B5EF4-FFF2-40B4-BE49-F238E27FC236}">
+                <a16:creationId xmlns:a16="http://schemas.microsoft.com/office/drawing/2014/main" id="{E8EC15B3-25C7-344B-BB55-7D820E5BCF32}"/>
+              </a:ext>
+            </a:extLst>
+          </p:cNvPr>
+          <p:cNvSpPr/>
+          <p:nvPr/>
+        </p:nvSpPr>
+        <p:spPr>
+          <a:xfrm>
+            <a:off x="1981200" y="1143000"/>
+            <a:ext cx="91440" cy="91440"/>
+          </a:xfrm>
+          <a:prstGeom prst="ellipse">
+            <a:avLst/>
+          </a:prstGeom>
+          <a:solidFill>
+            <a:schemeClr val="tx1"/>
+          </a:solidFill>
+          <a:ln>
+            <a:noFill/>
+          </a:ln>
+          <a:effectLst>
+            <a:outerShdw dist="23000" sx="1000" sy="1000" rotWithShape="0">
+              <a:srgbClr val="000000"/>
+            </a:outerShdw>
+          </a:effectLst>
+        </p:spPr>
+        <p:style>
+          <a:lnRef idx="1">
+            <a:schemeClr val="accent1"/>
+          </a:lnRef>
+          <a:fillRef idx="3">
+            <a:schemeClr val="accent1"/>
+          </a:fillRef>
+          <a:effectRef idx="2">
+            <a:schemeClr val="accent1"/>
+          </a:effectRef>
+          <a:fontRef idx="minor">
+            <a:schemeClr val="lt1"/>
+          </a:fontRef>
+        </p:style>
+        <p:txBody>
+          <a:bodyPr rtlCol="0" anchor="ctr"/>
+          <a:lstStyle/>
+          <a:p>
+            <a:pPr algn="ctr"/>
+            <a:endParaRPr lang="en-US"/>
+          </a:p>
+        </p:txBody>
+      </p:sp>
+      <p:sp>
+        <p:nvSpPr>
+          <p:cNvPr id="50" name="Oval 49">
+            <a:extLst>
+              <a:ext uri="{FF2B5EF4-FFF2-40B4-BE49-F238E27FC236}">
+                <a16:creationId xmlns:a16="http://schemas.microsoft.com/office/drawing/2014/main" id="{453926B4-DE32-D242-8943-7E94211E59D7}"/>
+              </a:ext>
+            </a:extLst>
+          </p:cNvPr>
+          <p:cNvSpPr/>
+          <p:nvPr/>
+        </p:nvSpPr>
+        <p:spPr>
+          <a:xfrm>
+            <a:off x="2194560" y="1143000"/>
+            <a:ext cx="91440" cy="91440"/>
+          </a:xfrm>
+          <a:prstGeom prst="ellipse">
+            <a:avLst/>
+          </a:prstGeom>
+          <a:solidFill>
+            <a:schemeClr val="tx1"/>
+          </a:solidFill>
+          <a:ln>
+            <a:noFill/>
+          </a:ln>
+          <a:effectLst>
+            <a:outerShdw dist="23000" sx="1000" sy="1000" rotWithShape="0">
+              <a:srgbClr val="000000"/>
+            </a:outerShdw>
+          </a:effectLst>
+        </p:spPr>
+        <p:style>
+          <a:lnRef idx="1">
+            <a:schemeClr val="accent1"/>
+          </a:lnRef>
+          <a:fillRef idx="3">
+            <a:schemeClr val="accent1"/>
+          </a:fillRef>
+          <a:effectRef idx="2">
+            <a:schemeClr val="accent1"/>
+          </a:effectRef>
+          <a:fontRef idx="minor">
+            <a:schemeClr val="lt1"/>
+          </a:fontRef>
+        </p:style>
+        <p:txBody>
+          <a:bodyPr rtlCol="0" anchor="ctr"/>
+          <a:lstStyle/>
+          <a:p>
+            <a:pPr algn="ctr"/>
+            <a:endParaRPr lang="en-US"/>
+          </a:p>
+        </p:txBody>
+      </p:sp>
+      <p:sp>
+        <p:nvSpPr>
+          <p:cNvPr id="51" name="Oval 50">
+            <a:extLst>
+              <a:ext uri="{FF2B5EF4-FFF2-40B4-BE49-F238E27FC236}">
+                <a16:creationId xmlns:a16="http://schemas.microsoft.com/office/drawing/2014/main" id="{73D9A942-17E7-104F-90B1-29BF017C1576}"/>
+              </a:ext>
+            </a:extLst>
+          </p:cNvPr>
+          <p:cNvSpPr/>
+          <p:nvPr/>
+        </p:nvSpPr>
+        <p:spPr>
+          <a:xfrm>
+            <a:off x="2423160" y="1143000"/>
+            <a:ext cx="91440" cy="91440"/>
+          </a:xfrm>
+          <a:prstGeom prst="ellipse">
+            <a:avLst/>
+          </a:prstGeom>
+          <a:solidFill>
+            <a:schemeClr val="tx1"/>
+          </a:solidFill>
+          <a:ln>
+            <a:noFill/>
+          </a:ln>
+          <a:effectLst>
+            <a:outerShdw dist="23000" sx="1000" sy="1000" rotWithShape="0">
+              <a:srgbClr val="000000"/>
+            </a:outerShdw>
+          </a:effectLst>
+        </p:spPr>
+        <p:style>
+          <a:lnRef idx="1">
+            <a:schemeClr val="accent1"/>
+          </a:lnRef>
+          <a:fillRef idx="3">
+            <a:schemeClr val="accent1"/>
+          </a:fillRef>
+          <a:effectRef idx="2">
+            <a:schemeClr val="accent1"/>
+          </a:effectRef>
+          <a:fontRef idx="minor">
+            <a:schemeClr val="lt1"/>
+          </a:fontRef>
+        </p:style>
+        <p:txBody>
+          <a:bodyPr rtlCol="0" anchor="ctr"/>
+          <a:lstStyle/>
+          <a:p>
+            <a:pPr algn="ctr"/>
+            <a:endParaRPr lang="en-US"/>
+          </a:p>
+        </p:txBody>
+      </p:sp>
+      <p:sp>
+        <p:nvSpPr>
+          <p:cNvPr id="52" name="TextBox 51">
+            <a:extLst>
+              <a:ext uri="{FF2B5EF4-FFF2-40B4-BE49-F238E27FC236}">
+                <a16:creationId xmlns:a16="http://schemas.microsoft.com/office/drawing/2014/main" id="{4DA2CEFB-3117-F140-BC06-BCA2A242F402}"/>
               </a:ext>
             </a:extLst>
           </p:cNvPr>
@@ -6170,8 +13327,8 @@
         </p:nvSpPr>
         <p:spPr>
           <a:xfrm>
-            <a:off x="5181600" y="4724400"/>
-            <a:ext cx="1409360" cy="1631216"/>
+            <a:off x="6365828" y="4844962"/>
+            <a:ext cx="2320972" cy="646331"/>
           </a:xfrm>
           <a:prstGeom prst="rect">
             <a:avLst/>
@@ -6183,146 +13340,742 @@
           </a:solidFill>
         </p:spPr>
         <p:txBody>
-          <a:bodyPr wrap="none" rtlCol="0">
+          <a:bodyPr wrap="square" rtlCol="0">
             <a:spAutoFit/>
           </a:bodyPr>
           <a:lstStyle/>
           <a:p>
             <a:r>
-              <a:rPr lang="en-US" sz="2000" dirty="0"/>
-              <a:t>1H6, 1H8, </a:t>
-            </a:r>
-          </a:p>
-          <a:p>
-            <a:r>
-              <a:rPr lang="en-US" sz="2000" dirty="0"/>
-              <a:t>2H4, </a:t>
-            </a:r>
-          </a:p>
-          <a:p>
-            <a:r>
-              <a:rPr lang="en-US" sz="2000" dirty="0"/>
-              <a:t>4A1, 4A2</a:t>
-            </a:r>
-          </a:p>
-          <a:p>
-            <a:r>
-              <a:rPr lang="en-US" sz="2000" dirty="0"/>
-              <a:t>6A3</a:t>
-            </a:r>
-          </a:p>
-          <a:p>
-            <a:r>
-              <a:rPr lang="en-US" sz="2000" dirty="0"/>
-              <a:t>7A6</a:t>
-            </a:r>
-          </a:p>
-        </p:txBody>
-      </p:sp>
-      <mc:AlternateContent xmlns:mc="http://schemas.openxmlformats.org/markup-compatibility/2006">
-        <mc:Choice xmlns:a14="http://schemas.microsoft.com/office/drawing/2010/main" Requires="a14">
-          <p:sp>
-            <p:nvSpPr>
-              <p:cNvPr id="13" name="Rectangle 12">
-                <a:extLst>
-                  <a:ext uri="{FF2B5EF4-FFF2-40B4-BE49-F238E27FC236}">
-                    <a16:creationId xmlns:a16="http://schemas.microsoft.com/office/drawing/2014/main" id="{CC1616B0-E8E8-2C43-B8DC-F33F31208708}"/>
-                  </a:ext>
-                </a:extLst>
-              </p:cNvPr>
-              <p:cNvSpPr/>
-              <p:nvPr/>
-            </p:nvSpPr>
-            <p:spPr>
-              <a:xfrm>
-                <a:off x="4191000" y="5105400"/>
-                <a:ext cx="710451" cy="707886"/>
-              </a:xfrm>
-              <a:prstGeom prst="rect">
-                <a:avLst/>
-              </a:prstGeom>
-            </p:spPr>
-            <p:txBody>
-              <a:bodyPr wrap="none">
-                <a:spAutoFit/>
-              </a:bodyPr>
-              <a:lstStyle/>
-              <a:p>
-                <a14:m>
-                  <m:oMathPara xmlns:m="http://schemas.openxmlformats.org/officeDocument/2006/math">
-                    <m:oMathParaPr>
-                      <m:jc m:val="centerGroup"/>
-                    </m:oMathParaPr>
-                    <m:oMath xmlns:m="http://schemas.openxmlformats.org/officeDocument/2006/math">
-                      <m:r>
-                        <a:rPr lang="en-US" sz="4000" i="1">
-                          <a:latin typeface="Cambria Math" panose="02040503050406030204" pitchFamily="18" charset="0"/>
-                        </a:rPr>
-                        <m:t>≡</m:t>
-                      </m:r>
-                    </m:oMath>
-                  </m:oMathPara>
-                </a14:m>
-                <a:endParaRPr lang="en-US" sz="4000" dirty="0"/>
-              </a:p>
-            </p:txBody>
-          </p:sp>
-        </mc:Choice>
-        <mc:Fallback>
-          <p:sp>
-            <p:nvSpPr>
-              <p:cNvPr id="13" name="Rectangle 12">
-                <a:extLst>
-                  <a:ext uri="{FF2B5EF4-FFF2-40B4-BE49-F238E27FC236}">
-                    <a16:creationId xmlns:a16="http://schemas.microsoft.com/office/drawing/2014/main" id="{CC1616B0-E8E8-2C43-B8DC-F33F31208708}"/>
-                  </a:ext>
-                </a:extLst>
-              </p:cNvPr>
-              <p:cNvSpPr>
-                <a:spLocks noRot="1" noChangeAspect="1" noMove="1" noResize="1" noEditPoints="1" noAdjustHandles="1" noChangeArrowheads="1" noChangeShapeType="1" noTextEdit="1"/>
-              </p:cNvSpPr>
-              <p:nvPr/>
-            </p:nvSpPr>
-            <p:spPr>
-              <a:xfrm>
-                <a:off x="4191000" y="5105400"/>
-                <a:ext cx="710451" cy="707886"/>
-              </a:xfrm>
-              <a:prstGeom prst="rect">
-                <a:avLst/>
-              </a:prstGeom>
-              <a:blipFill>
-                <a:blip r:embed="rId4"/>
-                <a:stretch>
-                  <a:fillRect/>
-                </a:stretch>
-              </a:blipFill>
-            </p:spPr>
-            <p:txBody>
-              <a:bodyPr/>
-              <a:lstStyle/>
-              <a:p>
-                <a:r>
-                  <a:rPr lang="en-US">
-                    <a:noFill/>
-                  </a:rPr>
-                  <a:t> </a:t>
-                </a:r>
-              </a:p>
-            </p:txBody>
-          </p:sp>
-        </mc:Fallback>
-      </mc:AlternateContent>
+              <a:rPr lang="en-US" dirty="0"/>
+              <a:t>You will investigate many, many models.</a:t>
+            </a:r>
+          </a:p>
+        </p:txBody>
+      </p:sp>
+      <p:cxnSp>
+        <p:nvCxnSpPr>
+          <p:cNvPr id="54" name="Elbow Connector 53">
+            <a:extLst>
+              <a:ext uri="{FF2B5EF4-FFF2-40B4-BE49-F238E27FC236}">
+                <a16:creationId xmlns:a16="http://schemas.microsoft.com/office/drawing/2014/main" id="{7A8EC9FD-E55A-EC49-B2C7-4E99892A3662}"/>
+              </a:ext>
+            </a:extLst>
+          </p:cNvPr>
+          <p:cNvCxnSpPr>
+            <a:stCxn id="47" idx="4"/>
+            <a:endCxn id="7" idx="3"/>
+          </p:cNvCxnSpPr>
+          <p:nvPr/>
+        </p:nvCxnSpPr>
+        <p:spPr>
+          <a:xfrm rot="16200000" flipH="1">
+            <a:off x="1646716" y="954620"/>
+            <a:ext cx="1039237" cy="2046668"/>
+          </a:xfrm>
+          <a:prstGeom prst="bentConnector4">
+            <a:avLst>
+              <a:gd name="adj1" fmla="val 37168"/>
+              <a:gd name="adj2" fmla="val 111169"/>
+            </a:avLst>
+          </a:prstGeom>
+          <a:ln>
+            <a:tailEnd type="triangle"/>
+          </a:ln>
+        </p:spPr>
+        <p:style>
+          <a:lnRef idx="2">
+            <a:schemeClr val="accent1"/>
+          </a:lnRef>
+          <a:fillRef idx="0">
+            <a:schemeClr val="accent1"/>
+          </a:fillRef>
+          <a:effectRef idx="1">
+            <a:schemeClr val="accent1"/>
+          </a:effectRef>
+          <a:fontRef idx="minor">
+            <a:schemeClr val="tx1"/>
+          </a:fontRef>
+        </p:style>
+      </p:cxnSp>
+      <p:cxnSp>
+        <p:nvCxnSpPr>
+          <p:cNvPr id="56" name="Elbow Connector 55">
+            <a:extLst>
+              <a:ext uri="{FF2B5EF4-FFF2-40B4-BE49-F238E27FC236}">
+                <a16:creationId xmlns:a16="http://schemas.microsoft.com/office/drawing/2014/main" id="{76BE5E0F-2A45-EB4E-8AA6-901670218044}"/>
+              </a:ext>
+            </a:extLst>
+          </p:cNvPr>
+          <p:cNvCxnSpPr>
+            <a:stCxn id="48" idx="4"/>
+            <a:endCxn id="7" idx="3"/>
+          </p:cNvCxnSpPr>
+          <p:nvPr/>
+        </p:nvCxnSpPr>
+        <p:spPr>
+          <a:xfrm rot="5400000">
+            <a:off x="2849688" y="1765860"/>
+            <a:ext cx="1071693" cy="391732"/>
+          </a:xfrm>
+          <a:prstGeom prst="bentConnector2">
+            <a:avLst/>
+          </a:prstGeom>
+          <a:ln>
+            <a:tailEnd type="triangle"/>
+          </a:ln>
+        </p:spPr>
+        <p:style>
+          <a:lnRef idx="2">
+            <a:schemeClr val="accent1"/>
+          </a:lnRef>
+          <a:fillRef idx="0">
+            <a:schemeClr val="accent1"/>
+          </a:fillRef>
+          <a:effectRef idx="1">
+            <a:schemeClr val="accent1"/>
+          </a:effectRef>
+          <a:fontRef idx="minor">
+            <a:schemeClr val="tx1"/>
+          </a:fontRef>
+        </p:style>
+      </p:cxnSp>
     </p:spTree>
     <p:extLst>
       <p:ext uri="{BB962C8B-B14F-4D97-AF65-F5344CB8AC3E}">
-        <p14:creationId xmlns:p14="http://schemas.microsoft.com/office/powerpoint/2010/main" val="552433153"/>
+        <p14:creationId xmlns:p14="http://schemas.microsoft.com/office/powerpoint/2010/main" val="258129023"/>
       </p:ext>
     </p:extLst>
   </p:cSld>
   <p:clrMapOvr>
     <a:masterClrMapping/>
   </p:clrMapOvr>
+  <p:timing>
+    <p:tnLst>
+      <p:par>
+        <p:cTn id="1" dur="indefinite" restart="never" nodeType="tmRoot">
+          <p:childTnLst>
+            <p:seq concurrent="1" nextAc="seek">
+              <p:cTn id="2" dur="indefinite" nodeType="mainSeq">
+                <p:childTnLst>
+                  <p:par>
+                    <p:cTn id="3" fill="hold">
+                      <p:stCondLst>
+                        <p:cond delay="indefinite"/>
+                      </p:stCondLst>
+                      <p:childTnLst>
+                        <p:par>
+                          <p:cTn id="4" fill="hold">
+                            <p:stCondLst>
+                              <p:cond delay="0"/>
+                            </p:stCondLst>
+                            <p:childTnLst>
+                              <p:par>
+                                <p:cTn id="5" presetID="1" presetClass="entr" presetSubtype="0" fill="hold" grpId="0" nodeType="clickEffect">
+                                  <p:stCondLst>
+                                    <p:cond delay="0"/>
+                                  </p:stCondLst>
+                                  <p:childTnLst>
+                                    <p:set>
+                                      <p:cBhvr>
+                                        <p:cTn id="6" dur="1" fill="hold">
+                                          <p:stCondLst>
+                                            <p:cond delay="0"/>
+                                          </p:stCondLst>
+                                        </p:cTn>
+                                        <p:tgtEl>
+                                          <p:spTgt spid="7"/>
+                                        </p:tgtEl>
+                                        <p:attrNameLst>
+                                          <p:attrName>style.visibility</p:attrName>
+                                        </p:attrNameLst>
+                                      </p:cBhvr>
+                                      <p:to>
+                                        <p:strVal val="visible"/>
+                                      </p:to>
+                                    </p:set>
+                                  </p:childTnLst>
+                                </p:cTn>
+                              </p:par>
+                            </p:childTnLst>
+                          </p:cTn>
+                        </p:par>
+                      </p:childTnLst>
+                    </p:cTn>
+                  </p:par>
+                  <p:par>
+                    <p:cTn id="7" fill="hold">
+                      <p:stCondLst>
+                        <p:cond delay="indefinite"/>
+                      </p:stCondLst>
+                      <p:childTnLst>
+                        <p:par>
+                          <p:cTn id="8" fill="hold">
+                            <p:stCondLst>
+                              <p:cond delay="0"/>
+                            </p:stCondLst>
+                            <p:childTnLst>
+                              <p:par>
+                                <p:cTn id="9" presetID="1" presetClass="entr" presetSubtype="0" fill="hold" nodeType="clickEffect">
+                                  <p:stCondLst>
+                                    <p:cond delay="0"/>
+                                  </p:stCondLst>
+                                  <p:childTnLst>
+                                    <p:set>
+                                      <p:cBhvr>
+                                        <p:cTn id="10" dur="1" fill="hold">
+                                          <p:stCondLst>
+                                            <p:cond delay="0"/>
+                                          </p:stCondLst>
+                                        </p:cTn>
+                                        <p:tgtEl>
+                                          <p:spTgt spid="14"/>
+                                        </p:tgtEl>
+                                        <p:attrNameLst>
+                                          <p:attrName>style.visibility</p:attrName>
+                                        </p:attrNameLst>
+                                      </p:cBhvr>
+                                      <p:to>
+                                        <p:strVal val="visible"/>
+                                      </p:to>
+                                    </p:set>
+                                  </p:childTnLst>
+                                </p:cTn>
+                              </p:par>
+                              <p:par>
+                                <p:cTn id="11" presetID="1" presetClass="entr" presetSubtype="0" fill="hold" grpId="0" nodeType="withEffect">
+                                  <p:stCondLst>
+                                    <p:cond delay="0"/>
+                                  </p:stCondLst>
+                                  <p:childTnLst>
+                                    <p:set>
+                                      <p:cBhvr>
+                                        <p:cTn id="12" dur="1" fill="hold">
+                                          <p:stCondLst>
+                                            <p:cond delay="0"/>
+                                          </p:stCondLst>
+                                        </p:cTn>
+                                        <p:tgtEl>
+                                          <p:spTgt spid="10"/>
+                                        </p:tgtEl>
+                                        <p:attrNameLst>
+                                          <p:attrName>style.visibility</p:attrName>
+                                        </p:attrNameLst>
+                                      </p:cBhvr>
+                                      <p:to>
+                                        <p:strVal val="visible"/>
+                                      </p:to>
+                                    </p:set>
+                                  </p:childTnLst>
+                                </p:cTn>
+                              </p:par>
+                              <p:par>
+                                <p:cTn id="13" presetID="1" presetClass="entr" presetSubtype="0" fill="hold" nodeType="withEffect">
+                                  <p:stCondLst>
+                                    <p:cond delay="0"/>
+                                  </p:stCondLst>
+                                  <p:childTnLst>
+                                    <p:set>
+                                      <p:cBhvr>
+                                        <p:cTn id="14" dur="1" fill="hold">
+                                          <p:stCondLst>
+                                            <p:cond delay="0"/>
+                                          </p:stCondLst>
+                                        </p:cTn>
+                                        <p:tgtEl>
+                                          <p:spTgt spid="24"/>
+                                        </p:tgtEl>
+                                        <p:attrNameLst>
+                                          <p:attrName>style.visibility</p:attrName>
+                                        </p:attrNameLst>
+                                      </p:cBhvr>
+                                      <p:to>
+                                        <p:strVal val="visible"/>
+                                      </p:to>
+                                    </p:set>
+                                  </p:childTnLst>
+                                </p:cTn>
+                              </p:par>
+                            </p:childTnLst>
+                          </p:cTn>
+                        </p:par>
+                      </p:childTnLst>
+                    </p:cTn>
+                  </p:par>
+                  <p:par>
+                    <p:cTn id="15" fill="hold">
+                      <p:stCondLst>
+                        <p:cond delay="indefinite"/>
+                      </p:stCondLst>
+                      <p:childTnLst>
+                        <p:par>
+                          <p:cTn id="16" fill="hold">
+                            <p:stCondLst>
+                              <p:cond delay="0"/>
+                            </p:stCondLst>
+                            <p:childTnLst>
+                              <p:par>
+                                <p:cTn id="17" presetID="1" presetClass="entr" presetSubtype="0" fill="hold" nodeType="clickEffect">
+                                  <p:stCondLst>
+                                    <p:cond delay="0"/>
+                                  </p:stCondLst>
+                                  <p:childTnLst>
+                                    <p:set>
+                                      <p:cBhvr>
+                                        <p:cTn id="18" dur="1" fill="hold">
+                                          <p:stCondLst>
+                                            <p:cond delay="0"/>
+                                          </p:stCondLst>
+                                        </p:cTn>
+                                        <p:tgtEl>
+                                          <p:spTgt spid="18"/>
+                                        </p:tgtEl>
+                                        <p:attrNameLst>
+                                          <p:attrName>style.visibility</p:attrName>
+                                        </p:attrNameLst>
+                                      </p:cBhvr>
+                                      <p:to>
+                                        <p:strVal val="visible"/>
+                                      </p:to>
+                                    </p:set>
+                                  </p:childTnLst>
+                                </p:cTn>
+                              </p:par>
+                              <p:par>
+                                <p:cTn id="19" presetID="1" presetClass="entr" presetSubtype="0" fill="hold" grpId="0" nodeType="withEffect">
+                                  <p:stCondLst>
+                                    <p:cond delay="0"/>
+                                  </p:stCondLst>
+                                  <p:childTnLst>
+                                    <p:set>
+                                      <p:cBhvr>
+                                        <p:cTn id="20" dur="1" fill="hold">
+                                          <p:stCondLst>
+                                            <p:cond delay="0"/>
+                                          </p:stCondLst>
+                                        </p:cTn>
+                                        <p:tgtEl>
+                                          <p:spTgt spid="5"/>
+                                        </p:tgtEl>
+                                        <p:attrNameLst>
+                                          <p:attrName>style.visibility</p:attrName>
+                                        </p:attrNameLst>
+                                      </p:cBhvr>
+                                      <p:to>
+                                        <p:strVal val="visible"/>
+                                      </p:to>
+                                    </p:set>
+                                  </p:childTnLst>
+                                </p:cTn>
+                              </p:par>
+                            </p:childTnLst>
+                          </p:cTn>
+                        </p:par>
+                      </p:childTnLst>
+                    </p:cTn>
+                  </p:par>
+                  <p:par>
+                    <p:cTn id="21" fill="hold">
+                      <p:stCondLst>
+                        <p:cond delay="indefinite"/>
+                      </p:stCondLst>
+                      <p:childTnLst>
+                        <p:par>
+                          <p:cTn id="22" fill="hold">
+                            <p:stCondLst>
+                              <p:cond delay="0"/>
+                            </p:stCondLst>
+                            <p:childTnLst>
+                              <p:par>
+                                <p:cTn id="23" presetID="1" presetClass="entr" presetSubtype="0" fill="hold" nodeType="clickEffect">
+                                  <p:stCondLst>
+                                    <p:cond delay="0"/>
+                                  </p:stCondLst>
+                                  <p:childTnLst>
+                                    <p:set>
+                                      <p:cBhvr>
+                                        <p:cTn id="24" dur="1" fill="hold">
+                                          <p:stCondLst>
+                                            <p:cond delay="0"/>
+                                          </p:stCondLst>
+                                        </p:cTn>
+                                        <p:tgtEl>
+                                          <p:spTgt spid="12"/>
+                                        </p:tgtEl>
+                                        <p:attrNameLst>
+                                          <p:attrName>style.visibility</p:attrName>
+                                        </p:attrNameLst>
+                                      </p:cBhvr>
+                                      <p:to>
+                                        <p:strVal val="visible"/>
+                                      </p:to>
+                                    </p:set>
+                                  </p:childTnLst>
+                                </p:cTn>
+                              </p:par>
+                            </p:childTnLst>
+                          </p:cTn>
+                        </p:par>
+                      </p:childTnLst>
+                    </p:cTn>
+                  </p:par>
+                  <p:par>
+                    <p:cTn id="25" fill="hold">
+                      <p:stCondLst>
+                        <p:cond delay="indefinite"/>
+                      </p:stCondLst>
+                      <p:childTnLst>
+                        <p:par>
+                          <p:cTn id="26" fill="hold">
+                            <p:stCondLst>
+                              <p:cond delay="0"/>
+                            </p:stCondLst>
+                            <p:childTnLst>
+                              <p:par>
+                                <p:cTn id="27" presetID="1" presetClass="entr" presetSubtype="0" fill="hold" nodeType="clickEffect">
+                                  <p:stCondLst>
+                                    <p:cond delay="0"/>
+                                  </p:stCondLst>
+                                  <p:childTnLst>
+                                    <p:set>
+                                      <p:cBhvr>
+                                        <p:cTn id="28" dur="1" fill="hold">
+                                          <p:stCondLst>
+                                            <p:cond delay="0"/>
+                                          </p:stCondLst>
+                                        </p:cTn>
+                                        <p:tgtEl>
+                                          <p:spTgt spid="23"/>
+                                        </p:tgtEl>
+                                        <p:attrNameLst>
+                                          <p:attrName>style.visibility</p:attrName>
+                                        </p:attrNameLst>
+                                      </p:cBhvr>
+                                      <p:to>
+                                        <p:strVal val="visible"/>
+                                      </p:to>
+                                    </p:set>
+                                  </p:childTnLst>
+                                </p:cTn>
+                              </p:par>
+                              <p:par>
+                                <p:cTn id="29" presetID="1" presetClass="entr" presetSubtype="0" fill="hold" grpId="0" nodeType="withEffect">
+                                  <p:stCondLst>
+                                    <p:cond delay="0"/>
+                                  </p:stCondLst>
+                                  <p:childTnLst>
+                                    <p:set>
+                                      <p:cBhvr>
+                                        <p:cTn id="30" dur="1" fill="hold">
+                                          <p:stCondLst>
+                                            <p:cond delay="0"/>
+                                          </p:stCondLst>
+                                        </p:cTn>
+                                        <p:tgtEl>
+                                          <p:spTgt spid="21"/>
+                                        </p:tgtEl>
+                                        <p:attrNameLst>
+                                          <p:attrName>style.visibility</p:attrName>
+                                        </p:attrNameLst>
+                                      </p:cBhvr>
+                                      <p:to>
+                                        <p:strVal val="visible"/>
+                                      </p:to>
+                                    </p:set>
+                                  </p:childTnLst>
+                                </p:cTn>
+                              </p:par>
+                            </p:childTnLst>
+                          </p:cTn>
+                        </p:par>
+                      </p:childTnLst>
+                    </p:cTn>
+                  </p:par>
+                  <p:par>
+                    <p:cTn id="31" fill="hold">
+                      <p:stCondLst>
+                        <p:cond delay="indefinite"/>
+                      </p:stCondLst>
+                      <p:childTnLst>
+                        <p:par>
+                          <p:cTn id="32" fill="hold">
+                            <p:stCondLst>
+                              <p:cond delay="0"/>
+                            </p:stCondLst>
+                            <p:childTnLst>
+                              <p:par>
+                                <p:cTn id="33" presetID="1" presetClass="entr" presetSubtype="0" fill="hold" grpId="0" nodeType="clickEffect">
+                                  <p:stCondLst>
+                                    <p:cond delay="0"/>
+                                  </p:stCondLst>
+                                  <p:childTnLst>
+                                    <p:set>
+                                      <p:cBhvr>
+                                        <p:cTn id="34" dur="1" fill="hold">
+                                          <p:stCondLst>
+                                            <p:cond delay="0"/>
+                                          </p:stCondLst>
+                                        </p:cTn>
+                                        <p:tgtEl>
+                                          <p:spTgt spid="47"/>
+                                        </p:tgtEl>
+                                        <p:attrNameLst>
+                                          <p:attrName>style.visibility</p:attrName>
+                                        </p:attrNameLst>
+                                      </p:cBhvr>
+                                      <p:to>
+                                        <p:strVal val="visible"/>
+                                      </p:to>
+                                    </p:set>
+                                  </p:childTnLst>
+                                </p:cTn>
+                              </p:par>
+                              <p:par>
+                                <p:cTn id="35" presetID="1" presetClass="entr" presetSubtype="0" fill="hold" grpId="0" nodeType="withEffect">
+                                  <p:stCondLst>
+                                    <p:cond delay="0"/>
+                                  </p:stCondLst>
+                                  <p:childTnLst>
+                                    <p:set>
+                                      <p:cBhvr>
+                                        <p:cTn id="36" dur="1" fill="hold">
+                                          <p:stCondLst>
+                                            <p:cond delay="0"/>
+                                          </p:stCondLst>
+                                        </p:cTn>
+                                        <p:tgtEl>
+                                          <p:spTgt spid="48"/>
+                                        </p:tgtEl>
+                                        <p:attrNameLst>
+                                          <p:attrName>style.visibility</p:attrName>
+                                        </p:attrNameLst>
+                                      </p:cBhvr>
+                                      <p:to>
+                                        <p:strVal val="visible"/>
+                                      </p:to>
+                                    </p:set>
+                                  </p:childTnLst>
+                                </p:cTn>
+                              </p:par>
+                              <p:par>
+                                <p:cTn id="37" presetID="1" presetClass="entr" presetSubtype="0" fill="hold" grpId="0" nodeType="withEffect">
+                                  <p:stCondLst>
+                                    <p:cond delay="0"/>
+                                  </p:stCondLst>
+                                  <p:childTnLst>
+                                    <p:set>
+                                      <p:cBhvr>
+                                        <p:cTn id="38" dur="1" fill="hold">
+                                          <p:stCondLst>
+                                            <p:cond delay="0"/>
+                                          </p:stCondLst>
+                                        </p:cTn>
+                                        <p:tgtEl>
+                                          <p:spTgt spid="49"/>
+                                        </p:tgtEl>
+                                        <p:attrNameLst>
+                                          <p:attrName>style.visibility</p:attrName>
+                                        </p:attrNameLst>
+                                      </p:cBhvr>
+                                      <p:to>
+                                        <p:strVal val="visible"/>
+                                      </p:to>
+                                    </p:set>
+                                  </p:childTnLst>
+                                </p:cTn>
+                              </p:par>
+                              <p:par>
+                                <p:cTn id="39" presetID="1" presetClass="entr" presetSubtype="0" fill="hold" grpId="0" nodeType="withEffect">
+                                  <p:stCondLst>
+                                    <p:cond delay="0"/>
+                                  </p:stCondLst>
+                                  <p:childTnLst>
+                                    <p:set>
+                                      <p:cBhvr>
+                                        <p:cTn id="40" dur="1" fill="hold">
+                                          <p:stCondLst>
+                                            <p:cond delay="0"/>
+                                          </p:stCondLst>
+                                        </p:cTn>
+                                        <p:tgtEl>
+                                          <p:spTgt spid="50"/>
+                                        </p:tgtEl>
+                                        <p:attrNameLst>
+                                          <p:attrName>style.visibility</p:attrName>
+                                        </p:attrNameLst>
+                                      </p:cBhvr>
+                                      <p:to>
+                                        <p:strVal val="visible"/>
+                                      </p:to>
+                                    </p:set>
+                                  </p:childTnLst>
+                                </p:cTn>
+                              </p:par>
+                              <p:par>
+                                <p:cTn id="41" presetID="1" presetClass="entr" presetSubtype="0" fill="hold" grpId="0" nodeType="withEffect">
+                                  <p:stCondLst>
+                                    <p:cond delay="0"/>
+                                  </p:stCondLst>
+                                  <p:childTnLst>
+                                    <p:set>
+                                      <p:cBhvr>
+                                        <p:cTn id="42" dur="1" fill="hold">
+                                          <p:stCondLst>
+                                            <p:cond delay="0"/>
+                                          </p:stCondLst>
+                                        </p:cTn>
+                                        <p:tgtEl>
+                                          <p:spTgt spid="51"/>
+                                        </p:tgtEl>
+                                        <p:attrNameLst>
+                                          <p:attrName>style.visibility</p:attrName>
+                                        </p:attrNameLst>
+                                      </p:cBhvr>
+                                      <p:to>
+                                        <p:strVal val="visible"/>
+                                      </p:to>
+                                    </p:set>
+                                  </p:childTnLst>
+                                </p:cTn>
+                              </p:par>
+                              <p:par>
+                                <p:cTn id="43" presetID="1" presetClass="entr" presetSubtype="0" fill="hold" nodeType="withEffect">
+                                  <p:stCondLst>
+                                    <p:cond delay="0"/>
+                                  </p:stCondLst>
+                                  <p:childTnLst>
+                                    <p:set>
+                                      <p:cBhvr>
+                                        <p:cTn id="44" dur="1" fill="hold">
+                                          <p:stCondLst>
+                                            <p:cond delay="0"/>
+                                          </p:stCondLst>
+                                        </p:cTn>
+                                        <p:tgtEl>
+                                          <p:spTgt spid="56"/>
+                                        </p:tgtEl>
+                                        <p:attrNameLst>
+                                          <p:attrName>style.visibility</p:attrName>
+                                        </p:attrNameLst>
+                                      </p:cBhvr>
+                                      <p:to>
+                                        <p:strVal val="visible"/>
+                                      </p:to>
+                                    </p:set>
+                                  </p:childTnLst>
+                                </p:cTn>
+                              </p:par>
+                              <p:par>
+                                <p:cTn id="45" presetID="1" presetClass="entr" presetSubtype="0" fill="hold" nodeType="withEffect">
+                                  <p:stCondLst>
+                                    <p:cond delay="0"/>
+                                  </p:stCondLst>
+                                  <p:childTnLst>
+                                    <p:set>
+                                      <p:cBhvr>
+                                        <p:cTn id="46" dur="1" fill="hold">
+                                          <p:stCondLst>
+                                            <p:cond delay="0"/>
+                                          </p:stCondLst>
+                                        </p:cTn>
+                                        <p:tgtEl>
+                                          <p:spTgt spid="54"/>
+                                        </p:tgtEl>
+                                        <p:attrNameLst>
+                                          <p:attrName>style.visibility</p:attrName>
+                                        </p:attrNameLst>
+                                      </p:cBhvr>
+                                      <p:to>
+                                        <p:strVal val="visible"/>
+                                      </p:to>
+                                    </p:set>
+                                  </p:childTnLst>
+                                </p:cTn>
+                              </p:par>
+                            </p:childTnLst>
+                          </p:cTn>
+                        </p:par>
+                      </p:childTnLst>
+                    </p:cTn>
+                  </p:par>
+                  <p:par>
+                    <p:cTn id="47" fill="hold">
+                      <p:stCondLst>
+                        <p:cond delay="indefinite"/>
+                      </p:stCondLst>
+                      <p:childTnLst>
+                        <p:par>
+                          <p:cTn id="48" fill="hold">
+                            <p:stCondLst>
+                              <p:cond delay="0"/>
+                            </p:stCondLst>
+                            <p:childTnLst>
+                              <p:par>
+                                <p:cTn id="49" presetID="1" presetClass="entr" presetSubtype="0" fill="hold" grpId="0" nodeType="clickEffect">
+                                  <p:stCondLst>
+                                    <p:cond delay="0"/>
+                                  </p:stCondLst>
+                                  <p:childTnLst>
+                                    <p:set>
+                                      <p:cBhvr>
+                                        <p:cTn id="50" dur="1" fill="hold">
+                                          <p:stCondLst>
+                                            <p:cond delay="0"/>
+                                          </p:stCondLst>
+                                        </p:cTn>
+                                        <p:tgtEl>
+                                          <p:spTgt spid="52"/>
+                                        </p:tgtEl>
+                                        <p:attrNameLst>
+                                          <p:attrName>style.visibility</p:attrName>
+                                        </p:attrNameLst>
+                                      </p:cBhvr>
+                                      <p:to>
+                                        <p:strVal val="visible"/>
+                                      </p:to>
+                                    </p:set>
+                                  </p:childTnLst>
+                                </p:cTn>
+                              </p:par>
+                            </p:childTnLst>
+                          </p:cTn>
+                        </p:par>
+                      </p:childTnLst>
+                    </p:cTn>
+                  </p:par>
+                </p:childTnLst>
+              </p:cTn>
+              <p:prevCondLst>
+                <p:cond evt="onPrev" delay="0">
+                  <p:tgtEl>
+                    <p:sldTgt/>
+                  </p:tgtEl>
+                </p:cond>
+              </p:prevCondLst>
+              <p:nextCondLst>
+                <p:cond evt="onNext" delay="0">
+                  <p:tgtEl>
+                    <p:sldTgt/>
+                  </p:tgtEl>
+                </p:cond>
+              </p:nextCondLst>
+            </p:seq>
+          </p:childTnLst>
+        </p:cTn>
+      </p:par>
+    </p:tnLst>
+    <p:bldLst>
+      <p:bldP spid="5" grpId="0" animBg="1"/>
+      <p:bldP spid="7" grpId="0" animBg="1"/>
+      <p:bldP spid="10" grpId="0" animBg="1"/>
+      <p:bldP spid="21" grpId="0" animBg="1"/>
+      <p:bldP spid="47" grpId="0" animBg="1"/>
+      <p:bldP spid="48" grpId="0" animBg="1"/>
+      <p:bldP spid="49" grpId="0" animBg="1"/>
+      <p:bldP spid="50" grpId="0" animBg="1"/>
+      <p:bldP spid="51" grpId="0" animBg="1"/>
+      <p:bldP spid="52" grpId="0" animBg="1"/>
+    </p:bldLst>
+  </p:timing>
 </p:sld>
 </file>
 
@@ -6348,7 +14101,7 @@
           <p:cNvPr id="2" name="Title 1">
             <a:extLst>
               <a:ext uri="{FF2B5EF4-FFF2-40B4-BE49-F238E27FC236}">
-                <a16:creationId xmlns:a16="http://schemas.microsoft.com/office/drawing/2014/main" id="{91081C24-FD64-9449-B339-8455B8DC5114}"/>
+                <a16:creationId xmlns:a16="http://schemas.microsoft.com/office/drawing/2014/main" id="{8F944678-0C05-C443-9A29-F57A62704999}"/>
               </a:ext>
             </a:extLst>
           </p:cNvPr>
@@ -6365,18 +14118,19 @@
           <a:lstStyle/>
           <a:p>
             <a:r>
-              <a:rPr lang="en-US" dirty="0"/>
-              <a:t>Generating An Antimony Model From Text Representation</a:t>
-            </a:r>
-          </a:p>
-        </p:txBody>
-      </p:sp>
-      <p:sp>
-        <p:nvSpPr>
-          <p:cNvPr id="3" name="Content Placeholder 2">
+              <a:rPr lang="en-US" dirty="0" err="1"/>
+              <a:t>BioTapestry</a:t>
+            </a:r>
+            <a:endParaRPr lang="en-US" dirty="0"/>
+          </a:p>
+        </p:txBody>
+      </p:sp>
+      <p:sp>
+        <p:nvSpPr>
+          <p:cNvPr id="4" name="Content Placeholder 3">
             <a:extLst>
               <a:ext uri="{FF2B5EF4-FFF2-40B4-BE49-F238E27FC236}">
-                <a16:creationId xmlns:a16="http://schemas.microsoft.com/office/drawing/2014/main" id="{6F68D2D8-633D-5C4B-9862-9DC74A9404A7}"/>
+                <a16:creationId xmlns:a16="http://schemas.microsoft.com/office/drawing/2014/main" id="{C641A504-626A-0345-8957-22998BCF5DD3}"/>
               </a:ext>
             </a:extLst>
           </p:cNvPr>
@@ -6387,49 +14141,68 @@
             <p:ph idx="1"/>
           </p:nvPr>
         </p:nvSpPr>
-        <p:spPr/>
+        <p:spPr>
+          <a:xfrm>
+            <a:off x="5715000" y="1220922"/>
+            <a:ext cx="3124200" cy="4417878"/>
+          </a:xfrm>
+        </p:spPr>
         <p:txBody>
           <a:bodyPr/>
           <a:lstStyle/>
           <a:p>
-            <a:r>
-              <a:rPr lang="en-US" dirty="0"/>
-              <a:t>Scope</a:t>
-            </a:r>
-          </a:p>
-          <a:p>
-            <a:pPr lvl="1"/>
-            <a:r>
-              <a:rPr lang="en-US" dirty="0"/>
-              <a:t>Create kinetics expression</a:t>
-            </a:r>
-          </a:p>
-          <a:p>
-            <a:pPr lvl="1"/>
-            <a:r>
-              <a:rPr lang="en-US" dirty="0"/>
-              <a:t>Add constant initializations</a:t>
-            </a:r>
-          </a:p>
-          <a:p>
-            <a:pPr lvl="1"/>
-            <a:r>
-              <a:rPr lang="en-US" dirty="0"/>
-              <a:t>Check for constraints </a:t>
-            </a:r>
-            <a:r>
-              <a:rPr lang="en-US"/>
-              <a:t>on operators for Genes</a:t>
-            </a:r>
-          </a:p>
-        </p:txBody>
-      </p:sp>
-      <p:sp>
-        <p:nvSpPr>
-          <p:cNvPr id="4" name="Slide Number Placeholder 3">
+            <a:pPr marL="0" indent="0">
+              <a:buNone/>
+            </a:pPr>
+            <a:r>
+              <a:rPr lang="en-US" sz="2000" b="1" dirty="0"/>
+              <a:t>Appeal</a:t>
+            </a:r>
+          </a:p>
+          <a:p>
+            <a:r>
+              <a:rPr lang="en-US" sz="2000" dirty="0"/>
+              <a:t>Draw gene network</a:t>
+            </a:r>
+          </a:p>
+          <a:p>
+            <a:r>
+              <a:rPr lang="en-US" sz="2000" dirty="0"/>
+              <a:t>Generate SBML</a:t>
+            </a:r>
+          </a:p>
+          <a:p>
+            <a:pPr marL="0" indent="0">
+              <a:buNone/>
+            </a:pPr>
+            <a:r>
+              <a:rPr lang="en-US" sz="2000" b="1" dirty="0"/>
+              <a:t>Issues</a:t>
+            </a:r>
+          </a:p>
+          <a:p>
+            <a:r>
+              <a:rPr lang="en-US" sz="2000" dirty="0"/>
+              <a:t>Control over kinetics generated</a:t>
+            </a:r>
+          </a:p>
+          <a:p>
+            <a:r>
+              <a:rPr lang="en-US" sz="2000" dirty="0"/>
+              <a:t>Cannot construct new models programmatically</a:t>
+            </a:r>
+          </a:p>
+          <a:p>
+            <a:endParaRPr lang="en-US" sz="2000" dirty="0"/>
+          </a:p>
+        </p:txBody>
+      </p:sp>
+      <p:sp>
+        <p:nvSpPr>
+          <p:cNvPr id="3" name="Slide Number Placeholder 2">
             <a:extLst>
               <a:ext uri="{FF2B5EF4-FFF2-40B4-BE49-F238E27FC236}">
-                <a16:creationId xmlns:a16="http://schemas.microsoft.com/office/drawing/2014/main" id="{8082F16F-D09D-5D48-9EEA-8C378D39E09A}"/>
+                <a16:creationId xmlns:a16="http://schemas.microsoft.com/office/drawing/2014/main" id="{C967B6B5-289E-C141-83D6-378412AFE73F}"/>
               </a:ext>
             </a:extLst>
           </p:cNvPr>
@@ -6448,7 +14221,7 @@
             <a:pPr>
               <a:defRPr/>
             </a:pPr>
-            <a:fld id="{3EF4E9CC-9D91-476E-91FD-5BEEC1642931}" type="slidenum">
+            <a:fld id="{2E4304A7-0FB2-4094-BC1E-DB17183AD0C1}" type="slidenum">
               <a:rPr lang="en-US" altLang="x-none" smtClean="0"/>
               <a:pPr>
                 <a:defRPr/>
@@ -6459,16 +14232,1195 @@
           </a:p>
         </p:txBody>
       </p:sp>
+      <p:pic>
+        <p:nvPicPr>
+          <p:cNvPr id="5" name="Picture 4">
+            <a:extLst>
+              <a:ext uri="{FF2B5EF4-FFF2-40B4-BE49-F238E27FC236}">
+                <a16:creationId xmlns:a16="http://schemas.microsoft.com/office/drawing/2014/main" id="{395BBEEB-F841-944F-89D5-F9CA8C9DDF96}"/>
+              </a:ext>
+            </a:extLst>
+          </p:cNvPr>
+          <p:cNvPicPr>
+            <a:picLocks noChangeAspect="1"/>
+          </p:cNvPicPr>
+          <p:nvPr/>
+        </p:nvPicPr>
+        <p:blipFill>
+          <a:blip r:embed="rId2"/>
+          <a:stretch>
+            <a:fillRect/>
+          </a:stretch>
+        </p:blipFill>
+        <p:spPr>
+          <a:xfrm>
+            <a:off x="457200" y="1588755"/>
+            <a:ext cx="5105400" cy="3440445"/>
+          </a:xfrm>
+          <a:prstGeom prst="rect">
+            <a:avLst/>
+          </a:prstGeom>
+        </p:spPr>
+      </p:pic>
     </p:spTree>
     <p:extLst>
       <p:ext uri="{BB962C8B-B14F-4D97-AF65-F5344CB8AC3E}">
-        <p14:creationId xmlns:p14="http://schemas.microsoft.com/office/powerpoint/2010/main" val="2580091094"/>
+        <p14:creationId xmlns:p14="http://schemas.microsoft.com/office/powerpoint/2010/main" val="2469235880"/>
       </p:ext>
     </p:extLst>
   </p:cSld>
   <p:clrMapOvr>
     <a:masterClrMapping/>
   </p:clrMapOvr>
+  <p:timing>
+    <p:tnLst>
+      <p:par>
+        <p:cTn id="1" dur="indefinite" restart="never" nodeType="tmRoot">
+          <p:childTnLst>
+            <p:seq concurrent="1" nextAc="seek">
+              <p:cTn id="2" dur="indefinite" nodeType="mainSeq">
+                <p:childTnLst>
+                  <p:par>
+                    <p:cTn id="3" fill="hold">
+                      <p:stCondLst>
+                        <p:cond delay="indefinite"/>
+                      </p:stCondLst>
+                      <p:childTnLst>
+                        <p:par>
+                          <p:cTn id="4" fill="hold">
+                            <p:stCondLst>
+                              <p:cond delay="0"/>
+                            </p:stCondLst>
+                            <p:childTnLst>
+                              <p:par>
+                                <p:cTn id="5" presetID="1" presetClass="entr" presetSubtype="0" fill="hold" nodeType="clickEffect">
+                                  <p:stCondLst>
+                                    <p:cond delay="0"/>
+                                  </p:stCondLst>
+                                  <p:childTnLst>
+                                    <p:set>
+                                      <p:cBhvr>
+                                        <p:cTn id="6" dur="1" fill="hold">
+                                          <p:stCondLst>
+                                            <p:cond delay="0"/>
+                                          </p:stCondLst>
+                                        </p:cTn>
+                                        <p:tgtEl>
+                                          <p:spTgt spid="4">
+                                            <p:txEl>
+                                              <p:pRg st="3" end="3"/>
+                                            </p:txEl>
+                                          </p:spTgt>
+                                        </p:tgtEl>
+                                        <p:attrNameLst>
+                                          <p:attrName>style.visibility</p:attrName>
+                                        </p:attrNameLst>
+                                      </p:cBhvr>
+                                      <p:to>
+                                        <p:strVal val="visible"/>
+                                      </p:to>
+                                    </p:set>
+                                  </p:childTnLst>
+                                </p:cTn>
+                              </p:par>
+                              <p:par>
+                                <p:cTn id="7" presetID="1" presetClass="entr" presetSubtype="0" fill="hold" nodeType="withEffect">
+                                  <p:stCondLst>
+                                    <p:cond delay="0"/>
+                                  </p:stCondLst>
+                                  <p:childTnLst>
+                                    <p:set>
+                                      <p:cBhvr>
+                                        <p:cTn id="8" dur="1" fill="hold">
+                                          <p:stCondLst>
+                                            <p:cond delay="0"/>
+                                          </p:stCondLst>
+                                        </p:cTn>
+                                        <p:tgtEl>
+                                          <p:spTgt spid="4">
+                                            <p:txEl>
+                                              <p:pRg st="4" end="4"/>
+                                            </p:txEl>
+                                          </p:spTgt>
+                                        </p:tgtEl>
+                                        <p:attrNameLst>
+                                          <p:attrName>style.visibility</p:attrName>
+                                        </p:attrNameLst>
+                                      </p:cBhvr>
+                                      <p:to>
+                                        <p:strVal val="visible"/>
+                                      </p:to>
+                                    </p:set>
+                                  </p:childTnLst>
+                                </p:cTn>
+                              </p:par>
+                              <p:par>
+                                <p:cTn id="9" presetID="1" presetClass="entr" presetSubtype="0" fill="hold" nodeType="withEffect">
+                                  <p:stCondLst>
+                                    <p:cond delay="0"/>
+                                  </p:stCondLst>
+                                  <p:childTnLst>
+                                    <p:set>
+                                      <p:cBhvr>
+                                        <p:cTn id="10" dur="1" fill="hold">
+                                          <p:stCondLst>
+                                            <p:cond delay="0"/>
+                                          </p:stCondLst>
+                                        </p:cTn>
+                                        <p:tgtEl>
+                                          <p:spTgt spid="4">
+                                            <p:txEl>
+                                              <p:pRg st="5" end="5"/>
+                                            </p:txEl>
+                                          </p:spTgt>
+                                        </p:tgtEl>
+                                        <p:attrNameLst>
+                                          <p:attrName>style.visibility</p:attrName>
+                                        </p:attrNameLst>
+                                      </p:cBhvr>
+                                      <p:to>
+                                        <p:strVal val="visible"/>
+                                      </p:to>
+                                    </p:set>
+                                  </p:childTnLst>
+                                </p:cTn>
+                              </p:par>
+                            </p:childTnLst>
+                          </p:cTn>
+                        </p:par>
+                      </p:childTnLst>
+                    </p:cTn>
+                  </p:par>
+                </p:childTnLst>
+              </p:cTn>
+              <p:prevCondLst>
+                <p:cond evt="onPrev" delay="0">
+                  <p:tgtEl>
+                    <p:sldTgt/>
+                  </p:tgtEl>
+                </p:cond>
+              </p:prevCondLst>
+              <p:nextCondLst>
+                <p:cond evt="onNext" delay="0">
+                  <p:tgtEl>
+                    <p:sldTgt/>
+                  </p:tgtEl>
+                </p:cond>
+              </p:nextCondLst>
+            </p:seq>
+          </p:childTnLst>
+        </p:cTn>
+      </p:par>
+    </p:tnLst>
+  </p:timing>
+</p:sld>
+</file>
+
+<file path=ppt/slides/slide7.xml><?xml version="1.0" encoding="utf-8"?>
+<p:sld xmlns:a="http://schemas.openxmlformats.org/drawingml/2006/main" xmlns:r="http://schemas.openxmlformats.org/officeDocument/2006/relationships" xmlns:p="http://schemas.openxmlformats.org/presentationml/2006/main">
+  <p:cSld>
+    <p:spTree>
+      <p:nvGrpSpPr>
+        <p:cNvPr id="1" name=""/>
+        <p:cNvGrpSpPr/>
+        <p:nvPr/>
+      </p:nvGrpSpPr>
+      <p:grpSpPr>
+        <a:xfrm>
+          <a:off x="0" y="0"/>
+          <a:ext cx="0" cy="0"/>
+          <a:chOff x="0" y="0"/>
+          <a:chExt cx="0" cy="0"/>
+        </a:xfrm>
+      </p:grpSpPr>
+      <p:sp>
+        <p:nvSpPr>
+          <p:cNvPr id="2" name="Title 1">
+            <a:extLst>
+              <a:ext uri="{FF2B5EF4-FFF2-40B4-BE49-F238E27FC236}">
+                <a16:creationId xmlns:a16="http://schemas.microsoft.com/office/drawing/2014/main" id="{01EE71E3-D278-194F-AD60-377B92606373}"/>
+              </a:ext>
+            </a:extLst>
+          </p:cNvPr>
+          <p:cNvSpPr>
+            <a:spLocks noGrp="1"/>
+          </p:cNvSpPr>
+          <p:nvPr>
+            <p:ph type="title"/>
+          </p:nvPr>
+        </p:nvSpPr>
+        <p:spPr/>
+        <p:txBody>
+          <a:bodyPr/>
+          <a:lstStyle/>
+          <a:p>
+            <a:r>
+              <a:rPr lang="en-US" dirty="0"/>
+              <a:t>Model Management</a:t>
+            </a:r>
+          </a:p>
+        </p:txBody>
+      </p:sp>
+      <p:sp>
+        <p:nvSpPr>
+          <p:cNvPr id="3" name="Content Placeholder 2">
+            <a:extLst>
+              <a:ext uri="{FF2B5EF4-FFF2-40B4-BE49-F238E27FC236}">
+                <a16:creationId xmlns:a16="http://schemas.microsoft.com/office/drawing/2014/main" id="{82BA7785-BFA6-A14C-B708-6B575F591B9F}"/>
+              </a:ext>
+            </a:extLst>
+          </p:cNvPr>
+          <p:cNvSpPr>
+            <a:spLocks noGrp="1"/>
+          </p:cNvSpPr>
+          <p:nvPr>
+            <p:ph idx="1"/>
+          </p:nvPr>
+        </p:nvSpPr>
+        <p:spPr/>
+        <p:txBody>
+          <a:bodyPr/>
+          <a:lstStyle/>
+          <a:p>
+            <a:r>
+              <a:rPr lang="en-US" dirty="0"/>
+              <a:t>You will create many, many models.</a:t>
+            </a:r>
+          </a:p>
+          <a:p>
+            <a:r>
+              <a:rPr lang="en-US" dirty="0"/>
+              <a:t>How will you keep track of:</a:t>
+            </a:r>
+          </a:p>
+          <a:p>
+            <a:pPr lvl="1"/>
+            <a:r>
+              <a:rPr lang="en-US" dirty="0"/>
+              <a:t>What you’ve explored?</a:t>
+            </a:r>
+          </a:p>
+          <a:p>
+            <a:pPr lvl="1"/>
+            <a:r>
+              <a:rPr lang="en-US" dirty="0"/>
+              <a:t>Which ones work best?</a:t>
+            </a:r>
+          </a:p>
+          <a:p>
+            <a:pPr lvl="1"/>
+            <a:r>
+              <a:rPr lang="en-US" dirty="0"/>
+              <a:t>Comparisons between models?</a:t>
+            </a:r>
+          </a:p>
+          <a:p>
+            <a:r>
+              <a:rPr lang="en-US" dirty="0"/>
+              <a:t>Default approach</a:t>
+            </a:r>
+          </a:p>
+          <a:p>
+            <a:pPr lvl="1"/>
+            <a:r>
+              <a:rPr lang="en-US" dirty="0"/>
+              <a:t>Keep many versions of the antimony (</a:t>
+            </a:r>
+            <a:r>
+              <a:rPr lang="en-US" dirty="0" err="1"/>
+              <a:t>biotapestry</a:t>
+            </a:r>
+            <a:r>
+              <a:rPr lang="en-US" dirty="0"/>
+              <a:t>) source</a:t>
+            </a:r>
+          </a:p>
+        </p:txBody>
+      </p:sp>
+      <p:sp>
+        <p:nvSpPr>
+          <p:cNvPr id="4" name="Slide Number Placeholder 3">
+            <a:extLst>
+              <a:ext uri="{FF2B5EF4-FFF2-40B4-BE49-F238E27FC236}">
+                <a16:creationId xmlns:a16="http://schemas.microsoft.com/office/drawing/2014/main" id="{A6755A93-FE95-3A41-9E17-0EB5F724BB29}"/>
+              </a:ext>
+            </a:extLst>
+          </p:cNvPr>
+          <p:cNvSpPr>
+            <a:spLocks noGrp="1"/>
+          </p:cNvSpPr>
+          <p:nvPr>
+            <p:ph type="sldNum" sz="quarter" idx="11"/>
+          </p:nvPr>
+        </p:nvSpPr>
+        <p:spPr/>
+        <p:txBody>
+          <a:bodyPr/>
+          <a:lstStyle/>
+          <a:p>
+            <a:pPr>
+              <a:defRPr/>
+            </a:pPr>
+            <a:fld id="{3EF4E9CC-9D91-476E-91FD-5BEEC1642931}" type="slidenum">
+              <a:rPr lang="en-US" altLang="x-none" smtClean="0"/>
+              <a:pPr>
+                <a:defRPr/>
+              </a:pPr>
+              <a:t>7</a:t>
+            </a:fld>
+            <a:endParaRPr lang="en-US" altLang="x-none"/>
+          </a:p>
+        </p:txBody>
+      </p:sp>
+    </p:spTree>
+    <p:extLst>
+      <p:ext uri="{BB962C8B-B14F-4D97-AF65-F5344CB8AC3E}">
+        <p14:creationId xmlns:p14="http://schemas.microsoft.com/office/powerpoint/2010/main" val="2486898405"/>
+      </p:ext>
+    </p:extLst>
+  </p:cSld>
+  <p:clrMapOvr>
+    <a:masterClrMapping/>
+  </p:clrMapOvr>
+</p:sld>
+</file>
+
+<file path=ppt/slides/slide8.xml><?xml version="1.0" encoding="utf-8"?>
+<p:sld xmlns:a="http://schemas.openxmlformats.org/drawingml/2006/main" xmlns:r="http://schemas.openxmlformats.org/officeDocument/2006/relationships" xmlns:p="http://schemas.openxmlformats.org/presentationml/2006/main">
+  <p:cSld>
+    <p:spTree>
+      <p:nvGrpSpPr>
+        <p:cNvPr id="1" name=""/>
+        <p:cNvGrpSpPr/>
+        <p:nvPr/>
+      </p:nvGrpSpPr>
+      <p:grpSpPr>
+        <a:xfrm>
+          <a:off x="0" y="0"/>
+          <a:ext cx="0" cy="0"/>
+          <a:chOff x="0" y="0"/>
+          <a:chExt cx="0" cy="0"/>
+        </a:xfrm>
+      </p:grpSpPr>
+      <p:sp>
+        <p:nvSpPr>
+          <p:cNvPr id="3" name="Slide Number Placeholder 2">
+            <a:extLst>
+              <a:ext uri="{FF2B5EF4-FFF2-40B4-BE49-F238E27FC236}">
+                <a16:creationId xmlns:a16="http://schemas.microsoft.com/office/drawing/2014/main" id="{AC692E82-E9FE-BE44-81DB-62C28797DBCF}"/>
+              </a:ext>
+            </a:extLst>
+          </p:cNvPr>
+          <p:cNvSpPr>
+            <a:spLocks noGrp="1"/>
+          </p:cNvSpPr>
+          <p:nvPr>
+            <p:ph type="sldNum" sz="quarter" idx="11"/>
+          </p:nvPr>
+        </p:nvSpPr>
+        <p:spPr/>
+        <p:txBody>
+          <a:bodyPr/>
+          <a:lstStyle/>
+          <a:p>
+            <a:pPr>
+              <a:defRPr/>
+            </a:pPr>
+            <a:fld id="{2E4304A7-0FB2-4094-BC1E-DB17183AD0C1}" type="slidenum">
+              <a:rPr lang="en-US" altLang="x-none" smtClean="0"/>
+              <a:pPr>
+                <a:defRPr/>
+              </a:pPr>
+              <a:t>8</a:t>
+            </a:fld>
+            <a:endParaRPr lang="en-US" altLang="x-none"/>
+          </a:p>
+        </p:txBody>
+      </p:sp>
+      <p:pic>
+        <p:nvPicPr>
+          <p:cNvPr id="6" name="Picture 5">
+            <a:extLst>
+              <a:ext uri="{FF2B5EF4-FFF2-40B4-BE49-F238E27FC236}">
+                <a16:creationId xmlns:a16="http://schemas.microsoft.com/office/drawing/2014/main" id="{4FFF5E32-EA79-ED42-AE96-D4463D727502}"/>
+              </a:ext>
+            </a:extLst>
+          </p:cNvPr>
+          <p:cNvPicPr>
+            <a:picLocks noChangeAspect="1"/>
+          </p:cNvPicPr>
+          <p:nvPr/>
+        </p:nvPicPr>
+        <p:blipFill>
+          <a:blip r:embed="rId2"/>
+          <a:stretch>
+            <a:fillRect/>
+          </a:stretch>
+        </p:blipFill>
+        <p:spPr>
+          <a:xfrm>
+            <a:off x="304800" y="5363616"/>
+            <a:ext cx="6096002" cy="1283369"/>
+          </a:xfrm>
+          <a:prstGeom prst="rect">
+            <a:avLst/>
+          </a:prstGeom>
+        </p:spPr>
+      </p:pic>
+      <p:pic>
+        <p:nvPicPr>
+          <p:cNvPr id="8" name="Picture 7">
+            <a:extLst>
+              <a:ext uri="{FF2B5EF4-FFF2-40B4-BE49-F238E27FC236}">
+                <a16:creationId xmlns:a16="http://schemas.microsoft.com/office/drawing/2014/main" id="{A9D3BD0D-3F75-E841-9FD5-9E17AB289DE2}"/>
+              </a:ext>
+            </a:extLst>
+          </p:cNvPr>
+          <p:cNvPicPr>
+            <a:picLocks noChangeAspect="1"/>
+          </p:cNvPicPr>
+          <p:nvPr/>
+        </p:nvPicPr>
+        <p:blipFill>
+          <a:blip r:embed="rId3"/>
+          <a:stretch>
+            <a:fillRect/>
+          </a:stretch>
+        </p:blipFill>
+        <p:spPr>
+          <a:xfrm>
+            <a:off x="2590800" y="3517900"/>
+            <a:ext cx="2447684" cy="1130300"/>
+          </a:xfrm>
+          <a:prstGeom prst="rect">
+            <a:avLst/>
+          </a:prstGeom>
+        </p:spPr>
+      </p:pic>
+      <p:pic>
+        <p:nvPicPr>
+          <p:cNvPr id="14" name="Picture 13">
+            <a:extLst>
+              <a:ext uri="{FF2B5EF4-FFF2-40B4-BE49-F238E27FC236}">
+                <a16:creationId xmlns:a16="http://schemas.microsoft.com/office/drawing/2014/main" id="{7311E11A-C1A3-0847-BFB8-6FFA26618D5F}"/>
+              </a:ext>
+            </a:extLst>
+          </p:cNvPr>
+          <p:cNvPicPr>
+            <a:picLocks noChangeAspect="1"/>
+          </p:cNvPicPr>
+          <p:nvPr/>
+        </p:nvPicPr>
+        <p:blipFill>
+          <a:blip r:embed="rId4"/>
+          <a:stretch>
+            <a:fillRect/>
+          </a:stretch>
+        </p:blipFill>
+        <p:spPr>
+          <a:xfrm>
+            <a:off x="345342" y="3517900"/>
+            <a:ext cx="2016858" cy="1712867"/>
+          </a:xfrm>
+          <a:prstGeom prst="rect">
+            <a:avLst/>
+          </a:prstGeom>
+        </p:spPr>
+      </p:pic>
+      <p:pic>
+        <p:nvPicPr>
+          <p:cNvPr id="16" name="Picture 15">
+            <a:extLst>
+              <a:ext uri="{FF2B5EF4-FFF2-40B4-BE49-F238E27FC236}">
+                <a16:creationId xmlns:a16="http://schemas.microsoft.com/office/drawing/2014/main" id="{DE286D61-4597-E248-8BED-A4F5BA0A4466}"/>
+              </a:ext>
+            </a:extLst>
+          </p:cNvPr>
+          <p:cNvPicPr>
+            <a:picLocks noChangeAspect="1"/>
+          </p:cNvPicPr>
+          <p:nvPr/>
+        </p:nvPicPr>
+        <p:blipFill>
+          <a:blip r:embed="rId5"/>
+          <a:stretch>
+            <a:fillRect/>
+          </a:stretch>
+        </p:blipFill>
+        <p:spPr>
+          <a:xfrm>
+            <a:off x="304800" y="284865"/>
+            <a:ext cx="8305800" cy="3159878"/>
+          </a:xfrm>
+          <a:prstGeom prst="rect">
+            <a:avLst/>
+          </a:prstGeom>
+        </p:spPr>
+      </p:pic>
+      <p:sp>
+        <p:nvSpPr>
+          <p:cNvPr id="17" name="TextBox 16">
+            <a:extLst>
+              <a:ext uri="{FF2B5EF4-FFF2-40B4-BE49-F238E27FC236}">
+                <a16:creationId xmlns:a16="http://schemas.microsoft.com/office/drawing/2014/main" id="{44240069-A2F5-8048-9F04-EA67AC76B13E}"/>
+              </a:ext>
+            </a:extLst>
+          </p:cNvPr>
+          <p:cNvSpPr txBox="1"/>
+          <p:nvPr/>
+        </p:nvSpPr>
+        <p:spPr>
+          <a:xfrm>
+            <a:off x="6436458" y="4278129"/>
+            <a:ext cx="2362200" cy="923330"/>
+          </a:xfrm>
+          <a:prstGeom prst="rect">
+            <a:avLst/>
+          </a:prstGeom>
+          <a:solidFill>
+            <a:schemeClr val="bg1">
+              <a:lumMod val="95000"/>
+            </a:schemeClr>
+          </a:solidFill>
+        </p:spPr>
+        <p:txBody>
+          <a:bodyPr wrap="square" rtlCol="0">
+            <a:spAutoFit/>
+          </a:bodyPr>
+          <a:lstStyle/>
+          <a:p>
+            <a:r>
+              <a:rPr lang="en-US" dirty="0"/>
+              <a:t>What changes when you make a model update?</a:t>
+            </a:r>
+          </a:p>
+        </p:txBody>
+      </p:sp>
+    </p:spTree>
+    <p:extLst>
+      <p:ext uri="{BB962C8B-B14F-4D97-AF65-F5344CB8AC3E}">
+        <p14:creationId xmlns:p14="http://schemas.microsoft.com/office/powerpoint/2010/main" val="56915877"/>
+      </p:ext>
+    </p:extLst>
+  </p:cSld>
+  <p:clrMapOvr>
+    <a:masterClrMapping/>
+  </p:clrMapOvr>
+  <p:timing>
+    <p:tnLst>
+      <p:par>
+        <p:cTn id="1" dur="indefinite" restart="never" nodeType="tmRoot">
+          <p:childTnLst>
+            <p:seq concurrent="1" nextAc="seek">
+              <p:cTn id="2" dur="indefinite" nodeType="mainSeq">
+                <p:childTnLst>
+                  <p:par>
+                    <p:cTn id="3" fill="hold">
+                      <p:stCondLst>
+                        <p:cond delay="indefinite"/>
+                      </p:stCondLst>
+                      <p:childTnLst>
+                        <p:par>
+                          <p:cTn id="4" fill="hold">
+                            <p:stCondLst>
+                              <p:cond delay="0"/>
+                            </p:stCondLst>
+                            <p:childTnLst>
+                              <p:par>
+                                <p:cTn id="5" presetID="1" presetClass="entr" presetSubtype="0" fill="hold" grpId="0" nodeType="clickEffect">
+                                  <p:stCondLst>
+                                    <p:cond delay="0"/>
+                                  </p:stCondLst>
+                                  <p:childTnLst>
+                                    <p:set>
+                                      <p:cBhvr>
+                                        <p:cTn id="6" dur="1" fill="hold">
+                                          <p:stCondLst>
+                                            <p:cond delay="0"/>
+                                          </p:stCondLst>
+                                        </p:cTn>
+                                        <p:tgtEl>
+                                          <p:spTgt spid="17"/>
+                                        </p:tgtEl>
+                                        <p:attrNameLst>
+                                          <p:attrName>style.visibility</p:attrName>
+                                        </p:attrNameLst>
+                                      </p:cBhvr>
+                                      <p:to>
+                                        <p:strVal val="visible"/>
+                                      </p:to>
+                                    </p:set>
+                                  </p:childTnLst>
+                                </p:cTn>
+                              </p:par>
+                            </p:childTnLst>
+                          </p:cTn>
+                        </p:par>
+                      </p:childTnLst>
+                    </p:cTn>
+                  </p:par>
+                </p:childTnLst>
+              </p:cTn>
+              <p:prevCondLst>
+                <p:cond evt="onPrev" delay="0">
+                  <p:tgtEl>
+                    <p:sldTgt/>
+                  </p:tgtEl>
+                </p:cond>
+              </p:prevCondLst>
+              <p:nextCondLst>
+                <p:cond evt="onNext" delay="0">
+                  <p:tgtEl>
+                    <p:sldTgt/>
+                  </p:tgtEl>
+                </p:cond>
+              </p:nextCondLst>
+            </p:seq>
+          </p:childTnLst>
+        </p:cTn>
+      </p:par>
+    </p:tnLst>
+    <p:bldLst>
+      <p:bldP spid="17" grpId="0" animBg="1"/>
+    </p:bldLst>
+  </p:timing>
+</p:sld>
+</file>
+
+<file path=ppt/slides/slide9.xml><?xml version="1.0" encoding="utf-8"?>
+<p:sld xmlns:a="http://schemas.openxmlformats.org/drawingml/2006/main" xmlns:r="http://schemas.openxmlformats.org/officeDocument/2006/relationships" xmlns:p="http://schemas.openxmlformats.org/presentationml/2006/main">
+  <p:cSld>
+    <p:spTree>
+      <p:nvGrpSpPr>
+        <p:cNvPr id="1" name=""/>
+        <p:cNvGrpSpPr/>
+        <p:nvPr/>
+      </p:nvGrpSpPr>
+      <p:grpSpPr>
+        <a:xfrm>
+          <a:off x="0" y="0"/>
+          <a:ext cx="0" cy="0"/>
+          <a:chOff x="0" y="0"/>
+          <a:chExt cx="0" cy="0"/>
+        </a:xfrm>
+      </p:grpSpPr>
+      <p:sp>
+        <p:nvSpPr>
+          <p:cNvPr id="2" name="Slide Number Placeholder 1">
+            <a:extLst>
+              <a:ext uri="{FF2B5EF4-FFF2-40B4-BE49-F238E27FC236}">
+                <a16:creationId xmlns:a16="http://schemas.microsoft.com/office/drawing/2014/main" id="{0BA3C29B-4BC9-5C49-ADC9-6CC6B9E513AA}"/>
+              </a:ext>
+            </a:extLst>
+          </p:cNvPr>
+          <p:cNvSpPr>
+            <a:spLocks noGrp="1"/>
+          </p:cNvSpPr>
+          <p:nvPr>
+            <p:ph type="sldNum" sz="quarter" idx="11"/>
+          </p:nvPr>
+        </p:nvSpPr>
+        <p:spPr/>
+        <p:txBody>
+          <a:bodyPr/>
+          <a:lstStyle/>
+          <a:p>
+            <a:pPr>
+              <a:defRPr/>
+            </a:pPr>
+            <a:fld id="{21F96DF4-0A1C-4FFD-A010-55DAD04D9A67}" type="slidenum">
+              <a:rPr lang="en-US" altLang="x-none" smtClean="0"/>
+              <a:pPr>
+                <a:defRPr/>
+              </a:pPr>
+              <a:t>9</a:t>
+            </a:fld>
+            <a:endParaRPr lang="en-US" altLang="x-none"/>
+          </a:p>
+        </p:txBody>
+      </p:sp>
+      <p:pic>
+        <p:nvPicPr>
+          <p:cNvPr id="4" name="Picture 3">
+            <a:extLst>
+              <a:ext uri="{FF2B5EF4-FFF2-40B4-BE49-F238E27FC236}">
+                <a16:creationId xmlns:a16="http://schemas.microsoft.com/office/drawing/2014/main" id="{AC15C7C0-4A05-0C41-BE41-948FDBE928AB}"/>
+              </a:ext>
+            </a:extLst>
+          </p:cNvPr>
+          <p:cNvPicPr>
+            <a:picLocks noChangeAspect="1"/>
+          </p:cNvPicPr>
+          <p:nvPr/>
+        </p:nvPicPr>
+        <p:blipFill>
+          <a:blip r:embed="rId2"/>
+          <a:stretch>
+            <a:fillRect/>
+          </a:stretch>
+        </p:blipFill>
+        <p:spPr>
+          <a:xfrm>
+            <a:off x="380999" y="3661854"/>
+            <a:ext cx="3349627" cy="2891345"/>
+          </a:xfrm>
+          <a:prstGeom prst="rect">
+            <a:avLst/>
+          </a:prstGeom>
+        </p:spPr>
+      </p:pic>
+      <p:pic>
+        <p:nvPicPr>
+          <p:cNvPr id="6" name="Picture 5">
+            <a:extLst>
+              <a:ext uri="{FF2B5EF4-FFF2-40B4-BE49-F238E27FC236}">
+                <a16:creationId xmlns:a16="http://schemas.microsoft.com/office/drawing/2014/main" id="{C81D908E-1D53-2F4C-B353-E7A853266B48}"/>
+              </a:ext>
+            </a:extLst>
+          </p:cNvPr>
+          <p:cNvPicPr>
+            <a:picLocks noChangeAspect="1"/>
+          </p:cNvPicPr>
+          <p:nvPr/>
+        </p:nvPicPr>
+        <p:blipFill>
+          <a:blip r:embed="rId3"/>
+          <a:stretch>
+            <a:fillRect/>
+          </a:stretch>
+        </p:blipFill>
+        <p:spPr>
+          <a:xfrm>
+            <a:off x="381000" y="1972267"/>
+            <a:ext cx="8458200" cy="1456733"/>
+          </a:xfrm>
+          <a:prstGeom prst="rect">
+            <a:avLst/>
+          </a:prstGeom>
+        </p:spPr>
+      </p:pic>
+      <p:pic>
+        <p:nvPicPr>
+          <p:cNvPr id="8" name="Picture 7">
+            <a:extLst>
+              <a:ext uri="{FF2B5EF4-FFF2-40B4-BE49-F238E27FC236}">
+                <a16:creationId xmlns:a16="http://schemas.microsoft.com/office/drawing/2014/main" id="{9E791885-B9F9-D14A-8ADC-0EA510615C88}"/>
+              </a:ext>
+            </a:extLst>
+          </p:cNvPr>
+          <p:cNvPicPr>
+            <a:picLocks noChangeAspect="1"/>
+          </p:cNvPicPr>
+          <p:nvPr/>
+        </p:nvPicPr>
+        <p:blipFill>
+          <a:blip r:embed="rId4"/>
+          <a:stretch>
+            <a:fillRect/>
+          </a:stretch>
+        </p:blipFill>
+        <p:spPr>
+          <a:xfrm>
+            <a:off x="457200" y="511663"/>
+            <a:ext cx="7670800" cy="1308100"/>
+          </a:xfrm>
+          <a:prstGeom prst="rect">
+            <a:avLst/>
+          </a:prstGeom>
+        </p:spPr>
+      </p:pic>
+      <p:sp>
+        <p:nvSpPr>
+          <p:cNvPr id="9" name="TextBox 8">
+            <a:extLst>
+              <a:ext uri="{FF2B5EF4-FFF2-40B4-BE49-F238E27FC236}">
+                <a16:creationId xmlns:a16="http://schemas.microsoft.com/office/drawing/2014/main" id="{B574E945-13E9-6B42-AD29-1ED9A999B257}"/>
+              </a:ext>
+            </a:extLst>
+          </p:cNvPr>
+          <p:cNvSpPr txBox="1"/>
+          <p:nvPr/>
+        </p:nvSpPr>
+        <p:spPr>
+          <a:xfrm>
+            <a:off x="5718727" y="761212"/>
+            <a:ext cx="1928733" cy="369332"/>
+          </a:xfrm>
+          <a:prstGeom prst="rect">
+            <a:avLst/>
+          </a:prstGeom>
+          <a:noFill/>
+        </p:spPr>
+        <p:txBody>
+          <a:bodyPr wrap="none" rtlCol="0">
+            <a:spAutoFit/>
+          </a:bodyPr>
+          <a:lstStyle/>
+          <a:p>
+            <a:r>
+              <a:rPr lang="en-US" b="1" u="sng" dirty="0">
+                <a:solidFill>
+                  <a:schemeClr val="bg1"/>
+                </a:solidFill>
+              </a:rPr>
+              <a:t>Head (constant)</a:t>
+            </a:r>
+          </a:p>
+        </p:txBody>
+      </p:sp>
+      <p:sp>
+        <p:nvSpPr>
+          <p:cNvPr id="10" name="TextBox 9">
+            <a:extLst>
+              <a:ext uri="{FF2B5EF4-FFF2-40B4-BE49-F238E27FC236}">
+                <a16:creationId xmlns:a16="http://schemas.microsoft.com/office/drawing/2014/main" id="{C7C9E987-6EF8-5B40-9B22-069F12FAF686}"/>
+              </a:ext>
+            </a:extLst>
+          </p:cNvPr>
+          <p:cNvSpPr txBox="1"/>
+          <p:nvPr/>
+        </p:nvSpPr>
+        <p:spPr>
+          <a:xfrm>
+            <a:off x="5638800" y="2286000"/>
+            <a:ext cx="1800493" cy="369332"/>
+          </a:xfrm>
+          <a:prstGeom prst="rect">
+            <a:avLst/>
+          </a:prstGeom>
+          <a:noFill/>
+        </p:spPr>
+        <p:txBody>
+          <a:bodyPr wrap="none" rtlCol="0">
+            <a:spAutoFit/>
+          </a:bodyPr>
+          <a:lstStyle/>
+          <a:p>
+            <a:r>
+              <a:rPr lang="en-US" b="1" u="sng" dirty="0">
+                <a:solidFill>
+                  <a:schemeClr val="bg1"/>
+                </a:solidFill>
+              </a:rPr>
+              <a:t>Middle (varies)</a:t>
+            </a:r>
+          </a:p>
+        </p:txBody>
+      </p:sp>
+      <p:sp>
+        <p:nvSpPr>
+          <p:cNvPr id="11" name="TextBox 10">
+            <a:extLst>
+              <a:ext uri="{FF2B5EF4-FFF2-40B4-BE49-F238E27FC236}">
+                <a16:creationId xmlns:a16="http://schemas.microsoft.com/office/drawing/2014/main" id="{29ACDCF2-CA0D-6840-B09C-9AE246629D59}"/>
+              </a:ext>
+            </a:extLst>
+          </p:cNvPr>
+          <p:cNvSpPr txBox="1"/>
+          <p:nvPr/>
+        </p:nvSpPr>
+        <p:spPr>
+          <a:xfrm>
+            <a:off x="1912699" y="5181600"/>
+            <a:ext cx="1744901" cy="369332"/>
+          </a:xfrm>
+          <a:prstGeom prst="rect">
+            <a:avLst/>
+          </a:prstGeom>
+          <a:noFill/>
+        </p:spPr>
+        <p:txBody>
+          <a:bodyPr wrap="none" rtlCol="0">
+            <a:spAutoFit/>
+          </a:bodyPr>
+          <a:lstStyle/>
+          <a:p>
+            <a:r>
+              <a:rPr lang="en-US" b="1" u="sng" dirty="0">
+                <a:solidFill>
+                  <a:schemeClr val="bg1"/>
+                </a:solidFill>
+              </a:rPr>
+              <a:t>Tail (constant)</a:t>
+            </a:r>
+          </a:p>
+        </p:txBody>
+      </p:sp>
+      <p:sp>
+        <p:nvSpPr>
+          <p:cNvPr id="12" name="TextBox 11">
+            <a:extLst>
+              <a:ext uri="{FF2B5EF4-FFF2-40B4-BE49-F238E27FC236}">
+                <a16:creationId xmlns:a16="http://schemas.microsoft.com/office/drawing/2014/main" id="{48845262-4918-B24D-81A9-66E81B3AC8E6}"/>
+              </a:ext>
+            </a:extLst>
+          </p:cNvPr>
+          <p:cNvSpPr txBox="1"/>
+          <p:nvPr/>
+        </p:nvSpPr>
+        <p:spPr>
+          <a:xfrm>
+            <a:off x="4267200" y="4267200"/>
+            <a:ext cx="4495801" cy="2031325"/>
+          </a:xfrm>
+          <a:prstGeom prst="rect">
+            <a:avLst/>
+          </a:prstGeom>
+          <a:solidFill>
+            <a:schemeClr val="bg1">
+              <a:lumMod val="95000"/>
+            </a:schemeClr>
+          </a:solidFill>
+        </p:spPr>
+        <p:txBody>
+          <a:bodyPr wrap="square" rtlCol="0">
+            <a:spAutoFit/>
+          </a:bodyPr>
+          <a:lstStyle/>
+          <a:p>
+            <a:r>
+              <a:rPr lang="en-US" dirty="0"/>
+              <a:t>“Middle” has</a:t>
+            </a:r>
+          </a:p>
+          <a:p>
+            <a:pPr marL="285750" indent="-285750">
+              <a:buFont typeface="Arial" panose="020B0604020202020204" pitchFamily="34" charset="0"/>
+              <a:buChar char="•"/>
+            </a:pPr>
+            <a:r>
+              <a:rPr lang="en-US" dirty="0"/>
+              <a:t>mRNA reactions</a:t>
+            </a:r>
+          </a:p>
+          <a:p>
+            <a:pPr marL="285750" indent="-285750">
+              <a:buFont typeface="Arial" panose="020B0604020202020204" pitchFamily="34" charset="0"/>
+              <a:buChar char="•"/>
+            </a:pPr>
+            <a:r>
+              <a:rPr lang="en-US" dirty="0"/>
+              <a:t>Kinetics constants for mRNA reactions</a:t>
+            </a:r>
+          </a:p>
+          <a:p>
+            <a:r>
+              <a:rPr lang="en-US" dirty="0"/>
+              <a:t>Simplify “model” by:</a:t>
+            </a:r>
+          </a:p>
+          <a:p>
+            <a:pPr marL="342900" indent="-342900">
+              <a:buFont typeface="+mj-lt"/>
+              <a:buAutoNum type="arabicPeriod"/>
+            </a:pPr>
+            <a:r>
+              <a:rPr lang="en-US" dirty="0"/>
+              <a:t>Having model specified by “middle”</a:t>
+            </a:r>
+          </a:p>
+          <a:p>
+            <a:pPr marL="342900" indent="-342900">
+              <a:buFont typeface="+mj-lt"/>
+              <a:buAutoNum type="arabicPeriod"/>
+            </a:pPr>
+            <a:r>
+              <a:rPr lang="en-US" dirty="0"/>
+              <a:t>Generate full model by concatenating head + middle + tail</a:t>
+            </a:r>
+          </a:p>
+        </p:txBody>
+      </p:sp>
+    </p:spTree>
+    <p:extLst>
+      <p:ext uri="{BB962C8B-B14F-4D97-AF65-F5344CB8AC3E}">
+        <p14:creationId xmlns:p14="http://schemas.microsoft.com/office/powerpoint/2010/main" val="2071589558"/>
+      </p:ext>
+    </p:extLst>
+  </p:cSld>
+  <p:clrMapOvr>
+    <a:masterClrMapping/>
+  </p:clrMapOvr>
+  <p:timing>
+    <p:tnLst>
+      <p:par>
+        <p:cTn id="1" dur="indefinite" restart="never" nodeType="tmRoot">
+          <p:childTnLst>
+            <p:seq concurrent="1" nextAc="seek">
+              <p:cTn id="2" dur="indefinite" nodeType="mainSeq">
+                <p:childTnLst>
+                  <p:par>
+                    <p:cTn id="3" fill="hold">
+                      <p:stCondLst>
+                        <p:cond delay="indefinite"/>
+                      </p:stCondLst>
+                      <p:childTnLst>
+                        <p:par>
+                          <p:cTn id="4" fill="hold">
+                            <p:stCondLst>
+                              <p:cond delay="0"/>
+                            </p:stCondLst>
+                            <p:childTnLst>
+                              <p:par>
+                                <p:cTn id="5" presetID="1" presetClass="entr" presetSubtype="0" fill="hold" grpId="0" nodeType="clickEffect">
+                                  <p:stCondLst>
+                                    <p:cond delay="0"/>
+                                  </p:stCondLst>
+                                  <p:childTnLst>
+                                    <p:set>
+                                      <p:cBhvr>
+                                        <p:cTn id="6" dur="1" fill="hold">
+                                          <p:stCondLst>
+                                            <p:cond delay="0"/>
+                                          </p:stCondLst>
+                                        </p:cTn>
+                                        <p:tgtEl>
+                                          <p:spTgt spid="9"/>
+                                        </p:tgtEl>
+                                        <p:attrNameLst>
+                                          <p:attrName>style.visibility</p:attrName>
+                                        </p:attrNameLst>
+                                      </p:cBhvr>
+                                      <p:to>
+                                        <p:strVal val="visible"/>
+                                      </p:to>
+                                    </p:set>
+                                  </p:childTnLst>
+                                </p:cTn>
+                              </p:par>
+                              <p:par>
+                                <p:cTn id="7" presetID="1" presetClass="entr" presetSubtype="0" fill="hold" grpId="0" nodeType="withEffect">
+                                  <p:stCondLst>
+                                    <p:cond delay="0"/>
+                                  </p:stCondLst>
+                                  <p:childTnLst>
+                                    <p:set>
+                                      <p:cBhvr>
+                                        <p:cTn id="8" dur="1" fill="hold">
+                                          <p:stCondLst>
+                                            <p:cond delay="0"/>
+                                          </p:stCondLst>
+                                        </p:cTn>
+                                        <p:tgtEl>
+                                          <p:spTgt spid="10"/>
+                                        </p:tgtEl>
+                                        <p:attrNameLst>
+                                          <p:attrName>style.visibility</p:attrName>
+                                        </p:attrNameLst>
+                                      </p:cBhvr>
+                                      <p:to>
+                                        <p:strVal val="visible"/>
+                                      </p:to>
+                                    </p:set>
+                                  </p:childTnLst>
+                                </p:cTn>
+                              </p:par>
+                              <p:par>
+                                <p:cTn id="9" presetID="1" presetClass="entr" presetSubtype="0" fill="hold" grpId="0" nodeType="withEffect">
+                                  <p:stCondLst>
+                                    <p:cond delay="0"/>
+                                  </p:stCondLst>
+                                  <p:childTnLst>
+                                    <p:set>
+                                      <p:cBhvr>
+                                        <p:cTn id="10" dur="1" fill="hold">
+                                          <p:stCondLst>
+                                            <p:cond delay="0"/>
+                                          </p:stCondLst>
+                                        </p:cTn>
+                                        <p:tgtEl>
+                                          <p:spTgt spid="11"/>
+                                        </p:tgtEl>
+                                        <p:attrNameLst>
+                                          <p:attrName>style.visibility</p:attrName>
+                                        </p:attrNameLst>
+                                      </p:cBhvr>
+                                      <p:to>
+                                        <p:strVal val="visible"/>
+                                      </p:to>
+                                    </p:set>
+                                  </p:childTnLst>
+                                </p:cTn>
+                              </p:par>
+                            </p:childTnLst>
+                          </p:cTn>
+                        </p:par>
+                      </p:childTnLst>
+                    </p:cTn>
+                  </p:par>
+                  <p:par>
+                    <p:cTn id="11" fill="hold">
+                      <p:stCondLst>
+                        <p:cond delay="indefinite"/>
+                      </p:stCondLst>
+                      <p:childTnLst>
+                        <p:par>
+                          <p:cTn id="12" fill="hold">
+                            <p:stCondLst>
+                              <p:cond delay="0"/>
+                            </p:stCondLst>
+                            <p:childTnLst>
+                              <p:par>
+                                <p:cTn id="13" presetID="1" presetClass="entr" presetSubtype="0" fill="hold" grpId="0" nodeType="clickEffect">
+                                  <p:stCondLst>
+                                    <p:cond delay="0"/>
+                                  </p:stCondLst>
+                                  <p:childTnLst>
+                                    <p:set>
+                                      <p:cBhvr>
+                                        <p:cTn id="14" dur="1" fill="hold">
+                                          <p:stCondLst>
+                                            <p:cond delay="0"/>
+                                          </p:stCondLst>
+                                        </p:cTn>
+                                        <p:tgtEl>
+                                          <p:spTgt spid="12"/>
+                                        </p:tgtEl>
+                                        <p:attrNameLst>
+                                          <p:attrName>style.visibility</p:attrName>
+                                        </p:attrNameLst>
+                                      </p:cBhvr>
+                                      <p:to>
+                                        <p:strVal val="visible"/>
+                                      </p:to>
+                                    </p:set>
+                                  </p:childTnLst>
+                                </p:cTn>
+                              </p:par>
+                            </p:childTnLst>
+                          </p:cTn>
+                        </p:par>
+                      </p:childTnLst>
+                    </p:cTn>
+                  </p:par>
+                </p:childTnLst>
+              </p:cTn>
+              <p:prevCondLst>
+                <p:cond evt="onPrev" delay="0">
+                  <p:tgtEl>
+                    <p:sldTgt/>
+                  </p:tgtEl>
+                </p:cond>
+              </p:prevCondLst>
+              <p:nextCondLst>
+                <p:cond evt="onNext" delay="0">
+                  <p:tgtEl>
+                    <p:sldTgt/>
+                  </p:tgtEl>
+                </p:cond>
+              </p:nextCondLst>
+            </p:seq>
+          </p:childTnLst>
+        </p:cTn>
+      </p:par>
+    </p:tnLst>
+    <p:bldLst>
+      <p:bldP spid="9" grpId="0"/>
+      <p:bldP spid="10" grpId="0"/>
+      <p:bldP spid="11" grpId="0"/>
+      <p:bldP spid="12" grpId="0" animBg="1"/>
+    </p:bldLst>
+  </p:timing>
 </p:sld>
 </file>
 

--- a/lectures/lecture_17/Lecture_17_Generating_And_Using_Multiple_Models.pptx
+++ b/lectures/lecture_17/Lecture_17_Generating_And_Using_Multiple_Models.pptx
@@ -323,7 +323,7 @@
               <a:pPr>
                 <a:defRPr/>
               </a:pPr>
-              <a:t>11/13/19</a:t>
+              <a:t>11/15/19</a:t>
             </a:fld>
             <a:endParaRPr lang="en-US" altLang="x-none"/>
           </a:p>
@@ -532,7 +532,7 @@
               <a:pPr>
                 <a:defRPr/>
               </a:pPr>
-              <a:t>11/13/19</a:t>
+              <a:t>11/15/19</a:t>
             </a:fld>
             <a:endParaRPr lang="en-US" altLang="x-none"/>
           </a:p>
@@ -1080,7 +1080,7 @@
           <a:p>
             <a:r>
               <a:rPr lang="en-US" dirty="0"/>
-              <a:t>If we can express a model as simple text, then we can generate simple text to generate models.</a:t>
+              <a:t>If we can express a model as simple text, then we can generate simple text to generate models.  </a:t>
             </a:r>
           </a:p>
         </p:txBody>
@@ -9028,7 +9028,7 @@
           <a:p>
             <a:r>
               <a:rPr lang="en-US" dirty="0"/>
-              <a:t>Gene 7 or Gene 4 activate Gene 8: 8O+7,+8</a:t>
+              <a:t>Gene 7 or Gene 4 activate Gene 8: 8O+7,+4</a:t>
             </a:r>
           </a:p>
         </p:txBody>
@@ -9968,8 +9968,8 @@
         </p:nvSpPr>
         <p:spPr>
           <a:xfrm>
-            <a:off x="5181600" y="4385608"/>
-            <a:ext cx="1152880" cy="1938992"/>
+            <a:off x="5219700" y="4488185"/>
+            <a:ext cx="1295400" cy="1938992"/>
           </a:xfrm>
           <a:prstGeom prst="rect">
             <a:avLst/>
@@ -9981,14 +9981,14 @@
           </a:solidFill>
         </p:spPr>
         <p:txBody>
-          <a:bodyPr wrap="none" rtlCol="0">
+          <a:bodyPr wrap="square" rtlCol="0">
             <a:spAutoFit/>
           </a:bodyPr>
           <a:lstStyle/>
           <a:p>
             <a:r>
               <a:rPr lang="en-US" sz="2000" dirty="0"/>
-              <a:t>1A+0,+4</a:t>
+              <a:t>1O+0,+4</a:t>
             </a:r>
           </a:p>
           <a:p>
@@ -10012,7 +10012,7 @@
           <a:p>
             <a:r>
               <a:rPr lang="en-US" sz="2000" dirty="0"/>
-              <a:t>6A+7,-1</a:t>
+              <a:t>6A+7,-1 </a:t>
             </a:r>
           </a:p>
           <a:p>
@@ -10023,8 +10023,8 @@
           </a:p>
         </p:txBody>
       </p:sp>
-      <mc:AlternateContent xmlns:mc="http://schemas.openxmlformats.org/markup-compatibility/2006">
-        <mc:Choice xmlns:a14="http://schemas.microsoft.com/office/drawing/2010/main" Requires="a14">
+      <mc:AlternateContent xmlns:mc="http://schemas.openxmlformats.org/markup-compatibility/2006" xmlns:a14="http://schemas.microsoft.com/office/drawing/2010/main">
+        <mc:Choice Requires="a14">
           <p:sp>
             <p:nvSpPr>
               <p:cNvPr id="13" name="Rectangle 12">
@@ -10052,6 +10052,7 @@
               </a:bodyPr>
               <a:lstStyle/>
               <a:p>
+                <a:pPr/>
                 <a14:m>
                   <m:oMathPara xmlns:m="http://schemas.openxmlformats.org/officeDocument/2006/math">
                     <m:oMathParaPr>
@@ -10072,7 +10073,7 @@
             </p:txBody>
           </p:sp>
         </mc:Choice>
-        <mc:Fallback>
+        <mc:Fallback xmlns="">
           <p:sp>
             <p:nvSpPr>
               <p:cNvPr id="13" name="Rectangle 12">
@@ -10890,8 +10891,8 @@
             <a:chExt cx="710451" cy="980420"/>
           </a:xfrm>
         </p:grpSpPr>
-        <mc:AlternateContent xmlns:mc="http://schemas.openxmlformats.org/markup-compatibility/2006">
-          <mc:Choice xmlns:a14="http://schemas.microsoft.com/office/drawing/2010/main" Requires="a14">
+        <mc:AlternateContent xmlns:mc="http://schemas.openxmlformats.org/markup-compatibility/2006" xmlns:a14="http://schemas.microsoft.com/office/drawing/2010/main">
+          <mc:Choice Requires="a14">
             <p:sp>
               <p:nvSpPr>
                 <p:cNvPr id="26" name="Rectangle 25">
@@ -10919,6 +10920,7 @@
                 </a:bodyPr>
                 <a:lstStyle/>
                 <a:p>
+                  <a:pPr/>
                   <a14:m>
                     <m:oMathPara xmlns:m="http://schemas.openxmlformats.org/officeDocument/2006/math">
                       <m:oMathParaPr>
@@ -10939,7 +10941,7 @@
               </p:txBody>
             </p:sp>
           </mc:Choice>
-          <mc:Fallback>
+          <mc:Fallback xmlns="">
             <p:sp>
               <p:nvSpPr>
                 <p:cNvPr id="26" name="Rectangle 25">

--- a/lectures/lecture_17/Lecture_17_Generating_And_Using_Multiple_Models.pptx
+++ b/lectures/lecture_17/Lecture_17_Generating_And_Using_Multiple_Models.pptx
@@ -323,7 +323,7 @@
               <a:pPr>
                 <a:defRPr/>
               </a:pPr>
-              <a:t>11/15/19</a:t>
+              <a:t>11/16/19</a:t>
             </a:fld>
             <a:endParaRPr lang="en-US" altLang="x-none"/>
           </a:p>
@@ -532,7 +532,7 @@
               <a:pPr>
                 <a:defRPr/>
               </a:pPr>
-              <a:t>11/15/19</a:t>
+              <a:t>11/16/19</a:t>
             </a:fld>
             <a:endParaRPr lang="en-US" altLang="x-none"/>
           </a:p>
@@ -8974,7 +8974,7 @@
         <p:spPr>
           <a:xfrm>
             <a:off x="228600" y="381000"/>
-            <a:ext cx="2819400" cy="669924"/>
+            <a:ext cx="8382000" cy="669924"/>
           </a:xfrm>
         </p:spPr>
         <p:txBody>
@@ -8983,7 +8983,14 @@
           <a:p>
             <a:r>
               <a:rPr lang="en-US" sz="2800" dirty="0"/>
-              <a:t>Representing KDI</a:t>
+              <a:t>Representing Kinetics Determining Information (KDI)</a:t>
+            </a:r>
+            <a:br>
+              <a:rPr lang="en-US" sz="2800" dirty="0"/>
+            </a:br>
+            <a:r>
+              <a:rPr lang="en-US" sz="2800" dirty="0"/>
+              <a:t>(Assuming Non-competitive TFs)</a:t>
             </a:r>
           </a:p>
         </p:txBody>
@@ -9006,7 +9013,7 @@
         </p:nvSpPr>
         <p:spPr>
           <a:xfrm>
-            <a:off x="381000" y="2209800"/>
+            <a:off x="381000" y="1221377"/>
             <a:ext cx="8839200" cy="3107128"/>
           </a:xfrm>
         </p:spPr>
@@ -9016,7 +9023,7 @@
           <a:p>
             <a:r>
               <a:rPr lang="en-US" dirty="0"/>
-              <a:t>Gene 7 activates Gene 8: 8X+7</a:t>
+              <a:t>Gene 8 has no TF: 8</a:t>
             </a:r>
           </a:p>
           <a:p>
@@ -9028,8 +9035,25 @@
           <a:p>
             <a:r>
               <a:rPr lang="en-US" dirty="0"/>
-              <a:t>Gene 7 or Gene 4 activate Gene 8: 8O+7,+4</a:t>
-            </a:r>
+              <a:t>Gene 7 activates Gene 8: 8+7</a:t>
+            </a:r>
+          </a:p>
+          <a:p>
+            <a:pPr marL="0" indent="0">
+              <a:buNone/>
+            </a:pPr>
+            <a:endParaRPr lang="en-US" dirty="0"/>
+          </a:p>
+          <a:p>
+            <a:r>
+              <a:rPr lang="en-US" dirty="0"/>
+              <a:t>Gene 7 or Gene 4 activate Gene 8</a:t>
+            </a:r>
+            <a:r>
+              <a:rPr lang="en-US"/>
+              <a:t>: 8+7O+4</a:t>
+            </a:r>
+            <a:endParaRPr lang="en-US" dirty="0"/>
           </a:p>
         </p:txBody>
       </p:sp>
@@ -9082,8 +9106,8 @@
         </p:nvSpPr>
         <p:spPr>
           <a:xfrm>
-            <a:off x="533401" y="2684436"/>
-            <a:ext cx="6857999" cy="338554"/>
+            <a:off x="381000" y="2861846"/>
+            <a:ext cx="7543800" cy="338554"/>
           </a:xfrm>
           <a:prstGeom prst="rect">
             <a:avLst/>
@@ -9100,7 +9124,7 @@
                 <a:latin typeface="Courier New" panose="02070309020205020404" pitchFamily="49" charset="0"/>
                 <a:cs typeface="Courier New" panose="02070309020205020404" pitchFamily="49" charset="0"/>
               </a:rPr>
-              <a:t>L8 + Vm8*(K1_8*P7^H8 /(1 + K1_8*P7^H8)) d_mRNA8*mRNA8</a:t>
+              <a:t>L8 + Vm8*(K1_8*P7^H8 /(1 + K1_8*P7^H8)) - d_mRNA8*mRNA8</a:t>
             </a:r>
             <a:endParaRPr lang="en-US" sz="1600" dirty="0"/>
           </a:p>
@@ -9155,10 +9179,10 @@
       </p:sp>
       <p:sp>
         <p:nvSpPr>
-          <p:cNvPr id="10" name="Content Placeholder 9">
+          <p:cNvPr id="11" name="Content Placeholder 9">
             <a:extLst>
               <a:ext uri="{FF2B5EF4-FFF2-40B4-BE49-F238E27FC236}">
-                <a16:creationId xmlns:a16="http://schemas.microsoft.com/office/drawing/2014/main" id="{ECFEF704-DB39-0040-98F3-F180498CAFC0}"/>
+                <a16:creationId xmlns:a16="http://schemas.microsoft.com/office/drawing/2014/main" id="{BEABAA17-DC8F-9148-BBEB-812D51229388}"/>
               </a:ext>
             </a:extLst>
           </p:cNvPr>
@@ -9169,7 +9193,7 @@
         </p:nvSpPr>
         <p:spPr>
           <a:xfrm>
-            <a:off x="3200400" y="373062"/>
+            <a:off x="1600200" y="4487862"/>
             <a:ext cx="5334000" cy="1531938"/>
           </a:xfrm>
           <a:prstGeom prst="rect">
@@ -9342,288 +9366,87 @@
             </a:pPr>
             <a:r>
               <a:rPr lang="en-US" sz="2000" b="1" dirty="0"/>
-              <a:t>KDI</a:t>
-            </a:r>
-          </a:p>
-          <a:p>
-            <a:pPr marL="514350" indent="-514350">
-              <a:buFont typeface="+mj-lt"/>
-              <a:buAutoNum type="arabicPeriod"/>
-            </a:pPr>
-            <a:r>
-              <a:rPr lang="en-US" sz="2000" dirty="0"/>
-              <a:t>Which proteins are TFs?</a:t>
-            </a:r>
-          </a:p>
-          <a:p>
-            <a:pPr marL="514350" indent="-514350">
-              <a:buFont typeface="+mj-lt"/>
-              <a:buAutoNum type="arabicPeriod"/>
-            </a:pPr>
-            <a:r>
-              <a:rPr lang="en-US" sz="2000" dirty="0"/>
-              <a:t>Whether a protein activates or inhibits</a:t>
-            </a:r>
-          </a:p>
-          <a:p>
-            <a:pPr marL="514350" indent="-514350">
-              <a:buFont typeface="+mj-lt"/>
-              <a:buAutoNum type="arabicPeriod"/>
-            </a:pPr>
-            <a:r>
-              <a:rPr lang="en-US" sz="2000" dirty="0"/>
-              <a:t>How effects of TFs are “integrated”: AND, OR</a:t>
-            </a:r>
-          </a:p>
-          <a:p>
-            <a:pPr lvl="1"/>
-            <a:endParaRPr lang="en-US" sz="1800" i="1" dirty="0"/>
-          </a:p>
-        </p:txBody>
-      </p:sp>
-      <p:sp>
-        <p:nvSpPr>
-          <p:cNvPr id="11" name="Content Placeholder 9">
+              <a:t>Text representations: g, </a:t>
+            </a:r>
+            <a:r>
+              <a:rPr lang="en-US" sz="2000" b="1" dirty="0" err="1"/>
+              <a:t>gsp</a:t>
+            </a:r>
+            <a:r>
+              <a:rPr lang="en-US" sz="2000" b="1" dirty="0"/>
+              <a:t>, </a:t>
+            </a:r>
+            <a:r>
+              <a:rPr lang="en-US" sz="2000" b="1" dirty="0" err="1"/>
+              <a:t>gispsp</a:t>
+            </a:r>
+            <a:endParaRPr lang="en-US" sz="2000" b="1" dirty="0"/>
+          </a:p>
+          <a:p>
+            <a:r>
+              <a:rPr lang="en-US" sz="2200" dirty="0"/>
+              <a:t>g: gene for which kinetics are described</a:t>
+            </a:r>
+          </a:p>
+          <a:p>
+            <a:r>
+              <a:rPr lang="en-US" sz="2200" dirty="0" err="1"/>
+              <a:t>i</a:t>
+            </a:r>
+            <a:r>
+              <a:rPr lang="en-US" sz="2200" dirty="0"/>
+              <a:t>: Integration of signals. A=and, O=or</a:t>
+            </a:r>
+          </a:p>
+          <a:p>
+            <a:r>
+              <a:rPr lang="en-US" sz="2200" dirty="0"/>
+              <a:t>p: Protein numbers</a:t>
+            </a:r>
+          </a:p>
+          <a:p>
+            <a:r>
+              <a:rPr lang="en-US" sz="2200" dirty="0"/>
+              <a:t>s: +, -: activation, inhibition </a:t>
+            </a:r>
+          </a:p>
+        </p:txBody>
+      </p:sp>
+      <p:sp>
+        <p:nvSpPr>
+          <p:cNvPr id="9" name="Rectangle 8">
             <a:extLst>
               <a:ext uri="{FF2B5EF4-FFF2-40B4-BE49-F238E27FC236}">
-                <a16:creationId xmlns:a16="http://schemas.microsoft.com/office/drawing/2014/main" id="{BEABAA17-DC8F-9148-BBEB-812D51229388}"/>
+                <a16:creationId xmlns:a16="http://schemas.microsoft.com/office/drawing/2014/main" id="{519FFC51-0B78-A544-84C7-7D16845AD4F7}"/>
               </a:ext>
             </a:extLst>
           </p:cNvPr>
-          <p:cNvSpPr txBox="1">
-            <a:spLocks/>
-          </p:cNvSpPr>
+          <p:cNvSpPr/>
           <p:nvPr/>
         </p:nvSpPr>
         <p:spPr>
           <a:xfrm>
-            <a:off x="1600200" y="4487862"/>
-            <a:ext cx="5334000" cy="1531938"/>
+            <a:off x="533400" y="1676400"/>
+            <a:ext cx="2590800" cy="338554"/>
           </a:xfrm>
           <a:prstGeom prst="rect">
             <a:avLst/>
           </a:prstGeom>
-          <a:solidFill>
-            <a:schemeClr val="bg1">
-              <a:lumMod val="95000"/>
-            </a:schemeClr>
-          </a:solidFill>
-        </p:spPr>
-        <p:txBody>
-          <a:bodyPr/>
-          <a:lstStyle>
-            <a:lvl1pPr marL="342900" indent="-342900" algn="l" defTabSz="457200" rtl="0" eaLnBrk="0" fontAlgn="base" hangingPunct="0">
-              <a:spcBef>
-                <a:spcPct val="20000"/>
-              </a:spcBef>
-              <a:spcAft>
-                <a:spcPct val="0"/>
-              </a:spcAft>
-              <a:buFont typeface="Arial" panose="020B0604020202020204" pitchFamily="34" charset="0"/>
-              <a:buChar char="•"/>
-              <a:defRPr sz="2800" kern="1200">
-                <a:solidFill>
-                  <a:schemeClr val="tx1"/>
-                </a:solidFill>
-                <a:latin typeface="+mn-lt"/>
-                <a:ea typeface="ＭＳ Ｐゴシック" pitchFamily="-112" charset="-128"/>
-                <a:cs typeface="ＭＳ Ｐゴシック" pitchFamily="-112" charset="-128"/>
-              </a:defRPr>
-            </a:lvl1pPr>
-            <a:lvl2pPr marL="742950" indent="-285750" algn="l" defTabSz="457200" rtl="0" eaLnBrk="0" fontAlgn="base" hangingPunct="0">
-              <a:spcBef>
-                <a:spcPct val="20000"/>
-              </a:spcBef>
-              <a:spcAft>
-                <a:spcPct val="0"/>
-              </a:spcAft>
-              <a:buFont typeface="Arial" panose="020B0604020202020204" pitchFamily="34" charset="0"/>
-              <a:buChar char="–"/>
-              <a:defRPr sz="2400" kern="1200">
-                <a:solidFill>
-                  <a:schemeClr val="tx1"/>
-                </a:solidFill>
-                <a:latin typeface="+mn-lt"/>
-                <a:ea typeface="ＭＳ Ｐゴシック" pitchFamily="-112" charset="-128"/>
-                <a:cs typeface="+mn-cs"/>
-              </a:defRPr>
-            </a:lvl2pPr>
-            <a:lvl3pPr marL="1143000" indent="-228600" algn="l" defTabSz="457200" rtl="0" eaLnBrk="0" fontAlgn="base" hangingPunct="0">
-              <a:spcBef>
-                <a:spcPct val="20000"/>
-              </a:spcBef>
-              <a:spcAft>
-                <a:spcPct val="0"/>
-              </a:spcAft>
-              <a:buFont typeface="Arial" panose="020B0604020202020204" pitchFamily="34" charset="0"/>
-              <a:buChar char="•"/>
-              <a:defRPr sz="2000" kern="1200">
-                <a:solidFill>
-                  <a:schemeClr val="tx1"/>
-                </a:solidFill>
-                <a:latin typeface="+mn-lt"/>
-                <a:ea typeface="ＭＳ Ｐゴシック" pitchFamily="-112" charset="-128"/>
-                <a:cs typeface="+mn-cs"/>
-              </a:defRPr>
-            </a:lvl3pPr>
-            <a:lvl4pPr marL="1600200" indent="-228600" algn="l" defTabSz="457200" rtl="0" eaLnBrk="0" fontAlgn="base" hangingPunct="0">
-              <a:spcBef>
-                <a:spcPct val="20000"/>
-              </a:spcBef>
-              <a:spcAft>
-                <a:spcPct val="0"/>
-              </a:spcAft>
-              <a:buFont typeface="Arial" panose="020B0604020202020204" pitchFamily="34" charset="0"/>
-              <a:buChar char="–"/>
-              <a:defRPr sz="1800" kern="1200">
-                <a:solidFill>
-                  <a:schemeClr val="tx1"/>
-                </a:solidFill>
-                <a:latin typeface="+mn-lt"/>
-                <a:ea typeface="ＭＳ Ｐゴシック" pitchFamily="-112" charset="-128"/>
-                <a:cs typeface="+mn-cs"/>
-              </a:defRPr>
-            </a:lvl4pPr>
-            <a:lvl5pPr marL="2057400" indent="-228600" algn="l" defTabSz="457200" rtl="0" eaLnBrk="0" fontAlgn="base" hangingPunct="0">
-              <a:spcBef>
-                <a:spcPct val="20000"/>
-              </a:spcBef>
-              <a:spcAft>
-                <a:spcPct val="0"/>
-              </a:spcAft>
-              <a:buFont typeface="Arial" panose="020B0604020202020204" pitchFamily="34" charset="0"/>
-              <a:buChar char="»"/>
-              <a:defRPr sz="1800" kern="1200">
-                <a:solidFill>
-                  <a:schemeClr val="tx1"/>
-                </a:solidFill>
-                <a:latin typeface="+mn-lt"/>
-                <a:ea typeface="ＭＳ Ｐゴシック" pitchFamily="-112" charset="-128"/>
-                <a:cs typeface="+mn-cs"/>
-              </a:defRPr>
-            </a:lvl5pPr>
-            <a:lvl6pPr marL="2514600" indent="-228600" algn="l" defTabSz="457200" rtl="0" eaLnBrk="1" latinLnBrk="0" hangingPunct="1">
-              <a:spcBef>
-                <a:spcPct val="20000"/>
-              </a:spcBef>
-              <a:buFont typeface="Arial"/>
-              <a:buChar char="•"/>
-              <a:defRPr sz="2000" kern="1200">
-                <a:solidFill>
-                  <a:schemeClr val="tx1"/>
-                </a:solidFill>
-                <a:latin typeface="+mn-lt"/>
-                <a:ea typeface="+mn-ea"/>
-                <a:cs typeface="+mn-cs"/>
-              </a:defRPr>
-            </a:lvl6pPr>
-            <a:lvl7pPr marL="2971800" indent="-228600" algn="l" defTabSz="457200" rtl="0" eaLnBrk="1" latinLnBrk="0" hangingPunct="1">
-              <a:spcBef>
-                <a:spcPct val="20000"/>
-              </a:spcBef>
-              <a:buFont typeface="Arial"/>
-              <a:buChar char="•"/>
-              <a:defRPr sz="2000" kern="1200">
-                <a:solidFill>
-                  <a:schemeClr val="tx1"/>
-                </a:solidFill>
-                <a:latin typeface="+mn-lt"/>
-                <a:ea typeface="+mn-ea"/>
-                <a:cs typeface="+mn-cs"/>
-              </a:defRPr>
-            </a:lvl7pPr>
-            <a:lvl8pPr marL="3429000" indent="-228600" algn="l" defTabSz="457200" rtl="0" eaLnBrk="1" latinLnBrk="0" hangingPunct="1">
-              <a:spcBef>
-                <a:spcPct val="20000"/>
-              </a:spcBef>
-              <a:buFont typeface="Arial"/>
-              <a:buChar char="•"/>
-              <a:defRPr sz="2000" kern="1200">
-                <a:solidFill>
-                  <a:schemeClr val="tx1"/>
-                </a:solidFill>
-                <a:latin typeface="+mn-lt"/>
-                <a:ea typeface="+mn-ea"/>
-                <a:cs typeface="+mn-cs"/>
-              </a:defRPr>
-            </a:lvl8pPr>
-            <a:lvl9pPr marL="3886200" indent="-228600" algn="l" defTabSz="457200" rtl="0" eaLnBrk="1" latinLnBrk="0" hangingPunct="1">
-              <a:spcBef>
-                <a:spcPct val="20000"/>
-              </a:spcBef>
-              <a:buFont typeface="Arial"/>
-              <a:buChar char="•"/>
-              <a:defRPr sz="2000" kern="1200">
-                <a:solidFill>
-                  <a:schemeClr val="tx1"/>
-                </a:solidFill>
-                <a:latin typeface="+mn-lt"/>
-                <a:ea typeface="+mn-ea"/>
-                <a:cs typeface="+mn-cs"/>
-              </a:defRPr>
-            </a:lvl9pPr>
-          </a:lstStyle>
-          <a:p>
-            <a:pPr marL="0" indent="0">
-              <a:buFont typeface="Arial" panose="020B0604020202020204" pitchFamily="34" charset="0"/>
-              <a:buNone/>
-            </a:pPr>
-            <a:r>
-              <a:rPr lang="en-US" sz="2000" b="1" dirty="0"/>
-              <a:t>Text representation: {</a:t>
-            </a:r>
-            <a:r>
-              <a:rPr lang="en-US" sz="2000" b="1" dirty="0" err="1"/>
-              <a:t>Gn</a:t>
-            </a:r>
-            <a:r>
-              <a:rPr lang="en-US" sz="2000" b="1" dirty="0"/>
-              <a:t>}{X,A,O}{+,-}{Pi}{+,-}{</a:t>
-            </a:r>
-            <a:r>
-              <a:rPr lang="en-US" sz="2000" b="1" dirty="0" err="1"/>
-              <a:t>Pj</a:t>
-            </a:r>
-            <a:r>
-              <a:rPr lang="en-US" sz="2000" b="1" dirty="0"/>
-              <a:t>}</a:t>
-            </a:r>
-          </a:p>
-          <a:p>
-            <a:r>
-              <a:rPr lang="en-US" sz="2200" dirty="0" err="1"/>
-              <a:t>Gn</a:t>
-            </a:r>
-            <a:r>
-              <a:rPr lang="en-US" sz="2200" dirty="0"/>
-              <a:t>: gene for which kinetics are described</a:t>
-            </a:r>
-          </a:p>
-          <a:p>
-            <a:r>
-              <a:rPr lang="en-US" sz="2200" dirty="0"/>
-              <a:t>X,A,O: Integration of signals. A=and, O=or</a:t>
-            </a:r>
-          </a:p>
-          <a:p>
-            <a:r>
-              <a:rPr lang="en-US" sz="2200" dirty="0"/>
-              <a:t>Pi, </a:t>
-            </a:r>
-            <a:r>
-              <a:rPr lang="en-US" sz="2200" dirty="0" err="1"/>
-              <a:t>Pj</a:t>
-            </a:r>
-            <a:r>
-              <a:rPr lang="en-US" sz="2200" dirty="0"/>
-              <a:t>: Protein numbers</a:t>
-            </a:r>
-          </a:p>
-          <a:p>
-            <a:r>
-              <a:rPr lang="en-US" sz="2200" dirty="0"/>
-              <a:t>+, -: activation, inhibition </a:t>
-            </a:r>
+        </p:spPr>
+        <p:txBody>
+          <a:bodyPr wrap="square">
+            <a:spAutoFit/>
+          </a:bodyPr>
+          <a:lstStyle/>
+          <a:p>
+            <a:r>
+              <a:rPr lang="en-US" sz="1600" dirty="0">
+                <a:latin typeface="Courier New" panose="02070309020205020404" pitchFamily="49" charset="0"/>
+                <a:cs typeface="Courier New" panose="02070309020205020404" pitchFamily="49" charset="0"/>
+              </a:rPr>
+              <a:t>L8 - d_mRNA8*mRNA8</a:t>
+            </a:r>
+            <a:endParaRPr lang="en-US" sz="1600" dirty="0"/>
           </a:p>
         </p:txBody>
       </p:sp>
@@ -9735,6 +9558,51 @@
                       </p:childTnLst>
                     </p:cTn>
                   </p:par>
+                  <p:par>
+                    <p:cTn id="11" fill="hold">
+                      <p:stCondLst>
+                        <p:cond delay="indefinite"/>
+                      </p:stCondLst>
+                      <p:childTnLst>
+                        <p:par>
+                          <p:cTn id="12" fill="hold">
+                            <p:stCondLst>
+                              <p:cond delay="0"/>
+                            </p:stCondLst>
+                            <p:childTnLst>
+                              <p:par>
+                                <p:cTn id="13" presetID="1" presetClass="entr" presetSubtype="0" fill="hold" grpId="0" nodeType="clickEffect">
+                                  <p:stCondLst>
+                                    <p:cond delay="0"/>
+                                  </p:stCondLst>
+                                  <p:childTnLst>
+                                    <p:set>
+                                      <p:cBhvr>
+                                        <p:cTn id="14" dur="1" fill="hold">
+                                          <p:stCondLst>
+                                            <p:cond delay="0"/>
+                                          </p:stCondLst>
+                                        </p:cTn>
+                                        <p:tgtEl>
+                                          <p:spTgt spid="9"/>
+                                        </p:tgtEl>
+                                        <p:attrNameLst>
+                                          <p:attrName>style.visibility</p:attrName>
+                                        </p:attrNameLst>
+                                      </p:cBhvr>
+                                      <p:to>
+                                        <p:strVal val="visible"/>
+                                      </p:to>
+                                    </p:set>
+                                  </p:childTnLst>
+                                </p:cTn>
+                              </p:par>
+                            </p:childTnLst>
+                          </p:cTn>
+                        </p:par>
+                      </p:childTnLst>
+                    </p:cTn>
+                  </p:par>
                 </p:childTnLst>
               </p:cTn>
               <p:prevCondLst>
@@ -9759,6 +9627,7 @@
     <p:bldLst>
       <p:bldP spid="5" grpId="0"/>
       <p:bldP spid="8" grpId="0"/>
+      <p:bldP spid="9" grpId="0"/>
     </p:bldLst>
   </p:timing>
 </p:sld>
